--- a/slides/Unit 2 - LC 101 - Class 4.pptx
+++ b/slides/Unit 2 - LC 101 - Class 4.pptx
@@ -1,21 +1,26 @@
 
 <file path=ppt/presentation.xml><?xml version="1.0" encoding="utf-8"?>
-<p:presentation xmlns:a="http://schemas.openxmlformats.org/drawingml/2006/main" xmlns:r="http://schemas.openxmlformats.org/officeDocument/2006/relationships" xmlns:mc="http://schemas.openxmlformats.org/markup-compatibility/2006" xmlns:mv="urn:schemas-microsoft-com:mac:vml" xmlns:p="http://schemas.openxmlformats.org/presentationml/2006/main" xmlns:c="http://schemas.openxmlformats.org/drawingml/2006/chart" xmlns:dgm="http://schemas.openxmlformats.org/drawingml/2006/diagram" xmlns:o="urn:schemas-microsoft-com:office:office" xmlns:v="urn:schemas-microsoft-com:vml" xmlns:pvml="urn:schemas-microsoft-com:office:powerpoint" xmlns:com="http://schemas.openxmlformats.org/drawingml/2006/compatibility" xmlns:p14="http://schemas.microsoft.com/office/powerpoint/2010/main" xmlns:p15="http://schemas.microsoft.com/office/powerpoint/2012/main" autoCompressPictures="0" strictFirstAndLastChars="0" saveSubsetFonts="1">
+<p:presentation xmlns:a="http://schemas.openxmlformats.org/drawingml/2006/main" xmlns:r="http://schemas.openxmlformats.org/officeDocument/2006/relationships" xmlns:p="http://schemas.openxmlformats.org/presentationml/2006/main" strictFirstAndLastChars="0" saveSubsetFonts="1" autoCompressPictures="0">
   <p:sldMasterIdLst>
-    <p:sldMasterId id="2147483659" r:id="rId3"/>
+    <p:sldMasterId id="2147483659" r:id="rId1"/>
   </p:sldMasterIdLst>
   <p:notesMasterIdLst>
-    <p:notesMasterId r:id="rId4"/>
+    <p:notesMasterId r:id="rId10"/>
   </p:notesMasterIdLst>
   <p:sldIdLst>
-    <p:sldId id="256" r:id="rId5"/>
-    <p:sldId id="257" r:id="rId6"/>
+    <p:sldId id="263" r:id="rId2"/>
+    <p:sldId id="261" r:id="rId3"/>
+    <p:sldId id="262" r:id="rId4"/>
+    <p:sldId id="260" r:id="rId5"/>
+    <p:sldId id="256" r:id="rId6"/>
     <p:sldId id="258" r:id="rId7"/>
+    <p:sldId id="257" r:id="rId8"/>
+    <p:sldId id="264" r:id="rId9"/>
   </p:sldIdLst>
-  <p:sldSz cy="5143500" cx="9144000"/>
+  <p:sldSz cx="9144000" cy="5143500" type="screen16x9"/>
   <p:notesSz cx="6858000" cy="9144000"/>
   <p:defaultTextStyle>
-    <a:defPPr lvl="0" marR="0" rtl="0" algn="l">
+    <a:defPPr marR="0" lvl="0" algn="l" rtl="0">
       <a:lnSpc>
         <a:spcPct val="100000"/>
       </a:lnSpc>
@@ -26,7 +31,7 @@
         <a:spcPts val="0"/>
       </a:spcAft>
     </a:defPPr>
-    <a:lvl1pPr lvl="0" marR="0" rtl="0" algn="l">
+    <a:lvl1pPr marR="0" lvl="0" algn="l" rtl="0">
       <a:lnSpc>
         <a:spcPct val="100000"/>
       </a:lnSpc>
@@ -40,7 +45,7 @@
         <a:srgbClr val="000000"/>
       </a:buClr>
       <a:buFont typeface="Arial"/>
-      <a:defRPr b="0" i="0" sz="1400" u="none" cap="none" strike="noStrike">
+      <a:defRPr sz="1400" b="0" i="0" u="none" strike="noStrike" cap="none">
         <a:solidFill>
           <a:srgbClr val="000000"/>
         </a:solidFill>
@@ -50,7 +55,7 @@
         <a:sym typeface="Arial"/>
       </a:defRPr>
     </a:lvl1pPr>
-    <a:lvl2pPr lvl="1" marR="0" rtl="0" algn="l">
+    <a:lvl2pPr marR="0" lvl="1" algn="l" rtl="0">
       <a:lnSpc>
         <a:spcPct val="100000"/>
       </a:lnSpc>
@@ -64,7 +69,7 @@
         <a:srgbClr val="000000"/>
       </a:buClr>
       <a:buFont typeface="Arial"/>
-      <a:defRPr b="0" i="0" sz="1400" u="none" cap="none" strike="noStrike">
+      <a:defRPr sz="1400" b="0" i="0" u="none" strike="noStrike" cap="none">
         <a:solidFill>
           <a:srgbClr val="000000"/>
         </a:solidFill>
@@ -74,7 +79,7 @@
         <a:sym typeface="Arial"/>
       </a:defRPr>
     </a:lvl2pPr>
-    <a:lvl3pPr lvl="2" marR="0" rtl="0" algn="l">
+    <a:lvl3pPr marR="0" lvl="2" algn="l" rtl="0">
       <a:lnSpc>
         <a:spcPct val="100000"/>
       </a:lnSpc>
@@ -88,7 +93,7 @@
         <a:srgbClr val="000000"/>
       </a:buClr>
       <a:buFont typeface="Arial"/>
-      <a:defRPr b="0" i="0" sz="1400" u="none" cap="none" strike="noStrike">
+      <a:defRPr sz="1400" b="0" i="0" u="none" strike="noStrike" cap="none">
         <a:solidFill>
           <a:srgbClr val="000000"/>
         </a:solidFill>
@@ -98,7 +103,7 @@
         <a:sym typeface="Arial"/>
       </a:defRPr>
     </a:lvl3pPr>
-    <a:lvl4pPr lvl="3" marR="0" rtl="0" algn="l">
+    <a:lvl4pPr marR="0" lvl="3" algn="l" rtl="0">
       <a:lnSpc>
         <a:spcPct val="100000"/>
       </a:lnSpc>
@@ -112,7 +117,7 @@
         <a:srgbClr val="000000"/>
       </a:buClr>
       <a:buFont typeface="Arial"/>
-      <a:defRPr b="0" i="0" sz="1400" u="none" cap="none" strike="noStrike">
+      <a:defRPr sz="1400" b="0" i="0" u="none" strike="noStrike" cap="none">
         <a:solidFill>
           <a:srgbClr val="000000"/>
         </a:solidFill>
@@ -122,7 +127,7 @@
         <a:sym typeface="Arial"/>
       </a:defRPr>
     </a:lvl4pPr>
-    <a:lvl5pPr lvl="4" marR="0" rtl="0" algn="l">
+    <a:lvl5pPr marR="0" lvl="4" algn="l" rtl="0">
       <a:lnSpc>
         <a:spcPct val="100000"/>
       </a:lnSpc>
@@ -136,7 +141,7 @@
         <a:srgbClr val="000000"/>
       </a:buClr>
       <a:buFont typeface="Arial"/>
-      <a:defRPr b="0" i="0" sz="1400" u="none" cap="none" strike="noStrike">
+      <a:defRPr sz="1400" b="0" i="0" u="none" strike="noStrike" cap="none">
         <a:solidFill>
           <a:srgbClr val="000000"/>
         </a:solidFill>
@@ -146,7 +151,7 @@
         <a:sym typeface="Arial"/>
       </a:defRPr>
     </a:lvl5pPr>
-    <a:lvl6pPr lvl="5" marR="0" rtl="0" algn="l">
+    <a:lvl6pPr marR="0" lvl="5" algn="l" rtl="0">
       <a:lnSpc>
         <a:spcPct val="100000"/>
       </a:lnSpc>
@@ -160,7 +165,7 @@
         <a:srgbClr val="000000"/>
       </a:buClr>
       <a:buFont typeface="Arial"/>
-      <a:defRPr b="0" i="0" sz="1400" u="none" cap="none" strike="noStrike">
+      <a:defRPr sz="1400" b="0" i="0" u="none" strike="noStrike" cap="none">
         <a:solidFill>
           <a:srgbClr val="000000"/>
         </a:solidFill>
@@ -170,7 +175,7 @@
         <a:sym typeface="Arial"/>
       </a:defRPr>
     </a:lvl6pPr>
-    <a:lvl7pPr lvl="6" marR="0" rtl="0" algn="l">
+    <a:lvl7pPr marR="0" lvl="6" algn="l" rtl="0">
       <a:lnSpc>
         <a:spcPct val="100000"/>
       </a:lnSpc>
@@ -184,7 +189,7 @@
         <a:srgbClr val="000000"/>
       </a:buClr>
       <a:buFont typeface="Arial"/>
-      <a:defRPr b="0" i="0" sz="1400" u="none" cap="none" strike="noStrike">
+      <a:defRPr sz="1400" b="0" i="0" u="none" strike="noStrike" cap="none">
         <a:solidFill>
           <a:srgbClr val="000000"/>
         </a:solidFill>
@@ -194,7 +199,7 @@
         <a:sym typeface="Arial"/>
       </a:defRPr>
     </a:lvl7pPr>
-    <a:lvl8pPr lvl="7" marR="0" rtl="0" algn="l">
+    <a:lvl8pPr marR="0" lvl="7" algn="l" rtl="0">
       <a:lnSpc>
         <a:spcPct val="100000"/>
       </a:lnSpc>
@@ -208,7 +213,7 @@
         <a:srgbClr val="000000"/>
       </a:buClr>
       <a:buFont typeface="Arial"/>
-      <a:defRPr b="0" i="0" sz="1400" u="none" cap="none" strike="noStrike">
+      <a:defRPr sz="1400" b="0" i="0" u="none" strike="noStrike" cap="none">
         <a:solidFill>
           <a:srgbClr val="000000"/>
         </a:solidFill>
@@ -218,7 +223,7 @@
         <a:sym typeface="Arial"/>
       </a:defRPr>
     </a:lvl8pPr>
-    <a:lvl9pPr lvl="8" marR="0" rtl="0" algn="l">
+    <a:lvl9pPr marR="0" lvl="8" algn="l" rtl="0">
       <a:lnSpc>
         <a:spcPct val="100000"/>
       </a:lnSpc>
@@ -232,7 +237,7 @@
         <a:srgbClr val="000000"/>
       </a:buClr>
       <a:buFont typeface="Arial"/>
-      <a:defRPr b="0" i="0" sz="1400" u="none" cap="none" strike="noStrike">
+      <a:defRPr sz="1400" b="0" i="0" u="none" strike="noStrike" cap="none">
         <a:solidFill>
           <a:srgbClr val="000000"/>
         </a:solidFill>
@@ -247,11 +252,16 @@
 </file>
 
 <file path=ppt/notesMasters/notesMaster1.xml><?xml version="1.0" encoding="utf-8"?>
-<p:notesMaster xmlns:a="http://schemas.openxmlformats.org/drawingml/2006/main" xmlns:r="http://schemas.openxmlformats.org/officeDocument/2006/relationships" xmlns:mc="http://schemas.openxmlformats.org/markup-compatibility/2006" xmlns:mv="urn:schemas-microsoft-com:mac:vml" xmlns:p="http://schemas.openxmlformats.org/presentationml/2006/main" xmlns:c="http://schemas.openxmlformats.org/drawingml/2006/chart" xmlns:dgm="http://schemas.openxmlformats.org/drawingml/2006/diagram" xmlns:o="urn:schemas-microsoft-com:office:office" xmlns:v="urn:schemas-microsoft-com:vml" xmlns:pvml="urn:schemas-microsoft-com:office:powerpoint" xmlns:com="http://schemas.openxmlformats.org/drawingml/2006/compatibility" xmlns:p14="http://schemas.microsoft.com/office/powerpoint/2010/main" xmlns:p15="http://schemas.microsoft.com/office/powerpoint/2012/main">
+<p:notesMaster xmlns:a="http://schemas.openxmlformats.org/drawingml/2006/main" xmlns:r="http://schemas.openxmlformats.org/officeDocument/2006/relationships" xmlns:p="http://schemas.openxmlformats.org/presentationml/2006/main">
   <p:cSld>
+    <p:bg>
+      <p:bgRef idx="1001">
+        <a:schemeClr val="bg1"/>
+      </p:bgRef>
+    </p:bg>
     <p:spTree>
       <p:nvGrpSpPr>
-        <p:cNvPr id="2" name="Shape 2"/>
+        <p:cNvPr id="1" name="Shape 2"/>
         <p:cNvGrpSpPr/>
         <p:nvPr/>
       </p:nvGrpSpPr>
@@ -266,9 +276,11 @@
       <p:sp>
         <p:nvSpPr>
           <p:cNvPr id="3" name="Shape 3"/>
-          <p:cNvSpPr/>
+          <p:cNvSpPr>
+            <a:spLocks noGrp="1" noRot="1" noChangeAspect="1"/>
+          </p:cNvSpPr>
           <p:nvPr>
-            <p:ph idx="2" type="sldImg"/>
+            <p:ph type="sldImg" idx="2"/>
           </p:nvPr>
         </p:nvSpPr>
         <p:spPr>
@@ -277,8 +289,13 @@
             <a:ext cx="6096075" cy="3429000"/>
           </a:xfrm>
           <a:custGeom>
+            <a:avLst/>
+            <a:gdLst/>
+            <a:ahLst/>
+            <a:cxnLst/>
+            <a:rect l="0" t="0" r="0" b="0"/>
             <a:pathLst>
-              <a:path extrusionOk="0" h="120000" w="120000">
+              <a:path w="120000" h="120000" extrusionOk="0">
                 <a:moveTo>
                   <a:pt x="0" y="0"/>
                 </a:moveTo>
@@ -296,23 +313,25 @@
             </a:pathLst>
           </a:custGeom>
           <a:noFill/>
-          <a:ln cap="flat" cmpd="sng" w="9525">
+          <a:ln w="9525" cap="flat" cmpd="sng">
             <a:solidFill>
               <a:srgbClr val="000000"/>
             </a:solidFill>
             <a:prstDash val="solid"/>
             <a:round/>
-            <a:headEnd len="sm" w="sm" type="none"/>
-            <a:tailEnd len="sm" w="sm" type="none"/>
+            <a:headEnd type="none" w="sm" len="sm"/>
+            <a:tailEnd type="none" w="sm" len="sm"/>
           </a:ln>
         </p:spPr>
       </p:sp>
       <p:sp>
         <p:nvSpPr>
           <p:cNvPr id="4" name="Shape 4"/>
-          <p:cNvSpPr txBox="1"/>
+          <p:cNvSpPr txBox="1">
+            <a:spLocks noGrp="1"/>
+          </p:cNvSpPr>
           <p:nvPr>
-            <p:ph idx="1" type="body"/>
+            <p:ph type="body" idx="1"/>
           </p:nvPr>
         </p:nvSpPr>
         <p:spPr>
@@ -329,9 +348,9 @@
           </a:ln>
         </p:spPr>
         <p:txBody>
-          <a:bodyPr anchorCtr="0" anchor="t" bIns="91425" lIns="91425" spcFirstLastPara="1" rIns="91425" wrap="square" tIns="91425"/>
+          <a:bodyPr spcFirstLastPara="1" wrap="square" lIns="91425" tIns="91425" rIns="91425" bIns="91425" anchor="t" anchorCtr="0"/>
           <a:lstStyle>
-            <a:lvl1pPr indent="-317500" lvl="0" marL="457200">
+            <a:lvl1pPr marL="457200" lvl="0" indent="-317500">
               <a:spcBef>
                 <a:spcPts val="0"/>
               </a:spcBef>
@@ -342,7 +361,7 @@
               <a:buChar char="●"/>
               <a:defRPr sz="1100"/>
             </a:lvl1pPr>
-            <a:lvl2pPr indent="-317500" lvl="1" marL="914400">
+            <a:lvl2pPr marL="914400" lvl="1" indent="-317500">
               <a:spcBef>
                 <a:spcPts val="0"/>
               </a:spcBef>
@@ -353,7 +372,7 @@
               <a:buChar char="○"/>
               <a:defRPr sz="1100"/>
             </a:lvl2pPr>
-            <a:lvl3pPr indent="-317500" lvl="2" marL="1371600">
+            <a:lvl3pPr marL="1371600" lvl="2" indent="-317500">
               <a:spcBef>
                 <a:spcPts val="0"/>
               </a:spcBef>
@@ -364,7 +383,7 @@
               <a:buChar char="■"/>
               <a:defRPr sz="1100"/>
             </a:lvl3pPr>
-            <a:lvl4pPr indent="-317500" lvl="3" marL="1828800">
+            <a:lvl4pPr marL="1828800" lvl="3" indent="-317500">
               <a:spcBef>
                 <a:spcPts val="0"/>
               </a:spcBef>
@@ -375,7 +394,7 @@
               <a:buChar char="●"/>
               <a:defRPr sz="1100"/>
             </a:lvl4pPr>
-            <a:lvl5pPr indent="-317500" lvl="4" marL="2286000">
+            <a:lvl5pPr marL="2286000" lvl="4" indent="-317500">
               <a:spcBef>
                 <a:spcPts val="0"/>
               </a:spcBef>
@@ -386,7 +405,7 @@
               <a:buChar char="○"/>
               <a:defRPr sz="1100"/>
             </a:lvl5pPr>
-            <a:lvl6pPr indent="-317500" lvl="5" marL="2743200">
+            <a:lvl6pPr marL="2743200" lvl="5" indent="-317500">
               <a:spcBef>
                 <a:spcPts val="0"/>
               </a:spcBef>
@@ -397,7 +416,7 @@
               <a:buChar char="■"/>
               <a:defRPr sz="1100"/>
             </a:lvl6pPr>
-            <a:lvl7pPr indent="-317500" lvl="6" marL="3200400">
+            <a:lvl7pPr marL="3200400" lvl="6" indent="-317500">
               <a:spcBef>
                 <a:spcPts val="0"/>
               </a:spcBef>
@@ -408,7 +427,7 @@
               <a:buChar char="●"/>
               <a:defRPr sz="1100"/>
             </a:lvl7pPr>
-            <a:lvl8pPr indent="-317500" lvl="7" marL="3657600">
+            <a:lvl8pPr marL="3657600" lvl="7" indent="-317500">
               <a:spcBef>
                 <a:spcPts val="0"/>
               </a:spcBef>
@@ -419,7 +438,7 @@
               <a:buChar char="○"/>
               <a:defRPr sz="1100"/>
             </a:lvl8pPr>
-            <a:lvl9pPr indent="-317500" lvl="8" marL="4114800">
+            <a:lvl9pPr marL="4114800" lvl="8" indent="-317500">
               <a:spcBef>
                 <a:spcPts val="0"/>
               </a:spcBef>
@@ -431,14 +450,16 @@
               <a:defRPr sz="1100"/>
             </a:lvl9pPr>
           </a:lstStyle>
-          <a:p/>
+          <a:p>
+            <a:endParaRPr/>
+          </a:p>
         </p:txBody>
       </p:sp>
     </p:spTree>
   </p:cSld>
-  <p:clrMap accent1="accent1" accent2="accent2" accent3="accent3" accent4="accent4" accent5="accent5" accent6="accent6" bg1="lt1" bg2="dk2" tx1="dk1" tx2="lt2" folHlink="folHlink" hlink="hlink"/>
+  <p:clrMap bg1="lt1" tx1="dk1" bg2="dk2" tx2="lt2" accent1="accent1" accent2="accent2" accent3="accent3" accent4="accent4" accent5="accent5" accent6="accent6" hlink="hlink" folHlink="folHlink"/>
   <p:notesStyle>
-    <a:defPPr lvl="0" marR="0" rtl="0" algn="l">
+    <a:defPPr marR="0" lvl="0" algn="l" rtl="0">
       <a:lnSpc>
         <a:spcPct val="100000"/>
       </a:lnSpc>
@@ -449,7 +470,7 @@
         <a:spcPts val="0"/>
       </a:spcAft>
     </a:defPPr>
-    <a:lvl1pPr lvl="0" marR="0" rtl="0" algn="l">
+    <a:lvl1pPr marR="0" lvl="0" algn="l" rtl="0">
       <a:lnSpc>
         <a:spcPct val="100000"/>
       </a:lnSpc>
@@ -463,7 +484,7 @@
         <a:srgbClr val="000000"/>
       </a:buClr>
       <a:buFont typeface="Arial"/>
-      <a:defRPr b="0" i="0" sz="1400" u="none" cap="none" strike="noStrike">
+      <a:defRPr sz="1400" b="0" i="0" u="none" strike="noStrike" cap="none">
         <a:solidFill>
           <a:srgbClr val="000000"/>
         </a:solidFill>
@@ -473,7 +494,7 @@
         <a:sym typeface="Arial"/>
       </a:defRPr>
     </a:lvl1pPr>
-    <a:lvl2pPr lvl="1" marR="0" rtl="0" algn="l">
+    <a:lvl2pPr marR="0" lvl="1" algn="l" rtl="0">
       <a:lnSpc>
         <a:spcPct val="100000"/>
       </a:lnSpc>
@@ -487,7 +508,7 @@
         <a:srgbClr val="000000"/>
       </a:buClr>
       <a:buFont typeface="Arial"/>
-      <a:defRPr b="0" i="0" sz="1400" u="none" cap="none" strike="noStrike">
+      <a:defRPr sz="1400" b="0" i="0" u="none" strike="noStrike" cap="none">
         <a:solidFill>
           <a:srgbClr val="000000"/>
         </a:solidFill>
@@ -497,7 +518,7 @@
         <a:sym typeface="Arial"/>
       </a:defRPr>
     </a:lvl2pPr>
-    <a:lvl3pPr lvl="2" marR="0" rtl="0" algn="l">
+    <a:lvl3pPr marR="0" lvl="2" algn="l" rtl="0">
       <a:lnSpc>
         <a:spcPct val="100000"/>
       </a:lnSpc>
@@ -511,7 +532,7 @@
         <a:srgbClr val="000000"/>
       </a:buClr>
       <a:buFont typeface="Arial"/>
-      <a:defRPr b="0" i="0" sz="1400" u="none" cap="none" strike="noStrike">
+      <a:defRPr sz="1400" b="0" i="0" u="none" strike="noStrike" cap="none">
         <a:solidFill>
           <a:srgbClr val="000000"/>
         </a:solidFill>
@@ -521,7 +542,7 @@
         <a:sym typeface="Arial"/>
       </a:defRPr>
     </a:lvl3pPr>
-    <a:lvl4pPr lvl="3" marR="0" rtl="0" algn="l">
+    <a:lvl4pPr marR="0" lvl="3" algn="l" rtl="0">
       <a:lnSpc>
         <a:spcPct val="100000"/>
       </a:lnSpc>
@@ -535,7 +556,7 @@
         <a:srgbClr val="000000"/>
       </a:buClr>
       <a:buFont typeface="Arial"/>
-      <a:defRPr b="0" i="0" sz="1400" u="none" cap="none" strike="noStrike">
+      <a:defRPr sz="1400" b="0" i="0" u="none" strike="noStrike" cap="none">
         <a:solidFill>
           <a:srgbClr val="000000"/>
         </a:solidFill>
@@ -545,7 +566,7 @@
         <a:sym typeface="Arial"/>
       </a:defRPr>
     </a:lvl4pPr>
-    <a:lvl5pPr lvl="4" marR="0" rtl="0" algn="l">
+    <a:lvl5pPr marR="0" lvl="4" algn="l" rtl="0">
       <a:lnSpc>
         <a:spcPct val="100000"/>
       </a:lnSpc>
@@ -559,7 +580,7 @@
         <a:srgbClr val="000000"/>
       </a:buClr>
       <a:buFont typeface="Arial"/>
-      <a:defRPr b="0" i="0" sz="1400" u="none" cap="none" strike="noStrike">
+      <a:defRPr sz="1400" b="0" i="0" u="none" strike="noStrike" cap="none">
         <a:solidFill>
           <a:srgbClr val="000000"/>
         </a:solidFill>
@@ -569,7 +590,7 @@
         <a:sym typeface="Arial"/>
       </a:defRPr>
     </a:lvl5pPr>
-    <a:lvl6pPr lvl="5" marR="0" rtl="0" algn="l">
+    <a:lvl6pPr marR="0" lvl="5" algn="l" rtl="0">
       <a:lnSpc>
         <a:spcPct val="100000"/>
       </a:lnSpc>
@@ -583,7 +604,7 @@
         <a:srgbClr val="000000"/>
       </a:buClr>
       <a:buFont typeface="Arial"/>
-      <a:defRPr b="0" i="0" sz="1400" u="none" cap="none" strike="noStrike">
+      <a:defRPr sz="1400" b="0" i="0" u="none" strike="noStrike" cap="none">
         <a:solidFill>
           <a:srgbClr val="000000"/>
         </a:solidFill>
@@ -593,7 +614,7 @@
         <a:sym typeface="Arial"/>
       </a:defRPr>
     </a:lvl6pPr>
-    <a:lvl7pPr lvl="6" marR="0" rtl="0" algn="l">
+    <a:lvl7pPr marR="0" lvl="6" algn="l" rtl="0">
       <a:lnSpc>
         <a:spcPct val="100000"/>
       </a:lnSpc>
@@ -607,7 +628,7 @@
         <a:srgbClr val="000000"/>
       </a:buClr>
       <a:buFont typeface="Arial"/>
-      <a:defRPr b="0" i="0" sz="1400" u="none" cap="none" strike="noStrike">
+      <a:defRPr sz="1400" b="0" i="0" u="none" strike="noStrike" cap="none">
         <a:solidFill>
           <a:srgbClr val="000000"/>
         </a:solidFill>
@@ -617,7 +638,7 @@
         <a:sym typeface="Arial"/>
       </a:defRPr>
     </a:lvl7pPr>
-    <a:lvl8pPr lvl="7" marR="0" rtl="0" algn="l">
+    <a:lvl8pPr marR="0" lvl="7" algn="l" rtl="0">
       <a:lnSpc>
         <a:spcPct val="100000"/>
       </a:lnSpc>
@@ -631,7 +652,7 @@
         <a:srgbClr val="000000"/>
       </a:buClr>
       <a:buFont typeface="Arial"/>
-      <a:defRPr b="0" i="0" sz="1400" u="none" cap="none" strike="noStrike">
+      <a:defRPr sz="1400" b="0" i="0" u="none" strike="noStrike" cap="none">
         <a:solidFill>
           <a:srgbClr val="000000"/>
         </a:solidFill>
@@ -641,7 +662,7 @@
         <a:sym typeface="Arial"/>
       </a:defRPr>
     </a:lvl8pPr>
-    <a:lvl9pPr lvl="8" marR="0" rtl="0" algn="l">
+    <a:lvl9pPr marR="0" lvl="8" algn="l" rtl="0">
       <a:lnSpc>
         <a:spcPct val="100000"/>
       </a:lnSpc>
@@ -655,7 +676,7 @@
         <a:srgbClr val="000000"/>
       </a:buClr>
       <a:buFont typeface="Arial"/>
-      <a:defRPr b="0" i="0" sz="1400" u="none" cap="none" strike="noStrike">
+      <a:defRPr sz="1400" b="0" i="0" u="none" strike="noStrike" cap="none">
         <a:solidFill>
           <a:srgbClr val="000000"/>
         </a:solidFill>
@@ -670,11 +691,301 @@
 </file>
 
 <file path=ppt/notesSlides/notesSlide1.xml><?xml version="1.0" encoding="utf-8"?>
-<p:notes xmlns:a="http://schemas.openxmlformats.org/drawingml/2006/main" xmlns:r="http://schemas.openxmlformats.org/officeDocument/2006/relationships" xmlns:mc="http://schemas.openxmlformats.org/markup-compatibility/2006" xmlns:mv="urn:schemas-microsoft-com:mac:vml" xmlns:p="http://schemas.openxmlformats.org/presentationml/2006/main" xmlns:c="http://schemas.openxmlformats.org/drawingml/2006/chart" xmlns:dgm="http://schemas.openxmlformats.org/drawingml/2006/diagram" xmlns:o="urn:schemas-microsoft-com:office:office" xmlns:v="urn:schemas-microsoft-com:vml" xmlns:pvml="urn:schemas-microsoft-com:office:powerpoint" xmlns:com="http://schemas.openxmlformats.org/drawingml/2006/compatibility" xmlns:p14="http://schemas.microsoft.com/office/powerpoint/2010/main" xmlns:p15="http://schemas.microsoft.com/office/powerpoint/2012/main" showMasterPhAnim="0" showMasterSp="0">
+<p:notes xmlns:a="http://schemas.openxmlformats.org/drawingml/2006/main" xmlns:r="http://schemas.openxmlformats.org/officeDocument/2006/relationships" xmlns:p="http://schemas.openxmlformats.org/presentationml/2006/main">
   <p:cSld>
     <p:spTree>
       <p:nvGrpSpPr>
-        <p:cNvPr id="50" name="Shape 50"/>
+        <p:cNvPr id="1" name=""/>
+        <p:cNvGrpSpPr/>
+        <p:nvPr/>
+      </p:nvGrpSpPr>
+      <p:grpSpPr>
+        <a:xfrm>
+          <a:off x="0" y="0"/>
+          <a:ext cx="0" cy="0"/>
+          <a:chOff x="0" y="0"/>
+          <a:chExt cx="0" cy="0"/>
+        </a:xfrm>
+      </p:grpSpPr>
+      <p:sp>
+        <p:nvSpPr>
+          <p:cNvPr id="2" name="Slide Image Placeholder 1"/>
+          <p:cNvSpPr>
+            <a:spLocks noGrp="1" noRot="1" noChangeAspect="1"/>
+          </p:cNvSpPr>
+          <p:nvPr>
+            <p:ph type="sldImg"/>
+          </p:nvPr>
+        </p:nvSpPr>
+        <p:spPr>
+          <a:xfrm>
+            <a:off x="381000" y="685800"/>
+            <a:ext cx="6096000" cy="3429000"/>
+          </a:xfrm>
+        </p:spPr>
+      </p:sp>
+      <p:sp>
+        <p:nvSpPr>
+          <p:cNvPr id="3" name="Notes Placeholder 2"/>
+          <p:cNvSpPr>
+            <a:spLocks noGrp="1"/>
+          </p:cNvSpPr>
+          <p:nvPr>
+            <p:ph type="body" idx="1"/>
+          </p:nvPr>
+        </p:nvSpPr>
+        <p:spPr/>
+        <p:txBody>
+          <a:bodyPr/>
+          <a:lstStyle/>
+          <a:p>
+            <a:r>
+              <a:rPr lang="en-US" dirty="0"/>
+              <a:t>Nothing is happening.</a:t>
+            </a:r>
+          </a:p>
+        </p:txBody>
+      </p:sp>
+    </p:spTree>
+    <p:extLst>
+      <p:ext uri="{BB962C8B-B14F-4D97-AF65-F5344CB8AC3E}">
+        <p14:creationId xmlns:p14="http://schemas.microsoft.com/office/powerpoint/2010/main" val="481869925"/>
+      </p:ext>
+    </p:extLst>
+  </p:cSld>
+  <p:clrMapOvr>
+    <a:masterClrMapping/>
+  </p:clrMapOvr>
+</p:notes>
+</file>
+
+<file path=ppt/notesSlides/notesSlide2.xml><?xml version="1.0" encoding="utf-8"?>
+<p:notes xmlns:a="http://schemas.openxmlformats.org/drawingml/2006/main" xmlns:r="http://schemas.openxmlformats.org/officeDocument/2006/relationships" xmlns:p="http://schemas.openxmlformats.org/presentationml/2006/main" showMasterSp="0" showMasterPhAnim="0">
+  <p:cSld>
+    <p:spTree>
+      <p:nvGrpSpPr>
+        <p:cNvPr id="1" name="Shape 57"/>
+        <p:cNvGrpSpPr/>
+        <p:nvPr/>
+      </p:nvGrpSpPr>
+      <p:grpSpPr>
+        <a:xfrm>
+          <a:off x="0" y="0"/>
+          <a:ext cx="0" cy="0"/>
+          <a:chOff x="0" y="0"/>
+          <a:chExt cx="0" cy="0"/>
+        </a:xfrm>
+      </p:grpSpPr>
+      <p:sp>
+        <p:nvSpPr>
+          <p:cNvPr id="58" name="Shape 58"/>
+          <p:cNvSpPr>
+            <a:spLocks noGrp="1" noRot="1" noChangeAspect="1"/>
+          </p:cNvSpPr>
+          <p:nvPr>
+            <p:ph type="sldImg" idx="2"/>
+          </p:nvPr>
+        </p:nvSpPr>
+        <p:spPr>
+          <a:xfrm>
+            <a:off x="381000" y="685800"/>
+            <a:ext cx="6096000" cy="3429000"/>
+          </a:xfrm>
+          <a:custGeom>
+            <a:avLst/>
+            <a:gdLst/>
+            <a:ahLst/>
+            <a:cxnLst/>
+            <a:rect l="0" t="0" r="0" b="0"/>
+            <a:pathLst>
+              <a:path w="120000" h="120000" extrusionOk="0">
+                <a:moveTo>
+                  <a:pt x="0" y="0"/>
+                </a:moveTo>
+                <a:lnTo>
+                  <a:pt x="120000" y="0"/>
+                </a:lnTo>
+                <a:lnTo>
+                  <a:pt x="120000" y="120000"/>
+                </a:lnTo>
+                <a:lnTo>
+                  <a:pt x="0" y="120000"/>
+                </a:lnTo>
+                <a:close/>
+              </a:path>
+            </a:pathLst>
+          </a:custGeom>
+        </p:spPr>
+      </p:sp>
+      <p:sp>
+        <p:nvSpPr>
+          <p:cNvPr id="59" name="Shape 59"/>
+          <p:cNvSpPr txBox="1">
+            <a:spLocks noGrp="1"/>
+          </p:cNvSpPr>
+          <p:nvPr>
+            <p:ph type="body" idx="1"/>
+          </p:nvPr>
+        </p:nvSpPr>
+        <p:spPr>
+          <a:xfrm>
+            <a:off x="685800" y="4343400"/>
+            <a:ext cx="5486400" cy="4114800"/>
+          </a:xfrm>
+          <a:prstGeom prst="rect">
+            <a:avLst/>
+          </a:prstGeom>
+        </p:spPr>
+        <p:txBody>
+          <a:bodyPr spcFirstLastPara="1" wrap="square" lIns="91425" tIns="91425" rIns="91425" bIns="91425" anchor="t" anchorCtr="0">
+            <a:noAutofit/>
+          </a:bodyPr>
+          <a:lstStyle/>
+          <a:p>
+            <a:pPr marL="0" lvl="0" indent="0" rtl="0">
+              <a:spcBef>
+                <a:spcPts val="0"/>
+              </a:spcBef>
+              <a:spcAft>
+                <a:spcPts val="0"/>
+              </a:spcAft>
+              <a:buNone/>
+            </a:pPr>
+            <a:endParaRPr/>
+          </a:p>
+        </p:txBody>
+      </p:sp>
+    </p:spTree>
+    <p:extLst>
+      <p:ext uri="{BB962C8B-B14F-4D97-AF65-F5344CB8AC3E}">
+        <p14:creationId xmlns:p14="http://schemas.microsoft.com/office/powerpoint/2010/main" val="2511011100"/>
+      </p:ext>
+    </p:extLst>
+  </p:cSld>
+  <p:clrMapOvr>
+    <a:masterClrMapping/>
+  </p:clrMapOvr>
+</p:notes>
+</file>
+
+<file path=ppt/notesSlides/notesSlide3.xml><?xml version="1.0" encoding="utf-8"?>
+<p:notes xmlns:a="http://schemas.openxmlformats.org/drawingml/2006/main" xmlns:r="http://schemas.openxmlformats.org/officeDocument/2006/relationships" xmlns:p="http://schemas.openxmlformats.org/presentationml/2006/main" showMasterSp="0" showMasterPhAnim="0">
+  <p:cSld>
+    <p:spTree>
+      <p:nvGrpSpPr>
+        <p:cNvPr id="1" name="Shape 57"/>
+        <p:cNvGrpSpPr/>
+        <p:nvPr/>
+      </p:nvGrpSpPr>
+      <p:grpSpPr>
+        <a:xfrm>
+          <a:off x="0" y="0"/>
+          <a:ext cx="0" cy="0"/>
+          <a:chOff x="0" y="0"/>
+          <a:chExt cx="0" cy="0"/>
+        </a:xfrm>
+      </p:grpSpPr>
+      <p:sp>
+        <p:nvSpPr>
+          <p:cNvPr id="58" name="Shape 58"/>
+          <p:cNvSpPr>
+            <a:spLocks noGrp="1" noRot="1" noChangeAspect="1"/>
+          </p:cNvSpPr>
+          <p:nvPr>
+            <p:ph type="sldImg" idx="2"/>
+          </p:nvPr>
+        </p:nvSpPr>
+        <p:spPr>
+          <a:xfrm>
+            <a:off x="381000" y="685800"/>
+            <a:ext cx="6096000" cy="3429000"/>
+          </a:xfrm>
+          <a:custGeom>
+            <a:avLst/>
+            <a:gdLst/>
+            <a:ahLst/>
+            <a:cxnLst/>
+            <a:rect l="0" t="0" r="0" b="0"/>
+            <a:pathLst>
+              <a:path w="120000" h="120000" extrusionOk="0">
+                <a:moveTo>
+                  <a:pt x="0" y="0"/>
+                </a:moveTo>
+                <a:lnTo>
+                  <a:pt x="120000" y="0"/>
+                </a:lnTo>
+                <a:lnTo>
+                  <a:pt x="120000" y="120000"/>
+                </a:lnTo>
+                <a:lnTo>
+                  <a:pt x="0" y="120000"/>
+                </a:lnTo>
+                <a:close/>
+              </a:path>
+            </a:pathLst>
+          </a:custGeom>
+        </p:spPr>
+      </p:sp>
+      <p:sp>
+        <p:nvSpPr>
+          <p:cNvPr id="59" name="Shape 59"/>
+          <p:cNvSpPr txBox="1">
+            <a:spLocks noGrp="1"/>
+          </p:cNvSpPr>
+          <p:nvPr>
+            <p:ph type="body" idx="1"/>
+          </p:nvPr>
+        </p:nvSpPr>
+        <p:spPr>
+          <a:xfrm>
+            <a:off x="685800" y="4343400"/>
+            <a:ext cx="5486400" cy="4114800"/>
+          </a:xfrm>
+          <a:prstGeom prst="rect">
+            <a:avLst/>
+          </a:prstGeom>
+        </p:spPr>
+        <p:txBody>
+          <a:bodyPr spcFirstLastPara="1" wrap="square" lIns="91425" tIns="91425" rIns="91425" bIns="91425" anchor="t" anchorCtr="0">
+            <a:noAutofit/>
+          </a:bodyPr>
+          <a:lstStyle/>
+          <a:p>
+            <a:pPr marL="171450" lvl="0" indent="-171450" rtl="0">
+              <a:spcBef>
+                <a:spcPts val="0"/>
+              </a:spcBef>
+              <a:spcAft>
+                <a:spcPts val="0"/>
+              </a:spcAft>
+            </a:pPr>
+            <a:r>
+              <a:rPr lang="en-US" dirty="0"/>
+              <a:t>Pause when necessary. Rewind when necessary. That’s the beauty of it!</a:t>
+            </a:r>
+            <a:endParaRPr dirty="0"/>
+          </a:p>
+        </p:txBody>
+      </p:sp>
+    </p:spTree>
+    <p:extLst>
+      <p:ext uri="{BB962C8B-B14F-4D97-AF65-F5344CB8AC3E}">
+        <p14:creationId xmlns:p14="http://schemas.microsoft.com/office/powerpoint/2010/main" val="3772113329"/>
+      </p:ext>
+    </p:extLst>
+  </p:cSld>
+  <p:clrMapOvr>
+    <a:masterClrMapping/>
+  </p:clrMapOvr>
+</p:notes>
+</file>
+
+<file path=ppt/notesSlides/notesSlide4.xml><?xml version="1.0" encoding="utf-8"?>
+<p:notes xmlns:a="http://schemas.openxmlformats.org/drawingml/2006/main" xmlns:r="http://schemas.openxmlformats.org/officeDocument/2006/relationships" xmlns:p="http://schemas.openxmlformats.org/presentationml/2006/main" showMasterSp="0" showMasterPhAnim="0">
+  <p:cSld>
+    <p:spTree>
+      <p:nvGrpSpPr>
+        <p:cNvPr id="1" name="Shape 50"/>
         <p:cNvGrpSpPr/>
         <p:nvPr/>
       </p:nvGrpSpPr>
@@ -689,19 +1000,26 @@
       <p:sp>
         <p:nvSpPr>
           <p:cNvPr id="51" name="Shape 51"/>
-          <p:cNvSpPr/>
+          <p:cNvSpPr>
+            <a:spLocks noGrp="1" noRot="1" noChangeAspect="1"/>
+          </p:cNvSpPr>
           <p:nvPr>
-            <p:ph idx="2" type="sldImg"/>
+            <p:ph type="sldImg" idx="2"/>
           </p:nvPr>
         </p:nvSpPr>
         <p:spPr>
           <a:xfrm>
-            <a:off x="381300" y="685800"/>
-            <a:ext cx="6096075" cy="3429000"/>
+            <a:off x="381000" y="685800"/>
+            <a:ext cx="6096000" cy="3429000"/>
           </a:xfrm>
           <a:custGeom>
+            <a:avLst/>
+            <a:gdLst/>
+            <a:ahLst/>
+            <a:cxnLst/>
+            <a:rect l="0" t="0" r="0" b="0"/>
             <a:pathLst>
-              <a:path extrusionOk="0" h="120000" w="120000">
+              <a:path w="120000" h="120000" extrusionOk="0">
                 <a:moveTo>
                   <a:pt x="0" y="0"/>
                 </a:moveTo>
@@ -723,9 +1041,11 @@
       <p:sp>
         <p:nvSpPr>
           <p:cNvPr id="52" name="Shape 52"/>
-          <p:cNvSpPr txBox="1"/>
+          <p:cNvSpPr txBox="1">
+            <a:spLocks noGrp="1"/>
+          </p:cNvSpPr>
           <p:nvPr>
-            <p:ph idx="1" type="body"/>
+            <p:ph type="body" idx="1"/>
           </p:nvPr>
         </p:nvSpPr>
         <p:spPr>
@@ -738,12 +1058,12 @@
           </a:prstGeom>
         </p:spPr>
         <p:txBody>
-          <a:bodyPr anchorCtr="0" anchor="t" bIns="91425" lIns="91425" spcFirstLastPara="1" rIns="91425" wrap="square" tIns="91425">
+          <a:bodyPr spcFirstLastPara="1" wrap="square" lIns="91425" tIns="91425" rIns="91425" bIns="91425" anchor="t" anchorCtr="0">
             <a:noAutofit/>
           </a:bodyPr>
           <a:lstStyle/>
           <a:p>
-            <a:pPr indent="0" lvl="0" marL="0">
+            <a:pPr marL="0" lvl="0" indent="0">
               <a:spcBef>
                 <a:spcPts val="0"/>
               </a:spcBef>
@@ -752,9 +1072,6 @@
               </a:spcAft>
               <a:buNone/>
             </a:pPr>
-            <a:r>
-              <a:t/>
-            </a:r>
             <a:endParaRPr/>
           </a:p>
         </p:txBody>
@@ -767,12 +1084,116 @@
 </p:notes>
 </file>
 
-<file path=ppt/notesSlides/notesSlide2.xml><?xml version="1.0" encoding="utf-8"?>
-<p:notes xmlns:a="http://schemas.openxmlformats.org/drawingml/2006/main" xmlns:r="http://schemas.openxmlformats.org/officeDocument/2006/relationships" xmlns:mc="http://schemas.openxmlformats.org/markup-compatibility/2006" xmlns:mv="urn:schemas-microsoft-com:mac:vml" xmlns:p="http://schemas.openxmlformats.org/presentationml/2006/main" xmlns:c="http://schemas.openxmlformats.org/drawingml/2006/chart" xmlns:dgm="http://schemas.openxmlformats.org/drawingml/2006/diagram" xmlns:o="urn:schemas-microsoft-com:office:office" xmlns:v="urn:schemas-microsoft-com:vml" xmlns:pvml="urn:schemas-microsoft-com:office:powerpoint" xmlns:com="http://schemas.openxmlformats.org/drawingml/2006/compatibility" xmlns:p14="http://schemas.microsoft.com/office/powerpoint/2010/main" xmlns:p15="http://schemas.microsoft.com/office/powerpoint/2012/main" showMasterPhAnim="0" showMasterSp="0">
+<file path=ppt/notesSlides/notesSlide5.xml><?xml version="1.0" encoding="utf-8"?>
+<p:notes xmlns:a="http://schemas.openxmlformats.org/drawingml/2006/main" xmlns:r="http://schemas.openxmlformats.org/officeDocument/2006/relationships" xmlns:p="http://schemas.openxmlformats.org/presentationml/2006/main" showMasterSp="0" showMasterPhAnim="0">
   <p:cSld>
     <p:spTree>
       <p:nvGrpSpPr>
-        <p:cNvPr id="57" name="Shape 57"/>
+        <p:cNvPr id="1" name="Shape 63"/>
+        <p:cNvGrpSpPr/>
+        <p:nvPr/>
+      </p:nvGrpSpPr>
+      <p:grpSpPr>
+        <a:xfrm>
+          <a:off x="0" y="0"/>
+          <a:ext cx="0" cy="0"/>
+          <a:chOff x="0" y="0"/>
+          <a:chExt cx="0" cy="0"/>
+        </a:xfrm>
+      </p:grpSpPr>
+      <p:sp>
+        <p:nvSpPr>
+          <p:cNvPr id="64" name="Shape 64"/>
+          <p:cNvSpPr>
+            <a:spLocks noGrp="1" noRot="1" noChangeAspect="1"/>
+          </p:cNvSpPr>
+          <p:nvPr>
+            <p:ph type="sldImg" idx="2"/>
+          </p:nvPr>
+        </p:nvSpPr>
+        <p:spPr>
+          <a:xfrm>
+            <a:off x="381000" y="685800"/>
+            <a:ext cx="6096000" cy="3429000"/>
+          </a:xfrm>
+          <a:custGeom>
+            <a:avLst/>
+            <a:gdLst/>
+            <a:ahLst/>
+            <a:cxnLst/>
+            <a:rect l="0" t="0" r="0" b="0"/>
+            <a:pathLst>
+              <a:path w="120000" h="120000" extrusionOk="0">
+                <a:moveTo>
+                  <a:pt x="0" y="0"/>
+                </a:moveTo>
+                <a:lnTo>
+                  <a:pt x="120000" y="0"/>
+                </a:lnTo>
+                <a:lnTo>
+                  <a:pt x="120000" y="120000"/>
+                </a:lnTo>
+                <a:lnTo>
+                  <a:pt x="0" y="120000"/>
+                </a:lnTo>
+                <a:close/>
+              </a:path>
+            </a:pathLst>
+          </a:custGeom>
+        </p:spPr>
+      </p:sp>
+      <p:sp>
+        <p:nvSpPr>
+          <p:cNvPr id="65" name="Shape 65"/>
+          <p:cNvSpPr txBox="1">
+            <a:spLocks noGrp="1"/>
+          </p:cNvSpPr>
+          <p:nvPr>
+            <p:ph type="body" idx="1"/>
+          </p:nvPr>
+        </p:nvSpPr>
+        <p:spPr>
+          <a:xfrm>
+            <a:off x="685800" y="4343400"/>
+            <a:ext cx="5486400" cy="4114800"/>
+          </a:xfrm>
+          <a:prstGeom prst="rect">
+            <a:avLst/>
+          </a:prstGeom>
+        </p:spPr>
+        <p:txBody>
+          <a:bodyPr spcFirstLastPara="1" wrap="square" lIns="91425" tIns="91425" rIns="91425" bIns="91425" anchor="t" anchorCtr="0">
+            <a:noAutofit/>
+          </a:bodyPr>
+          <a:lstStyle/>
+          <a:p>
+            <a:pPr marL="0" lvl="0" indent="0" rtl="0">
+              <a:spcBef>
+                <a:spcPts val="0"/>
+              </a:spcBef>
+              <a:spcAft>
+                <a:spcPts val="0"/>
+              </a:spcAft>
+              <a:buNone/>
+            </a:pPr>
+            <a:endParaRPr/>
+          </a:p>
+        </p:txBody>
+      </p:sp>
+    </p:spTree>
+  </p:cSld>
+  <p:clrMapOvr>
+    <a:masterClrMapping/>
+  </p:clrMapOvr>
+</p:notes>
+</file>
+
+<file path=ppt/notesSlides/notesSlide6.xml><?xml version="1.0" encoding="utf-8"?>
+<p:notes xmlns:a="http://schemas.openxmlformats.org/drawingml/2006/main" xmlns:r="http://schemas.openxmlformats.org/officeDocument/2006/relationships" xmlns:p="http://schemas.openxmlformats.org/presentationml/2006/main" showMasterSp="0" showMasterPhAnim="0">
+  <p:cSld>
+    <p:spTree>
+      <p:nvGrpSpPr>
+        <p:cNvPr id="1" name="Shape 57"/>
         <p:cNvGrpSpPr/>
         <p:nvPr/>
       </p:nvGrpSpPr>
@@ -787,19 +1208,26 @@
       <p:sp>
         <p:nvSpPr>
           <p:cNvPr id="58" name="Shape 58"/>
-          <p:cNvSpPr/>
+          <p:cNvSpPr>
+            <a:spLocks noGrp="1" noRot="1" noChangeAspect="1"/>
+          </p:cNvSpPr>
           <p:nvPr>
-            <p:ph idx="2" type="sldImg"/>
+            <p:ph type="sldImg" idx="2"/>
           </p:nvPr>
         </p:nvSpPr>
         <p:spPr>
           <a:xfrm>
-            <a:off x="381300" y="685800"/>
+            <a:off x="381000" y="685800"/>
             <a:ext cx="6096000" cy="3429000"/>
           </a:xfrm>
           <a:custGeom>
+            <a:avLst/>
+            <a:gdLst/>
+            <a:ahLst/>
+            <a:cxnLst/>
+            <a:rect l="0" t="0" r="0" b="0"/>
             <a:pathLst>
-              <a:path extrusionOk="0" h="120000" w="120000">
+              <a:path w="120000" h="120000" extrusionOk="0">
                 <a:moveTo>
                   <a:pt x="0" y="0"/>
                 </a:moveTo>
@@ -821,9 +1249,11 @@
       <p:sp>
         <p:nvSpPr>
           <p:cNvPr id="59" name="Shape 59"/>
-          <p:cNvSpPr txBox="1"/>
+          <p:cNvSpPr txBox="1">
+            <a:spLocks noGrp="1"/>
+          </p:cNvSpPr>
           <p:nvPr>
-            <p:ph idx="1" type="body"/>
+            <p:ph type="body" idx="1"/>
           </p:nvPr>
         </p:nvSpPr>
         <p:spPr>
@@ -836,12 +1266,12 @@
           </a:prstGeom>
         </p:spPr>
         <p:txBody>
-          <a:bodyPr anchorCtr="0" anchor="t" bIns="91425" lIns="91425" spcFirstLastPara="1" rIns="91425" wrap="square" tIns="91425">
+          <a:bodyPr spcFirstLastPara="1" wrap="square" lIns="91425" tIns="91425" rIns="91425" bIns="91425" anchor="t" anchorCtr="0">
             <a:noAutofit/>
           </a:bodyPr>
           <a:lstStyle/>
           <a:p>
-            <a:pPr indent="0" lvl="0" marL="0" rtl="0">
+            <a:pPr marL="0" lvl="0" indent="0" rtl="0">
               <a:spcBef>
                 <a:spcPts val="0"/>
               </a:spcBef>
@@ -850,9 +1280,6 @@
               </a:spcAft>
               <a:buNone/>
             </a:pPr>
-            <a:r>
-              <a:t/>
-            </a:r>
             <a:endParaRPr/>
           </a:p>
         </p:txBody>
@@ -865,12 +1292,12 @@
 </p:notes>
 </file>
 
-<file path=ppt/notesSlides/notesSlide3.xml><?xml version="1.0" encoding="utf-8"?>
-<p:notes xmlns:a="http://schemas.openxmlformats.org/drawingml/2006/main" xmlns:r="http://schemas.openxmlformats.org/officeDocument/2006/relationships" xmlns:mc="http://schemas.openxmlformats.org/markup-compatibility/2006" xmlns:mv="urn:schemas-microsoft-com:mac:vml" xmlns:p="http://schemas.openxmlformats.org/presentationml/2006/main" xmlns:c="http://schemas.openxmlformats.org/drawingml/2006/chart" xmlns:dgm="http://schemas.openxmlformats.org/drawingml/2006/diagram" xmlns:o="urn:schemas-microsoft-com:office:office" xmlns:v="urn:schemas-microsoft-com:vml" xmlns:pvml="urn:schemas-microsoft-com:office:powerpoint" xmlns:com="http://schemas.openxmlformats.org/drawingml/2006/compatibility" xmlns:p14="http://schemas.microsoft.com/office/powerpoint/2010/main" xmlns:p15="http://schemas.microsoft.com/office/powerpoint/2012/main" showMasterPhAnim="0" showMasterSp="0">
+<file path=ppt/notesSlides/notesSlide7.xml><?xml version="1.0" encoding="utf-8"?>
+<p:notes xmlns:a="http://schemas.openxmlformats.org/drawingml/2006/main" xmlns:r="http://schemas.openxmlformats.org/officeDocument/2006/relationships" xmlns:p="http://schemas.openxmlformats.org/presentationml/2006/main">
   <p:cSld>
     <p:spTree>
       <p:nvGrpSpPr>
-        <p:cNvPr id="63" name="Shape 63"/>
+        <p:cNvPr id="1" name=""/>
         <p:cNvGrpSpPr/>
         <p:nvPr/>
       </p:nvGrpSpPr>
@@ -884,78 +1311,41 @@
       </p:grpSpPr>
       <p:sp>
         <p:nvSpPr>
-          <p:cNvPr id="64" name="Shape 64"/>
-          <p:cNvSpPr/>
+          <p:cNvPr id="2" name="Slide Image Placeholder 1"/>
+          <p:cNvSpPr>
+            <a:spLocks noGrp="1" noRot="1" noChangeAspect="1"/>
+          </p:cNvSpPr>
           <p:nvPr>
-            <p:ph idx="2" type="sldImg"/>
+            <p:ph type="sldImg"/>
           </p:nvPr>
         </p:nvSpPr>
-        <p:spPr>
-          <a:xfrm>
-            <a:off x="381300" y="685800"/>
-            <a:ext cx="6096000" cy="3429000"/>
-          </a:xfrm>
-          <a:custGeom>
-            <a:pathLst>
-              <a:path extrusionOk="0" h="120000" w="120000">
-                <a:moveTo>
-                  <a:pt x="0" y="0"/>
-                </a:moveTo>
-                <a:lnTo>
-                  <a:pt x="120000" y="0"/>
-                </a:lnTo>
-                <a:lnTo>
-                  <a:pt x="120000" y="120000"/>
-                </a:lnTo>
-                <a:lnTo>
-                  <a:pt x="0" y="120000"/>
-                </a:lnTo>
-                <a:close/>
-              </a:path>
-            </a:pathLst>
-          </a:custGeom>
-        </p:spPr>
+        <p:spPr/>
       </p:sp>
       <p:sp>
         <p:nvSpPr>
-          <p:cNvPr id="65" name="Shape 65"/>
-          <p:cNvSpPr txBox="1"/>
+          <p:cNvPr id="3" name="Notes Placeholder 2"/>
+          <p:cNvSpPr>
+            <a:spLocks noGrp="1"/>
+          </p:cNvSpPr>
           <p:nvPr>
-            <p:ph idx="1" type="body"/>
+            <p:ph type="body" idx="1"/>
           </p:nvPr>
         </p:nvSpPr>
-        <p:spPr>
-          <a:xfrm>
-            <a:off x="685800" y="4343400"/>
-            <a:ext cx="5486400" cy="4114800"/>
-          </a:xfrm>
-          <a:prstGeom prst="rect">
-            <a:avLst/>
-          </a:prstGeom>
-        </p:spPr>
+        <p:spPr/>
         <p:txBody>
-          <a:bodyPr anchorCtr="0" anchor="t" bIns="91425" lIns="91425" spcFirstLastPara="1" rIns="91425" wrap="square" tIns="91425">
-            <a:noAutofit/>
-          </a:bodyPr>
+          <a:bodyPr/>
           <a:lstStyle/>
           <a:p>
-            <a:pPr indent="0" lvl="0" marL="0" rtl="0">
-              <a:spcBef>
-                <a:spcPts val="0"/>
-              </a:spcBef>
-              <a:spcAft>
-                <a:spcPts val="0"/>
-              </a:spcAft>
-              <a:buNone/>
-            </a:pPr>
-            <a:r>
-              <a:t/>
-            </a:r>
-            <a:endParaRPr/>
+            <a:endParaRPr lang="en-US"/>
           </a:p>
         </p:txBody>
       </p:sp>
     </p:spTree>
+    <p:extLst>
+      <p:ext uri="{BB962C8B-B14F-4D97-AF65-F5344CB8AC3E}">
+        <p14:creationId xmlns:p14="http://schemas.microsoft.com/office/powerpoint/2010/main" val="3752677964"/>
+      </p:ext>
+    </p:extLst>
   </p:cSld>
   <p:clrMapOvr>
     <a:masterClrMapping/>
@@ -964,11 +1354,11 @@
 </file>
 
 <file path=ppt/slideLayouts/slideLayout1.xml><?xml version="1.0" encoding="utf-8"?>
-<p:sldLayout xmlns:a="http://schemas.openxmlformats.org/drawingml/2006/main" xmlns:r="http://schemas.openxmlformats.org/officeDocument/2006/relationships" xmlns:mc="http://schemas.openxmlformats.org/markup-compatibility/2006" xmlns:mv="urn:schemas-microsoft-com:mac:vml" xmlns:p="http://schemas.openxmlformats.org/presentationml/2006/main" xmlns:c="http://schemas.openxmlformats.org/drawingml/2006/chart" xmlns:dgm="http://schemas.openxmlformats.org/drawingml/2006/diagram" xmlns:o="urn:schemas-microsoft-com:office:office" xmlns:v="urn:schemas-microsoft-com:vml" xmlns:pvml="urn:schemas-microsoft-com:office:powerpoint" xmlns:com="http://schemas.openxmlformats.org/drawingml/2006/compatibility" xmlns:p14="http://schemas.microsoft.com/office/powerpoint/2010/main" xmlns:p15="http://schemas.microsoft.com/office/powerpoint/2012/main" matchingName="Title slide" type="title">
+<p:sldLayout xmlns:a="http://schemas.openxmlformats.org/drawingml/2006/main" xmlns:r="http://schemas.openxmlformats.org/officeDocument/2006/relationships" xmlns:p="http://schemas.openxmlformats.org/presentationml/2006/main" matchingName="Title slide" type="title">
   <p:cSld name="TITLE">
     <p:spTree>
       <p:nvGrpSpPr>
-        <p:cNvPr id="9" name="Shape 9"/>
+        <p:cNvPr id="1" name="Shape 9"/>
         <p:cNvGrpSpPr/>
         <p:nvPr/>
       </p:nvGrpSpPr>
@@ -983,7 +1373,9 @@
       <p:sp>
         <p:nvSpPr>
           <p:cNvPr id="10" name="Shape 10"/>
-          <p:cNvSpPr txBox="1"/>
+          <p:cNvSpPr txBox="1">
+            <a:spLocks noGrp="1"/>
+          </p:cNvSpPr>
           <p:nvPr>
             <p:ph type="ctrTitle"/>
           </p:nvPr>
@@ -998,7 +1390,7 @@
           </a:prstGeom>
         </p:spPr>
         <p:txBody>
-          <a:bodyPr anchorCtr="0" anchor="b" bIns="91425" lIns="91425" spcFirstLastPara="1" rIns="91425" wrap="square" tIns="91425"/>
+          <a:bodyPr spcFirstLastPara="1" wrap="square" lIns="91425" tIns="91425" rIns="91425" bIns="91425" anchor="b" anchorCtr="0"/>
           <a:lstStyle>
             <a:lvl1pPr lvl="0" algn="ctr">
               <a:spcBef>
@@ -1100,15 +1492,19 @@
               <a:defRPr sz="5200"/>
             </a:lvl9pPr>
           </a:lstStyle>
-          <a:p/>
+          <a:p>
+            <a:endParaRPr/>
+          </a:p>
         </p:txBody>
       </p:sp>
       <p:sp>
         <p:nvSpPr>
           <p:cNvPr id="11" name="Shape 11"/>
-          <p:cNvSpPr txBox="1"/>
+          <p:cNvSpPr txBox="1">
+            <a:spLocks noGrp="1"/>
+          </p:cNvSpPr>
           <p:nvPr>
-            <p:ph idx="1" type="subTitle"/>
+            <p:ph type="subTitle" idx="1"/>
           </p:nvPr>
         </p:nvSpPr>
         <p:spPr>
@@ -1121,7 +1517,7 @@
           </a:prstGeom>
         </p:spPr>
         <p:txBody>
-          <a:bodyPr anchorCtr="0" anchor="t" bIns="91425" lIns="91425" spcFirstLastPara="1" rIns="91425" wrap="square" tIns="91425"/>
+          <a:bodyPr spcFirstLastPara="1" wrap="square" lIns="91425" tIns="91425" rIns="91425" bIns="91425" anchor="t" anchorCtr="0"/>
           <a:lstStyle>
             <a:lvl1pPr lvl="0" algn="ctr">
               <a:lnSpc>
@@ -1250,15 +1646,19 @@
               <a:defRPr sz="2800"/>
             </a:lvl9pPr>
           </a:lstStyle>
-          <a:p/>
+          <a:p>
+            <a:endParaRPr/>
+          </a:p>
         </p:txBody>
       </p:sp>
       <p:sp>
         <p:nvSpPr>
           <p:cNvPr id="12" name="Shape 12"/>
-          <p:cNvSpPr txBox="1"/>
+          <p:cNvSpPr txBox="1">
+            <a:spLocks noGrp="1"/>
+          </p:cNvSpPr>
           <p:nvPr>
-            <p:ph idx="12" type="sldNum"/>
+            <p:ph type="sldNum" idx="12"/>
           </p:nvPr>
         </p:nvSpPr>
         <p:spPr>
@@ -1271,7 +1671,7 @@
           </a:prstGeom>
         </p:spPr>
         <p:txBody>
-          <a:bodyPr anchorCtr="0" anchor="ctr" bIns="91425" lIns="91425" spcFirstLastPara="1" rIns="91425" wrap="square" tIns="91425">
+          <a:bodyPr spcFirstLastPara="1" wrap="square" lIns="91425" tIns="91425" rIns="91425" bIns="91425" anchor="ctr" anchorCtr="0">
             <a:noAutofit/>
           </a:bodyPr>
           <a:lstStyle>
@@ -1313,7 +1713,7 @@
             </a:lvl9pPr>
           </a:lstStyle>
           <a:p>
-            <a:pPr indent="0" lvl="0" marL="0">
+            <a:pPr marL="0" lvl="0" indent="0">
               <a:spcBef>
                 <a:spcPts val="0"/>
               </a:spcBef>
@@ -1339,359 +1739,11 @@
 </file>
 
 <file path=ppt/slideLayouts/slideLayout10.xml><?xml version="1.0" encoding="utf-8"?>
-<p:sldLayout xmlns:a="http://schemas.openxmlformats.org/drawingml/2006/main" xmlns:r="http://schemas.openxmlformats.org/officeDocument/2006/relationships" xmlns:mc="http://schemas.openxmlformats.org/markup-compatibility/2006" xmlns:mv="urn:schemas-microsoft-com:mac:vml" xmlns:p="http://schemas.openxmlformats.org/presentationml/2006/main" xmlns:c="http://schemas.openxmlformats.org/drawingml/2006/chart" xmlns:dgm="http://schemas.openxmlformats.org/drawingml/2006/diagram" xmlns:o="urn:schemas-microsoft-com:office:office" xmlns:v="urn:schemas-microsoft-com:vml" xmlns:pvml="urn:schemas-microsoft-com:office:powerpoint" xmlns:com="http://schemas.openxmlformats.org/drawingml/2006/compatibility" xmlns:p14="http://schemas.microsoft.com/office/powerpoint/2010/main" xmlns:p15="http://schemas.microsoft.com/office/powerpoint/2012/main" matchingName="Big number">
-  <p:cSld name="BIG_NUMBER">
-    <p:spTree>
-      <p:nvGrpSpPr>
-        <p:cNvPr id="44" name="Shape 44"/>
-        <p:cNvGrpSpPr/>
-        <p:nvPr/>
-      </p:nvGrpSpPr>
-      <p:grpSpPr>
-        <a:xfrm>
-          <a:off x="0" y="0"/>
-          <a:ext cx="0" cy="0"/>
-          <a:chOff x="0" y="0"/>
-          <a:chExt cx="0" cy="0"/>
-        </a:xfrm>
-      </p:grpSpPr>
-      <p:sp>
-        <p:nvSpPr>
-          <p:cNvPr id="45" name="Shape 45"/>
-          <p:cNvSpPr txBox="1"/>
-          <p:nvPr>
-            <p:ph type="title"/>
-          </p:nvPr>
-        </p:nvSpPr>
-        <p:spPr>
-          <a:xfrm>
-            <a:off x="311700" y="1106125"/>
-            <a:ext cx="8520600" cy="1963500"/>
-          </a:xfrm>
-          <a:prstGeom prst="rect">
-            <a:avLst/>
-          </a:prstGeom>
-        </p:spPr>
-        <p:txBody>
-          <a:bodyPr anchorCtr="0" anchor="b" bIns="91425" lIns="91425" spcFirstLastPara="1" rIns="91425" wrap="square" tIns="91425"/>
-          <a:lstStyle>
-            <a:lvl1pPr lvl="0" algn="ctr">
-              <a:spcBef>
-                <a:spcPts val="0"/>
-              </a:spcBef>
-              <a:spcAft>
-                <a:spcPts val="0"/>
-              </a:spcAft>
-              <a:buSzPts val="12000"/>
-              <a:buNone/>
-              <a:defRPr sz="12000"/>
-            </a:lvl1pPr>
-            <a:lvl2pPr lvl="1" algn="ctr">
-              <a:spcBef>
-                <a:spcPts val="0"/>
-              </a:spcBef>
-              <a:spcAft>
-                <a:spcPts val="0"/>
-              </a:spcAft>
-              <a:buSzPts val="12000"/>
-              <a:buNone/>
-              <a:defRPr sz="12000"/>
-            </a:lvl2pPr>
-            <a:lvl3pPr lvl="2" algn="ctr">
-              <a:spcBef>
-                <a:spcPts val="0"/>
-              </a:spcBef>
-              <a:spcAft>
-                <a:spcPts val="0"/>
-              </a:spcAft>
-              <a:buSzPts val="12000"/>
-              <a:buNone/>
-              <a:defRPr sz="12000"/>
-            </a:lvl3pPr>
-            <a:lvl4pPr lvl="3" algn="ctr">
-              <a:spcBef>
-                <a:spcPts val="0"/>
-              </a:spcBef>
-              <a:spcAft>
-                <a:spcPts val="0"/>
-              </a:spcAft>
-              <a:buSzPts val="12000"/>
-              <a:buNone/>
-              <a:defRPr sz="12000"/>
-            </a:lvl4pPr>
-            <a:lvl5pPr lvl="4" algn="ctr">
-              <a:spcBef>
-                <a:spcPts val="0"/>
-              </a:spcBef>
-              <a:spcAft>
-                <a:spcPts val="0"/>
-              </a:spcAft>
-              <a:buSzPts val="12000"/>
-              <a:buNone/>
-              <a:defRPr sz="12000"/>
-            </a:lvl5pPr>
-            <a:lvl6pPr lvl="5" algn="ctr">
-              <a:spcBef>
-                <a:spcPts val="0"/>
-              </a:spcBef>
-              <a:spcAft>
-                <a:spcPts val="0"/>
-              </a:spcAft>
-              <a:buSzPts val="12000"/>
-              <a:buNone/>
-              <a:defRPr sz="12000"/>
-            </a:lvl6pPr>
-            <a:lvl7pPr lvl="6" algn="ctr">
-              <a:spcBef>
-                <a:spcPts val="0"/>
-              </a:spcBef>
-              <a:spcAft>
-                <a:spcPts val="0"/>
-              </a:spcAft>
-              <a:buSzPts val="12000"/>
-              <a:buNone/>
-              <a:defRPr sz="12000"/>
-            </a:lvl7pPr>
-            <a:lvl8pPr lvl="7" algn="ctr">
-              <a:spcBef>
-                <a:spcPts val="0"/>
-              </a:spcBef>
-              <a:spcAft>
-                <a:spcPts val="0"/>
-              </a:spcAft>
-              <a:buSzPts val="12000"/>
-              <a:buNone/>
-              <a:defRPr sz="12000"/>
-            </a:lvl8pPr>
-            <a:lvl9pPr lvl="8" algn="ctr">
-              <a:spcBef>
-                <a:spcPts val="0"/>
-              </a:spcBef>
-              <a:spcAft>
-                <a:spcPts val="0"/>
-              </a:spcAft>
-              <a:buSzPts val="12000"/>
-              <a:buNone/>
-              <a:defRPr sz="12000"/>
-            </a:lvl9pPr>
-          </a:lstStyle>
-          <a:p/>
-        </p:txBody>
-      </p:sp>
-      <p:sp>
-        <p:nvSpPr>
-          <p:cNvPr id="46" name="Shape 46"/>
-          <p:cNvSpPr txBox="1"/>
-          <p:nvPr>
-            <p:ph idx="1" type="body"/>
-          </p:nvPr>
-        </p:nvSpPr>
-        <p:spPr>
-          <a:xfrm>
-            <a:off x="311700" y="3152225"/>
-            <a:ext cx="8520600" cy="1300800"/>
-          </a:xfrm>
-          <a:prstGeom prst="rect">
-            <a:avLst/>
-          </a:prstGeom>
-        </p:spPr>
-        <p:txBody>
-          <a:bodyPr anchorCtr="0" anchor="t" bIns="91425" lIns="91425" spcFirstLastPara="1" rIns="91425" wrap="square" tIns="91425"/>
-          <a:lstStyle>
-            <a:lvl1pPr indent="-342900" lvl="0" marL="457200" algn="ctr">
-              <a:spcBef>
-                <a:spcPts val="0"/>
-              </a:spcBef>
-              <a:spcAft>
-                <a:spcPts val="0"/>
-              </a:spcAft>
-              <a:buSzPts val="1800"/>
-              <a:buChar char="●"/>
-              <a:defRPr/>
-            </a:lvl1pPr>
-            <a:lvl2pPr indent="-317500" lvl="1" marL="914400" algn="ctr">
-              <a:spcBef>
-                <a:spcPts val="1600"/>
-              </a:spcBef>
-              <a:spcAft>
-                <a:spcPts val="0"/>
-              </a:spcAft>
-              <a:buSzPts val="1400"/>
-              <a:buChar char="○"/>
-              <a:defRPr/>
-            </a:lvl2pPr>
-            <a:lvl3pPr indent="-317500" lvl="2" marL="1371600" algn="ctr">
-              <a:spcBef>
-                <a:spcPts val="1600"/>
-              </a:spcBef>
-              <a:spcAft>
-                <a:spcPts val="0"/>
-              </a:spcAft>
-              <a:buSzPts val="1400"/>
-              <a:buChar char="■"/>
-              <a:defRPr/>
-            </a:lvl3pPr>
-            <a:lvl4pPr indent="-317500" lvl="3" marL="1828800" algn="ctr">
-              <a:spcBef>
-                <a:spcPts val="1600"/>
-              </a:spcBef>
-              <a:spcAft>
-                <a:spcPts val="0"/>
-              </a:spcAft>
-              <a:buSzPts val="1400"/>
-              <a:buChar char="●"/>
-              <a:defRPr/>
-            </a:lvl4pPr>
-            <a:lvl5pPr indent="-317500" lvl="4" marL="2286000" algn="ctr">
-              <a:spcBef>
-                <a:spcPts val="1600"/>
-              </a:spcBef>
-              <a:spcAft>
-                <a:spcPts val="0"/>
-              </a:spcAft>
-              <a:buSzPts val="1400"/>
-              <a:buChar char="○"/>
-              <a:defRPr/>
-            </a:lvl5pPr>
-            <a:lvl6pPr indent="-317500" lvl="5" marL="2743200" algn="ctr">
-              <a:spcBef>
-                <a:spcPts val="1600"/>
-              </a:spcBef>
-              <a:spcAft>
-                <a:spcPts val="0"/>
-              </a:spcAft>
-              <a:buSzPts val="1400"/>
-              <a:buChar char="■"/>
-              <a:defRPr/>
-            </a:lvl6pPr>
-            <a:lvl7pPr indent="-317500" lvl="6" marL="3200400" algn="ctr">
-              <a:spcBef>
-                <a:spcPts val="1600"/>
-              </a:spcBef>
-              <a:spcAft>
-                <a:spcPts val="0"/>
-              </a:spcAft>
-              <a:buSzPts val="1400"/>
-              <a:buChar char="●"/>
-              <a:defRPr/>
-            </a:lvl7pPr>
-            <a:lvl8pPr indent="-317500" lvl="7" marL="3657600" algn="ctr">
-              <a:spcBef>
-                <a:spcPts val="1600"/>
-              </a:spcBef>
-              <a:spcAft>
-                <a:spcPts val="0"/>
-              </a:spcAft>
-              <a:buSzPts val="1400"/>
-              <a:buChar char="○"/>
-              <a:defRPr/>
-            </a:lvl8pPr>
-            <a:lvl9pPr indent="-317500" lvl="8" marL="4114800" algn="ctr">
-              <a:spcBef>
-                <a:spcPts val="1600"/>
-              </a:spcBef>
-              <a:spcAft>
-                <a:spcPts val="1600"/>
-              </a:spcAft>
-              <a:buSzPts val="1400"/>
-              <a:buChar char="■"/>
-              <a:defRPr/>
-            </a:lvl9pPr>
-          </a:lstStyle>
-          <a:p/>
-        </p:txBody>
-      </p:sp>
-      <p:sp>
-        <p:nvSpPr>
-          <p:cNvPr id="47" name="Shape 47"/>
-          <p:cNvSpPr txBox="1"/>
-          <p:nvPr>
-            <p:ph idx="12" type="sldNum"/>
-          </p:nvPr>
-        </p:nvSpPr>
-        <p:spPr>
-          <a:xfrm>
-            <a:off x="8472458" y="4663217"/>
-            <a:ext cx="548700" cy="393600"/>
-          </a:xfrm>
-          <a:prstGeom prst="rect">
-            <a:avLst/>
-          </a:prstGeom>
-        </p:spPr>
-        <p:txBody>
-          <a:bodyPr anchorCtr="0" anchor="ctr" bIns="91425" lIns="91425" spcFirstLastPara="1" rIns="91425" wrap="square" tIns="91425">
-            <a:noAutofit/>
-          </a:bodyPr>
-          <a:lstStyle>
-            <a:lvl1pPr lvl="0">
-              <a:buNone/>
-              <a:defRPr/>
-            </a:lvl1pPr>
-            <a:lvl2pPr lvl="1">
-              <a:buNone/>
-              <a:defRPr/>
-            </a:lvl2pPr>
-            <a:lvl3pPr lvl="2">
-              <a:buNone/>
-              <a:defRPr/>
-            </a:lvl3pPr>
-            <a:lvl4pPr lvl="3">
-              <a:buNone/>
-              <a:defRPr/>
-            </a:lvl4pPr>
-            <a:lvl5pPr lvl="4">
-              <a:buNone/>
-              <a:defRPr/>
-            </a:lvl5pPr>
-            <a:lvl6pPr lvl="5">
-              <a:buNone/>
-              <a:defRPr/>
-            </a:lvl6pPr>
-            <a:lvl7pPr lvl="6">
-              <a:buNone/>
-              <a:defRPr/>
-            </a:lvl7pPr>
-            <a:lvl8pPr lvl="7">
-              <a:buNone/>
-              <a:defRPr/>
-            </a:lvl8pPr>
-            <a:lvl9pPr lvl="8">
-              <a:buNone/>
-              <a:defRPr/>
-            </a:lvl9pPr>
-          </a:lstStyle>
-          <a:p>
-            <a:pPr indent="0" lvl="0" marL="0">
-              <a:spcBef>
-                <a:spcPts val="0"/>
-              </a:spcBef>
-              <a:spcAft>
-                <a:spcPts val="0"/>
-              </a:spcAft>
-              <a:buNone/>
-            </a:pPr>
-            <a:fld id="{00000000-1234-1234-1234-123412341234}" type="slidenum">
-              <a:rPr lang="en"/>
-              <a:t>‹#›</a:t>
-            </a:fld>
-            <a:endParaRPr/>
-          </a:p>
-        </p:txBody>
-      </p:sp>
-    </p:spTree>
-  </p:cSld>
-  <p:clrMapOvr>
-    <a:masterClrMapping/>
-  </p:clrMapOvr>
-</p:sldLayout>
-</file>
-
-<file path=ppt/slideLayouts/slideLayout11.xml><?xml version="1.0" encoding="utf-8"?>
-<p:sldLayout xmlns:a="http://schemas.openxmlformats.org/drawingml/2006/main" xmlns:r="http://schemas.openxmlformats.org/officeDocument/2006/relationships" xmlns:mc="http://schemas.openxmlformats.org/markup-compatibility/2006" xmlns:mv="urn:schemas-microsoft-com:mac:vml" xmlns:p="http://schemas.openxmlformats.org/presentationml/2006/main" xmlns:c="http://schemas.openxmlformats.org/drawingml/2006/chart" xmlns:dgm="http://schemas.openxmlformats.org/drawingml/2006/diagram" xmlns:o="urn:schemas-microsoft-com:office:office" xmlns:v="urn:schemas-microsoft-com:vml" xmlns:pvml="urn:schemas-microsoft-com:office:powerpoint" xmlns:com="http://schemas.openxmlformats.org/drawingml/2006/compatibility" xmlns:p14="http://schemas.microsoft.com/office/powerpoint/2010/main" xmlns:p15="http://schemas.microsoft.com/office/powerpoint/2012/main" matchingName="Blank" type="blank">
+<p:sldLayout xmlns:a="http://schemas.openxmlformats.org/drawingml/2006/main" xmlns:r="http://schemas.openxmlformats.org/officeDocument/2006/relationships" xmlns:p="http://schemas.openxmlformats.org/presentationml/2006/main" matchingName="Blank" type="blank">
   <p:cSld name="BLANK">
     <p:spTree>
       <p:nvGrpSpPr>
-        <p:cNvPr id="48" name="Shape 48"/>
+        <p:cNvPr id="1" name="Shape 48"/>
         <p:cNvGrpSpPr/>
         <p:nvPr/>
       </p:nvGrpSpPr>
@@ -1706,9 +1758,11 @@
       <p:sp>
         <p:nvSpPr>
           <p:cNvPr id="49" name="Shape 49"/>
-          <p:cNvSpPr txBox="1"/>
+          <p:cNvSpPr txBox="1">
+            <a:spLocks noGrp="1"/>
+          </p:cNvSpPr>
           <p:nvPr>
-            <p:ph idx="12" type="sldNum"/>
+            <p:ph type="sldNum" idx="12"/>
           </p:nvPr>
         </p:nvSpPr>
         <p:spPr>
@@ -1721,7 +1775,7 @@
           </a:prstGeom>
         </p:spPr>
         <p:txBody>
-          <a:bodyPr anchorCtr="0" anchor="ctr" bIns="91425" lIns="91425" spcFirstLastPara="1" rIns="91425" wrap="square" tIns="91425">
+          <a:bodyPr spcFirstLastPara="1" wrap="square" lIns="91425" tIns="91425" rIns="91425" bIns="91425" anchor="ctr" anchorCtr="0">
             <a:noAutofit/>
           </a:bodyPr>
           <a:lstStyle>
@@ -1763,7 +1817,7 @@
             </a:lvl9pPr>
           </a:lstStyle>
           <a:p>
-            <a:pPr indent="0" lvl="0" marL="0">
+            <a:pPr marL="0" lvl="0" indent="0">
               <a:spcBef>
                 <a:spcPts val="0"/>
               </a:spcBef>
@@ -1789,11 +1843,11 @@
 </file>
 
 <file path=ppt/slideLayouts/slideLayout2.xml><?xml version="1.0" encoding="utf-8"?>
-<p:sldLayout xmlns:a="http://schemas.openxmlformats.org/drawingml/2006/main" xmlns:r="http://schemas.openxmlformats.org/officeDocument/2006/relationships" xmlns:mc="http://schemas.openxmlformats.org/markup-compatibility/2006" xmlns:mv="urn:schemas-microsoft-com:mac:vml" xmlns:p="http://schemas.openxmlformats.org/presentationml/2006/main" xmlns:c="http://schemas.openxmlformats.org/drawingml/2006/chart" xmlns:dgm="http://schemas.openxmlformats.org/drawingml/2006/diagram" xmlns:o="urn:schemas-microsoft-com:office:office" xmlns:v="urn:schemas-microsoft-com:vml" xmlns:pvml="urn:schemas-microsoft-com:office:powerpoint" xmlns:com="http://schemas.openxmlformats.org/drawingml/2006/compatibility" xmlns:p14="http://schemas.microsoft.com/office/powerpoint/2010/main" xmlns:p15="http://schemas.microsoft.com/office/powerpoint/2012/main" matchingName="Section header" type="secHead">
+<p:sldLayout xmlns:a="http://schemas.openxmlformats.org/drawingml/2006/main" xmlns:r="http://schemas.openxmlformats.org/officeDocument/2006/relationships" xmlns:p="http://schemas.openxmlformats.org/presentationml/2006/main" matchingName="Section header" type="secHead">
   <p:cSld name="SECTION_HEADER">
     <p:spTree>
       <p:nvGrpSpPr>
-        <p:cNvPr id="13" name="Shape 13"/>
+        <p:cNvPr id="1" name="Shape 13"/>
         <p:cNvGrpSpPr/>
         <p:nvPr/>
       </p:nvGrpSpPr>
@@ -1808,7 +1862,9 @@
       <p:sp>
         <p:nvSpPr>
           <p:cNvPr id="14" name="Shape 14"/>
-          <p:cNvSpPr txBox="1"/>
+          <p:cNvSpPr txBox="1">
+            <a:spLocks noGrp="1"/>
+          </p:cNvSpPr>
           <p:nvPr>
             <p:ph type="title"/>
           </p:nvPr>
@@ -1823,7 +1879,7 @@
           </a:prstGeom>
         </p:spPr>
         <p:txBody>
-          <a:bodyPr anchorCtr="0" anchor="ctr" bIns="91425" lIns="91425" spcFirstLastPara="1" rIns="91425" wrap="square" tIns="91425"/>
+          <a:bodyPr spcFirstLastPara="1" wrap="square" lIns="91425" tIns="91425" rIns="91425" bIns="91425" anchor="ctr" anchorCtr="0"/>
           <a:lstStyle>
             <a:lvl1pPr lvl="0" algn="ctr">
               <a:spcBef>
@@ -1925,15 +1981,19 @@
               <a:defRPr sz="3600"/>
             </a:lvl9pPr>
           </a:lstStyle>
-          <a:p/>
+          <a:p>
+            <a:endParaRPr/>
+          </a:p>
         </p:txBody>
       </p:sp>
       <p:sp>
         <p:nvSpPr>
           <p:cNvPr id="15" name="Shape 15"/>
-          <p:cNvSpPr txBox="1"/>
+          <p:cNvSpPr txBox="1">
+            <a:spLocks noGrp="1"/>
+          </p:cNvSpPr>
           <p:nvPr>
-            <p:ph idx="12" type="sldNum"/>
+            <p:ph type="sldNum" idx="12"/>
           </p:nvPr>
         </p:nvSpPr>
         <p:spPr>
@@ -1946,7 +2006,7 @@
           </a:prstGeom>
         </p:spPr>
         <p:txBody>
-          <a:bodyPr anchorCtr="0" anchor="ctr" bIns="91425" lIns="91425" spcFirstLastPara="1" rIns="91425" wrap="square" tIns="91425">
+          <a:bodyPr spcFirstLastPara="1" wrap="square" lIns="91425" tIns="91425" rIns="91425" bIns="91425" anchor="ctr" anchorCtr="0">
             <a:noAutofit/>
           </a:bodyPr>
           <a:lstStyle>
@@ -1988,7 +2048,7 @@
             </a:lvl9pPr>
           </a:lstStyle>
           <a:p>
-            <a:pPr indent="0" lvl="0" marL="0">
+            <a:pPr marL="0" lvl="0" indent="0">
               <a:spcBef>
                 <a:spcPts val="0"/>
               </a:spcBef>
@@ -2014,11 +2074,11 @@
 </file>
 
 <file path=ppt/slideLayouts/slideLayout3.xml><?xml version="1.0" encoding="utf-8"?>
-<p:sldLayout xmlns:a="http://schemas.openxmlformats.org/drawingml/2006/main" xmlns:r="http://schemas.openxmlformats.org/officeDocument/2006/relationships" xmlns:mc="http://schemas.openxmlformats.org/markup-compatibility/2006" xmlns:mv="urn:schemas-microsoft-com:mac:vml" xmlns:p="http://schemas.openxmlformats.org/presentationml/2006/main" xmlns:c="http://schemas.openxmlformats.org/drawingml/2006/chart" xmlns:dgm="http://schemas.openxmlformats.org/drawingml/2006/diagram" xmlns:o="urn:schemas-microsoft-com:office:office" xmlns:v="urn:schemas-microsoft-com:vml" xmlns:pvml="urn:schemas-microsoft-com:office:powerpoint" xmlns:com="http://schemas.openxmlformats.org/drawingml/2006/compatibility" xmlns:p14="http://schemas.microsoft.com/office/powerpoint/2010/main" xmlns:p15="http://schemas.microsoft.com/office/powerpoint/2012/main" matchingName="Title and body" type="tx">
+<p:sldLayout xmlns:a="http://schemas.openxmlformats.org/drawingml/2006/main" xmlns:r="http://schemas.openxmlformats.org/officeDocument/2006/relationships" xmlns:p="http://schemas.openxmlformats.org/presentationml/2006/main" matchingName="Title and body" type="tx">
   <p:cSld name="TITLE_AND_BODY">
     <p:spTree>
       <p:nvGrpSpPr>
-        <p:cNvPr id="16" name="Shape 16"/>
+        <p:cNvPr id="1" name="Shape 16"/>
         <p:cNvGrpSpPr/>
         <p:nvPr/>
       </p:nvGrpSpPr>
@@ -2033,7 +2093,9 @@
       <p:sp>
         <p:nvSpPr>
           <p:cNvPr id="17" name="Shape 17"/>
-          <p:cNvSpPr txBox="1"/>
+          <p:cNvSpPr txBox="1">
+            <a:spLocks noGrp="1"/>
+          </p:cNvSpPr>
           <p:nvPr>
             <p:ph type="title"/>
           </p:nvPr>
@@ -2048,7 +2110,7 @@
           </a:prstGeom>
         </p:spPr>
         <p:txBody>
-          <a:bodyPr anchorCtr="0" anchor="t" bIns="91425" lIns="91425" spcFirstLastPara="1" rIns="91425" wrap="square" tIns="91425"/>
+          <a:bodyPr spcFirstLastPara="1" wrap="square" lIns="91425" tIns="91425" rIns="91425" bIns="91425" anchor="t" anchorCtr="0"/>
           <a:lstStyle>
             <a:lvl1pPr lvl="0">
               <a:spcBef>
@@ -2150,15 +2212,19 @@
               <a:defRPr/>
             </a:lvl9pPr>
           </a:lstStyle>
-          <a:p/>
+          <a:p>
+            <a:endParaRPr/>
+          </a:p>
         </p:txBody>
       </p:sp>
       <p:sp>
         <p:nvSpPr>
           <p:cNvPr id="18" name="Shape 18"/>
-          <p:cNvSpPr txBox="1"/>
+          <p:cNvSpPr txBox="1">
+            <a:spLocks noGrp="1"/>
+          </p:cNvSpPr>
           <p:nvPr>
-            <p:ph idx="1" type="body"/>
+            <p:ph type="body" idx="1"/>
           </p:nvPr>
         </p:nvSpPr>
         <p:spPr>
@@ -2171,9 +2237,9 @@
           </a:prstGeom>
         </p:spPr>
         <p:txBody>
-          <a:bodyPr anchorCtr="0" anchor="t" bIns="91425" lIns="91425" spcFirstLastPara="1" rIns="91425" wrap="square" tIns="91425"/>
+          <a:bodyPr spcFirstLastPara="1" wrap="square" lIns="91425" tIns="91425" rIns="91425" bIns="91425" anchor="t" anchorCtr="0"/>
           <a:lstStyle>
-            <a:lvl1pPr indent="-342900" lvl="0" marL="457200">
+            <a:lvl1pPr marL="457200" lvl="0" indent="-342900">
               <a:spcBef>
                 <a:spcPts val="0"/>
               </a:spcBef>
@@ -2184,7 +2250,7 @@
               <a:buChar char="●"/>
               <a:defRPr/>
             </a:lvl1pPr>
-            <a:lvl2pPr indent="-317500" lvl="1" marL="914400">
+            <a:lvl2pPr marL="914400" lvl="1" indent="-317500">
               <a:spcBef>
                 <a:spcPts val="1600"/>
               </a:spcBef>
@@ -2195,7 +2261,7 @@
               <a:buChar char="○"/>
               <a:defRPr/>
             </a:lvl2pPr>
-            <a:lvl3pPr indent="-317500" lvl="2" marL="1371600">
+            <a:lvl3pPr marL="1371600" lvl="2" indent="-317500">
               <a:spcBef>
                 <a:spcPts val="1600"/>
               </a:spcBef>
@@ -2206,7 +2272,7 @@
               <a:buChar char="■"/>
               <a:defRPr/>
             </a:lvl3pPr>
-            <a:lvl4pPr indent="-317500" lvl="3" marL="1828800">
+            <a:lvl4pPr marL="1828800" lvl="3" indent="-317500">
               <a:spcBef>
                 <a:spcPts val="1600"/>
               </a:spcBef>
@@ -2217,7 +2283,7 @@
               <a:buChar char="●"/>
               <a:defRPr/>
             </a:lvl4pPr>
-            <a:lvl5pPr indent="-317500" lvl="4" marL="2286000">
+            <a:lvl5pPr marL="2286000" lvl="4" indent="-317500">
               <a:spcBef>
                 <a:spcPts val="1600"/>
               </a:spcBef>
@@ -2228,7 +2294,7 @@
               <a:buChar char="○"/>
               <a:defRPr/>
             </a:lvl5pPr>
-            <a:lvl6pPr indent="-317500" lvl="5" marL="2743200">
+            <a:lvl6pPr marL="2743200" lvl="5" indent="-317500">
               <a:spcBef>
                 <a:spcPts val="1600"/>
               </a:spcBef>
@@ -2239,7 +2305,7 @@
               <a:buChar char="■"/>
               <a:defRPr/>
             </a:lvl6pPr>
-            <a:lvl7pPr indent="-317500" lvl="6" marL="3200400">
+            <a:lvl7pPr marL="3200400" lvl="6" indent="-317500">
               <a:spcBef>
                 <a:spcPts val="1600"/>
               </a:spcBef>
@@ -2250,7 +2316,7 @@
               <a:buChar char="●"/>
               <a:defRPr/>
             </a:lvl7pPr>
-            <a:lvl8pPr indent="-317500" lvl="7" marL="3657600">
+            <a:lvl8pPr marL="3657600" lvl="7" indent="-317500">
               <a:spcBef>
                 <a:spcPts val="1600"/>
               </a:spcBef>
@@ -2261,7 +2327,7 @@
               <a:buChar char="○"/>
               <a:defRPr/>
             </a:lvl8pPr>
-            <a:lvl9pPr indent="-317500" lvl="8" marL="4114800">
+            <a:lvl9pPr marL="4114800" lvl="8" indent="-317500">
               <a:spcBef>
                 <a:spcPts val="1600"/>
               </a:spcBef>
@@ -2273,15 +2339,19 @@
               <a:defRPr/>
             </a:lvl9pPr>
           </a:lstStyle>
-          <a:p/>
+          <a:p>
+            <a:endParaRPr/>
+          </a:p>
         </p:txBody>
       </p:sp>
       <p:sp>
         <p:nvSpPr>
           <p:cNvPr id="19" name="Shape 19"/>
-          <p:cNvSpPr txBox="1"/>
+          <p:cNvSpPr txBox="1">
+            <a:spLocks noGrp="1"/>
+          </p:cNvSpPr>
           <p:nvPr>
-            <p:ph idx="12" type="sldNum"/>
+            <p:ph type="sldNum" idx="12"/>
           </p:nvPr>
         </p:nvSpPr>
         <p:spPr>
@@ -2294,7 +2364,7 @@
           </a:prstGeom>
         </p:spPr>
         <p:txBody>
-          <a:bodyPr anchorCtr="0" anchor="ctr" bIns="91425" lIns="91425" spcFirstLastPara="1" rIns="91425" wrap="square" tIns="91425">
+          <a:bodyPr spcFirstLastPara="1" wrap="square" lIns="91425" tIns="91425" rIns="91425" bIns="91425" anchor="ctr" anchorCtr="0">
             <a:noAutofit/>
           </a:bodyPr>
           <a:lstStyle>
@@ -2336,7 +2406,7 @@
             </a:lvl9pPr>
           </a:lstStyle>
           <a:p>
-            <a:pPr indent="0" lvl="0" marL="0">
+            <a:pPr marL="0" lvl="0" indent="0">
               <a:spcBef>
                 <a:spcPts val="0"/>
               </a:spcBef>
@@ -2362,11 +2432,11 @@
 </file>
 
 <file path=ppt/slideLayouts/slideLayout4.xml><?xml version="1.0" encoding="utf-8"?>
-<p:sldLayout xmlns:a="http://schemas.openxmlformats.org/drawingml/2006/main" xmlns:r="http://schemas.openxmlformats.org/officeDocument/2006/relationships" xmlns:mc="http://schemas.openxmlformats.org/markup-compatibility/2006" xmlns:mv="urn:schemas-microsoft-com:mac:vml" xmlns:p="http://schemas.openxmlformats.org/presentationml/2006/main" xmlns:c="http://schemas.openxmlformats.org/drawingml/2006/chart" xmlns:dgm="http://schemas.openxmlformats.org/drawingml/2006/diagram" xmlns:o="urn:schemas-microsoft-com:office:office" xmlns:v="urn:schemas-microsoft-com:vml" xmlns:pvml="urn:schemas-microsoft-com:office:powerpoint" xmlns:com="http://schemas.openxmlformats.org/drawingml/2006/compatibility" xmlns:p14="http://schemas.microsoft.com/office/powerpoint/2010/main" xmlns:p15="http://schemas.microsoft.com/office/powerpoint/2012/main" matchingName="Title and two columns" type="twoColTx">
-  <p:cSld name="TITLE_AND_TWO_COLUMNS">
+<p:sldLayout xmlns:a="http://schemas.openxmlformats.org/drawingml/2006/main" xmlns:r="http://schemas.openxmlformats.org/officeDocument/2006/relationships" xmlns:p="http://schemas.openxmlformats.org/presentationml/2006/main" matchingName="Title only" type="titleOnly">
+  <p:cSld name="TITLE_ONLY">
     <p:spTree>
       <p:nvGrpSpPr>
-        <p:cNvPr id="20" name="Shape 20"/>
+        <p:cNvPr id="1" name="Shape 25"/>
         <p:cNvGrpSpPr/>
         <p:nvPr/>
       </p:nvGrpSpPr>
@@ -2380,8 +2450,10 @@
       </p:grpSpPr>
       <p:sp>
         <p:nvSpPr>
-          <p:cNvPr id="21" name="Shape 21"/>
-          <p:cNvSpPr txBox="1"/>
+          <p:cNvPr id="26" name="Shape 26"/>
+          <p:cNvSpPr txBox="1">
+            <a:spLocks noGrp="1"/>
+          </p:cNvSpPr>
           <p:nvPr>
             <p:ph type="title"/>
           </p:nvPr>
@@ -2396,7 +2468,7 @@
           </a:prstGeom>
         </p:spPr>
         <p:txBody>
-          <a:bodyPr anchorCtr="0" anchor="t" bIns="91425" lIns="91425" spcFirstLastPara="1" rIns="91425" wrap="square" tIns="91425"/>
+          <a:bodyPr spcFirstLastPara="1" wrap="square" lIns="91425" tIns="91425" rIns="91425" bIns="91425" anchor="t" anchorCtr="0"/>
           <a:lstStyle>
             <a:lvl1pPr lvl="0">
               <a:spcBef>
@@ -2498,261 +2570,19 @@
               <a:defRPr/>
             </a:lvl9pPr>
           </a:lstStyle>
-          <a:p/>
+          <a:p>
+            <a:endParaRPr/>
+          </a:p>
         </p:txBody>
       </p:sp>
       <p:sp>
         <p:nvSpPr>
-          <p:cNvPr id="22" name="Shape 22"/>
-          <p:cNvSpPr txBox="1"/>
+          <p:cNvPr id="27" name="Shape 27"/>
+          <p:cNvSpPr txBox="1">
+            <a:spLocks noGrp="1"/>
+          </p:cNvSpPr>
           <p:nvPr>
-            <p:ph idx="1" type="body"/>
-          </p:nvPr>
-        </p:nvSpPr>
-        <p:spPr>
-          <a:xfrm>
-            <a:off x="311700" y="1152475"/>
-            <a:ext cx="3999900" cy="3416400"/>
-          </a:xfrm>
-          <a:prstGeom prst="rect">
-            <a:avLst/>
-          </a:prstGeom>
-        </p:spPr>
-        <p:txBody>
-          <a:bodyPr anchorCtr="0" anchor="t" bIns="91425" lIns="91425" spcFirstLastPara="1" rIns="91425" wrap="square" tIns="91425"/>
-          <a:lstStyle>
-            <a:lvl1pPr indent="-317500" lvl="0" marL="457200">
-              <a:spcBef>
-                <a:spcPts val="0"/>
-              </a:spcBef>
-              <a:spcAft>
-                <a:spcPts val="0"/>
-              </a:spcAft>
-              <a:buSzPts val="1400"/>
-              <a:buChar char="●"/>
-              <a:defRPr sz="1400"/>
-            </a:lvl1pPr>
-            <a:lvl2pPr indent="-304800" lvl="1" marL="914400">
-              <a:spcBef>
-                <a:spcPts val="1600"/>
-              </a:spcBef>
-              <a:spcAft>
-                <a:spcPts val="0"/>
-              </a:spcAft>
-              <a:buSzPts val="1200"/>
-              <a:buChar char="○"/>
-              <a:defRPr sz="1200"/>
-            </a:lvl2pPr>
-            <a:lvl3pPr indent="-304800" lvl="2" marL="1371600">
-              <a:spcBef>
-                <a:spcPts val="1600"/>
-              </a:spcBef>
-              <a:spcAft>
-                <a:spcPts val="0"/>
-              </a:spcAft>
-              <a:buSzPts val="1200"/>
-              <a:buChar char="■"/>
-              <a:defRPr sz="1200"/>
-            </a:lvl3pPr>
-            <a:lvl4pPr indent="-304800" lvl="3" marL="1828800">
-              <a:spcBef>
-                <a:spcPts val="1600"/>
-              </a:spcBef>
-              <a:spcAft>
-                <a:spcPts val="0"/>
-              </a:spcAft>
-              <a:buSzPts val="1200"/>
-              <a:buChar char="●"/>
-              <a:defRPr sz="1200"/>
-            </a:lvl4pPr>
-            <a:lvl5pPr indent="-304800" lvl="4" marL="2286000">
-              <a:spcBef>
-                <a:spcPts val="1600"/>
-              </a:spcBef>
-              <a:spcAft>
-                <a:spcPts val="0"/>
-              </a:spcAft>
-              <a:buSzPts val="1200"/>
-              <a:buChar char="○"/>
-              <a:defRPr sz="1200"/>
-            </a:lvl5pPr>
-            <a:lvl6pPr indent="-304800" lvl="5" marL="2743200">
-              <a:spcBef>
-                <a:spcPts val="1600"/>
-              </a:spcBef>
-              <a:spcAft>
-                <a:spcPts val="0"/>
-              </a:spcAft>
-              <a:buSzPts val="1200"/>
-              <a:buChar char="■"/>
-              <a:defRPr sz="1200"/>
-            </a:lvl6pPr>
-            <a:lvl7pPr indent="-304800" lvl="6" marL="3200400">
-              <a:spcBef>
-                <a:spcPts val="1600"/>
-              </a:spcBef>
-              <a:spcAft>
-                <a:spcPts val="0"/>
-              </a:spcAft>
-              <a:buSzPts val="1200"/>
-              <a:buChar char="●"/>
-              <a:defRPr sz="1200"/>
-            </a:lvl7pPr>
-            <a:lvl8pPr indent="-304800" lvl="7" marL="3657600">
-              <a:spcBef>
-                <a:spcPts val="1600"/>
-              </a:spcBef>
-              <a:spcAft>
-                <a:spcPts val="0"/>
-              </a:spcAft>
-              <a:buSzPts val="1200"/>
-              <a:buChar char="○"/>
-              <a:defRPr sz="1200"/>
-            </a:lvl8pPr>
-            <a:lvl9pPr indent="-304800" lvl="8" marL="4114800">
-              <a:spcBef>
-                <a:spcPts val="1600"/>
-              </a:spcBef>
-              <a:spcAft>
-                <a:spcPts val="1600"/>
-              </a:spcAft>
-              <a:buSzPts val="1200"/>
-              <a:buChar char="■"/>
-              <a:defRPr sz="1200"/>
-            </a:lvl9pPr>
-          </a:lstStyle>
-          <a:p/>
-        </p:txBody>
-      </p:sp>
-      <p:sp>
-        <p:nvSpPr>
-          <p:cNvPr id="23" name="Shape 23"/>
-          <p:cNvSpPr txBox="1"/>
-          <p:nvPr>
-            <p:ph idx="2" type="body"/>
-          </p:nvPr>
-        </p:nvSpPr>
-        <p:spPr>
-          <a:xfrm>
-            <a:off x="4832400" y="1152475"/>
-            <a:ext cx="3999900" cy="3416400"/>
-          </a:xfrm>
-          <a:prstGeom prst="rect">
-            <a:avLst/>
-          </a:prstGeom>
-        </p:spPr>
-        <p:txBody>
-          <a:bodyPr anchorCtr="0" anchor="t" bIns="91425" lIns="91425" spcFirstLastPara="1" rIns="91425" wrap="square" tIns="91425"/>
-          <a:lstStyle>
-            <a:lvl1pPr indent="-317500" lvl="0" marL="457200">
-              <a:spcBef>
-                <a:spcPts val="0"/>
-              </a:spcBef>
-              <a:spcAft>
-                <a:spcPts val="0"/>
-              </a:spcAft>
-              <a:buSzPts val="1400"/>
-              <a:buChar char="●"/>
-              <a:defRPr sz="1400"/>
-            </a:lvl1pPr>
-            <a:lvl2pPr indent="-304800" lvl="1" marL="914400">
-              <a:spcBef>
-                <a:spcPts val="1600"/>
-              </a:spcBef>
-              <a:spcAft>
-                <a:spcPts val="0"/>
-              </a:spcAft>
-              <a:buSzPts val="1200"/>
-              <a:buChar char="○"/>
-              <a:defRPr sz="1200"/>
-            </a:lvl2pPr>
-            <a:lvl3pPr indent="-304800" lvl="2" marL="1371600">
-              <a:spcBef>
-                <a:spcPts val="1600"/>
-              </a:spcBef>
-              <a:spcAft>
-                <a:spcPts val="0"/>
-              </a:spcAft>
-              <a:buSzPts val="1200"/>
-              <a:buChar char="■"/>
-              <a:defRPr sz="1200"/>
-            </a:lvl3pPr>
-            <a:lvl4pPr indent="-304800" lvl="3" marL="1828800">
-              <a:spcBef>
-                <a:spcPts val="1600"/>
-              </a:spcBef>
-              <a:spcAft>
-                <a:spcPts val="0"/>
-              </a:spcAft>
-              <a:buSzPts val="1200"/>
-              <a:buChar char="●"/>
-              <a:defRPr sz="1200"/>
-            </a:lvl4pPr>
-            <a:lvl5pPr indent="-304800" lvl="4" marL="2286000">
-              <a:spcBef>
-                <a:spcPts val="1600"/>
-              </a:spcBef>
-              <a:spcAft>
-                <a:spcPts val="0"/>
-              </a:spcAft>
-              <a:buSzPts val="1200"/>
-              <a:buChar char="○"/>
-              <a:defRPr sz="1200"/>
-            </a:lvl5pPr>
-            <a:lvl6pPr indent="-304800" lvl="5" marL="2743200">
-              <a:spcBef>
-                <a:spcPts val="1600"/>
-              </a:spcBef>
-              <a:spcAft>
-                <a:spcPts val="0"/>
-              </a:spcAft>
-              <a:buSzPts val="1200"/>
-              <a:buChar char="■"/>
-              <a:defRPr sz="1200"/>
-            </a:lvl6pPr>
-            <a:lvl7pPr indent="-304800" lvl="6" marL="3200400">
-              <a:spcBef>
-                <a:spcPts val="1600"/>
-              </a:spcBef>
-              <a:spcAft>
-                <a:spcPts val="0"/>
-              </a:spcAft>
-              <a:buSzPts val="1200"/>
-              <a:buChar char="●"/>
-              <a:defRPr sz="1200"/>
-            </a:lvl7pPr>
-            <a:lvl8pPr indent="-304800" lvl="7" marL="3657600">
-              <a:spcBef>
-                <a:spcPts val="1600"/>
-              </a:spcBef>
-              <a:spcAft>
-                <a:spcPts val="0"/>
-              </a:spcAft>
-              <a:buSzPts val="1200"/>
-              <a:buChar char="○"/>
-              <a:defRPr sz="1200"/>
-            </a:lvl8pPr>
-            <a:lvl9pPr indent="-304800" lvl="8" marL="4114800">
-              <a:spcBef>
-                <a:spcPts val="1600"/>
-              </a:spcBef>
-              <a:spcAft>
-                <a:spcPts val="1600"/>
-              </a:spcAft>
-              <a:buSzPts val="1200"/>
-              <a:buChar char="■"/>
-              <a:defRPr sz="1200"/>
-            </a:lvl9pPr>
-          </a:lstStyle>
-          <a:p/>
-        </p:txBody>
-      </p:sp>
-      <p:sp>
-        <p:nvSpPr>
-          <p:cNvPr id="24" name="Shape 24"/>
-          <p:cNvSpPr txBox="1"/>
-          <p:nvPr>
-            <p:ph idx="12" type="sldNum"/>
+            <p:ph type="sldNum" idx="12"/>
           </p:nvPr>
         </p:nvSpPr>
         <p:spPr>
@@ -2765,7 +2595,7 @@
           </a:prstGeom>
         </p:spPr>
         <p:txBody>
-          <a:bodyPr anchorCtr="0" anchor="ctr" bIns="91425" lIns="91425" spcFirstLastPara="1" rIns="91425" wrap="square" tIns="91425">
+          <a:bodyPr spcFirstLastPara="1" wrap="square" lIns="91425" tIns="91425" rIns="91425" bIns="91425" anchor="ctr" anchorCtr="0">
             <a:noAutofit/>
           </a:bodyPr>
           <a:lstStyle>
@@ -2807,7 +2637,7 @@
             </a:lvl9pPr>
           </a:lstStyle>
           <a:p>
-            <a:pPr indent="0" lvl="0" marL="0">
+            <a:pPr marL="0" lvl="0" indent="0">
               <a:spcBef>
                 <a:spcPts val="0"/>
               </a:spcBef>
@@ -2833,11 +2663,11 @@
 </file>
 
 <file path=ppt/slideLayouts/slideLayout5.xml><?xml version="1.0" encoding="utf-8"?>
-<p:sldLayout xmlns:a="http://schemas.openxmlformats.org/drawingml/2006/main" xmlns:r="http://schemas.openxmlformats.org/officeDocument/2006/relationships" xmlns:mc="http://schemas.openxmlformats.org/markup-compatibility/2006" xmlns:mv="urn:schemas-microsoft-com:mac:vml" xmlns:p="http://schemas.openxmlformats.org/presentationml/2006/main" xmlns:c="http://schemas.openxmlformats.org/drawingml/2006/chart" xmlns:dgm="http://schemas.openxmlformats.org/drawingml/2006/diagram" xmlns:o="urn:schemas-microsoft-com:office:office" xmlns:v="urn:schemas-microsoft-com:vml" xmlns:pvml="urn:schemas-microsoft-com:office:powerpoint" xmlns:com="http://schemas.openxmlformats.org/drawingml/2006/compatibility" xmlns:p14="http://schemas.microsoft.com/office/powerpoint/2010/main" xmlns:p15="http://schemas.microsoft.com/office/powerpoint/2012/main" matchingName="Title only" type="titleOnly">
-  <p:cSld name="TITLE_ONLY">
+<p:sldLayout xmlns:a="http://schemas.openxmlformats.org/drawingml/2006/main" xmlns:r="http://schemas.openxmlformats.org/officeDocument/2006/relationships" xmlns:p="http://schemas.openxmlformats.org/presentationml/2006/main" matchingName="One column text">
+  <p:cSld name="ONE_COLUMN_TEXT">
     <p:spTree>
       <p:nvGrpSpPr>
-        <p:cNvPr id="25" name="Shape 25"/>
+        <p:cNvPr id="1" name="Shape 28"/>
         <p:cNvGrpSpPr/>
         <p:nvPr/>
       </p:nvGrpSpPr>
@@ -2851,23 +2681,25 @@
       </p:grpSpPr>
       <p:sp>
         <p:nvSpPr>
-          <p:cNvPr id="26" name="Shape 26"/>
-          <p:cNvSpPr txBox="1"/>
+          <p:cNvPr id="29" name="Shape 29"/>
+          <p:cNvSpPr txBox="1">
+            <a:spLocks noGrp="1"/>
+          </p:cNvSpPr>
           <p:nvPr>
             <p:ph type="title"/>
           </p:nvPr>
         </p:nvSpPr>
         <p:spPr>
           <a:xfrm>
-            <a:off x="311700" y="445025"/>
-            <a:ext cx="8520600" cy="572700"/>
+            <a:off x="311700" y="555600"/>
+            <a:ext cx="2808000" cy="755700"/>
           </a:xfrm>
           <a:prstGeom prst="rect">
             <a:avLst/>
           </a:prstGeom>
         </p:spPr>
         <p:txBody>
-          <a:bodyPr anchorCtr="0" anchor="t" bIns="91425" lIns="91425" spcFirstLastPara="1" rIns="91425" wrap="square" tIns="91425"/>
+          <a:bodyPr spcFirstLastPara="1" wrap="square" lIns="91425" tIns="91425" rIns="91425" bIns="91425" anchor="b" anchorCtr="0"/>
           <a:lstStyle>
             <a:lvl1pPr lvl="0">
               <a:spcBef>
@@ -2876,9 +2708,9 @@
               <a:spcAft>
                 <a:spcPts val="0"/>
               </a:spcAft>
-              <a:buSzPts val="2800"/>
-              <a:buNone/>
-              <a:defRPr/>
+              <a:buSzPts val="2400"/>
+              <a:buNone/>
+              <a:defRPr sz="2400"/>
             </a:lvl1pPr>
             <a:lvl2pPr lvl="1">
               <a:spcBef>
@@ -2887,9 +2719,9 @@
               <a:spcAft>
                 <a:spcPts val="0"/>
               </a:spcAft>
-              <a:buSzPts val="2800"/>
-              <a:buNone/>
-              <a:defRPr/>
+              <a:buSzPts val="2400"/>
+              <a:buNone/>
+              <a:defRPr sz="2400"/>
             </a:lvl2pPr>
             <a:lvl3pPr lvl="2">
               <a:spcBef>
@@ -2898,9 +2730,9 @@
               <a:spcAft>
                 <a:spcPts val="0"/>
               </a:spcAft>
-              <a:buSzPts val="2800"/>
-              <a:buNone/>
-              <a:defRPr/>
+              <a:buSzPts val="2400"/>
+              <a:buNone/>
+              <a:defRPr sz="2400"/>
             </a:lvl3pPr>
             <a:lvl4pPr lvl="3">
               <a:spcBef>
@@ -2909,9 +2741,9 @@
               <a:spcAft>
                 <a:spcPts val="0"/>
               </a:spcAft>
-              <a:buSzPts val="2800"/>
-              <a:buNone/>
-              <a:defRPr/>
+              <a:buSzPts val="2400"/>
+              <a:buNone/>
+              <a:defRPr sz="2400"/>
             </a:lvl4pPr>
             <a:lvl5pPr lvl="4">
               <a:spcBef>
@@ -2920,9 +2752,9 @@
               <a:spcAft>
                 <a:spcPts val="0"/>
               </a:spcAft>
-              <a:buSzPts val="2800"/>
-              <a:buNone/>
-              <a:defRPr/>
+              <a:buSzPts val="2400"/>
+              <a:buNone/>
+              <a:defRPr sz="2400"/>
             </a:lvl5pPr>
             <a:lvl6pPr lvl="5">
               <a:spcBef>
@@ -2931,9 +2763,9 @@
               <a:spcAft>
                 <a:spcPts val="0"/>
               </a:spcAft>
-              <a:buSzPts val="2800"/>
-              <a:buNone/>
-              <a:defRPr/>
+              <a:buSzPts val="2400"/>
+              <a:buNone/>
+              <a:defRPr sz="2400"/>
             </a:lvl6pPr>
             <a:lvl7pPr lvl="6">
               <a:spcBef>
@@ -2942,9 +2774,9 @@
               <a:spcAft>
                 <a:spcPts val="0"/>
               </a:spcAft>
-              <a:buSzPts val="2800"/>
-              <a:buNone/>
-              <a:defRPr/>
+              <a:buSzPts val="2400"/>
+              <a:buNone/>
+              <a:defRPr sz="2400"/>
             </a:lvl7pPr>
             <a:lvl8pPr lvl="7">
               <a:spcBef>
@@ -2953,9 +2785,9 @@
               <a:spcAft>
                 <a:spcPts val="0"/>
               </a:spcAft>
-              <a:buSzPts val="2800"/>
-              <a:buNone/>
-              <a:defRPr/>
+              <a:buSzPts val="2400"/>
+              <a:buNone/>
+              <a:defRPr sz="2400"/>
             </a:lvl8pPr>
             <a:lvl9pPr lvl="8">
               <a:spcBef>
@@ -2964,20 +2796,151 @@
               <a:spcAft>
                 <a:spcPts val="0"/>
               </a:spcAft>
-              <a:buSzPts val="2800"/>
-              <a:buNone/>
-              <a:defRPr/>
+              <a:buSzPts val="2400"/>
+              <a:buNone/>
+              <a:defRPr sz="2400"/>
             </a:lvl9pPr>
           </a:lstStyle>
-          <a:p/>
+          <a:p>
+            <a:endParaRPr/>
+          </a:p>
         </p:txBody>
       </p:sp>
       <p:sp>
         <p:nvSpPr>
-          <p:cNvPr id="27" name="Shape 27"/>
-          <p:cNvSpPr txBox="1"/>
+          <p:cNvPr id="30" name="Shape 30"/>
+          <p:cNvSpPr txBox="1">
+            <a:spLocks noGrp="1"/>
+          </p:cNvSpPr>
           <p:nvPr>
-            <p:ph idx="12" type="sldNum"/>
+            <p:ph type="body" idx="1"/>
+          </p:nvPr>
+        </p:nvSpPr>
+        <p:spPr>
+          <a:xfrm>
+            <a:off x="311700" y="1389600"/>
+            <a:ext cx="2808000" cy="3179400"/>
+          </a:xfrm>
+          <a:prstGeom prst="rect">
+            <a:avLst/>
+          </a:prstGeom>
+        </p:spPr>
+        <p:txBody>
+          <a:bodyPr spcFirstLastPara="1" wrap="square" lIns="91425" tIns="91425" rIns="91425" bIns="91425" anchor="t" anchorCtr="0"/>
+          <a:lstStyle>
+            <a:lvl1pPr marL="457200" lvl="0" indent="-304800">
+              <a:spcBef>
+                <a:spcPts val="0"/>
+              </a:spcBef>
+              <a:spcAft>
+                <a:spcPts val="0"/>
+              </a:spcAft>
+              <a:buSzPts val="1200"/>
+              <a:buChar char="●"/>
+              <a:defRPr sz="1200"/>
+            </a:lvl1pPr>
+            <a:lvl2pPr marL="914400" lvl="1" indent="-304800">
+              <a:spcBef>
+                <a:spcPts val="1600"/>
+              </a:spcBef>
+              <a:spcAft>
+                <a:spcPts val="0"/>
+              </a:spcAft>
+              <a:buSzPts val="1200"/>
+              <a:buChar char="○"/>
+              <a:defRPr sz="1200"/>
+            </a:lvl2pPr>
+            <a:lvl3pPr marL="1371600" lvl="2" indent="-304800">
+              <a:spcBef>
+                <a:spcPts val="1600"/>
+              </a:spcBef>
+              <a:spcAft>
+                <a:spcPts val="0"/>
+              </a:spcAft>
+              <a:buSzPts val="1200"/>
+              <a:buChar char="■"/>
+              <a:defRPr sz="1200"/>
+            </a:lvl3pPr>
+            <a:lvl4pPr marL="1828800" lvl="3" indent="-304800">
+              <a:spcBef>
+                <a:spcPts val="1600"/>
+              </a:spcBef>
+              <a:spcAft>
+                <a:spcPts val="0"/>
+              </a:spcAft>
+              <a:buSzPts val="1200"/>
+              <a:buChar char="●"/>
+              <a:defRPr sz="1200"/>
+            </a:lvl4pPr>
+            <a:lvl5pPr marL="2286000" lvl="4" indent="-304800">
+              <a:spcBef>
+                <a:spcPts val="1600"/>
+              </a:spcBef>
+              <a:spcAft>
+                <a:spcPts val="0"/>
+              </a:spcAft>
+              <a:buSzPts val="1200"/>
+              <a:buChar char="○"/>
+              <a:defRPr sz="1200"/>
+            </a:lvl5pPr>
+            <a:lvl6pPr marL="2743200" lvl="5" indent="-304800">
+              <a:spcBef>
+                <a:spcPts val="1600"/>
+              </a:spcBef>
+              <a:spcAft>
+                <a:spcPts val="0"/>
+              </a:spcAft>
+              <a:buSzPts val="1200"/>
+              <a:buChar char="■"/>
+              <a:defRPr sz="1200"/>
+            </a:lvl6pPr>
+            <a:lvl7pPr marL="3200400" lvl="6" indent="-304800">
+              <a:spcBef>
+                <a:spcPts val="1600"/>
+              </a:spcBef>
+              <a:spcAft>
+                <a:spcPts val="0"/>
+              </a:spcAft>
+              <a:buSzPts val="1200"/>
+              <a:buChar char="●"/>
+              <a:defRPr sz="1200"/>
+            </a:lvl7pPr>
+            <a:lvl8pPr marL="3657600" lvl="7" indent="-304800">
+              <a:spcBef>
+                <a:spcPts val="1600"/>
+              </a:spcBef>
+              <a:spcAft>
+                <a:spcPts val="0"/>
+              </a:spcAft>
+              <a:buSzPts val="1200"/>
+              <a:buChar char="○"/>
+              <a:defRPr sz="1200"/>
+            </a:lvl8pPr>
+            <a:lvl9pPr marL="4114800" lvl="8" indent="-304800">
+              <a:spcBef>
+                <a:spcPts val="1600"/>
+              </a:spcBef>
+              <a:spcAft>
+                <a:spcPts val="1600"/>
+              </a:spcAft>
+              <a:buSzPts val="1200"/>
+              <a:buChar char="■"/>
+              <a:defRPr sz="1200"/>
+            </a:lvl9pPr>
+          </a:lstStyle>
+          <a:p>
+            <a:endParaRPr/>
+          </a:p>
+        </p:txBody>
+      </p:sp>
+      <p:sp>
+        <p:nvSpPr>
+          <p:cNvPr id="31" name="Shape 31"/>
+          <p:cNvSpPr txBox="1">
+            <a:spLocks noGrp="1"/>
+          </p:cNvSpPr>
+          <p:nvPr>
+            <p:ph type="sldNum" idx="12"/>
           </p:nvPr>
         </p:nvSpPr>
         <p:spPr>
@@ -2990,7 +2953,7 @@
           </a:prstGeom>
         </p:spPr>
         <p:txBody>
-          <a:bodyPr anchorCtr="0" anchor="ctr" bIns="91425" lIns="91425" spcFirstLastPara="1" rIns="91425" wrap="square" tIns="91425">
+          <a:bodyPr spcFirstLastPara="1" wrap="square" lIns="91425" tIns="91425" rIns="91425" bIns="91425" anchor="ctr" anchorCtr="0">
             <a:noAutofit/>
           </a:bodyPr>
           <a:lstStyle>
@@ -3032,7 +2995,7 @@
             </a:lvl9pPr>
           </a:lstStyle>
           <a:p>
-            <a:pPr indent="0" lvl="0" marL="0">
+            <a:pPr marL="0" lvl="0" indent="0">
               <a:spcBef>
                 <a:spcPts val="0"/>
               </a:spcBef>
@@ -3058,11 +3021,11 @@
 </file>
 
 <file path=ppt/slideLayouts/slideLayout6.xml><?xml version="1.0" encoding="utf-8"?>
-<p:sldLayout xmlns:a="http://schemas.openxmlformats.org/drawingml/2006/main" xmlns:r="http://schemas.openxmlformats.org/officeDocument/2006/relationships" xmlns:mc="http://schemas.openxmlformats.org/markup-compatibility/2006" xmlns:mv="urn:schemas-microsoft-com:mac:vml" xmlns:p="http://schemas.openxmlformats.org/presentationml/2006/main" xmlns:c="http://schemas.openxmlformats.org/drawingml/2006/chart" xmlns:dgm="http://schemas.openxmlformats.org/drawingml/2006/diagram" xmlns:o="urn:schemas-microsoft-com:office:office" xmlns:v="urn:schemas-microsoft-com:vml" xmlns:pvml="urn:schemas-microsoft-com:office:powerpoint" xmlns:com="http://schemas.openxmlformats.org/drawingml/2006/compatibility" xmlns:p14="http://schemas.microsoft.com/office/powerpoint/2010/main" xmlns:p15="http://schemas.microsoft.com/office/powerpoint/2012/main" matchingName="One column text">
-  <p:cSld name="ONE_COLUMN_TEXT">
+<p:sldLayout xmlns:a="http://schemas.openxmlformats.org/drawingml/2006/main" xmlns:r="http://schemas.openxmlformats.org/officeDocument/2006/relationships" xmlns:p="http://schemas.openxmlformats.org/presentationml/2006/main" matchingName="Main point">
+  <p:cSld name="MAIN_POINT">
     <p:spTree>
       <p:nvGrpSpPr>
-        <p:cNvPr id="28" name="Shape 28"/>
+        <p:cNvPr id="1" name="Shape 32"/>
         <p:cNvGrpSpPr/>
         <p:nvPr/>
       </p:nvGrpSpPr>
@@ -3076,23 +3039,25 @@
       </p:grpSpPr>
       <p:sp>
         <p:nvSpPr>
-          <p:cNvPr id="29" name="Shape 29"/>
-          <p:cNvSpPr txBox="1"/>
+          <p:cNvPr id="33" name="Shape 33"/>
+          <p:cNvSpPr txBox="1">
+            <a:spLocks noGrp="1"/>
+          </p:cNvSpPr>
           <p:nvPr>
             <p:ph type="title"/>
           </p:nvPr>
         </p:nvSpPr>
         <p:spPr>
           <a:xfrm>
-            <a:off x="311700" y="555600"/>
-            <a:ext cx="2808000" cy="755700"/>
+            <a:off x="490250" y="450150"/>
+            <a:ext cx="6367800" cy="4090800"/>
           </a:xfrm>
           <a:prstGeom prst="rect">
             <a:avLst/>
           </a:prstGeom>
         </p:spPr>
         <p:txBody>
-          <a:bodyPr anchorCtr="0" anchor="b" bIns="91425" lIns="91425" spcFirstLastPara="1" rIns="91425" wrap="square" tIns="91425"/>
+          <a:bodyPr spcFirstLastPara="1" wrap="square" lIns="91425" tIns="91425" rIns="91425" bIns="91425" anchor="ctr" anchorCtr="0"/>
           <a:lstStyle>
             <a:lvl1pPr lvl="0">
               <a:spcBef>
@@ -3101,9 +3066,9 @@
               <a:spcAft>
                 <a:spcPts val="0"/>
               </a:spcAft>
-              <a:buSzPts val="2400"/>
-              <a:buNone/>
-              <a:defRPr sz="2400"/>
+              <a:buSzPts val="4800"/>
+              <a:buNone/>
+              <a:defRPr sz="4800"/>
             </a:lvl1pPr>
             <a:lvl2pPr lvl="1">
               <a:spcBef>
@@ -3112,9 +3077,9 @@
               <a:spcAft>
                 <a:spcPts val="0"/>
               </a:spcAft>
-              <a:buSzPts val="2400"/>
-              <a:buNone/>
-              <a:defRPr sz="2400"/>
+              <a:buSzPts val="4800"/>
+              <a:buNone/>
+              <a:defRPr sz="4800"/>
             </a:lvl2pPr>
             <a:lvl3pPr lvl="2">
               <a:spcBef>
@@ -3123,9 +3088,9 @@
               <a:spcAft>
                 <a:spcPts val="0"/>
               </a:spcAft>
-              <a:buSzPts val="2400"/>
-              <a:buNone/>
-              <a:defRPr sz="2400"/>
+              <a:buSzPts val="4800"/>
+              <a:buNone/>
+              <a:defRPr sz="4800"/>
             </a:lvl3pPr>
             <a:lvl4pPr lvl="3">
               <a:spcBef>
@@ -3134,9 +3099,9 @@
               <a:spcAft>
                 <a:spcPts val="0"/>
               </a:spcAft>
-              <a:buSzPts val="2400"/>
-              <a:buNone/>
-              <a:defRPr sz="2400"/>
+              <a:buSzPts val="4800"/>
+              <a:buNone/>
+              <a:defRPr sz="4800"/>
             </a:lvl4pPr>
             <a:lvl5pPr lvl="4">
               <a:spcBef>
@@ -3145,9 +3110,9 @@
               <a:spcAft>
                 <a:spcPts val="0"/>
               </a:spcAft>
-              <a:buSzPts val="2400"/>
-              <a:buNone/>
-              <a:defRPr sz="2400"/>
+              <a:buSzPts val="4800"/>
+              <a:buNone/>
+              <a:defRPr sz="4800"/>
             </a:lvl5pPr>
             <a:lvl6pPr lvl="5">
               <a:spcBef>
@@ -3156,9 +3121,9 @@
               <a:spcAft>
                 <a:spcPts val="0"/>
               </a:spcAft>
-              <a:buSzPts val="2400"/>
-              <a:buNone/>
-              <a:defRPr sz="2400"/>
+              <a:buSzPts val="4800"/>
+              <a:buNone/>
+              <a:defRPr sz="4800"/>
             </a:lvl6pPr>
             <a:lvl7pPr lvl="6">
               <a:spcBef>
@@ -3167,9 +3132,9 @@
               <a:spcAft>
                 <a:spcPts val="0"/>
               </a:spcAft>
-              <a:buSzPts val="2400"/>
-              <a:buNone/>
-              <a:defRPr sz="2400"/>
+              <a:buSzPts val="4800"/>
+              <a:buNone/>
+              <a:defRPr sz="4800"/>
             </a:lvl7pPr>
             <a:lvl8pPr lvl="7">
               <a:spcBef>
@@ -3178,9 +3143,9 @@
               <a:spcAft>
                 <a:spcPts val="0"/>
               </a:spcAft>
-              <a:buSzPts val="2400"/>
-              <a:buNone/>
-              <a:defRPr sz="2400"/>
+              <a:buSzPts val="4800"/>
+              <a:buNone/>
+              <a:defRPr sz="4800"/>
             </a:lvl8pPr>
             <a:lvl9pPr lvl="8">
               <a:spcBef>
@@ -3189,143 +3154,24 @@
               <a:spcAft>
                 <a:spcPts val="0"/>
               </a:spcAft>
-              <a:buSzPts val="2400"/>
-              <a:buNone/>
-              <a:defRPr sz="2400"/>
+              <a:buSzPts val="4800"/>
+              <a:buNone/>
+              <a:defRPr sz="4800"/>
             </a:lvl9pPr>
           </a:lstStyle>
-          <a:p/>
+          <a:p>
+            <a:endParaRPr/>
+          </a:p>
         </p:txBody>
       </p:sp>
       <p:sp>
         <p:nvSpPr>
-          <p:cNvPr id="30" name="Shape 30"/>
-          <p:cNvSpPr txBox="1"/>
+          <p:cNvPr id="34" name="Shape 34"/>
+          <p:cNvSpPr txBox="1">
+            <a:spLocks noGrp="1"/>
+          </p:cNvSpPr>
           <p:nvPr>
-            <p:ph idx="1" type="body"/>
-          </p:nvPr>
-        </p:nvSpPr>
-        <p:spPr>
-          <a:xfrm>
-            <a:off x="311700" y="1389600"/>
-            <a:ext cx="2808000" cy="3179400"/>
-          </a:xfrm>
-          <a:prstGeom prst="rect">
-            <a:avLst/>
-          </a:prstGeom>
-        </p:spPr>
-        <p:txBody>
-          <a:bodyPr anchorCtr="0" anchor="t" bIns="91425" lIns="91425" spcFirstLastPara="1" rIns="91425" wrap="square" tIns="91425"/>
-          <a:lstStyle>
-            <a:lvl1pPr indent="-304800" lvl="0" marL="457200">
-              <a:spcBef>
-                <a:spcPts val="0"/>
-              </a:spcBef>
-              <a:spcAft>
-                <a:spcPts val="0"/>
-              </a:spcAft>
-              <a:buSzPts val="1200"/>
-              <a:buChar char="●"/>
-              <a:defRPr sz="1200"/>
-            </a:lvl1pPr>
-            <a:lvl2pPr indent="-304800" lvl="1" marL="914400">
-              <a:spcBef>
-                <a:spcPts val="1600"/>
-              </a:spcBef>
-              <a:spcAft>
-                <a:spcPts val="0"/>
-              </a:spcAft>
-              <a:buSzPts val="1200"/>
-              <a:buChar char="○"/>
-              <a:defRPr sz="1200"/>
-            </a:lvl2pPr>
-            <a:lvl3pPr indent="-304800" lvl="2" marL="1371600">
-              <a:spcBef>
-                <a:spcPts val="1600"/>
-              </a:spcBef>
-              <a:spcAft>
-                <a:spcPts val="0"/>
-              </a:spcAft>
-              <a:buSzPts val="1200"/>
-              <a:buChar char="■"/>
-              <a:defRPr sz="1200"/>
-            </a:lvl3pPr>
-            <a:lvl4pPr indent="-304800" lvl="3" marL="1828800">
-              <a:spcBef>
-                <a:spcPts val="1600"/>
-              </a:spcBef>
-              <a:spcAft>
-                <a:spcPts val="0"/>
-              </a:spcAft>
-              <a:buSzPts val="1200"/>
-              <a:buChar char="●"/>
-              <a:defRPr sz="1200"/>
-            </a:lvl4pPr>
-            <a:lvl5pPr indent="-304800" lvl="4" marL="2286000">
-              <a:spcBef>
-                <a:spcPts val="1600"/>
-              </a:spcBef>
-              <a:spcAft>
-                <a:spcPts val="0"/>
-              </a:spcAft>
-              <a:buSzPts val="1200"/>
-              <a:buChar char="○"/>
-              <a:defRPr sz="1200"/>
-            </a:lvl5pPr>
-            <a:lvl6pPr indent="-304800" lvl="5" marL="2743200">
-              <a:spcBef>
-                <a:spcPts val="1600"/>
-              </a:spcBef>
-              <a:spcAft>
-                <a:spcPts val="0"/>
-              </a:spcAft>
-              <a:buSzPts val="1200"/>
-              <a:buChar char="■"/>
-              <a:defRPr sz="1200"/>
-            </a:lvl6pPr>
-            <a:lvl7pPr indent="-304800" lvl="6" marL="3200400">
-              <a:spcBef>
-                <a:spcPts val="1600"/>
-              </a:spcBef>
-              <a:spcAft>
-                <a:spcPts val="0"/>
-              </a:spcAft>
-              <a:buSzPts val="1200"/>
-              <a:buChar char="●"/>
-              <a:defRPr sz="1200"/>
-            </a:lvl7pPr>
-            <a:lvl8pPr indent="-304800" lvl="7" marL="3657600">
-              <a:spcBef>
-                <a:spcPts val="1600"/>
-              </a:spcBef>
-              <a:spcAft>
-                <a:spcPts val="0"/>
-              </a:spcAft>
-              <a:buSzPts val="1200"/>
-              <a:buChar char="○"/>
-              <a:defRPr sz="1200"/>
-            </a:lvl8pPr>
-            <a:lvl9pPr indent="-304800" lvl="8" marL="4114800">
-              <a:spcBef>
-                <a:spcPts val="1600"/>
-              </a:spcBef>
-              <a:spcAft>
-                <a:spcPts val="1600"/>
-              </a:spcAft>
-              <a:buSzPts val="1200"/>
-              <a:buChar char="■"/>
-              <a:defRPr sz="1200"/>
-            </a:lvl9pPr>
-          </a:lstStyle>
-          <a:p/>
-        </p:txBody>
-      </p:sp>
-      <p:sp>
-        <p:nvSpPr>
-          <p:cNvPr id="31" name="Shape 31"/>
-          <p:cNvSpPr txBox="1"/>
-          <p:nvPr>
-            <p:ph idx="12" type="sldNum"/>
+            <p:ph type="sldNum" idx="12"/>
           </p:nvPr>
         </p:nvSpPr>
         <p:spPr>
@@ -3338,7 +3184,7 @@
           </a:prstGeom>
         </p:spPr>
         <p:txBody>
-          <a:bodyPr anchorCtr="0" anchor="ctr" bIns="91425" lIns="91425" spcFirstLastPara="1" rIns="91425" wrap="square" tIns="91425">
+          <a:bodyPr spcFirstLastPara="1" wrap="square" lIns="91425" tIns="91425" rIns="91425" bIns="91425" anchor="ctr" anchorCtr="0">
             <a:noAutofit/>
           </a:bodyPr>
           <a:lstStyle>
@@ -3380,7 +3226,7 @@
             </a:lvl9pPr>
           </a:lstStyle>
           <a:p>
-            <a:pPr indent="0" lvl="0" marL="0">
+            <a:pPr marL="0" lvl="0" indent="0">
               <a:spcBef>
                 <a:spcPts val="0"/>
               </a:spcBef>
@@ -3406,236 +3252,11 @@
 </file>
 
 <file path=ppt/slideLayouts/slideLayout7.xml><?xml version="1.0" encoding="utf-8"?>
-<p:sldLayout xmlns:a="http://schemas.openxmlformats.org/drawingml/2006/main" xmlns:r="http://schemas.openxmlformats.org/officeDocument/2006/relationships" xmlns:mc="http://schemas.openxmlformats.org/markup-compatibility/2006" xmlns:mv="urn:schemas-microsoft-com:mac:vml" xmlns:p="http://schemas.openxmlformats.org/presentationml/2006/main" xmlns:c="http://schemas.openxmlformats.org/drawingml/2006/chart" xmlns:dgm="http://schemas.openxmlformats.org/drawingml/2006/diagram" xmlns:o="urn:schemas-microsoft-com:office:office" xmlns:v="urn:schemas-microsoft-com:vml" xmlns:pvml="urn:schemas-microsoft-com:office:powerpoint" xmlns:com="http://schemas.openxmlformats.org/drawingml/2006/compatibility" xmlns:p14="http://schemas.microsoft.com/office/powerpoint/2010/main" xmlns:p15="http://schemas.microsoft.com/office/powerpoint/2012/main" matchingName="Main point">
-  <p:cSld name="MAIN_POINT">
-    <p:spTree>
-      <p:nvGrpSpPr>
-        <p:cNvPr id="32" name="Shape 32"/>
-        <p:cNvGrpSpPr/>
-        <p:nvPr/>
-      </p:nvGrpSpPr>
-      <p:grpSpPr>
-        <a:xfrm>
-          <a:off x="0" y="0"/>
-          <a:ext cx="0" cy="0"/>
-          <a:chOff x="0" y="0"/>
-          <a:chExt cx="0" cy="0"/>
-        </a:xfrm>
-      </p:grpSpPr>
-      <p:sp>
-        <p:nvSpPr>
-          <p:cNvPr id="33" name="Shape 33"/>
-          <p:cNvSpPr txBox="1"/>
-          <p:nvPr>
-            <p:ph type="title"/>
-          </p:nvPr>
-        </p:nvSpPr>
-        <p:spPr>
-          <a:xfrm>
-            <a:off x="490250" y="450150"/>
-            <a:ext cx="6367800" cy="4090800"/>
-          </a:xfrm>
-          <a:prstGeom prst="rect">
-            <a:avLst/>
-          </a:prstGeom>
-        </p:spPr>
-        <p:txBody>
-          <a:bodyPr anchorCtr="0" anchor="ctr" bIns="91425" lIns="91425" spcFirstLastPara="1" rIns="91425" wrap="square" tIns="91425"/>
-          <a:lstStyle>
-            <a:lvl1pPr lvl="0">
-              <a:spcBef>
-                <a:spcPts val="0"/>
-              </a:spcBef>
-              <a:spcAft>
-                <a:spcPts val="0"/>
-              </a:spcAft>
-              <a:buSzPts val="4800"/>
-              <a:buNone/>
-              <a:defRPr sz="4800"/>
-            </a:lvl1pPr>
-            <a:lvl2pPr lvl="1">
-              <a:spcBef>
-                <a:spcPts val="0"/>
-              </a:spcBef>
-              <a:spcAft>
-                <a:spcPts val="0"/>
-              </a:spcAft>
-              <a:buSzPts val="4800"/>
-              <a:buNone/>
-              <a:defRPr sz="4800"/>
-            </a:lvl2pPr>
-            <a:lvl3pPr lvl="2">
-              <a:spcBef>
-                <a:spcPts val="0"/>
-              </a:spcBef>
-              <a:spcAft>
-                <a:spcPts val="0"/>
-              </a:spcAft>
-              <a:buSzPts val="4800"/>
-              <a:buNone/>
-              <a:defRPr sz="4800"/>
-            </a:lvl3pPr>
-            <a:lvl4pPr lvl="3">
-              <a:spcBef>
-                <a:spcPts val="0"/>
-              </a:spcBef>
-              <a:spcAft>
-                <a:spcPts val="0"/>
-              </a:spcAft>
-              <a:buSzPts val="4800"/>
-              <a:buNone/>
-              <a:defRPr sz="4800"/>
-            </a:lvl4pPr>
-            <a:lvl5pPr lvl="4">
-              <a:spcBef>
-                <a:spcPts val="0"/>
-              </a:spcBef>
-              <a:spcAft>
-                <a:spcPts val="0"/>
-              </a:spcAft>
-              <a:buSzPts val="4800"/>
-              <a:buNone/>
-              <a:defRPr sz="4800"/>
-            </a:lvl5pPr>
-            <a:lvl6pPr lvl="5">
-              <a:spcBef>
-                <a:spcPts val="0"/>
-              </a:spcBef>
-              <a:spcAft>
-                <a:spcPts val="0"/>
-              </a:spcAft>
-              <a:buSzPts val="4800"/>
-              <a:buNone/>
-              <a:defRPr sz="4800"/>
-            </a:lvl6pPr>
-            <a:lvl7pPr lvl="6">
-              <a:spcBef>
-                <a:spcPts val="0"/>
-              </a:spcBef>
-              <a:spcAft>
-                <a:spcPts val="0"/>
-              </a:spcAft>
-              <a:buSzPts val="4800"/>
-              <a:buNone/>
-              <a:defRPr sz="4800"/>
-            </a:lvl7pPr>
-            <a:lvl8pPr lvl="7">
-              <a:spcBef>
-                <a:spcPts val="0"/>
-              </a:spcBef>
-              <a:spcAft>
-                <a:spcPts val="0"/>
-              </a:spcAft>
-              <a:buSzPts val="4800"/>
-              <a:buNone/>
-              <a:defRPr sz="4800"/>
-            </a:lvl8pPr>
-            <a:lvl9pPr lvl="8">
-              <a:spcBef>
-                <a:spcPts val="0"/>
-              </a:spcBef>
-              <a:spcAft>
-                <a:spcPts val="0"/>
-              </a:spcAft>
-              <a:buSzPts val="4800"/>
-              <a:buNone/>
-              <a:defRPr sz="4800"/>
-            </a:lvl9pPr>
-          </a:lstStyle>
-          <a:p/>
-        </p:txBody>
-      </p:sp>
-      <p:sp>
-        <p:nvSpPr>
-          <p:cNvPr id="34" name="Shape 34"/>
-          <p:cNvSpPr txBox="1"/>
-          <p:nvPr>
-            <p:ph idx="12" type="sldNum"/>
-          </p:nvPr>
-        </p:nvSpPr>
-        <p:spPr>
-          <a:xfrm>
-            <a:off x="8472458" y="4663217"/>
-            <a:ext cx="548700" cy="393600"/>
-          </a:xfrm>
-          <a:prstGeom prst="rect">
-            <a:avLst/>
-          </a:prstGeom>
-        </p:spPr>
-        <p:txBody>
-          <a:bodyPr anchorCtr="0" anchor="ctr" bIns="91425" lIns="91425" spcFirstLastPara="1" rIns="91425" wrap="square" tIns="91425">
-            <a:noAutofit/>
-          </a:bodyPr>
-          <a:lstStyle>
-            <a:lvl1pPr lvl="0">
-              <a:buNone/>
-              <a:defRPr/>
-            </a:lvl1pPr>
-            <a:lvl2pPr lvl="1">
-              <a:buNone/>
-              <a:defRPr/>
-            </a:lvl2pPr>
-            <a:lvl3pPr lvl="2">
-              <a:buNone/>
-              <a:defRPr/>
-            </a:lvl3pPr>
-            <a:lvl4pPr lvl="3">
-              <a:buNone/>
-              <a:defRPr/>
-            </a:lvl4pPr>
-            <a:lvl5pPr lvl="4">
-              <a:buNone/>
-              <a:defRPr/>
-            </a:lvl5pPr>
-            <a:lvl6pPr lvl="5">
-              <a:buNone/>
-              <a:defRPr/>
-            </a:lvl6pPr>
-            <a:lvl7pPr lvl="6">
-              <a:buNone/>
-              <a:defRPr/>
-            </a:lvl7pPr>
-            <a:lvl8pPr lvl="7">
-              <a:buNone/>
-              <a:defRPr/>
-            </a:lvl8pPr>
-            <a:lvl9pPr lvl="8">
-              <a:buNone/>
-              <a:defRPr/>
-            </a:lvl9pPr>
-          </a:lstStyle>
-          <a:p>
-            <a:pPr indent="0" lvl="0" marL="0">
-              <a:spcBef>
-                <a:spcPts val="0"/>
-              </a:spcBef>
-              <a:spcAft>
-                <a:spcPts val="0"/>
-              </a:spcAft>
-              <a:buNone/>
-            </a:pPr>
-            <a:fld id="{00000000-1234-1234-1234-123412341234}" type="slidenum">
-              <a:rPr lang="en"/>
-              <a:t>‹#›</a:t>
-            </a:fld>
-            <a:endParaRPr/>
-          </a:p>
-        </p:txBody>
-      </p:sp>
-    </p:spTree>
-  </p:cSld>
-  <p:clrMapOvr>
-    <a:masterClrMapping/>
-  </p:clrMapOvr>
-</p:sldLayout>
-</file>
-
-<file path=ppt/slideLayouts/slideLayout8.xml><?xml version="1.0" encoding="utf-8"?>
-<p:sldLayout xmlns:a="http://schemas.openxmlformats.org/drawingml/2006/main" xmlns:r="http://schemas.openxmlformats.org/officeDocument/2006/relationships" xmlns:mc="http://schemas.openxmlformats.org/markup-compatibility/2006" xmlns:mv="urn:schemas-microsoft-com:mac:vml" xmlns:p="http://schemas.openxmlformats.org/presentationml/2006/main" xmlns:c="http://schemas.openxmlformats.org/drawingml/2006/chart" xmlns:dgm="http://schemas.openxmlformats.org/drawingml/2006/diagram" xmlns:o="urn:schemas-microsoft-com:office:office" xmlns:v="urn:schemas-microsoft-com:vml" xmlns:pvml="urn:schemas-microsoft-com:office:powerpoint" xmlns:com="http://schemas.openxmlformats.org/drawingml/2006/compatibility" xmlns:p14="http://schemas.microsoft.com/office/powerpoint/2010/main" xmlns:p15="http://schemas.microsoft.com/office/powerpoint/2012/main" matchingName="Section title and description">
+<p:sldLayout xmlns:a="http://schemas.openxmlformats.org/drawingml/2006/main" xmlns:r="http://schemas.openxmlformats.org/officeDocument/2006/relationships" xmlns:p="http://schemas.openxmlformats.org/presentationml/2006/main" matchingName="Section title and description">
   <p:cSld name="SECTION_TITLE_AND_DESCRIPTION">
     <p:spTree>
       <p:nvGrpSpPr>
-        <p:cNvPr id="35" name="Shape 35"/>
+        <p:cNvPr id="1" name="Shape 35"/>
         <p:cNvGrpSpPr/>
         <p:nvPr/>
       </p:nvGrpSpPr>
@@ -3669,12 +3290,12 @@
           </a:ln>
         </p:spPr>
         <p:txBody>
-          <a:bodyPr anchorCtr="0" anchor="ctr" bIns="91425" lIns="91425" spcFirstLastPara="1" rIns="91425" wrap="square" tIns="91425">
+          <a:bodyPr spcFirstLastPara="1" wrap="square" lIns="91425" tIns="91425" rIns="91425" bIns="91425" anchor="ctr" anchorCtr="0">
             <a:noAutofit/>
           </a:bodyPr>
           <a:lstStyle/>
           <a:p>
-            <a:pPr indent="0" lvl="0" marL="0">
+            <a:pPr marL="0" lvl="0" indent="0">
               <a:spcBef>
                 <a:spcPts val="0"/>
               </a:spcBef>
@@ -3683,9 +3304,6 @@
               </a:spcAft>
               <a:buNone/>
             </a:pPr>
-            <a:r>
-              <a:t/>
-            </a:r>
             <a:endParaRPr/>
           </a:p>
         </p:txBody>
@@ -3693,7 +3311,9 @@
       <p:sp>
         <p:nvSpPr>
           <p:cNvPr id="37" name="Shape 37"/>
-          <p:cNvSpPr txBox="1"/>
+          <p:cNvSpPr txBox="1">
+            <a:spLocks noGrp="1"/>
+          </p:cNvSpPr>
           <p:nvPr>
             <p:ph type="title"/>
           </p:nvPr>
@@ -3708,7 +3328,7 @@
           </a:prstGeom>
         </p:spPr>
         <p:txBody>
-          <a:bodyPr anchorCtr="0" anchor="b" bIns="91425" lIns="91425" spcFirstLastPara="1" rIns="91425" wrap="square" tIns="91425"/>
+          <a:bodyPr spcFirstLastPara="1" wrap="square" lIns="91425" tIns="91425" rIns="91425" bIns="91425" anchor="b" anchorCtr="0"/>
           <a:lstStyle>
             <a:lvl1pPr lvl="0" algn="ctr">
               <a:spcBef>
@@ -3810,15 +3430,19 @@
               <a:defRPr sz="4200"/>
             </a:lvl9pPr>
           </a:lstStyle>
-          <a:p/>
+          <a:p>
+            <a:endParaRPr/>
+          </a:p>
         </p:txBody>
       </p:sp>
       <p:sp>
         <p:nvSpPr>
           <p:cNvPr id="38" name="Shape 38"/>
-          <p:cNvSpPr txBox="1"/>
+          <p:cNvSpPr txBox="1">
+            <a:spLocks noGrp="1"/>
+          </p:cNvSpPr>
           <p:nvPr>
-            <p:ph idx="1" type="subTitle"/>
+            <p:ph type="subTitle" idx="1"/>
           </p:nvPr>
         </p:nvSpPr>
         <p:spPr>
@@ -3831,7 +3455,7 @@
           </a:prstGeom>
         </p:spPr>
         <p:txBody>
-          <a:bodyPr anchorCtr="0" anchor="t" bIns="91425" lIns="91425" spcFirstLastPara="1" rIns="91425" wrap="square" tIns="91425"/>
+          <a:bodyPr spcFirstLastPara="1" wrap="square" lIns="91425" tIns="91425" rIns="91425" bIns="91425" anchor="t" anchorCtr="0"/>
           <a:lstStyle>
             <a:lvl1pPr lvl="0" algn="ctr">
               <a:lnSpc>
@@ -3960,15 +3584,19 @@
               <a:defRPr sz="2100"/>
             </a:lvl9pPr>
           </a:lstStyle>
-          <a:p/>
+          <a:p>
+            <a:endParaRPr/>
+          </a:p>
         </p:txBody>
       </p:sp>
       <p:sp>
         <p:nvSpPr>
           <p:cNvPr id="39" name="Shape 39"/>
-          <p:cNvSpPr txBox="1"/>
+          <p:cNvSpPr txBox="1">
+            <a:spLocks noGrp="1"/>
+          </p:cNvSpPr>
           <p:nvPr>
-            <p:ph idx="2" type="body"/>
+            <p:ph type="body" idx="2"/>
           </p:nvPr>
         </p:nvSpPr>
         <p:spPr>
@@ -3981,9 +3609,9 @@
           </a:prstGeom>
         </p:spPr>
         <p:txBody>
-          <a:bodyPr anchorCtr="0" anchor="ctr" bIns="91425" lIns="91425" spcFirstLastPara="1" rIns="91425" wrap="square" tIns="91425"/>
+          <a:bodyPr spcFirstLastPara="1" wrap="square" lIns="91425" tIns="91425" rIns="91425" bIns="91425" anchor="ctr" anchorCtr="0"/>
           <a:lstStyle>
-            <a:lvl1pPr indent="-342900" lvl="0" marL="457200">
+            <a:lvl1pPr marL="457200" lvl="0" indent="-342900">
               <a:spcBef>
                 <a:spcPts val="0"/>
               </a:spcBef>
@@ -4001,7 +3629,7 @@
                 </a:solidFill>
               </a:defRPr>
             </a:lvl1pPr>
-            <a:lvl2pPr indent="-317500" lvl="1" marL="914400">
+            <a:lvl2pPr marL="914400" lvl="1" indent="-317500">
               <a:spcBef>
                 <a:spcPts val="1600"/>
               </a:spcBef>
@@ -4019,7 +3647,7 @@
                 </a:solidFill>
               </a:defRPr>
             </a:lvl2pPr>
-            <a:lvl3pPr indent="-317500" lvl="2" marL="1371600">
+            <a:lvl3pPr marL="1371600" lvl="2" indent="-317500">
               <a:spcBef>
                 <a:spcPts val="1600"/>
               </a:spcBef>
@@ -4037,7 +3665,7 @@
                 </a:solidFill>
               </a:defRPr>
             </a:lvl3pPr>
-            <a:lvl4pPr indent="-317500" lvl="3" marL="1828800">
+            <a:lvl4pPr marL="1828800" lvl="3" indent="-317500">
               <a:spcBef>
                 <a:spcPts val="1600"/>
               </a:spcBef>
@@ -4055,7 +3683,7 @@
                 </a:solidFill>
               </a:defRPr>
             </a:lvl4pPr>
-            <a:lvl5pPr indent="-317500" lvl="4" marL="2286000">
+            <a:lvl5pPr marL="2286000" lvl="4" indent="-317500">
               <a:spcBef>
                 <a:spcPts val="1600"/>
               </a:spcBef>
@@ -4073,7 +3701,7 @@
                 </a:solidFill>
               </a:defRPr>
             </a:lvl5pPr>
-            <a:lvl6pPr indent="-317500" lvl="5" marL="2743200">
+            <a:lvl6pPr marL="2743200" lvl="5" indent="-317500">
               <a:spcBef>
                 <a:spcPts val="1600"/>
               </a:spcBef>
@@ -4091,7 +3719,7 @@
                 </a:solidFill>
               </a:defRPr>
             </a:lvl6pPr>
-            <a:lvl7pPr indent="-317500" lvl="6" marL="3200400">
+            <a:lvl7pPr marL="3200400" lvl="6" indent="-317500">
               <a:spcBef>
                 <a:spcPts val="1600"/>
               </a:spcBef>
@@ -4109,7 +3737,7 @@
                 </a:solidFill>
               </a:defRPr>
             </a:lvl7pPr>
-            <a:lvl8pPr indent="-317500" lvl="7" marL="3657600">
+            <a:lvl8pPr marL="3657600" lvl="7" indent="-317500">
               <a:spcBef>
                 <a:spcPts val="1600"/>
               </a:spcBef>
@@ -4127,7 +3755,7 @@
                 </a:solidFill>
               </a:defRPr>
             </a:lvl8pPr>
-            <a:lvl9pPr indent="-317500" lvl="8" marL="4114800">
+            <a:lvl9pPr marL="4114800" lvl="8" indent="-317500">
               <a:spcBef>
                 <a:spcPts val="1600"/>
               </a:spcBef>
@@ -4146,15 +3774,19 @@
               </a:defRPr>
             </a:lvl9pPr>
           </a:lstStyle>
-          <a:p/>
+          <a:p>
+            <a:endParaRPr/>
+          </a:p>
         </p:txBody>
       </p:sp>
       <p:sp>
         <p:nvSpPr>
           <p:cNvPr id="40" name="Shape 40"/>
-          <p:cNvSpPr txBox="1"/>
+          <p:cNvSpPr txBox="1">
+            <a:spLocks noGrp="1"/>
+          </p:cNvSpPr>
           <p:nvPr>
-            <p:ph idx="12" type="sldNum"/>
+            <p:ph type="sldNum" idx="12"/>
           </p:nvPr>
         </p:nvSpPr>
         <p:spPr>
@@ -4167,7 +3799,7 @@
           </a:prstGeom>
         </p:spPr>
         <p:txBody>
-          <a:bodyPr anchorCtr="0" anchor="ctr" bIns="91425" lIns="91425" spcFirstLastPara="1" rIns="91425" wrap="square" tIns="91425">
+          <a:bodyPr spcFirstLastPara="1" wrap="square" lIns="91425" tIns="91425" rIns="91425" bIns="91425" anchor="ctr" anchorCtr="0">
             <a:noAutofit/>
           </a:bodyPr>
           <a:lstStyle>
@@ -4209,7 +3841,153 @@
             </a:lvl9pPr>
           </a:lstStyle>
           <a:p>
-            <a:pPr indent="0" lvl="0" marL="0">
+            <a:pPr marL="0" lvl="0" indent="0">
+              <a:spcBef>
+                <a:spcPts val="0"/>
+              </a:spcBef>
+              <a:spcAft>
+                <a:spcPts val="0"/>
+              </a:spcAft>
+              <a:buNone/>
+            </a:pPr>
+            <a:fld id="{00000000-1234-1234-1234-123412341234}" type="slidenum">
+              <a:rPr lang="en"/>
+              <a:t>‹#›</a:t>
+            </a:fld>
+            <a:endParaRPr/>
+          </a:p>
+        </p:txBody>
+      </p:sp>
+    </p:spTree>
+  </p:cSld>
+  <p:clrMapOvr>
+    <a:masterClrMapping/>
+  </p:clrMapOvr>
+</p:sldLayout>
+</file>
+
+<file path=ppt/slideLayouts/slideLayout8.xml><?xml version="1.0" encoding="utf-8"?>
+<p:sldLayout xmlns:a="http://schemas.openxmlformats.org/drawingml/2006/main" xmlns:r="http://schemas.openxmlformats.org/officeDocument/2006/relationships" xmlns:p="http://schemas.openxmlformats.org/presentationml/2006/main" matchingName="Caption">
+  <p:cSld name="CAPTION_ONLY">
+    <p:spTree>
+      <p:nvGrpSpPr>
+        <p:cNvPr id="1" name="Shape 41"/>
+        <p:cNvGrpSpPr/>
+        <p:nvPr/>
+      </p:nvGrpSpPr>
+      <p:grpSpPr>
+        <a:xfrm>
+          <a:off x="0" y="0"/>
+          <a:ext cx="0" cy="0"/>
+          <a:chOff x="0" y="0"/>
+          <a:chExt cx="0" cy="0"/>
+        </a:xfrm>
+      </p:grpSpPr>
+      <p:sp>
+        <p:nvSpPr>
+          <p:cNvPr id="42" name="Shape 42"/>
+          <p:cNvSpPr txBox="1">
+            <a:spLocks noGrp="1"/>
+          </p:cNvSpPr>
+          <p:nvPr>
+            <p:ph type="body" idx="1"/>
+          </p:nvPr>
+        </p:nvSpPr>
+        <p:spPr>
+          <a:xfrm>
+            <a:off x="311700" y="4230575"/>
+            <a:ext cx="5998800" cy="605100"/>
+          </a:xfrm>
+          <a:prstGeom prst="rect">
+            <a:avLst/>
+          </a:prstGeom>
+        </p:spPr>
+        <p:txBody>
+          <a:bodyPr spcFirstLastPara="1" wrap="square" lIns="91425" tIns="91425" rIns="91425" bIns="91425" anchor="ctr" anchorCtr="0"/>
+          <a:lstStyle>
+            <a:lvl1pPr marL="457200" lvl="0" indent="-228600">
+              <a:lnSpc>
+                <a:spcPct val="100000"/>
+              </a:lnSpc>
+              <a:spcBef>
+                <a:spcPts val="0"/>
+              </a:spcBef>
+              <a:spcAft>
+                <a:spcPts val="0"/>
+              </a:spcAft>
+              <a:buSzPts val="1800"/>
+              <a:buNone/>
+              <a:defRPr/>
+            </a:lvl1pPr>
+          </a:lstStyle>
+          <a:p>
+            <a:endParaRPr/>
+          </a:p>
+        </p:txBody>
+      </p:sp>
+      <p:sp>
+        <p:nvSpPr>
+          <p:cNvPr id="43" name="Shape 43"/>
+          <p:cNvSpPr txBox="1">
+            <a:spLocks noGrp="1"/>
+          </p:cNvSpPr>
+          <p:nvPr>
+            <p:ph type="sldNum" idx="12"/>
+          </p:nvPr>
+        </p:nvSpPr>
+        <p:spPr>
+          <a:xfrm>
+            <a:off x="8472458" y="4663217"/>
+            <a:ext cx="548700" cy="393600"/>
+          </a:xfrm>
+          <a:prstGeom prst="rect">
+            <a:avLst/>
+          </a:prstGeom>
+        </p:spPr>
+        <p:txBody>
+          <a:bodyPr spcFirstLastPara="1" wrap="square" lIns="91425" tIns="91425" rIns="91425" bIns="91425" anchor="ctr" anchorCtr="0">
+            <a:noAutofit/>
+          </a:bodyPr>
+          <a:lstStyle>
+            <a:lvl1pPr lvl="0">
+              <a:buNone/>
+              <a:defRPr/>
+            </a:lvl1pPr>
+            <a:lvl2pPr lvl="1">
+              <a:buNone/>
+              <a:defRPr/>
+            </a:lvl2pPr>
+            <a:lvl3pPr lvl="2">
+              <a:buNone/>
+              <a:defRPr/>
+            </a:lvl3pPr>
+            <a:lvl4pPr lvl="3">
+              <a:buNone/>
+              <a:defRPr/>
+            </a:lvl4pPr>
+            <a:lvl5pPr lvl="4">
+              <a:buNone/>
+              <a:defRPr/>
+            </a:lvl5pPr>
+            <a:lvl6pPr lvl="5">
+              <a:buNone/>
+              <a:defRPr/>
+            </a:lvl6pPr>
+            <a:lvl7pPr lvl="6">
+              <a:buNone/>
+              <a:defRPr/>
+            </a:lvl7pPr>
+            <a:lvl8pPr lvl="7">
+              <a:buNone/>
+              <a:defRPr/>
+            </a:lvl8pPr>
+            <a:lvl9pPr lvl="8">
+              <a:buNone/>
+              <a:defRPr/>
+            </a:lvl9pPr>
+          </a:lstStyle>
+          <a:p>
+            <a:pPr marL="0" lvl="0" indent="0">
               <a:spcBef>
                 <a:spcPts val="0"/>
               </a:spcBef>
@@ -4235,11 +4013,11 @@
 </file>
 
 <file path=ppt/slideLayouts/slideLayout9.xml><?xml version="1.0" encoding="utf-8"?>
-<p:sldLayout xmlns:a="http://schemas.openxmlformats.org/drawingml/2006/main" xmlns:r="http://schemas.openxmlformats.org/officeDocument/2006/relationships" xmlns:mc="http://schemas.openxmlformats.org/markup-compatibility/2006" xmlns:mv="urn:schemas-microsoft-com:mac:vml" xmlns:p="http://schemas.openxmlformats.org/presentationml/2006/main" xmlns:c="http://schemas.openxmlformats.org/drawingml/2006/chart" xmlns:dgm="http://schemas.openxmlformats.org/drawingml/2006/diagram" xmlns:o="urn:schemas-microsoft-com:office:office" xmlns:v="urn:schemas-microsoft-com:vml" xmlns:pvml="urn:schemas-microsoft-com:office:powerpoint" xmlns:com="http://schemas.openxmlformats.org/drawingml/2006/compatibility" xmlns:p14="http://schemas.microsoft.com/office/powerpoint/2010/main" xmlns:p15="http://schemas.microsoft.com/office/powerpoint/2012/main" matchingName="Caption">
-  <p:cSld name="CAPTION_ONLY">
+<p:sldLayout xmlns:a="http://schemas.openxmlformats.org/drawingml/2006/main" xmlns:r="http://schemas.openxmlformats.org/officeDocument/2006/relationships" xmlns:p="http://schemas.openxmlformats.org/presentationml/2006/main" matchingName="Big number">
+  <p:cSld name="BIG_NUMBER">
     <p:spTree>
       <p:nvGrpSpPr>
-        <p:cNvPr id="41" name="Shape 41"/>
+        <p:cNvPr id="1" name="Shape 44"/>
         <p:cNvGrpSpPr/>
         <p:nvPr/>
       </p:nvGrpSpPr>
@@ -4253,48 +4031,266 @@
       </p:grpSpPr>
       <p:sp>
         <p:nvSpPr>
-          <p:cNvPr id="42" name="Shape 42"/>
-          <p:cNvSpPr txBox="1"/>
+          <p:cNvPr id="45" name="Shape 45"/>
+          <p:cNvSpPr txBox="1">
+            <a:spLocks noGrp="1"/>
+          </p:cNvSpPr>
           <p:nvPr>
-            <p:ph idx="1" type="body"/>
+            <p:ph type="title"/>
           </p:nvPr>
         </p:nvSpPr>
         <p:spPr>
           <a:xfrm>
-            <a:off x="311700" y="4230575"/>
-            <a:ext cx="5998800" cy="605100"/>
+            <a:off x="311700" y="1106125"/>
+            <a:ext cx="8520600" cy="1963500"/>
           </a:xfrm>
           <a:prstGeom prst="rect">
             <a:avLst/>
           </a:prstGeom>
         </p:spPr>
         <p:txBody>
-          <a:bodyPr anchorCtr="0" anchor="ctr" bIns="91425" lIns="91425" spcFirstLastPara="1" rIns="91425" wrap="square" tIns="91425"/>
+          <a:bodyPr spcFirstLastPara="1" wrap="square" lIns="91425" tIns="91425" rIns="91425" bIns="91425" anchor="b" anchorCtr="0"/>
           <a:lstStyle>
-            <a:lvl1pPr indent="-228600" lvl="0" marL="457200">
-              <a:lnSpc>
-                <a:spcPct val="100000"/>
-              </a:lnSpc>
-              <a:spcBef>
-                <a:spcPts val="0"/>
-              </a:spcBef>
-              <a:spcAft>
-                <a:spcPts val="0"/>
-              </a:spcAft>
-              <a:buSzPts val="1800"/>
-              <a:buNone/>
-              <a:defRPr/>
+            <a:lvl1pPr lvl="0" algn="ctr">
+              <a:spcBef>
+                <a:spcPts val="0"/>
+              </a:spcBef>
+              <a:spcAft>
+                <a:spcPts val="0"/>
+              </a:spcAft>
+              <a:buSzPts val="12000"/>
+              <a:buNone/>
+              <a:defRPr sz="12000"/>
             </a:lvl1pPr>
+            <a:lvl2pPr lvl="1" algn="ctr">
+              <a:spcBef>
+                <a:spcPts val="0"/>
+              </a:spcBef>
+              <a:spcAft>
+                <a:spcPts val="0"/>
+              </a:spcAft>
+              <a:buSzPts val="12000"/>
+              <a:buNone/>
+              <a:defRPr sz="12000"/>
+            </a:lvl2pPr>
+            <a:lvl3pPr lvl="2" algn="ctr">
+              <a:spcBef>
+                <a:spcPts val="0"/>
+              </a:spcBef>
+              <a:spcAft>
+                <a:spcPts val="0"/>
+              </a:spcAft>
+              <a:buSzPts val="12000"/>
+              <a:buNone/>
+              <a:defRPr sz="12000"/>
+            </a:lvl3pPr>
+            <a:lvl4pPr lvl="3" algn="ctr">
+              <a:spcBef>
+                <a:spcPts val="0"/>
+              </a:spcBef>
+              <a:spcAft>
+                <a:spcPts val="0"/>
+              </a:spcAft>
+              <a:buSzPts val="12000"/>
+              <a:buNone/>
+              <a:defRPr sz="12000"/>
+            </a:lvl4pPr>
+            <a:lvl5pPr lvl="4" algn="ctr">
+              <a:spcBef>
+                <a:spcPts val="0"/>
+              </a:spcBef>
+              <a:spcAft>
+                <a:spcPts val="0"/>
+              </a:spcAft>
+              <a:buSzPts val="12000"/>
+              <a:buNone/>
+              <a:defRPr sz="12000"/>
+            </a:lvl5pPr>
+            <a:lvl6pPr lvl="5" algn="ctr">
+              <a:spcBef>
+                <a:spcPts val="0"/>
+              </a:spcBef>
+              <a:spcAft>
+                <a:spcPts val="0"/>
+              </a:spcAft>
+              <a:buSzPts val="12000"/>
+              <a:buNone/>
+              <a:defRPr sz="12000"/>
+            </a:lvl6pPr>
+            <a:lvl7pPr lvl="6" algn="ctr">
+              <a:spcBef>
+                <a:spcPts val="0"/>
+              </a:spcBef>
+              <a:spcAft>
+                <a:spcPts val="0"/>
+              </a:spcAft>
+              <a:buSzPts val="12000"/>
+              <a:buNone/>
+              <a:defRPr sz="12000"/>
+            </a:lvl7pPr>
+            <a:lvl8pPr lvl="7" algn="ctr">
+              <a:spcBef>
+                <a:spcPts val="0"/>
+              </a:spcBef>
+              <a:spcAft>
+                <a:spcPts val="0"/>
+              </a:spcAft>
+              <a:buSzPts val="12000"/>
+              <a:buNone/>
+              <a:defRPr sz="12000"/>
+            </a:lvl8pPr>
+            <a:lvl9pPr lvl="8" algn="ctr">
+              <a:spcBef>
+                <a:spcPts val="0"/>
+              </a:spcBef>
+              <a:spcAft>
+                <a:spcPts val="0"/>
+              </a:spcAft>
+              <a:buSzPts val="12000"/>
+              <a:buNone/>
+              <a:defRPr sz="12000"/>
+            </a:lvl9pPr>
           </a:lstStyle>
-          <a:p/>
+          <a:p>
+            <a:endParaRPr/>
+          </a:p>
         </p:txBody>
       </p:sp>
       <p:sp>
         <p:nvSpPr>
-          <p:cNvPr id="43" name="Shape 43"/>
-          <p:cNvSpPr txBox="1"/>
+          <p:cNvPr id="46" name="Shape 46"/>
+          <p:cNvSpPr txBox="1">
+            <a:spLocks noGrp="1"/>
+          </p:cNvSpPr>
           <p:nvPr>
-            <p:ph idx="12" type="sldNum"/>
+            <p:ph type="body" idx="1"/>
+          </p:nvPr>
+        </p:nvSpPr>
+        <p:spPr>
+          <a:xfrm>
+            <a:off x="311700" y="3152225"/>
+            <a:ext cx="8520600" cy="1300800"/>
+          </a:xfrm>
+          <a:prstGeom prst="rect">
+            <a:avLst/>
+          </a:prstGeom>
+        </p:spPr>
+        <p:txBody>
+          <a:bodyPr spcFirstLastPara="1" wrap="square" lIns="91425" tIns="91425" rIns="91425" bIns="91425" anchor="t" anchorCtr="0"/>
+          <a:lstStyle>
+            <a:lvl1pPr marL="457200" lvl="0" indent="-342900" algn="ctr">
+              <a:spcBef>
+                <a:spcPts val="0"/>
+              </a:spcBef>
+              <a:spcAft>
+                <a:spcPts val="0"/>
+              </a:spcAft>
+              <a:buSzPts val="1800"/>
+              <a:buChar char="●"/>
+              <a:defRPr/>
+            </a:lvl1pPr>
+            <a:lvl2pPr marL="914400" lvl="1" indent="-317500" algn="ctr">
+              <a:spcBef>
+                <a:spcPts val="1600"/>
+              </a:spcBef>
+              <a:spcAft>
+                <a:spcPts val="0"/>
+              </a:spcAft>
+              <a:buSzPts val="1400"/>
+              <a:buChar char="○"/>
+              <a:defRPr/>
+            </a:lvl2pPr>
+            <a:lvl3pPr marL="1371600" lvl="2" indent="-317500" algn="ctr">
+              <a:spcBef>
+                <a:spcPts val="1600"/>
+              </a:spcBef>
+              <a:spcAft>
+                <a:spcPts val="0"/>
+              </a:spcAft>
+              <a:buSzPts val="1400"/>
+              <a:buChar char="■"/>
+              <a:defRPr/>
+            </a:lvl3pPr>
+            <a:lvl4pPr marL="1828800" lvl="3" indent="-317500" algn="ctr">
+              <a:spcBef>
+                <a:spcPts val="1600"/>
+              </a:spcBef>
+              <a:spcAft>
+                <a:spcPts val="0"/>
+              </a:spcAft>
+              <a:buSzPts val="1400"/>
+              <a:buChar char="●"/>
+              <a:defRPr/>
+            </a:lvl4pPr>
+            <a:lvl5pPr marL="2286000" lvl="4" indent="-317500" algn="ctr">
+              <a:spcBef>
+                <a:spcPts val="1600"/>
+              </a:spcBef>
+              <a:spcAft>
+                <a:spcPts val="0"/>
+              </a:spcAft>
+              <a:buSzPts val="1400"/>
+              <a:buChar char="○"/>
+              <a:defRPr/>
+            </a:lvl5pPr>
+            <a:lvl6pPr marL="2743200" lvl="5" indent="-317500" algn="ctr">
+              <a:spcBef>
+                <a:spcPts val="1600"/>
+              </a:spcBef>
+              <a:spcAft>
+                <a:spcPts val="0"/>
+              </a:spcAft>
+              <a:buSzPts val="1400"/>
+              <a:buChar char="■"/>
+              <a:defRPr/>
+            </a:lvl6pPr>
+            <a:lvl7pPr marL="3200400" lvl="6" indent="-317500" algn="ctr">
+              <a:spcBef>
+                <a:spcPts val="1600"/>
+              </a:spcBef>
+              <a:spcAft>
+                <a:spcPts val="0"/>
+              </a:spcAft>
+              <a:buSzPts val="1400"/>
+              <a:buChar char="●"/>
+              <a:defRPr/>
+            </a:lvl7pPr>
+            <a:lvl8pPr marL="3657600" lvl="7" indent="-317500" algn="ctr">
+              <a:spcBef>
+                <a:spcPts val="1600"/>
+              </a:spcBef>
+              <a:spcAft>
+                <a:spcPts val="0"/>
+              </a:spcAft>
+              <a:buSzPts val="1400"/>
+              <a:buChar char="○"/>
+              <a:defRPr/>
+            </a:lvl8pPr>
+            <a:lvl9pPr marL="4114800" lvl="8" indent="-317500" algn="ctr">
+              <a:spcBef>
+                <a:spcPts val="1600"/>
+              </a:spcBef>
+              <a:spcAft>
+                <a:spcPts val="1600"/>
+              </a:spcAft>
+              <a:buSzPts val="1400"/>
+              <a:buChar char="■"/>
+              <a:defRPr/>
+            </a:lvl9pPr>
+          </a:lstStyle>
+          <a:p>
+            <a:endParaRPr/>
+          </a:p>
+        </p:txBody>
+      </p:sp>
+      <p:sp>
+        <p:nvSpPr>
+          <p:cNvPr id="47" name="Shape 47"/>
+          <p:cNvSpPr txBox="1">
+            <a:spLocks noGrp="1"/>
+          </p:cNvSpPr>
+          <p:nvPr>
+            <p:ph type="sldNum" idx="12"/>
           </p:nvPr>
         </p:nvSpPr>
         <p:spPr>
@@ -4307,7 +4303,7 @@
           </a:prstGeom>
         </p:spPr>
         <p:txBody>
-          <a:bodyPr anchorCtr="0" anchor="ctr" bIns="91425" lIns="91425" spcFirstLastPara="1" rIns="91425" wrap="square" tIns="91425">
+          <a:bodyPr spcFirstLastPara="1" wrap="square" lIns="91425" tIns="91425" rIns="91425" bIns="91425" anchor="ctr" anchorCtr="0">
             <a:noAutofit/>
           </a:bodyPr>
           <a:lstStyle>
@@ -4349,7 +4345,7 @@
             </a:lvl9pPr>
           </a:lstStyle>
           <a:p>
-            <a:pPr indent="0" lvl="0" marL="0">
+            <a:pPr marL="0" lvl="0" indent="0">
               <a:spcBef>
                 <a:spcPts val="0"/>
               </a:spcBef>
@@ -4375,18 +4371,19 @@
 </file>
 
 <file path=ppt/slideMasters/slideMaster1.xml><?xml version="1.0" encoding="utf-8"?>
-<p:sldMaster xmlns:a="http://schemas.openxmlformats.org/drawingml/2006/main" xmlns:r="http://schemas.openxmlformats.org/officeDocument/2006/relationships" xmlns:mc="http://schemas.openxmlformats.org/markup-compatibility/2006" xmlns:mv="urn:schemas-microsoft-com:mac:vml" xmlns:p="http://schemas.openxmlformats.org/presentationml/2006/main" xmlns:c="http://schemas.openxmlformats.org/drawingml/2006/chart" xmlns:dgm="http://schemas.openxmlformats.org/drawingml/2006/diagram" xmlns:o="urn:schemas-microsoft-com:office:office" xmlns:v="urn:schemas-microsoft-com:vml" xmlns:pvml="urn:schemas-microsoft-com:office:powerpoint" xmlns:com="http://schemas.openxmlformats.org/drawingml/2006/compatibility" xmlns:p14="http://schemas.microsoft.com/office/powerpoint/2010/main" xmlns:p15="http://schemas.microsoft.com/office/powerpoint/2012/main">
+<p:sldMaster xmlns:a="http://schemas.openxmlformats.org/drawingml/2006/main" xmlns:r="http://schemas.openxmlformats.org/officeDocument/2006/relationships" xmlns:p="http://schemas.openxmlformats.org/presentationml/2006/main">
   <p:cSld name="simple-dark-2">
     <p:bg>
       <p:bgPr>
         <a:solidFill>
           <a:schemeClr val="lt1"/>
         </a:solidFill>
+        <a:effectLst/>
       </p:bgPr>
     </p:bg>
     <p:spTree>
       <p:nvGrpSpPr>
-        <p:cNvPr id="5" name="Shape 5"/>
+        <p:cNvPr id="1" name="Shape 5"/>
         <p:cNvGrpSpPr/>
         <p:nvPr/>
       </p:nvGrpSpPr>
@@ -4401,7 +4398,9 @@
       <p:sp>
         <p:nvSpPr>
           <p:cNvPr id="6" name="Shape 6"/>
-          <p:cNvSpPr txBox="1"/>
+          <p:cNvSpPr txBox="1">
+            <a:spLocks noGrp="1"/>
+          </p:cNvSpPr>
           <p:nvPr>
             <p:ph type="title"/>
           </p:nvPr>
@@ -4420,7 +4419,7 @@
           </a:ln>
         </p:spPr>
         <p:txBody>
-          <a:bodyPr anchorCtr="0" anchor="t" bIns="91425" lIns="91425" spcFirstLastPara="1" rIns="91425" wrap="square" tIns="91425"/>
+          <a:bodyPr spcFirstLastPara="1" wrap="square" lIns="91425" tIns="91425" rIns="91425" bIns="91425" anchor="t" anchorCtr="0"/>
           <a:lstStyle>
             <a:lvl1pPr lvl="0">
               <a:spcBef>
@@ -4585,15 +4584,19 @@
               </a:defRPr>
             </a:lvl9pPr>
           </a:lstStyle>
-          <a:p/>
+          <a:p>
+            <a:endParaRPr/>
+          </a:p>
         </p:txBody>
       </p:sp>
       <p:sp>
         <p:nvSpPr>
           <p:cNvPr id="7" name="Shape 7"/>
-          <p:cNvSpPr txBox="1"/>
+          <p:cNvSpPr txBox="1">
+            <a:spLocks noGrp="1"/>
+          </p:cNvSpPr>
           <p:nvPr>
-            <p:ph idx="1" type="body"/>
+            <p:ph type="body" idx="1"/>
           </p:nvPr>
         </p:nvSpPr>
         <p:spPr>
@@ -4610,9 +4613,9 @@
           </a:ln>
         </p:spPr>
         <p:txBody>
-          <a:bodyPr anchorCtr="0" anchor="t" bIns="91425" lIns="91425" spcFirstLastPara="1" rIns="91425" wrap="square" tIns="91425"/>
+          <a:bodyPr spcFirstLastPara="1" wrap="square" lIns="91425" tIns="91425" rIns="91425" bIns="91425" anchor="t" anchorCtr="0"/>
           <a:lstStyle>
-            <a:lvl1pPr indent="-342900" lvl="0" marL="457200">
+            <a:lvl1pPr marL="457200" lvl="0" indent="-342900">
               <a:lnSpc>
                 <a:spcPct val="115000"/>
               </a:lnSpc>
@@ -4633,7 +4636,7 @@
                 </a:solidFill>
               </a:defRPr>
             </a:lvl1pPr>
-            <a:lvl2pPr indent="-317500" lvl="1" marL="914400">
+            <a:lvl2pPr marL="914400" lvl="1" indent="-317500">
               <a:lnSpc>
                 <a:spcPct val="115000"/>
               </a:lnSpc>
@@ -4654,7 +4657,7 @@
                 </a:solidFill>
               </a:defRPr>
             </a:lvl2pPr>
-            <a:lvl3pPr indent="-317500" lvl="2" marL="1371600">
+            <a:lvl3pPr marL="1371600" lvl="2" indent="-317500">
               <a:lnSpc>
                 <a:spcPct val="115000"/>
               </a:lnSpc>
@@ -4675,7 +4678,7 @@
                 </a:solidFill>
               </a:defRPr>
             </a:lvl3pPr>
-            <a:lvl4pPr indent="-317500" lvl="3" marL="1828800">
+            <a:lvl4pPr marL="1828800" lvl="3" indent="-317500">
               <a:lnSpc>
                 <a:spcPct val="115000"/>
               </a:lnSpc>
@@ -4696,7 +4699,7 @@
                 </a:solidFill>
               </a:defRPr>
             </a:lvl4pPr>
-            <a:lvl5pPr indent="-317500" lvl="4" marL="2286000">
+            <a:lvl5pPr marL="2286000" lvl="4" indent="-317500">
               <a:lnSpc>
                 <a:spcPct val="115000"/>
               </a:lnSpc>
@@ -4717,7 +4720,7 @@
                 </a:solidFill>
               </a:defRPr>
             </a:lvl5pPr>
-            <a:lvl6pPr indent="-317500" lvl="5" marL="2743200">
+            <a:lvl6pPr marL="2743200" lvl="5" indent="-317500">
               <a:lnSpc>
                 <a:spcPct val="115000"/>
               </a:lnSpc>
@@ -4738,7 +4741,7 @@
                 </a:solidFill>
               </a:defRPr>
             </a:lvl6pPr>
-            <a:lvl7pPr indent="-317500" lvl="6" marL="3200400">
+            <a:lvl7pPr marL="3200400" lvl="6" indent="-317500">
               <a:lnSpc>
                 <a:spcPct val="115000"/>
               </a:lnSpc>
@@ -4759,7 +4762,7 @@
                 </a:solidFill>
               </a:defRPr>
             </a:lvl7pPr>
-            <a:lvl8pPr indent="-317500" lvl="7" marL="3657600">
+            <a:lvl8pPr marL="3657600" lvl="7" indent="-317500">
               <a:lnSpc>
                 <a:spcPct val="115000"/>
               </a:lnSpc>
@@ -4780,7 +4783,7 @@
                 </a:solidFill>
               </a:defRPr>
             </a:lvl8pPr>
-            <a:lvl9pPr indent="-317500" lvl="8" marL="4114800">
+            <a:lvl9pPr marL="4114800" lvl="8" indent="-317500">
               <a:lnSpc>
                 <a:spcPct val="115000"/>
               </a:lnSpc>
@@ -4802,15 +4805,19 @@
               </a:defRPr>
             </a:lvl9pPr>
           </a:lstStyle>
-          <a:p/>
+          <a:p>
+            <a:endParaRPr/>
+          </a:p>
         </p:txBody>
       </p:sp>
       <p:sp>
         <p:nvSpPr>
           <p:cNvPr id="8" name="Shape 8"/>
-          <p:cNvSpPr txBox="1"/>
+          <p:cNvSpPr txBox="1">
+            <a:spLocks noGrp="1"/>
+          </p:cNvSpPr>
           <p:nvPr>
-            <p:ph idx="12" type="sldNum"/>
+            <p:ph type="sldNum" idx="12"/>
           </p:nvPr>
         </p:nvSpPr>
         <p:spPr>
@@ -4827,7 +4834,7 @@
           </a:ln>
         </p:spPr>
         <p:txBody>
-          <a:bodyPr anchorCtr="0" anchor="ctr" bIns="91425" lIns="91425" spcFirstLastPara="1" rIns="91425" wrap="square" tIns="91425">
+          <a:bodyPr spcFirstLastPara="1" wrap="square" lIns="91425" tIns="91425" rIns="91425" bIns="91425" anchor="ctr" anchorCtr="0">
             <a:noAutofit/>
           </a:bodyPr>
           <a:lstStyle>
@@ -4905,7 +4912,7 @@
             </a:lvl9pPr>
           </a:lstStyle>
           <a:p>
-            <a:pPr indent="0" lvl="0" marL="0">
+            <a:pPr marL="0" lvl="0" indent="0">
               <a:spcBef>
                 <a:spcPts val="0"/>
               </a:spcBef>
@@ -4924,24 +4931,23 @@
       </p:sp>
     </p:spTree>
   </p:cSld>
-  <p:clrMap accent1="accent1" accent2="accent2" accent3="accent3" accent4="accent4" accent5="accent5" accent6="accent6" bg1="lt1" bg2="dk2" tx1="dk1" tx2="lt2" folHlink="folHlink" hlink="hlink"/>
+  <p:clrMap bg1="lt1" tx1="dk1" bg2="dk2" tx2="lt2" accent1="accent1" accent2="accent2" accent3="accent3" accent4="accent4" accent5="accent5" accent6="accent6" hlink="hlink" folHlink="folHlink"/>
   <p:sldLayoutIdLst>
     <p:sldLayoutId id="2147483648" r:id="rId1"/>
     <p:sldLayoutId id="2147483649" r:id="rId2"/>
     <p:sldLayoutId id="2147483650" r:id="rId3"/>
-    <p:sldLayoutId id="2147483651" r:id="rId4"/>
-    <p:sldLayoutId id="2147483652" r:id="rId5"/>
-    <p:sldLayoutId id="2147483653" r:id="rId6"/>
-    <p:sldLayoutId id="2147483654" r:id="rId7"/>
-    <p:sldLayoutId id="2147483655" r:id="rId8"/>
-    <p:sldLayoutId id="2147483656" r:id="rId9"/>
-    <p:sldLayoutId id="2147483657" r:id="rId10"/>
-    <p:sldLayoutId id="2147483658" r:id="rId11"/>
+    <p:sldLayoutId id="2147483652" r:id="rId4"/>
+    <p:sldLayoutId id="2147483653" r:id="rId5"/>
+    <p:sldLayoutId id="2147483654" r:id="rId6"/>
+    <p:sldLayoutId id="2147483655" r:id="rId7"/>
+    <p:sldLayoutId id="2147483656" r:id="rId8"/>
+    <p:sldLayoutId id="2147483657" r:id="rId9"/>
+    <p:sldLayoutId id="2147483658" r:id="rId10"/>
   </p:sldLayoutIdLst>
-  <p:hf dt="0" ftr="0" hdr="0" sldNum="0"/>
+  <p:hf sldNum="0" hdr="0" ftr="0" dt="0"/>
   <p:txStyles>
     <p:titleStyle>
-      <a:defPPr lvl="0" marR="0" rtl="0" algn="l">
+      <a:defPPr marR="0" lvl="0" algn="l" rtl="0">
         <a:lnSpc>
           <a:spcPct val="100000"/>
         </a:lnSpc>
@@ -4952,7 +4958,7 @@
           <a:spcPts val="0"/>
         </a:spcAft>
       </a:defPPr>
-      <a:lvl1pPr lvl="0" marR="0" rtl="0" algn="l">
+      <a:lvl1pPr marR="0" lvl="0" algn="l" rtl="0">
         <a:lnSpc>
           <a:spcPct val="100000"/>
         </a:lnSpc>
@@ -4966,7 +4972,7 @@
           <a:srgbClr val="000000"/>
         </a:buClr>
         <a:buFont typeface="Arial"/>
-        <a:defRPr b="0" i="0" sz="1400" u="none" cap="none" strike="noStrike">
+        <a:defRPr sz="1400" b="0" i="0" u="none" strike="noStrike" cap="none">
           <a:solidFill>
             <a:srgbClr val="000000"/>
           </a:solidFill>
@@ -4976,7 +4982,7 @@
           <a:sym typeface="Arial"/>
         </a:defRPr>
       </a:lvl1pPr>
-      <a:lvl2pPr lvl="1" marR="0" rtl="0" algn="l">
+      <a:lvl2pPr marR="0" lvl="1" algn="l" rtl="0">
         <a:lnSpc>
           <a:spcPct val="100000"/>
         </a:lnSpc>
@@ -4990,7 +4996,7 @@
           <a:srgbClr val="000000"/>
         </a:buClr>
         <a:buFont typeface="Arial"/>
-        <a:defRPr b="0" i="0" sz="1400" u="none" cap="none" strike="noStrike">
+        <a:defRPr sz="1400" b="0" i="0" u="none" strike="noStrike" cap="none">
           <a:solidFill>
             <a:srgbClr val="000000"/>
           </a:solidFill>
@@ -5000,7 +5006,7 @@
           <a:sym typeface="Arial"/>
         </a:defRPr>
       </a:lvl2pPr>
-      <a:lvl3pPr lvl="2" marR="0" rtl="0" algn="l">
+      <a:lvl3pPr marR="0" lvl="2" algn="l" rtl="0">
         <a:lnSpc>
           <a:spcPct val="100000"/>
         </a:lnSpc>
@@ -5014,7 +5020,7 @@
           <a:srgbClr val="000000"/>
         </a:buClr>
         <a:buFont typeface="Arial"/>
-        <a:defRPr b="0" i="0" sz="1400" u="none" cap="none" strike="noStrike">
+        <a:defRPr sz="1400" b="0" i="0" u="none" strike="noStrike" cap="none">
           <a:solidFill>
             <a:srgbClr val="000000"/>
           </a:solidFill>
@@ -5024,7 +5030,7 @@
           <a:sym typeface="Arial"/>
         </a:defRPr>
       </a:lvl3pPr>
-      <a:lvl4pPr lvl="3" marR="0" rtl="0" algn="l">
+      <a:lvl4pPr marR="0" lvl="3" algn="l" rtl="0">
         <a:lnSpc>
           <a:spcPct val="100000"/>
         </a:lnSpc>
@@ -5038,7 +5044,7 @@
           <a:srgbClr val="000000"/>
         </a:buClr>
         <a:buFont typeface="Arial"/>
-        <a:defRPr b="0" i="0" sz="1400" u="none" cap="none" strike="noStrike">
+        <a:defRPr sz="1400" b="0" i="0" u="none" strike="noStrike" cap="none">
           <a:solidFill>
             <a:srgbClr val="000000"/>
           </a:solidFill>
@@ -5048,7 +5054,7 @@
           <a:sym typeface="Arial"/>
         </a:defRPr>
       </a:lvl4pPr>
-      <a:lvl5pPr lvl="4" marR="0" rtl="0" algn="l">
+      <a:lvl5pPr marR="0" lvl="4" algn="l" rtl="0">
         <a:lnSpc>
           <a:spcPct val="100000"/>
         </a:lnSpc>
@@ -5062,7 +5068,7 @@
           <a:srgbClr val="000000"/>
         </a:buClr>
         <a:buFont typeface="Arial"/>
-        <a:defRPr b="0" i="0" sz="1400" u="none" cap="none" strike="noStrike">
+        <a:defRPr sz="1400" b="0" i="0" u="none" strike="noStrike" cap="none">
           <a:solidFill>
             <a:srgbClr val="000000"/>
           </a:solidFill>
@@ -5072,7 +5078,7 @@
           <a:sym typeface="Arial"/>
         </a:defRPr>
       </a:lvl5pPr>
-      <a:lvl6pPr lvl="5" marR="0" rtl="0" algn="l">
+      <a:lvl6pPr marR="0" lvl="5" algn="l" rtl="0">
         <a:lnSpc>
           <a:spcPct val="100000"/>
         </a:lnSpc>
@@ -5086,7 +5092,7 @@
           <a:srgbClr val="000000"/>
         </a:buClr>
         <a:buFont typeface="Arial"/>
-        <a:defRPr b="0" i="0" sz="1400" u="none" cap="none" strike="noStrike">
+        <a:defRPr sz="1400" b="0" i="0" u="none" strike="noStrike" cap="none">
           <a:solidFill>
             <a:srgbClr val="000000"/>
           </a:solidFill>
@@ -5096,7 +5102,7 @@
           <a:sym typeface="Arial"/>
         </a:defRPr>
       </a:lvl6pPr>
-      <a:lvl7pPr lvl="6" marR="0" rtl="0" algn="l">
+      <a:lvl7pPr marR="0" lvl="6" algn="l" rtl="0">
         <a:lnSpc>
           <a:spcPct val="100000"/>
         </a:lnSpc>
@@ -5110,7 +5116,7 @@
           <a:srgbClr val="000000"/>
         </a:buClr>
         <a:buFont typeface="Arial"/>
-        <a:defRPr b="0" i="0" sz="1400" u="none" cap="none" strike="noStrike">
+        <a:defRPr sz="1400" b="0" i="0" u="none" strike="noStrike" cap="none">
           <a:solidFill>
             <a:srgbClr val="000000"/>
           </a:solidFill>
@@ -5120,7 +5126,7 @@
           <a:sym typeface="Arial"/>
         </a:defRPr>
       </a:lvl7pPr>
-      <a:lvl8pPr lvl="7" marR="0" rtl="0" algn="l">
+      <a:lvl8pPr marR="0" lvl="7" algn="l" rtl="0">
         <a:lnSpc>
           <a:spcPct val="100000"/>
         </a:lnSpc>
@@ -5134,7 +5140,7 @@
           <a:srgbClr val="000000"/>
         </a:buClr>
         <a:buFont typeface="Arial"/>
-        <a:defRPr b="0" i="0" sz="1400" u="none" cap="none" strike="noStrike">
+        <a:defRPr sz="1400" b="0" i="0" u="none" strike="noStrike" cap="none">
           <a:solidFill>
             <a:srgbClr val="000000"/>
           </a:solidFill>
@@ -5144,7 +5150,7 @@
           <a:sym typeface="Arial"/>
         </a:defRPr>
       </a:lvl8pPr>
-      <a:lvl9pPr lvl="8" marR="0" rtl="0" algn="l">
+      <a:lvl9pPr marR="0" lvl="8" algn="l" rtl="0">
         <a:lnSpc>
           <a:spcPct val="100000"/>
         </a:lnSpc>
@@ -5158,7 +5164,7 @@
           <a:srgbClr val="000000"/>
         </a:buClr>
         <a:buFont typeface="Arial"/>
-        <a:defRPr b="0" i="0" sz="1400" u="none" cap="none" strike="noStrike">
+        <a:defRPr sz="1400" b="0" i="0" u="none" strike="noStrike" cap="none">
           <a:solidFill>
             <a:srgbClr val="000000"/>
           </a:solidFill>
@@ -5170,7 +5176,7 @@
       </a:lvl9pPr>
     </p:titleStyle>
     <p:bodyStyle>
-      <a:defPPr lvl="0" marR="0" rtl="0" algn="l">
+      <a:defPPr marR="0" lvl="0" algn="l" rtl="0">
         <a:lnSpc>
           <a:spcPct val="100000"/>
         </a:lnSpc>
@@ -5181,7 +5187,7 @@
           <a:spcPts val="0"/>
         </a:spcAft>
       </a:defPPr>
-      <a:lvl1pPr lvl="0" marR="0" rtl="0" algn="l">
+      <a:lvl1pPr marR="0" lvl="0" algn="l" rtl="0">
         <a:lnSpc>
           <a:spcPct val="100000"/>
         </a:lnSpc>
@@ -5195,7 +5201,7 @@
           <a:srgbClr val="000000"/>
         </a:buClr>
         <a:buFont typeface="Arial"/>
-        <a:defRPr b="0" i="0" sz="1400" u="none" cap="none" strike="noStrike">
+        <a:defRPr sz="1400" b="0" i="0" u="none" strike="noStrike" cap="none">
           <a:solidFill>
             <a:srgbClr val="000000"/>
           </a:solidFill>
@@ -5205,7 +5211,7 @@
           <a:sym typeface="Arial"/>
         </a:defRPr>
       </a:lvl1pPr>
-      <a:lvl2pPr lvl="1" marR="0" rtl="0" algn="l">
+      <a:lvl2pPr marR="0" lvl="1" algn="l" rtl="0">
         <a:lnSpc>
           <a:spcPct val="100000"/>
         </a:lnSpc>
@@ -5219,7 +5225,7 @@
           <a:srgbClr val="000000"/>
         </a:buClr>
         <a:buFont typeface="Arial"/>
-        <a:defRPr b="0" i="0" sz="1400" u="none" cap="none" strike="noStrike">
+        <a:defRPr sz="1400" b="0" i="0" u="none" strike="noStrike" cap="none">
           <a:solidFill>
             <a:srgbClr val="000000"/>
           </a:solidFill>
@@ -5229,7 +5235,7 @@
           <a:sym typeface="Arial"/>
         </a:defRPr>
       </a:lvl2pPr>
-      <a:lvl3pPr lvl="2" marR="0" rtl="0" algn="l">
+      <a:lvl3pPr marR="0" lvl="2" algn="l" rtl="0">
         <a:lnSpc>
           <a:spcPct val="100000"/>
         </a:lnSpc>
@@ -5243,7 +5249,7 @@
           <a:srgbClr val="000000"/>
         </a:buClr>
         <a:buFont typeface="Arial"/>
-        <a:defRPr b="0" i="0" sz="1400" u="none" cap="none" strike="noStrike">
+        <a:defRPr sz="1400" b="0" i="0" u="none" strike="noStrike" cap="none">
           <a:solidFill>
             <a:srgbClr val="000000"/>
           </a:solidFill>
@@ -5253,7 +5259,7 @@
           <a:sym typeface="Arial"/>
         </a:defRPr>
       </a:lvl3pPr>
-      <a:lvl4pPr lvl="3" marR="0" rtl="0" algn="l">
+      <a:lvl4pPr marR="0" lvl="3" algn="l" rtl="0">
         <a:lnSpc>
           <a:spcPct val="100000"/>
         </a:lnSpc>
@@ -5267,7 +5273,7 @@
           <a:srgbClr val="000000"/>
         </a:buClr>
         <a:buFont typeface="Arial"/>
-        <a:defRPr b="0" i="0" sz="1400" u="none" cap="none" strike="noStrike">
+        <a:defRPr sz="1400" b="0" i="0" u="none" strike="noStrike" cap="none">
           <a:solidFill>
             <a:srgbClr val="000000"/>
           </a:solidFill>
@@ -5277,7 +5283,7 @@
           <a:sym typeface="Arial"/>
         </a:defRPr>
       </a:lvl4pPr>
-      <a:lvl5pPr lvl="4" marR="0" rtl="0" algn="l">
+      <a:lvl5pPr marR="0" lvl="4" algn="l" rtl="0">
         <a:lnSpc>
           <a:spcPct val="100000"/>
         </a:lnSpc>
@@ -5291,7 +5297,7 @@
           <a:srgbClr val="000000"/>
         </a:buClr>
         <a:buFont typeface="Arial"/>
-        <a:defRPr b="0" i="0" sz="1400" u="none" cap="none" strike="noStrike">
+        <a:defRPr sz="1400" b="0" i="0" u="none" strike="noStrike" cap="none">
           <a:solidFill>
             <a:srgbClr val="000000"/>
           </a:solidFill>
@@ -5301,7 +5307,7 @@
           <a:sym typeface="Arial"/>
         </a:defRPr>
       </a:lvl5pPr>
-      <a:lvl6pPr lvl="5" marR="0" rtl="0" algn="l">
+      <a:lvl6pPr marR="0" lvl="5" algn="l" rtl="0">
         <a:lnSpc>
           <a:spcPct val="100000"/>
         </a:lnSpc>
@@ -5315,7 +5321,7 @@
           <a:srgbClr val="000000"/>
         </a:buClr>
         <a:buFont typeface="Arial"/>
-        <a:defRPr b="0" i="0" sz="1400" u="none" cap="none" strike="noStrike">
+        <a:defRPr sz="1400" b="0" i="0" u="none" strike="noStrike" cap="none">
           <a:solidFill>
             <a:srgbClr val="000000"/>
           </a:solidFill>
@@ -5325,7 +5331,7 @@
           <a:sym typeface="Arial"/>
         </a:defRPr>
       </a:lvl6pPr>
-      <a:lvl7pPr lvl="6" marR="0" rtl="0" algn="l">
+      <a:lvl7pPr marR="0" lvl="6" algn="l" rtl="0">
         <a:lnSpc>
           <a:spcPct val="100000"/>
         </a:lnSpc>
@@ -5339,7 +5345,7 @@
           <a:srgbClr val="000000"/>
         </a:buClr>
         <a:buFont typeface="Arial"/>
-        <a:defRPr b="0" i="0" sz="1400" u="none" cap="none" strike="noStrike">
+        <a:defRPr sz="1400" b="0" i="0" u="none" strike="noStrike" cap="none">
           <a:solidFill>
             <a:srgbClr val="000000"/>
           </a:solidFill>
@@ -5349,7 +5355,7 @@
           <a:sym typeface="Arial"/>
         </a:defRPr>
       </a:lvl7pPr>
-      <a:lvl8pPr lvl="7" marR="0" rtl="0" algn="l">
+      <a:lvl8pPr marR="0" lvl="7" algn="l" rtl="0">
         <a:lnSpc>
           <a:spcPct val="100000"/>
         </a:lnSpc>
@@ -5363,7 +5369,7 @@
           <a:srgbClr val="000000"/>
         </a:buClr>
         <a:buFont typeface="Arial"/>
-        <a:defRPr b="0" i="0" sz="1400" u="none" cap="none" strike="noStrike">
+        <a:defRPr sz="1400" b="0" i="0" u="none" strike="noStrike" cap="none">
           <a:solidFill>
             <a:srgbClr val="000000"/>
           </a:solidFill>
@@ -5373,7 +5379,7 @@
           <a:sym typeface="Arial"/>
         </a:defRPr>
       </a:lvl8pPr>
-      <a:lvl9pPr lvl="8" marR="0" rtl="0" algn="l">
+      <a:lvl9pPr marR="0" lvl="8" algn="l" rtl="0">
         <a:lnSpc>
           <a:spcPct val="100000"/>
         </a:lnSpc>
@@ -5387,7 +5393,7 @@
           <a:srgbClr val="000000"/>
         </a:buClr>
         <a:buFont typeface="Arial"/>
-        <a:defRPr b="0" i="0" sz="1400" u="none" cap="none" strike="noStrike">
+        <a:defRPr sz="1400" b="0" i="0" u="none" strike="noStrike" cap="none">
           <a:solidFill>
             <a:srgbClr val="000000"/>
           </a:solidFill>
@@ -5399,7 +5405,7 @@
       </a:lvl9pPr>
     </p:bodyStyle>
     <p:otherStyle>
-      <a:defPPr lvl="0" marR="0" rtl="0" algn="l">
+      <a:defPPr marR="0" lvl="0" algn="l" rtl="0">
         <a:lnSpc>
           <a:spcPct val="100000"/>
         </a:lnSpc>
@@ -5410,7 +5416,7 @@
           <a:spcPts val="0"/>
         </a:spcAft>
       </a:defPPr>
-      <a:lvl1pPr lvl="0" marR="0" rtl="0" algn="l">
+      <a:lvl1pPr marR="0" lvl="0" algn="l" rtl="0">
         <a:lnSpc>
           <a:spcPct val="100000"/>
         </a:lnSpc>
@@ -5424,7 +5430,7 @@
           <a:srgbClr val="000000"/>
         </a:buClr>
         <a:buFont typeface="Arial"/>
-        <a:defRPr b="0" i="0" sz="1400" u="none" cap="none" strike="noStrike">
+        <a:defRPr sz="1400" b="0" i="0" u="none" strike="noStrike" cap="none">
           <a:solidFill>
             <a:srgbClr val="000000"/>
           </a:solidFill>
@@ -5434,7 +5440,7 @@
           <a:sym typeface="Arial"/>
         </a:defRPr>
       </a:lvl1pPr>
-      <a:lvl2pPr lvl="1" marR="0" rtl="0" algn="l">
+      <a:lvl2pPr marR="0" lvl="1" algn="l" rtl="0">
         <a:lnSpc>
           <a:spcPct val="100000"/>
         </a:lnSpc>
@@ -5448,7 +5454,7 @@
           <a:srgbClr val="000000"/>
         </a:buClr>
         <a:buFont typeface="Arial"/>
-        <a:defRPr b="0" i="0" sz="1400" u="none" cap="none" strike="noStrike">
+        <a:defRPr sz="1400" b="0" i="0" u="none" strike="noStrike" cap="none">
           <a:solidFill>
             <a:srgbClr val="000000"/>
           </a:solidFill>
@@ -5458,7 +5464,7 @@
           <a:sym typeface="Arial"/>
         </a:defRPr>
       </a:lvl2pPr>
-      <a:lvl3pPr lvl="2" marR="0" rtl="0" algn="l">
+      <a:lvl3pPr marR="0" lvl="2" algn="l" rtl="0">
         <a:lnSpc>
           <a:spcPct val="100000"/>
         </a:lnSpc>
@@ -5472,7 +5478,7 @@
           <a:srgbClr val="000000"/>
         </a:buClr>
         <a:buFont typeface="Arial"/>
-        <a:defRPr b="0" i="0" sz="1400" u="none" cap="none" strike="noStrike">
+        <a:defRPr sz="1400" b="0" i="0" u="none" strike="noStrike" cap="none">
           <a:solidFill>
             <a:srgbClr val="000000"/>
           </a:solidFill>
@@ -5482,7 +5488,7 @@
           <a:sym typeface="Arial"/>
         </a:defRPr>
       </a:lvl3pPr>
-      <a:lvl4pPr lvl="3" marR="0" rtl="0" algn="l">
+      <a:lvl4pPr marR="0" lvl="3" algn="l" rtl="0">
         <a:lnSpc>
           <a:spcPct val="100000"/>
         </a:lnSpc>
@@ -5496,7 +5502,7 @@
           <a:srgbClr val="000000"/>
         </a:buClr>
         <a:buFont typeface="Arial"/>
-        <a:defRPr b="0" i="0" sz="1400" u="none" cap="none" strike="noStrike">
+        <a:defRPr sz="1400" b="0" i="0" u="none" strike="noStrike" cap="none">
           <a:solidFill>
             <a:srgbClr val="000000"/>
           </a:solidFill>
@@ -5506,7 +5512,7 @@
           <a:sym typeface="Arial"/>
         </a:defRPr>
       </a:lvl4pPr>
-      <a:lvl5pPr lvl="4" marR="0" rtl="0" algn="l">
+      <a:lvl5pPr marR="0" lvl="4" algn="l" rtl="0">
         <a:lnSpc>
           <a:spcPct val="100000"/>
         </a:lnSpc>
@@ -5520,7 +5526,7 @@
           <a:srgbClr val="000000"/>
         </a:buClr>
         <a:buFont typeface="Arial"/>
-        <a:defRPr b="0" i="0" sz="1400" u="none" cap="none" strike="noStrike">
+        <a:defRPr sz="1400" b="0" i="0" u="none" strike="noStrike" cap="none">
           <a:solidFill>
             <a:srgbClr val="000000"/>
           </a:solidFill>
@@ -5530,7 +5536,7 @@
           <a:sym typeface="Arial"/>
         </a:defRPr>
       </a:lvl5pPr>
-      <a:lvl6pPr lvl="5" marR="0" rtl="0" algn="l">
+      <a:lvl6pPr marR="0" lvl="5" algn="l" rtl="0">
         <a:lnSpc>
           <a:spcPct val="100000"/>
         </a:lnSpc>
@@ -5544,7 +5550,7 @@
           <a:srgbClr val="000000"/>
         </a:buClr>
         <a:buFont typeface="Arial"/>
-        <a:defRPr b="0" i="0" sz="1400" u="none" cap="none" strike="noStrike">
+        <a:defRPr sz="1400" b="0" i="0" u="none" strike="noStrike" cap="none">
           <a:solidFill>
             <a:srgbClr val="000000"/>
           </a:solidFill>
@@ -5554,7 +5560,7 @@
           <a:sym typeface="Arial"/>
         </a:defRPr>
       </a:lvl6pPr>
-      <a:lvl7pPr lvl="6" marR="0" rtl="0" algn="l">
+      <a:lvl7pPr marR="0" lvl="6" algn="l" rtl="0">
         <a:lnSpc>
           <a:spcPct val="100000"/>
         </a:lnSpc>
@@ -5568,7 +5574,7 @@
           <a:srgbClr val="000000"/>
         </a:buClr>
         <a:buFont typeface="Arial"/>
-        <a:defRPr b="0" i="0" sz="1400" u="none" cap="none" strike="noStrike">
+        <a:defRPr sz="1400" b="0" i="0" u="none" strike="noStrike" cap="none">
           <a:solidFill>
             <a:srgbClr val="000000"/>
           </a:solidFill>
@@ -5578,7 +5584,7 @@
           <a:sym typeface="Arial"/>
         </a:defRPr>
       </a:lvl7pPr>
-      <a:lvl8pPr lvl="7" marR="0" rtl="0" algn="l">
+      <a:lvl8pPr marR="0" lvl="7" algn="l" rtl="0">
         <a:lnSpc>
           <a:spcPct val="100000"/>
         </a:lnSpc>
@@ -5592,7 +5598,7 @@
           <a:srgbClr val="000000"/>
         </a:buClr>
         <a:buFont typeface="Arial"/>
-        <a:defRPr b="0" i="0" sz="1400" u="none" cap="none" strike="noStrike">
+        <a:defRPr sz="1400" b="0" i="0" u="none" strike="noStrike" cap="none">
           <a:solidFill>
             <a:srgbClr val="000000"/>
           </a:solidFill>
@@ -5602,7 +5608,7 @@
           <a:sym typeface="Arial"/>
         </a:defRPr>
       </a:lvl8pPr>
-      <a:lvl9pPr lvl="8" marR="0" rtl="0" algn="l">
+      <a:lvl9pPr marR="0" lvl="8" algn="l" rtl="0">
         <a:lnSpc>
           <a:spcPct val="100000"/>
         </a:lnSpc>
@@ -5616,7 +5622,7 @@
           <a:srgbClr val="000000"/>
         </a:buClr>
         <a:buFont typeface="Arial"/>
-        <a:defRPr b="0" i="0" sz="1400" u="none" cap="none" strike="noStrike">
+        <a:defRPr sz="1400" b="0" i="0" u="none" strike="noStrike" cap="none">
           <a:solidFill>
             <a:srgbClr val="000000"/>
           </a:solidFill>
@@ -5632,11 +5638,1288 @@
 </file>
 
 <file path=ppt/slides/slide1.xml><?xml version="1.0" encoding="utf-8"?>
-<p:sld xmlns:a="http://schemas.openxmlformats.org/drawingml/2006/main" xmlns:r="http://schemas.openxmlformats.org/officeDocument/2006/relationships" xmlns:mc="http://schemas.openxmlformats.org/markup-compatibility/2006" xmlns:mv="urn:schemas-microsoft-com:mac:vml" xmlns:p="http://schemas.openxmlformats.org/presentationml/2006/main" xmlns:c="http://schemas.openxmlformats.org/drawingml/2006/chart" xmlns:dgm="http://schemas.openxmlformats.org/drawingml/2006/diagram" xmlns:o="urn:schemas-microsoft-com:office:office" xmlns:v="urn:schemas-microsoft-com:vml" xmlns:pvml="urn:schemas-microsoft-com:office:powerpoint" xmlns:com="http://schemas.openxmlformats.org/drawingml/2006/compatibility" xmlns:p14="http://schemas.microsoft.com/office/powerpoint/2010/main" xmlns:p15="http://schemas.microsoft.com/office/powerpoint/2012/main">
+<p:sld xmlns:a="http://schemas.openxmlformats.org/drawingml/2006/main" xmlns:r="http://schemas.openxmlformats.org/officeDocument/2006/relationships" xmlns:p="http://schemas.openxmlformats.org/presentationml/2006/main">
   <p:cSld>
     <p:spTree>
       <p:nvGrpSpPr>
-        <p:cNvPr id="53" name="Shape 53"/>
+        <p:cNvPr id="1" name=""/>
+        <p:cNvGrpSpPr/>
+        <p:nvPr/>
+      </p:nvGrpSpPr>
+      <p:grpSpPr>
+        <a:xfrm>
+          <a:off x="0" y="0"/>
+          <a:ext cx="0" cy="0"/>
+          <a:chOff x="0" y="0"/>
+          <a:chExt cx="0" cy="0"/>
+        </a:xfrm>
+      </p:grpSpPr>
+      <p:sp>
+        <p:nvSpPr>
+          <p:cNvPr id="4" name="Title 3">
+            <a:extLst>
+              <a:ext uri="{FF2B5EF4-FFF2-40B4-BE49-F238E27FC236}">
+                <a16:creationId xmlns:a16="http://schemas.microsoft.com/office/drawing/2014/main" id="{774B795C-49A2-4CD2-B09E-AB93E55C38C9}"/>
+              </a:ext>
+            </a:extLst>
+          </p:cNvPr>
+          <p:cNvSpPr>
+            <a:spLocks noGrp="1"/>
+          </p:cNvSpPr>
+          <p:nvPr>
+            <p:ph type="title"/>
+          </p:nvPr>
+        </p:nvSpPr>
+        <p:spPr/>
+        <p:txBody>
+          <a:bodyPr/>
+          <a:lstStyle/>
+          <a:p>
+            <a:endParaRPr lang="en-US"/>
+          </a:p>
+        </p:txBody>
+      </p:sp>
+    </p:spTree>
+    <p:extLst>
+      <p:ext uri="{BB962C8B-B14F-4D97-AF65-F5344CB8AC3E}">
+        <p14:creationId xmlns:p14="http://schemas.microsoft.com/office/powerpoint/2010/main" val="3904958647"/>
+      </p:ext>
+    </p:extLst>
+  </p:cSld>
+  <p:clrMapOvr>
+    <a:masterClrMapping/>
+  </p:clrMapOvr>
+</p:sld>
+</file>
+
+<file path=ppt/slides/slide2.xml><?xml version="1.0" encoding="utf-8"?>
+<p:sld xmlns:a="http://schemas.openxmlformats.org/drawingml/2006/main" xmlns:r="http://schemas.openxmlformats.org/officeDocument/2006/relationships" xmlns:p="http://schemas.openxmlformats.org/presentationml/2006/main">
+  <p:cSld>
+    <p:spTree>
+      <p:nvGrpSpPr>
+        <p:cNvPr id="1" name="Shape 60"/>
+        <p:cNvGrpSpPr/>
+        <p:nvPr/>
+      </p:nvGrpSpPr>
+      <p:grpSpPr>
+        <a:xfrm>
+          <a:off x="0" y="0"/>
+          <a:ext cx="0" cy="0"/>
+          <a:chOff x="0" y="0"/>
+          <a:chExt cx="0" cy="0"/>
+        </a:xfrm>
+      </p:grpSpPr>
+      <p:sp>
+        <p:nvSpPr>
+          <p:cNvPr id="61" name="Shape 61"/>
+          <p:cNvSpPr txBox="1">
+            <a:spLocks noGrp="1"/>
+          </p:cNvSpPr>
+          <p:nvPr>
+            <p:ph type="title"/>
+          </p:nvPr>
+        </p:nvSpPr>
+        <p:spPr>
+          <a:xfrm>
+            <a:off x="62275" y="-124550"/>
+            <a:ext cx="8769900" cy="524700"/>
+          </a:xfrm>
+          <a:prstGeom prst="rect">
+            <a:avLst/>
+          </a:prstGeom>
+        </p:spPr>
+        <p:txBody>
+          <a:bodyPr spcFirstLastPara="1" wrap="square" lIns="91425" tIns="91425" rIns="91425" bIns="91425" anchor="t" anchorCtr="0">
+            <a:noAutofit/>
+          </a:bodyPr>
+          <a:lstStyle/>
+          <a:p>
+            <a:pPr marL="0" lvl="0" indent="0" rtl="0">
+              <a:spcBef>
+                <a:spcPts val="0"/>
+              </a:spcBef>
+              <a:spcAft>
+                <a:spcPts val="0"/>
+              </a:spcAft>
+              <a:buNone/>
+            </a:pPr>
+            <a:r>
+              <a:rPr lang="en-US" sz="4000" dirty="0"/>
+              <a:t>Outline</a:t>
+            </a:r>
+            <a:endParaRPr sz="4000" dirty="0"/>
+          </a:p>
+        </p:txBody>
+      </p:sp>
+      <p:sp>
+        <p:nvSpPr>
+          <p:cNvPr id="62" name="Shape 62"/>
+          <p:cNvSpPr txBox="1"/>
+          <p:nvPr/>
+        </p:nvSpPr>
+        <p:spPr>
+          <a:xfrm>
+            <a:off x="418050" y="658225"/>
+            <a:ext cx="8619300" cy="4349700"/>
+          </a:xfrm>
+          <a:prstGeom prst="rect">
+            <a:avLst/>
+          </a:prstGeom>
+          <a:noFill/>
+          <a:ln>
+            <a:noFill/>
+          </a:ln>
+        </p:spPr>
+        <p:txBody>
+          <a:bodyPr spcFirstLastPara="1" wrap="square" lIns="91425" tIns="91425" rIns="91425" bIns="91425" anchor="t" anchorCtr="0">
+            <a:noAutofit/>
+          </a:bodyPr>
+          <a:lstStyle/>
+          <a:p>
+            <a:pPr marL="457200" marR="0" lvl="0" indent="-381000" algn="l" rtl="0">
+              <a:lnSpc>
+                <a:spcPct val="115000"/>
+              </a:lnSpc>
+              <a:spcBef>
+                <a:spcPts val="0"/>
+              </a:spcBef>
+              <a:spcAft>
+                <a:spcPts val="0"/>
+              </a:spcAft>
+              <a:buClr>
+                <a:srgbClr val="FFFFFF"/>
+              </a:buClr>
+              <a:buSzPts val="2400"/>
+              <a:buFont typeface="Arial"/>
+              <a:buChar char="●"/>
+            </a:pPr>
+            <a:r>
+              <a:rPr lang="en-US" sz="2400" dirty="0">
+                <a:solidFill>
+                  <a:srgbClr val="FFFFFF"/>
+                </a:solidFill>
+              </a:rPr>
+              <a:t>Reminders</a:t>
+            </a:r>
+          </a:p>
+          <a:p>
+            <a:pPr marL="457200" marR="0" lvl="0" indent="-381000" algn="l" rtl="0">
+              <a:lnSpc>
+                <a:spcPct val="115000"/>
+              </a:lnSpc>
+              <a:spcBef>
+                <a:spcPts val="0"/>
+              </a:spcBef>
+              <a:spcAft>
+                <a:spcPts val="0"/>
+              </a:spcAft>
+              <a:buClr>
+                <a:srgbClr val="FFFFFF"/>
+              </a:buClr>
+              <a:buSzPts val="2400"/>
+              <a:buFont typeface="Arial"/>
+              <a:buChar char="●"/>
+            </a:pPr>
+            <a:r>
+              <a:rPr lang="en-US" sz="2400" dirty="0">
+                <a:solidFill>
+                  <a:srgbClr val="FFFFFF"/>
+                </a:solidFill>
+              </a:rPr>
+              <a:t>Studio Solution</a:t>
+            </a:r>
+          </a:p>
+          <a:p>
+            <a:pPr marL="457200" marR="0" lvl="0" indent="-381000" algn="l" rtl="0">
+              <a:lnSpc>
+                <a:spcPct val="115000"/>
+              </a:lnSpc>
+              <a:spcBef>
+                <a:spcPts val="0"/>
+              </a:spcBef>
+              <a:spcAft>
+                <a:spcPts val="0"/>
+              </a:spcAft>
+              <a:buClr>
+                <a:srgbClr val="FFFFFF"/>
+              </a:buClr>
+              <a:buSzPts val="2400"/>
+              <a:buFont typeface="Arial"/>
+              <a:buChar char="●"/>
+            </a:pPr>
+            <a:r>
+              <a:rPr lang="en-US" sz="2400" dirty="0">
+                <a:solidFill>
+                  <a:srgbClr val="FFFFFF"/>
+                </a:solidFill>
+              </a:rPr>
+              <a:t>Q&amp;A Session?</a:t>
+            </a:r>
+          </a:p>
+          <a:p>
+            <a:pPr marL="457200" marR="0" lvl="0" indent="-381000" algn="l" rtl="0">
+              <a:lnSpc>
+                <a:spcPct val="115000"/>
+              </a:lnSpc>
+              <a:spcBef>
+                <a:spcPts val="0"/>
+              </a:spcBef>
+              <a:spcAft>
+                <a:spcPts val="0"/>
+              </a:spcAft>
+              <a:buClr>
+                <a:srgbClr val="FFFFFF"/>
+              </a:buClr>
+              <a:buSzPts val="2400"/>
+              <a:buFont typeface="Arial"/>
+              <a:buChar char="●"/>
+            </a:pPr>
+            <a:r>
+              <a:rPr lang="en-US" sz="2400" dirty="0">
+                <a:solidFill>
+                  <a:srgbClr val="FFFFFF"/>
+                </a:solidFill>
+              </a:rPr>
+              <a:t>Studio Walkthrough</a:t>
+            </a:r>
+          </a:p>
+          <a:p>
+            <a:pPr marL="457200" marR="0" lvl="0" indent="-381000" algn="l" rtl="0">
+              <a:lnSpc>
+                <a:spcPct val="115000"/>
+              </a:lnSpc>
+              <a:spcBef>
+                <a:spcPts val="0"/>
+              </a:spcBef>
+              <a:spcAft>
+                <a:spcPts val="0"/>
+              </a:spcAft>
+              <a:buClr>
+                <a:srgbClr val="FFFFFF"/>
+              </a:buClr>
+              <a:buSzPts val="2400"/>
+              <a:buFont typeface="Arial"/>
+              <a:buChar char="●"/>
+            </a:pPr>
+            <a:r>
+              <a:rPr lang="en-US" sz="2400" dirty="0">
+                <a:solidFill>
+                  <a:srgbClr val="FFFFFF"/>
+                </a:solidFill>
+              </a:rPr>
+              <a:t>Studio</a:t>
+            </a:r>
+            <a:endParaRPr sz="2400" dirty="0">
+              <a:solidFill>
+                <a:srgbClr val="FFFFFF"/>
+              </a:solidFill>
+            </a:endParaRPr>
+          </a:p>
+          <a:p>
+            <a:pPr marL="0" lvl="0" indent="0" rtl="0">
+              <a:lnSpc>
+                <a:spcPct val="115000"/>
+              </a:lnSpc>
+              <a:spcBef>
+                <a:spcPts val="0"/>
+              </a:spcBef>
+              <a:spcAft>
+                <a:spcPts val="0"/>
+              </a:spcAft>
+              <a:buNone/>
+            </a:pPr>
+            <a:endParaRPr sz="2200" dirty="0">
+              <a:solidFill>
+                <a:srgbClr val="FFFFFF"/>
+              </a:solidFill>
+            </a:endParaRPr>
+          </a:p>
+          <a:p>
+            <a:pPr marL="0" lvl="0" indent="0" rtl="0">
+              <a:lnSpc>
+                <a:spcPct val="115000"/>
+              </a:lnSpc>
+              <a:spcBef>
+                <a:spcPts val="0"/>
+              </a:spcBef>
+              <a:spcAft>
+                <a:spcPts val="0"/>
+              </a:spcAft>
+              <a:buNone/>
+            </a:pPr>
+            <a:endParaRPr sz="2200" dirty="0">
+              <a:solidFill>
+                <a:srgbClr val="FFFFFF"/>
+              </a:solidFill>
+            </a:endParaRPr>
+          </a:p>
+          <a:p>
+            <a:pPr marL="0" marR="0" lvl="0" indent="0" algn="l" rtl="0">
+              <a:lnSpc>
+                <a:spcPct val="100000"/>
+              </a:lnSpc>
+              <a:spcBef>
+                <a:spcPts val="0"/>
+              </a:spcBef>
+              <a:spcAft>
+                <a:spcPts val="0"/>
+              </a:spcAft>
+              <a:buNone/>
+            </a:pPr>
+            <a:endParaRPr sz="2400" dirty="0">
+              <a:solidFill>
+                <a:srgbClr val="FFFFFF"/>
+              </a:solidFill>
+            </a:endParaRPr>
+          </a:p>
+          <a:p>
+            <a:pPr marL="0" lvl="0" indent="0" rtl="0">
+              <a:spcBef>
+                <a:spcPts val="0"/>
+              </a:spcBef>
+              <a:spcAft>
+                <a:spcPts val="0"/>
+              </a:spcAft>
+              <a:buNone/>
+            </a:pPr>
+            <a:endParaRPr sz="2400" dirty="0">
+              <a:solidFill>
+                <a:srgbClr val="FFFFFF"/>
+              </a:solidFill>
+            </a:endParaRPr>
+          </a:p>
+        </p:txBody>
+      </p:sp>
+    </p:spTree>
+    <p:extLst>
+      <p:ext uri="{BB962C8B-B14F-4D97-AF65-F5344CB8AC3E}">
+        <p14:creationId xmlns:p14="http://schemas.microsoft.com/office/powerpoint/2010/main" val="2159364699"/>
+      </p:ext>
+    </p:extLst>
+  </p:cSld>
+  <p:clrMapOvr>
+    <a:masterClrMapping/>
+  </p:clrMapOvr>
+  <p:timing>
+    <p:tnLst>
+      <p:par>
+        <p:cTn id="1" dur="indefinite" restart="never" nodeType="tmRoot">
+          <p:childTnLst>
+            <p:seq concurrent="1" nextAc="seek">
+              <p:cTn id="2" dur="indefinite" nodeType="mainSeq">
+                <p:childTnLst>
+                  <p:par>
+                    <p:cTn id="3" fill="hold">
+                      <p:stCondLst>
+                        <p:cond delay="indefinite"/>
+                      </p:stCondLst>
+                      <p:childTnLst>
+                        <p:par>
+                          <p:cTn id="4" fill="hold">
+                            <p:stCondLst>
+                              <p:cond delay="0"/>
+                            </p:stCondLst>
+                            <p:childTnLst>
+                              <p:par>
+                                <p:cTn id="5" presetID="10" presetClass="entr" presetSubtype="0" fill="hold" nodeType="clickEffect">
+                                  <p:stCondLst>
+                                    <p:cond delay="0"/>
+                                  </p:stCondLst>
+                                  <p:childTnLst>
+                                    <p:set>
+                                      <p:cBhvr>
+                                        <p:cTn id="6" dur="1" fill="hold">
+                                          <p:stCondLst>
+                                            <p:cond delay="0"/>
+                                          </p:stCondLst>
+                                        </p:cTn>
+                                        <p:tgtEl>
+                                          <p:spTgt spid="62">
+                                            <p:txEl>
+                                              <p:pRg st="0" end="0"/>
+                                            </p:txEl>
+                                          </p:spTgt>
+                                        </p:tgtEl>
+                                        <p:attrNameLst>
+                                          <p:attrName>style.visibility</p:attrName>
+                                        </p:attrNameLst>
+                                      </p:cBhvr>
+                                      <p:to>
+                                        <p:strVal val="visible"/>
+                                      </p:to>
+                                    </p:set>
+                                    <p:animEffect transition="in" filter="fade">
+                                      <p:cBhvr>
+                                        <p:cTn id="7" dur="1000"/>
+                                        <p:tgtEl>
+                                          <p:spTgt spid="62">
+                                            <p:txEl>
+                                              <p:pRg st="0" end="0"/>
+                                            </p:txEl>
+                                          </p:spTgt>
+                                        </p:tgtEl>
+                                      </p:cBhvr>
+                                    </p:animEffect>
+                                  </p:childTnLst>
+                                </p:cTn>
+                              </p:par>
+                            </p:childTnLst>
+                          </p:cTn>
+                        </p:par>
+                      </p:childTnLst>
+                    </p:cTn>
+                  </p:par>
+                  <p:par>
+                    <p:cTn id="8" fill="hold">
+                      <p:stCondLst>
+                        <p:cond delay="indefinite"/>
+                      </p:stCondLst>
+                      <p:childTnLst>
+                        <p:par>
+                          <p:cTn id="9" fill="hold">
+                            <p:stCondLst>
+                              <p:cond delay="0"/>
+                            </p:stCondLst>
+                            <p:childTnLst>
+                              <p:par>
+                                <p:cTn id="10" presetID="10" presetClass="entr" presetSubtype="0" fill="hold" nodeType="clickEffect">
+                                  <p:stCondLst>
+                                    <p:cond delay="0"/>
+                                  </p:stCondLst>
+                                  <p:childTnLst>
+                                    <p:set>
+                                      <p:cBhvr>
+                                        <p:cTn id="11" dur="1" fill="hold">
+                                          <p:stCondLst>
+                                            <p:cond delay="0"/>
+                                          </p:stCondLst>
+                                        </p:cTn>
+                                        <p:tgtEl>
+                                          <p:spTgt spid="62">
+                                            <p:txEl>
+                                              <p:pRg st="1" end="1"/>
+                                            </p:txEl>
+                                          </p:spTgt>
+                                        </p:tgtEl>
+                                        <p:attrNameLst>
+                                          <p:attrName>style.visibility</p:attrName>
+                                        </p:attrNameLst>
+                                      </p:cBhvr>
+                                      <p:to>
+                                        <p:strVal val="visible"/>
+                                      </p:to>
+                                    </p:set>
+                                    <p:animEffect transition="in" filter="fade">
+                                      <p:cBhvr>
+                                        <p:cTn id="12" dur="1000"/>
+                                        <p:tgtEl>
+                                          <p:spTgt spid="62">
+                                            <p:txEl>
+                                              <p:pRg st="1" end="1"/>
+                                            </p:txEl>
+                                          </p:spTgt>
+                                        </p:tgtEl>
+                                      </p:cBhvr>
+                                    </p:animEffect>
+                                  </p:childTnLst>
+                                </p:cTn>
+                              </p:par>
+                            </p:childTnLst>
+                          </p:cTn>
+                        </p:par>
+                      </p:childTnLst>
+                    </p:cTn>
+                  </p:par>
+                  <p:par>
+                    <p:cTn id="13" fill="hold">
+                      <p:stCondLst>
+                        <p:cond delay="indefinite"/>
+                      </p:stCondLst>
+                      <p:childTnLst>
+                        <p:par>
+                          <p:cTn id="14" fill="hold">
+                            <p:stCondLst>
+                              <p:cond delay="0"/>
+                            </p:stCondLst>
+                            <p:childTnLst>
+                              <p:par>
+                                <p:cTn id="15" presetID="10" presetClass="entr" presetSubtype="0" fill="hold" nodeType="clickEffect">
+                                  <p:stCondLst>
+                                    <p:cond delay="0"/>
+                                  </p:stCondLst>
+                                  <p:childTnLst>
+                                    <p:set>
+                                      <p:cBhvr>
+                                        <p:cTn id="16" dur="1" fill="hold">
+                                          <p:stCondLst>
+                                            <p:cond delay="0"/>
+                                          </p:stCondLst>
+                                        </p:cTn>
+                                        <p:tgtEl>
+                                          <p:spTgt spid="62">
+                                            <p:txEl>
+                                              <p:pRg st="2" end="2"/>
+                                            </p:txEl>
+                                          </p:spTgt>
+                                        </p:tgtEl>
+                                        <p:attrNameLst>
+                                          <p:attrName>style.visibility</p:attrName>
+                                        </p:attrNameLst>
+                                      </p:cBhvr>
+                                      <p:to>
+                                        <p:strVal val="visible"/>
+                                      </p:to>
+                                    </p:set>
+                                    <p:animEffect transition="in" filter="fade">
+                                      <p:cBhvr>
+                                        <p:cTn id="17" dur="1000"/>
+                                        <p:tgtEl>
+                                          <p:spTgt spid="62">
+                                            <p:txEl>
+                                              <p:pRg st="2" end="2"/>
+                                            </p:txEl>
+                                          </p:spTgt>
+                                        </p:tgtEl>
+                                      </p:cBhvr>
+                                    </p:animEffect>
+                                  </p:childTnLst>
+                                </p:cTn>
+                              </p:par>
+                            </p:childTnLst>
+                          </p:cTn>
+                        </p:par>
+                      </p:childTnLst>
+                    </p:cTn>
+                  </p:par>
+                  <p:par>
+                    <p:cTn id="18" fill="hold">
+                      <p:stCondLst>
+                        <p:cond delay="indefinite"/>
+                      </p:stCondLst>
+                      <p:childTnLst>
+                        <p:par>
+                          <p:cTn id="19" fill="hold">
+                            <p:stCondLst>
+                              <p:cond delay="0"/>
+                            </p:stCondLst>
+                            <p:childTnLst>
+                              <p:par>
+                                <p:cTn id="20" presetID="10" presetClass="entr" presetSubtype="0" fill="hold" nodeType="clickEffect">
+                                  <p:stCondLst>
+                                    <p:cond delay="0"/>
+                                  </p:stCondLst>
+                                  <p:childTnLst>
+                                    <p:set>
+                                      <p:cBhvr>
+                                        <p:cTn id="21" dur="1" fill="hold">
+                                          <p:stCondLst>
+                                            <p:cond delay="0"/>
+                                          </p:stCondLst>
+                                        </p:cTn>
+                                        <p:tgtEl>
+                                          <p:spTgt spid="62">
+                                            <p:txEl>
+                                              <p:pRg st="3" end="3"/>
+                                            </p:txEl>
+                                          </p:spTgt>
+                                        </p:tgtEl>
+                                        <p:attrNameLst>
+                                          <p:attrName>style.visibility</p:attrName>
+                                        </p:attrNameLst>
+                                      </p:cBhvr>
+                                      <p:to>
+                                        <p:strVal val="visible"/>
+                                      </p:to>
+                                    </p:set>
+                                    <p:animEffect transition="in" filter="fade">
+                                      <p:cBhvr>
+                                        <p:cTn id="22" dur="1000"/>
+                                        <p:tgtEl>
+                                          <p:spTgt spid="62">
+                                            <p:txEl>
+                                              <p:pRg st="3" end="3"/>
+                                            </p:txEl>
+                                          </p:spTgt>
+                                        </p:tgtEl>
+                                      </p:cBhvr>
+                                    </p:animEffect>
+                                  </p:childTnLst>
+                                </p:cTn>
+                              </p:par>
+                            </p:childTnLst>
+                          </p:cTn>
+                        </p:par>
+                      </p:childTnLst>
+                    </p:cTn>
+                  </p:par>
+                  <p:par>
+                    <p:cTn id="23" fill="hold">
+                      <p:stCondLst>
+                        <p:cond delay="indefinite"/>
+                      </p:stCondLst>
+                      <p:childTnLst>
+                        <p:par>
+                          <p:cTn id="24" fill="hold">
+                            <p:stCondLst>
+                              <p:cond delay="0"/>
+                            </p:stCondLst>
+                            <p:childTnLst>
+                              <p:par>
+                                <p:cTn id="25" presetID="10" presetClass="entr" presetSubtype="0" fill="hold" nodeType="clickEffect">
+                                  <p:stCondLst>
+                                    <p:cond delay="0"/>
+                                  </p:stCondLst>
+                                  <p:childTnLst>
+                                    <p:set>
+                                      <p:cBhvr>
+                                        <p:cTn id="26" dur="1" fill="hold">
+                                          <p:stCondLst>
+                                            <p:cond delay="0"/>
+                                          </p:stCondLst>
+                                        </p:cTn>
+                                        <p:tgtEl>
+                                          <p:spTgt spid="62">
+                                            <p:txEl>
+                                              <p:pRg st="4" end="4"/>
+                                            </p:txEl>
+                                          </p:spTgt>
+                                        </p:tgtEl>
+                                        <p:attrNameLst>
+                                          <p:attrName>style.visibility</p:attrName>
+                                        </p:attrNameLst>
+                                      </p:cBhvr>
+                                      <p:to>
+                                        <p:strVal val="visible"/>
+                                      </p:to>
+                                    </p:set>
+                                    <p:animEffect transition="in" filter="fade">
+                                      <p:cBhvr>
+                                        <p:cTn id="27" dur="1000"/>
+                                        <p:tgtEl>
+                                          <p:spTgt spid="62">
+                                            <p:txEl>
+                                              <p:pRg st="4" end="4"/>
+                                            </p:txEl>
+                                          </p:spTgt>
+                                        </p:tgtEl>
+                                      </p:cBhvr>
+                                    </p:animEffect>
+                                  </p:childTnLst>
+                                </p:cTn>
+                              </p:par>
+                            </p:childTnLst>
+                          </p:cTn>
+                        </p:par>
+                      </p:childTnLst>
+                    </p:cTn>
+                  </p:par>
+                </p:childTnLst>
+              </p:cTn>
+              <p:prevCondLst>
+                <p:cond evt="onPrev" delay="0">
+                  <p:tgtEl>
+                    <p:sldTgt/>
+                  </p:tgtEl>
+                </p:cond>
+              </p:prevCondLst>
+              <p:nextCondLst>
+                <p:cond evt="onNext" delay="0">
+                  <p:tgtEl>
+                    <p:sldTgt/>
+                  </p:tgtEl>
+                </p:cond>
+              </p:nextCondLst>
+            </p:seq>
+          </p:childTnLst>
+        </p:cTn>
+      </p:par>
+    </p:tnLst>
+  </p:timing>
+</p:sld>
+</file>
+
+<file path=ppt/slides/slide3.xml><?xml version="1.0" encoding="utf-8"?>
+<p:sld xmlns:a="http://schemas.openxmlformats.org/drawingml/2006/main" xmlns:r="http://schemas.openxmlformats.org/officeDocument/2006/relationships" xmlns:p="http://schemas.openxmlformats.org/presentationml/2006/main">
+  <p:cSld>
+    <p:spTree>
+      <p:nvGrpSpPr>
+        <p:cNvPr id="1" name="Shape 60"/>
+        <p:cNvGrpSpPr/>
+        <p:nvPr/>
+      </p:nvGrpSpPr>
+      <p:grpSpPr>
+        <a:xfrm>
+          <a:off x="0" y="0"/>
+          <a:ext cx="0" cy="0"/>
+          <a:chOff x="0" y="0"/>
+          <a:chExt cx="0" cy="0"/>
+        </a:xfrm>
+      </p:grpSpPr>
+      <p:sp>
+        <p:nvSpPr>
+          <p:cNvPr id="61" name="Shape 61"/>
+          <p:cNvSpPr txBox="1">
+            <a:spLocks noGrp="1"/>
+          </p:cNvSpPr>
+          <p:nvPr>
+            <p:ph type="title"/>
+          </p:nvPr>
+        </p:nvSpPr>
+        <p:spPr>
+          <a:xfrm>
+            <a:off x="62275" y="-124550"/>
+            <a:ext cx="8769900" cy="524700"/>
+          </a:xfrm>
+          <a:prstGeom prst="rect">
+            <a:avLst/>
+          </a:prstGeom>
+        </p:spPr>
+        <p:txBody>
+          <a:bodyPr spcFirstLastPara="1" wrap="square" lIns="91425" tIns="91425" rIns="91425" bIns="91425" anchor="t" anchorCtr="0">
+            <a:noAutofit/>
+          </a:bodyPr>
+          <a:lstStyle/>
+          <a:p>
+            <a:pPr marL="0" lvl="0" indent="0" rtl="0">
+              <a:spcBef>
+                <a:spcPts val="0"/>
+              </a:spcBef>
+              <a:spcAft>
+                <a:spcPts val="0"/>
+              </a:spcAft>
+              <a:buNone/>
+            </a:pPr>
+            <a:r>
+              <a:rPr lang="en-US" sz="4000" dirty="0"/>
+              <a:t>Reminders</a:t>
+            </a:r>
+            <a:endParaRPr sz="4000" dirty="0"/>
+          </a:p>
+        </p:txBody>
+      </p:sp>
+      <p:sp>
+        <p:nvSpPr>
+          <p:cNvPr id="62" name="Shape 62"/>
+          <p:cNvSpPr txBox="1"/>
+          <p:nvPr/>
+        </p:nvSpPr>
+        <p:spPr>
+          <a:xfrm>
+            <a:off x="418050" y="658225"/>
+            <a:ext cx="8619300" cy="4349700"/>
+          </a:xfrm>
+          <a:prstGeom prst="rect">
+            <a:avLst/>
+          </a:prstGeom>
+          <a:noFill/>
+          <a:ln>
+            <a:noFill/>
+          </a:ln>
+        </p:spPr>
+        <p:txBody>
+          <a:bodyPr spcFirstLastPara="1" wrap="square" lIns="91425" tIns="91425" rIns="91425" bIns="91425" anchor="t" anchorCtr="0">
+            <a:noAutofit/>
+          </a:bodyPr>
+          <a:lstStyle/>
+          <a:p>
+            <a:pPr marL="457200" marR="0" lvl="0" indent="-381000" algn="l" rtl="0">
+              <a:lnSpc>
+                <a:spcPct val="115000"/>
+              </a:lnSpc>
+              <a:spcBef>
+                <a:spcPts val="0"/>
+              </a:spcBef>
+              <a:spcAft>
+                <a:spcPts val="0"/>
+              </a:spcAft>
+              <a:buClr>
+                <a:srgbClr val="FFFFFF"/>
+              </a:buClr>
+              <a:buSzPts val="2400"/>
+              <a:buFont typeface="Arial"/>
+              <a:buChar char="●"/>
+            </a:pPr>
+            <a:r>
+              <a:rPr lang="en-US" sz="2400" dirty="0">
+                <a:solidFill>
+                  <a:srgbClr val="FFFFFF"/>
+                </a:solidFill>
+              </a:rPr>
+              <a:t>CODE WITH THE VIDEOS!!!!!! </a:t>
+            </a:r>
+          </a:p>
+          <a:p>
+            <a:pPr marL="457200" marR="0" lvl="0" indent="-381000" algn="l" rtl="0">
+              <a:lnSpc>
+                <a:spcPct val="115000"/>
+              </a:lnSpc>
+              <a:spcBef>
+                <a:spcPts val="0"/>
+              </a:spcBef>
+              <a:spcAft>
+                <a:spcPts val="0"/>
+              </a:spcAft>
+              <a:buClr>
+                <a:srgbClr val="FFFFFF"/>
+              </a:buClr>
+              <a:buSzPts val="2400"/>
+              <a:buFont typeface="Arial"/>
+              <a:buChar char="●"/>
+            </a:pPr>
+            <a:endParaRPr lang="en-US" sz="2400" dirty="0">
+              <a:solidFill>
+                <a:srgbClr val="FFFFFF"/>
+              </a:solidFill>
+            </a:endParaRPr>
+          </a:p>
+          <a:p>
+            <a:pPr marL="457200" marR="0" lvl="0" indent="-381000" algn="l" rtl="0">
+              <a:lnSpc>
+                <a:spcPct val="115000"/>
+              </a:lnSpc>
+              <a:spcBef>
+                <a:spcPts val="0"/>
+              </a:spcBef>
+              <a:spcAft>
+                <a:spcPts val="0"/>
+              </a:spcAft>
+              <a:buClr>
+                <a:srgbClr val="FFFFFF"/>
+              </a:buClr>
+              <a:buSzPts val="2400"/>
+              <a:buFont typeface="Arial"/>
+              <a:buChar char="●"/>
+            </a:pPr>
+            <a:r>
+              <a:rPr lang="en-US" sz="2400" dirty="0">
+                <a:solidFill>
+                  <a:srgbClr val="FFFFFF"/>
+                </a:solidFill>
+              </a:rPr>
+              <a:t>HTML-Me-Something is due TODAY 3/24</a:t>
+            </a:r>
+          </a:p>
+          <a:p>
+            <a:pPr marL="457200" marR="0" lvl="0" indent="-381000" algn="l" rtl="0">
+              <a:lnSpc>
+                <a:spcPct val="115000"/>
+              </a:lnSpc>
+              <a:spcBef>
+                <a:spcPts val="0"/>
+              </a:spcBef>
+              <a:spcAft>
+                <a:spcPts val="0"/>
+              </a:spcAft>
+              <a:buClr>
+                <a:srgbClr val="FFFFFF"/>
+              </a:buClr>
+              <a:buSzPts val="2400"/>
+              <a:buFont typeface="Arial"/>
+              <a:buChar char="●"/>
+            </a:pPr>
+            <a:endParaRPr lang="en-US" sz="2400" dirty="0">
+              <a:solidFill>
+                <a:srgbClr val="FFFFFF"/>
+              </a:solidFill>
+            </a:endParaRPr>
+          </a:p>
+          <a:p>
+            <a:pPr marL="457200" marR="0" lvl="0" indent="-381000" algn="l" rtl="0">
+              <a:lnSpc>
+                <a:spcPct val="115000"/>
+              </a:lnSpc>
+              <a:spcBef>
+                <a:spcPts val="0"/>
+              </a:spcBef>
+              <a:spcAft>
+                <a:spcPts val="0"/>
+              </a:spcAft>
+              <a:buClr>
+                <a:srgbClr val="FFFFFF"/>
+              </a:buClr>
+              <a:buSzPts val="2400"/>
+              <a:buFont typeface="Arial"/>
+              <a:buChar char="●"/>
+            </a:pPr>
+            <a:r>
+              <a:rPr lang="en-US" sz="2400" dirty="0">
+                <a:solidFill>
+                  <a:srgbClr val="FFFFFF"/>
+                </a:solidFill>
+              </a:rPr>
+              <a:t>Start Web Caesar! (Due 3/31)</a:t>
+            </a:r>
+            <a:endParaRPr sz="2400" dirty="0">
+              <a:solidFill>
+                <a:srgbClr val="FFFFFF"/>
+              </a:solidFill>
+            </a:endParaRPr>
+          </a:p>
+          <a:p>
+            <a:pPr marL="0" lvl="0" indent="0" rtl="0">
+              <a:lnSpc>
+                <a:spcPct val="115000"/>
+              </a:lnSpc>
+              <a:spcBef>
+                <a:spcPts val="0"/>
+              </a:spcBef>
+              <a:spcAft>
+                <a:spcPts val="0"/>
+              </a:spcAft>
+              <a:buNone/>
+            </a:pPr>
+            <a:endParaRPr sz="2200" dirty="0">
+              <a:solidFill>
+                <a:srgbClr val="FFFFFF"/>
+              </a:solidFill>
+            </a:endParaRPr>
+          </a:p>
+          <a:p>
+            <a:pPr marL="0" lvl="0" indent="0" rtl="0">
+              <a:lnSpc>
+                <a:spcPct val="115000"/>
+              </a:lnSpc>
+              <a:spcBef>
+                <a:spcPts val="0"/>
+              </a:spcBef>
+              <a:spcAft>
+                <a:spcPts val="0"/>
+              </a:spcAft>
+              <a:buNone/>
+            </a:pPr>
+            <a:endParaRPr sz="2200" dirty="0">
+              <a:solidFill>
+                <a:srgbClr val="FFFFFF"/>
+              </a:solidFill>
+            </a:endParaRPr>
+          </a:p>
+          <a:p>
+            <a:pPr marL="0" marR="0" lvl="0" indent="0" algn="l" rtl="0">
+              <a:lnSpc>
+                <a:spcPct val="100000"/>
+              </a:lnSpc>
+              <a:spcBef>
+                <a:spcPts val="0"/>
+              </a:spcBef>
+              <a:spcAft>
+                <a:spcPts val="0"/>
+              </a:spcAft>
+              <a:buNone/>
+            </a:pPr>
+            <a:endParaRPr sz="2400" dirty="0">
+              <a:solidFill>
+                <a:srgbClr val="FFFFFF"/>
+              </a:solidFill>
+            </a:endParaRPr>
+          </a:p>
+          <a:p>
+            <a:pPr marL="0" lvl="0" indent="0" rtl="0">
+              <a:spcBef>
+                <a:spcPts val="0"/>
+              </a:spcBef>
+              <a:spcAft>
+                <a:spcPts val="0"/>
+              </a:spcAft>
+              <a:buNone/>
+            </a:pPr>
+            <a:endParaRPr sz="2400" dirty="0">
+              <a:solidFill>
+                <a:srgbClr val="FFFFFF"/>
+              </a:solidFill>
+            </a:endParaRPr>
+          </a:p>
+        </p:txBody>
+      </p:sp>
+    </p:spTree>
+    <p:extLst>
+      <p:ext uri="{BB962C8B-B14F-4D97-AF65-F5344CB8AC3E}">
+        <p14:creationId xmlns:p14="http://schemas.microsoft.com/office/powerpoint/2010/main" val="3377696005"/>
+      </p:ext>
+    </p:extLst>
+  </p:cSld>
+  <p:clrMapOvr>
+    <a:masterClrMapping/>
+  </p:clrMapOvr>
+  <p:timing>
+    <p:tnLst>
+      <p:par>
+        <p:cTn id="1" dur="indefinite" restart="never" nodeType="tmRoot">
+          <p:childTnLst>
+            <p:seq concurrent="1" nextAc="seek">
+              <p:cTn id="2" dur="indefinite" nodeType="mainSeq">
+                <p:childTnLst>
+                  <p:par>
+                    <p:cTn id="3" fill="hold">
+                      <p:stCondLst>
+                        <p:cond delay="indefinite"/>
+                      </p:stCondLst>
+                      <p:childTnLst>
+                        <p:par>
+                          <p:cTn id="4" fill="hold">
+                            <p:stCondLst>
+                              <p:cond delay="0"/>
+                            </p:stCondLst>
+                            <p:childTnLst>
+                              <p:par>
+                                <p:cTn id="5" presetID="10" presetClass="entr" presetSubtype="0" fill="hold" nodeType="clickEffect">
+                                  <p:stCondLst>
+                                    <p:cond delay="0"/>
+                                  </p:stCondLst>
+                                  <p:childTnLst>
+                                    <p:set>
+                                      <p:cBhvr>
+                                        <p:cTn id="6" dur="1" fill="hold">
+                                          <p:stCondLst>
+                                            <p:cond delay="0"/>
+                                          </p:stCondLst>
+                                        </p:cTn>
+                                        <p:tgtEl>
+                                          <p:spTgt spid="62">
+                                            <p:txEl>
+                                              <p:pRg st="0" end="0"/>
+                                            </p:txEl>
+                                          </p:spTgt>
+                                        </p:tgtEl>
+                                        <p:attrNameLst>
+                                          <p:attrName>style.visibility</p:attrName>
+                                        </p:attrNameLst>
+                                      </p:cBhvr>
+                                      <p:to>
+                                        <p:strVal val="visible"/>
+                                      </p:to>
+                                    </p:set>
+                                    <p:animEffect transition="in" filter="fade">
+                                      <p:cBhvr>
+                                        <p:cTn id="7" dur="1000"/>
+                                        <p:tgtEl>
+                                          <p:spTgt spid="62">
+                                            <p:txEl>
+                                              <p:pRg st="0" end="0"/>
+                                            </p:txEl>
+                                          </p:spTgt>
+                                        </p:tgtEl>
+                                      </p:cBhvr>
+                                    </p:animEffect>
+                                  </p:childTnLst>
+                                </p:cTn>
+                              </p:par>
+                            </p:childTnLst>
+                          </p:cTn>
+                        </p:par>
+                      </p:childTnLst>
+                    </p:cTn>
+                  </p:par>
+                  <p:par>
+                    <p:cTn id="8" fill="hold">
+                      <p:stCondLst>
+                        <p:cond delay="indefinite"/>
+                      </p:stCondLst>
+                      <p:childTnLst>
+                        <p:par>
+                          <p:cTn id="9" fill="hold">
+                            <p:stCondLst>
+                              <p:cond delay="0"/>
+                            </p:stCondLst>
+                            <p:childTnLst>
+                              <p:par>
+                                <p:cTn id="10" presetID="10" presetClass="entr" presetSubtype="0" fill="hold" nodeType="clickEffect">
+                                  <p:stCondLst>
+                                    <p:cond delay="0"/>
+                                  </p:stCondLst>
+                                  <p:childTnLst>
+                                    <p:set>
+                                      <p:cBhvr>
+                                        <p:cTn id="11" dur="1" fill="hold">
+                                          <p:stCondLst>
+                                            <p:cond delay="0"/>
+                                          </p:stCondLst>
+                                        </p:cTn>
+                                        <p:tgtEl>
+                                          <p:spTgt spid="62">
+                                            <p:txEl>
+                                              <p:pRg st="2" end="2"/>
+                                            </p:txEl>
+                                          </p:spTgt>
+                                        </p:tgtEl>
+                                        <p:attrNameLst>
+                                          <p:attrName>style.visibility</p:attrName>
+                                        </p:attrNameLst>
+                                      </p:cBhvr>
+                                      <p:to>
+                                        <p:strVal val="visible"/>
+                                      </p:to>
+                                    </p:set>
+                                    <p:animEffect transition="in" filter="fade">
+                                      <p:cBhvr>
+                                        <p:cTn id="12" dur="1000"/>
+                                        <p:tgtEl>
+                                          <p:spTgt spid="62">
+                                            <p:txEl>
+                                              <p:pRg st="2" end="2"/>
+                                            </p:txEl>
+                                          </p:spTgt>
+                                        </p:tgtEl>
+                                      </p:cBhvr>
+                                    </p:animEffect>
+                                  </p:childTnLst>
+                                </p:cTn>
+                              </p:par>
+                            </p:childTnLst>
+                          </p:cTn>
+                        </p:par>
+                      </p:childTnLst>
+                    </p:cTn>
+                  </p:par>
+                  <p:par>
+                    <p:cTn id="13" fill="hold">
+                      <p:stCondLst>
+                        <p:cond delay="indefinite"/>
+                      </p:stCondLst>
+                      <p:childTnLst>
+                        <p:par>
+                          <p:cTn id="14" fill="hold">
+                            <p:stCondLst>
+                              <p:cond delay="0"/>
+                            </p:stCondLst>
+                            <p:childTnLst>
+                              <p:par>
+                                <p:cTn id="15" presetID="10" presetClass="entr" presetSubtype="0" fill="hold" nodeType="clickEffect">
+                                  <p:stCondLst>
+                                    <p:cond delay="0"/>
+                                  </p:stCondLst>
+                                  <p:childTnLst>
+                                    <p:set>
+                                      <p:cBhvr>
+                                        <p:cTn id="16" dur="1" fill="hold">
+                                          <p:stCondLst>
+                                            <p:cond delay="0"/>
+                                          </p:stCondLst>
+                                        </p:cTn>
+                                        <p:tgtEl>
+                                          <p:spTgt spid="62">
+                                            <p:txEl>
+                                              <p:pRg st="4" end="4"/>
+                                            </p:txEl>
+                                          </p:spTgt>
+                                        </p:tgtEl>
+                                        <p:attrNameLst>
+                                          <p:attrName>style.visibility</p:attrName>
+                                        </p:attrNameLst>
+                                      </p:cBhvr>
+                                      <p:to>
+                                        <p:strVal val="visible"/>
+                                      </p:to>
+                                    </p:set>
+                                    <p:animEffect transition="in" filter="fade">
+                                      <p:cBhvr>
+                                        <p:cTn id="17" dur="1000"/>
+                                        <p:tgtEl>
+                                          <p:spTgt spid="62">
+                                            <p:txEl>
+                                              <p:pRg st="4" end="4"/>
+                                            </p:txEl>
+                                          </p:spTgt>
+                                        </p:tgtEl>
+                                      </p:cBhvr>
+                                    </p:animEffect>
+                                  </p:childTnLst>
+                                </p:cTn>
+                              </p:par>
+                            </p:childTnLst>
+                          </p:cTn>
+                        </p:par>
+                      </p:childTnLst>
+                    </p:cTn>
+                  </p:par>
+                </p:childTnLst>
+              </p:cTn>
+              <p:prevCondLst>
+                <p:cond evt="onPrev" delay="0">
+                  <p:tgtEl>
+                    <p:sldTgt/>
+                  </p:tgtEl>
+                </p:cond>
+              </p:prevCondLst>
+              <p:nextCondLst>
+                <p:cond evt="onNext" delay="0">
+                  <p:tgtEl>
+                    <p:sldTgt/>
+                  </p:tgtEl>
+                </p:cond>
+              </p:nextCondLst>
+            </p:seq>
+          </p:childTnLst>
+        </p:cTn>
+      </p:par>
+    </p:tnLst>
+  </p:timing>
+</p:sld>
+</file>
+
+<file path=ppt/slides/slide4.xml><?xml version="1.0" encoding="utf-8"?>
+<p:sld xmlns:a="http://schemas.openxmlformats.org/drawingml/2006/main" xmlns:r="http://schemas.openxmlformats.org/officeDocument/2006/relationships" xmlns:p="http://schemas.openxmlformats.org/presentationml/2006/main">
+  <p:cSld>
+    <p:spTree>
+      <p:nvGrpSpPr>
+        <p:cNvPr id="1" name=""/>
+        <p:cNvGrpSpPr/>
+        <p:nvPr/>
+      </p:nvGrpSpPr>
+      <p:grpSpPr>
+        <a:xfrm>
+          <a:off x="0" y="0"/>
+          <a:ext cx="0" cy="0"/>
+          <a:chOff x="0" y="0"/>
+          <a:chExt cx="0" cy="0"/>
+        </a:xfrm>
+      </p:grpSpPr>
+      <p:sp>
+        <p:nvSpPr>
+          <p:cNvPr id="2" name="Title 1">
+            <a:extLst>
+              <a:ext uri="{FF2B5EF4-FFF2-40B4-BE49-F238E27FC236}">
+                <a16:creationId xmlns:a16="http://schemas.microsoft.com/office/drawing/2014/main" id="{C51B2B44-E135-446B-8B96-DA63B6936F88}"/>
+              </a:ext>
+            </a:extLst>
+          </p:cNvPr>
+          <p:cNvSpPr>
+            <a:spLocks noGrp="1"/>
+          </p:cNvSpPr>
+          <p:nvPr>
+            <p:ph type="title"/>
+          </p:nvPr>
+        </p:nvSpPr>
+        <p:spPr/>
+        <p:txBody>
+          <a:bodyPr/>
+          <a:lstStyle/>
+          <a:p>
+            <a:r>
+              <a:rPr lang="en-US" dirty="0"/>
+              <a:t>Studio Solution (last class)</a:t>
+            </a:r>
+          </a:p>
+        </p:txBody>
+      </p:sp>
+    </p:spTree>
+    <p:extLst>
+      <p:ext uri="{BB962C8B-B14F-4D97-AF65-F5344CB8AC3E}">
+        <p14:creationId xmlns:p14="http://schemas.microsoft.com/office/powerpoint/2010/main" val="182366447"/>
+      </p:ext>
+    </p:extLst>
+  </p:cSld>
+  <p:clrMapOvr>
+    <a:masterClrMapping/>
+  </p:clrMapOvr>
+</p:sld>
+</file>
+
+<file path=ppt/slides/slide5.xml><?xml version="1.0" encoding="utf-8"?>
+<p:sld xmlns:a="http://schemas.openxmlformats.org/drawingml/2006/main" xmlns:r="http://schemas.openxmlformats.org/officeDocument/2006/relationships" xmlns:p="http://schemas.openxmlformats.org/presentationml/2006/main">
+  <p:cSld>
+    <p:spTree>
+      <p:nvGrpSpPr>
+        <p:cNvPr id="1" name="Shape 53"/>
         <p:cNvGrpSpPr/>
         <p:nvPr/>
       </p:nvGrpSpPr>
@@ -5651,7 +6934,9 @@
       <p:sp>
         <p:nvSpPr>
           <p:cNvPr id="54" name="Shape 54"/>
-          <p:cNvSpPr txBox="1"/>
+          <p:cNvSpPr txBox="1">
+            <a:spLocks noGrp="1"/>
+          </p:cNvSpPr>
           <p:nvPr>
             <p:ph type="ctrTitle"/>
           </p:nvPr>
@@ -5666,12 +6951,12 @@
           </a:prstGeom>
         </p:spPr>
         <p:txBody>
-          <a:bodyPr anchorCtr="0" anchor="b" bIns="91425" lIns="91425" spcFirstLastPara="1" rIns="91425" wrap="square" tIns="91425">
+          <a:bodyPr spcFirstLastPara="1" wrap="square" lIns="91425" tIns="91425" rIns="91425" bIns="91425" anchor="b" anchorCtr="0">
             <a:noAutofit/>
           </a:bodyPr>
           <a:lstStyle/>
           <a:p>
-            <a:pPr indent="0" lvl="0" marL="0">
+            <a:pPr marL="0" lvl="0" indent="0">
               <a:spcBef>
                 <a:spcPts val="0"/>
               </a:spcBef>
@@ -5691,9 +6976,11 @@
       <p:sp>
         <p:nvSpPr>
           <p:cNvPr id="55" name="Shape 55"/>
-          <p:cNvSpPr txBox="1"/>
+          <p:cNvSpPr txBox="1">
+            <a:spLocks noGrp="1"/>
+          </p:cNvSpPr>
           <p:nvPr>
-            <p:ph idx="1" type="subTitle"/>
+            <p:ph type="subTitle" idx="1"/>
           </p:nvPr>
         </p:nvSpPr>
         <p:spPr>
@@ -5706,12 +6993,12 @@
           </a:prstGeom>
         </p:spPr>
         <p:txBody>
-          <a:bodyPr anchorCtr="0" anchor="t" bIns="91425" lIns="91425" spcFirstLastPara="1" rIns="91425" wrap="square" tIns="91425">
+          <a:bodyPr spcFirstLastPara="1" wrap="square" lIns="91425" tIns="91425" rIns="91425" bIns="91425" anchor="t" anchorCtr="0">
             <a:noAutofit/>
           </a:bodyPr>
           <a:lstStyle/>
           <a:p>
-            <a:pPr indent="0" lvl="0" marL="0" rtl="0">
+            <a:pPr marL="0" lvl="0" indent="0" rtl="0">
               <a:spcBef>
                 <a:spcPts val="0"/>
               </a:spcBef>
@@ -5748,12 +7035,12 @@
           </a:ln>
         </p:spPr>
         <p:txBody>
-          <a:bodyPr anchorCtr="0" anchor="t" bIns="91425" lIns="91425" spcFirstLastPara="1" rIns="91425" wrap="square" tIns="91425">
+          <a:bodyPr spcFirstLastPara="1" wrap="square" lIns="91425" tIns="91425" rIns="91425" bIns="91425" anchor="t" anchorCtr="0">
             <a:noAutofit/>
           </a:bodyPr>
           <a:lstStyle/>
           <a:p>
-            <a:pPr indent="0" lvl="0" marL="0">
+            <a:pPr marL="0" lvl="0" indent="0">
               <a:spcBef>
                 <a:spcPts val="0"/>
               </a:spcBef>
@@ -5794,12 +7081,1188 @@
 </p:sld>
 </file>
 
-<file path=ppt/slides/slide2.xml><?xml version="1.0" encoding="utf-8"?>
-<p:sld xmlns:a="http://schemas.openxmlformats.org/drawingml/2006/main" xmlns:r="http://schemas.openxmlformats.org/officeDocument/2006/relationships" xmlns:mc="http://schemas.openxmlformats.org/markup-compatibility/2006" xmlns:mv="urn:schemas-microsoft-com:mac:vml" xmlns:p="http://schemas.openxmlformats.org/presentationml/2006/main" xmlns:c="http://schemas.openxmlformats.org/drawingml/2006/chart" xmlns:dgm="http://schemas.openxmlformats.org/drawingml/2006/diagram" xmlns:o="urn:schemas-microsoft-com:office:office" xmlns:v="urn:schemas-microsoft-com:vml" xmlns:pvml="urn:schemas-microsoft-com:office:powerpoint" xmlns:com="http://schemas.openxmlformats.org/drawingml/2006/compatibility" xmlns:p14="http://schemas.microsoft.com/office/powerpoint/2010/main" xmlns:p15="http://schemas.microsoft.com/office/powerpoint/2012/main">
+<file path=ppt/slides/slide6.xml><?xml version="1.0" encoding="utf-8"?>
+<p:sld xmlns:a="http://schemas.openxmlformats.org/drawingml/2006/main" xmlns:r="http://schemas.openxmlformats.org/officeDocument/2006/relationships" xmlns:p="http://schemas.openxmlformats.org/presentationml/2006/main">
   <p:cSld>
     <p:spTree>
       <p:nvGrpSpPr>
-        <p:cNvPr id="60" name="Shape 60"/>
+        <p:cNvPr id="1" name="Shape 66"/>
+        <p:cNvGrpSpPr/>
+        <p:nvPr/>
+      </p:nvGrpSpPr>
+      <p:grpSpPr>
+        <a:xfrm>
+          <a:off x="0" y="0"/>
+          <a:ext cx="0" cy="0"/>
+          <a:chOff x="0" y="0"/>
+          <a:chExt cx="0" cy="0"/>
+        </a:xfrm>
+      </p:grpSpPr>
+      <p:sp>
+        <p:nvSpPr>
+          <p:cNvPr id="67" name="Shape 67"/>
+          <p:cNvSpPr txBox="1">
+            <a:spLocks noGrp="1"/>
+          </p:cNvSpPr>
+          <p:nvPr>
+            <p:ph type="title"/>
+          </p:nvPr>
+        </p:nvSpPr>
+        <p:spPr>
+          <a:xfrm>
+            <a:off x="62275" y="-124550"/>
+            <a:ext cx="8769900" cy="524700"/>
+          </a:xfrm>
+          <a:prstGeom prst="rect">
+            <a:avLst/>
+          </a:prstGeom>
+        </p:spPr>
+        <p:txBody>
+          <a:bodyPr spcFirstLastPara="1" wrap="square" lIns="91425" tIns="91425" rIns="91425" bIns="91425" anchor="t" anchorCtr="0">
+            <a:noAutofit/>
+          </a:bodyPr>
+          <a:lstStyle/>
+          <a:p>
+            <a:pPr marL="0" lvl="0" indent="0" rtl="0">
+              <a:spcBef>
+                <a:spcPts val="0"/>
+              </a:spcBef>
+              <a:spcAft>
+                <a:spcPts val="0"/>
+              </a:spcAft>
+              <a:buNone/>
+            </a:pPr>
+            <a:r>
+              <a:rPr lang="en" sz="4000"/>
+              <a:t>GET method vs POST method</a:t>
+            </a:r>
+            <a:endParaRPr sz="4000"/>
+          </a:p>
+        </p:txBody>
+      </p:sp>
+      <p:sp>
+        <p:nvSpPr>
+          <p:cNvPr id="68" name="Shape 68"/>
+          <p:cNvSpPr txBox="1"/>
+          <p:nvPr/>
+        </p:nvSpPr>
+        <p:spPr>
+          <a:xfrm>
+            <a:off x="418050" y="658225"/>
+            <a:ext cx="8619300" cy="4349700"/>
+          </a:xfrm>
+          <a:prstGeom prst="rect">
+            <a:avLst/>
+          </a:prstGeom>
+          <a:noFill/>
+          <a:ln>
+            <a:noFill/>
+          </a:ln>
+        </p:spPr>
+        <p:txBody>
+          <a:bodyPr spcFirstLastPara="1" wrap="square" lIns="91425" tIns="91425" rIns="91425" bIns="91425" anchor="t" anchorCtr="0">
+            <a:noAutofit/>
+          </a:bodyPr>
+          <a:lstStyle/>
+          <a:p>
+            <a:pPr marL="457200" lvl="0" indent="-381000" rtl="0">
+              <a:lnSpc>
+                <a:spcPct val="115000"/>
+              </a:lnSpc>
+              <a:spcBef>
+                <a:spcPts val="0"/>
+              </a:spcBef>
+              <a:spcAft>
+                <a:spcPts val="0"/>
+              </a:spcAft>
+              <a:buClr>
+                <a:srgbClr val="FFFFFF"/>
+              </a:buClr>
+              <a:buSzPts val="2400"/>
+              <a:buChar char="●"/>
+            </a:pPr>
+            <a:r>
+              <a:rPr lang="en" sz="2400" dirty="0">
+                <a:solidFill>
+                  <a:srgbClr val="FFFFFF"/>
+                </a:solidFill>
+              </a:rPr>
+              <a:t>GET</a:t>
+            </a:r>
+            <a:endParaRPr sz="2400" dirty="0">
+              <a:solidFill>
+                <a:srgbClr val="FFFFFF"/>
+              </a:solidFill>
+            </a:endParaRPr>
+          </a:p>
+          <a:p>
+            <a:pPr marL="914400" lvl="1" indent="-381000" rtl="0">
+              <a:lnSpc>
+                <a:spcPct val="115000"/>
+              </a:lnSpc>
+              <a:spcBef>
+                <a:spcPts val="0"/>
+              </a:spcBef>
+              <a:spcAft>
+                <a:spcPts val="0"/>
+              </a:spcAft>
+              <a:buClr>
+                <a:srgbClr val="FFFFFF"/>
+              </a:buClr>
+              <a:buSzPts val="2400"/>
+              <a:buChar char="○"/>
+            </a:pPr>
+            <a:r>
+              <a:rPr lang="en" sz="2400" dirty="0">
+                <a:solidFill>
+                  <a:srgbClr val="FFFFFF"/>
+                </a:solidFill>
+              </a:rPr>
+              <a:t>Parameters are in the URL</a:t>
+            </a:r>
+            <a:endParaRPr sz="2400" dirty="0">
+              <a:solidFill>
+                <a:srgbClr val="FFFFFF"/>
+              </a:solidFill>
+            </a:endParaRPr>
+          </a:p>
+          <a:p>
+            <a:pPr marL="914400" lvl="1" indent="-381000" rtl="0">
+              <a:lnSpc>
+                <a:spcPct val="115000"/>
+              </a:lnSpc>
+              <a:spcBef>
+                <a:spcPts val="0"/>
+              </a:spcBef>
+              <a:spcAft>
+                <a:spcPts val="0"/>
+              </a:spcAft>
+              <a:buClr>
+                <a:srgbClr val="FFFFFF"/>
+              </a:buClr>
+              <a:buSzPts val="2400"/>
+              <a:buChar char="○"/>
+            </a:pPr>
+            <a:r>
+              <a:rPr lang="en" sz="2400" dirty="0">
+                <a:solidFill>
+                  <a:srgbClr val="FFFFFF"/>
+                </a:solidFill>
+              </a:rPr>
+              <a:t>Used for fetching documents</a:t>
+            </a:r>
+            <a:endParaRPr sz="2400" dirty="0">
+              <a:solidFill>
+                <a:srgbClr val="FFFFFF"/>
+              </a:solidFill>
+            </a:endParaRPr>
+          </a:p>
+          <a:p>
+            <a:pPr marL="914400" lvl="1" indent="-381000" rtl="0">
+              <a:lnSpc>
+                <a:spcPct val="115000"/>
+              </a:lnSpc>
+              <a:spcBef>
+                <a:spcPts val="0"/>
+              </a:spcBef>
+              <a:spcAft>
+                <a:spcPts val="0"/>
+              </a:spcAft>
+              <a:buClr>
+                <a:srgbClr val="FFFFFF"/>
+              </a:buClr>
+              <a:buSzPts val="2400"/>
+              <a:buChar char="○"/>
+            </a:pPr>
+            <a:r>
+              <a:rPr lang="en" sz="2400" dirty="0">
+                <a:solidFill>
+                  <a:srgbClr val="FFFFFF"/>
+                </a:solidFill>
+              </a:rPr>
+              <a:t>Shouldn’t change the state of data on the server</a:t>
+            </a:r>
+            <a:endParaRPr sz="2400" dirty="0">
+              <a:solidFill>
+                <a:srgbClr val="FFFFFF"/>
+              </a:solidFill>
+            </a:endParaRPr>
+          </a:p>
+          <a:p>
+            <a:pPr marL="457200" lvl="0" indent="-381000" rtl="0">
+              <a:lnSpc>
+                <a:spcPct val="115000"/>
+              </a:lnSpc>
+              <a:spcBef>
+                <a:spcPts val="0"/>
+              </a:spcBef>
+              <a:spcAft>
+                <a:spcPts val="0"/>
+              </a:spcAft>
+              <a:buClr>
+                <a:srgbClr val="FFFFFF"/>
+              </a:buClr>
+              <a:buSzPts val="2400"/>
+              <a:buChar char="●"/>
+            </a:pPr>
+            <a:r>
+              <a:rPr lang="en" sz="2400" dirty="0">
+                <a:solidFill>
+                  <a:srgbClr val="FFFFFF"/>
+                </a:solidFill>
+              </a:rPr>
+              <a:t>POST</a:t>
+            </a:r>
+            <a:endParaRPr sz="2400" dirty="0">
+              <a:solidFill>
+                <a:srgbClr val="FFFFFF"/>
+              </a:solidFill>
+            </a:endParaRPr>
+          </a:p>
+          <a:p>
+            <a:pPr marL="914400" lvl="1" indent="-381000" rtl="0">
+              <a:lnSpc>
+                <a:spcPct val="115000"/>
+              </a:lnSpc>
+              <a:spcBef>
+                <a:spcPts val="0"/>
+              </a:spcBef>
+              <a:spcAft>
+                <a:spcPts val="0"/>
+              </a:spcAft>
+              <a:buClr>
+                <a:srgbClr val="FFFFFF"/>
+              </a:buClr>
+              <a:buSzPts val="2400"/>
+              <a:buChar char="○"/>
+            </a:pPr>
+            <a:r>
+              <a:rPr lang="en" sz="2400" dirty="0">
+                <a:solidFill>
+                  <a:srgbClr val="FFFFFF"/>
+                </a:solidFill>
+              </a:rPr>
+              <a:t>Parameters are in the request body</a:t>
+            </a:r>
+            <a:endParaRPr sz="2400" dirty="0">
+              <a:solidFill>
+                <a:srgbClr val="FFFFFF"/>
+              </a:solidFill>
+            </a:endParaRPr>
+          </a:p>
+          <a:p>
+            <a:pPr marL="914400" lvl="1" indent="-381000" rtl="0">
+              <a:lnSpc>
+                <a:spcPct val="115000"/>
+              </a:lnSpc>
+              <a:spcBef>
+                <a:spcPts val="0"/>
+              </a:spcBef>
+              <a:spcAft>
+                <a:spcPts val="0"/>
+              </a:spcAft>
+              <a:buClr>
+                <a:srgbClr val="FFFFFF"/>
+              </a:buClr>
+              <a:buSzPts val="2400"/>
+              <a:buChar char="○"/>
+            </a:pPr>
+            <a:r>
+              <a:rPr lang="en" sz="2400" dirty="0">
+                <a:solidFill>
+                  <a:srgbClr val="FFFFFF"/>
+                </a:solidFill>
+              </a:rPr>
+              <a:t>Used for updating data on the server/db</a:t>
+            </a:r>
+            <a:endParaRPr sz="2400" dirty="0">
+              <a:solidFill>
+                <a:srgbClr val="FFFFFF"/>
+              </a:solidFill>
+            </a:endParaRPr>
+          </a:p>
+          <a:p>
+            <a:pPr marL="914400" lvl="1" indent="-381000" rtl="0">
+              <a:lnSpc>
+                <a:spcPct val="115000"/>
+              </a:lnSpc>
+              <a:spcBef>
+                <a:spcPts val="0"/>
+              </a:spcBef>
+              <a:spcAft>
+                <a:spcPts val="0"/>
+              </a:spcAft>
+              <a:buClr>
+                <a:srgbClr val="FFFFFF"/>
+              </a:buClr>
+              <a:buSzPts val="2400"/>
+              <a:buChar char="○"/>
+            </a:pPr>
+            <a:r>
+              <a:rPr lang="en" sz="2400" dirty="0">
+                <a:solidFill>
+                  <a:srgbClr val="FFFFFF"/>
+                </a:solidFill>
+              </a:rPr>
+              <a:t>Can change the state of data on the server</a:t>
+            </a:r>
+            <a:endParaRPr sz="2400" dirty="0">
+              <a:solidFill>
+                <a:srgbClr val="FFFFFF"/>
+              </a:solidFill>
+            </a:endParaRPr>
+          </a:p>
+          <a:p>
+            <a:pPr marL="0" lvl="0" indent="0" rtl="0">
+              <a:lnSpc>
+                <a:spcPct val="115000"/>
+              </a:lnSpc>
+              <a:spcBef>
+                <a:spcPts val="0"/>
+              </a:spcBef>
+              <a:spcAft>
+                <a:spcPts val="0"/>
+              </a:spcAft>
+              <a:buNone/>
+            </a:pPr>
+            <a:endParaRPr sz="2200" dirty="0">
+              <a:solidFill>
+                <a:srgbClr val="FFFFFF"/>
+              </a:solidFill>
+            </a:endParaRPr>
+          </a:p>
+          <a:p>
+            <a:pPr marL="0" lvl="0" indent="0" rtl="0">
+              <a:lnSpc>
+                <a:spcPct val="115000"/>
+              </a:lnSpc>
+              <a:spcBef>
+                <a:spcPts val="0"/>
+              </a:spcBef>
+              <a:spcAft>
+                <a:spcPts val="0"/>
+              </a:spcAft>
+              <a:buNone/>
+            </a:pPr>
+            <a:endParaRPr sz="2200" dirty="0">
+              <a:solidFill>
+                <a:srgbClr val="FFFFFF"/>
+              </a:solidFill>
+            </a:endParaRPr>
+          </a:p>
+          <a:p>
+            <a:pPr marL="0" marR="0" lvl="0" indent="0" algn="l" rtl="0">
+              <a:lnSpc>
+                <a:spcPct val="100000"/>
+              </a:lnSpc>
+              <a:spcBef>
+                <a:spcPts val="0"/>
+              </a:spcBef>
+              <a:spcAft>
+                <a:spcPts val="0"/>
+              </a:spcAft>
+              <a:buNone/>
+            </a:pPr>
+            <a:endParaRPr sz="2400" dirty="0">
+              <a:solidFill>
+                <a:srgbClr val="FFFFFF"/>
+              </a:solidFill>
+            </a:endParaRPr>
+          </a:p>
+          <a:p>
+            <a:pPr marL="0" lvl="0" indent="0" rtl="0">
+              <a:spcBef>
+                <a:spcPts val="0"/>
+              </a:spcBef>
+              <a:spcAft>
+                <a:spcPts val="0"/>
+              </a:spcAft>
+              <a:buNone/>
+            </a:pPr>
+            <a:endParaRPr sz="2400" dirty="0">
+              <a:solidFill>
+                <a:srgbClr val="FFFFFF"/>
+              </a:solidFill>
+            </a:endParaRPr>
+          </a:p>
+        </p:txBody>
+      </p:sp>
+    </p:spTree>
+  </p:cSld>
+  <p:clrMapOvr>
+    <a:masterClrMapping/>
+  </p:clrMapOvr>
+  <p:timing>
+    <p:tnLst>
+      <p:par>
+        <p:cTn id="1" dur="indefinite" restart="never" nodeType="tmRoot">
+          <p:childTnLst>
+            <p:seq concurrent="1" nextAc="seek">
+              <p:cTn id="2" dur="indefinite" nodeType="mainSeq">
+                <p:childTnLst>
+                  <p:par>
+                    <p:cTn id="3" fill="hold">
+                      <p:stCondLst>
+                        <p:cond delay="indefinite"/>
+                      </p:stCondLst>
+                      <p:childTnLst>
+                        <p:par>
+                          <p:cTn id="4" fill="hold">
+                            <p:stCondLst>
+                              <p:cond delay="0"/>
+                            </p:stCondLst>
+                            <p:childTnLst>
+                              <p:par>
+                                <p:cTn id="5" presetID="10" presetClass="entr" presetSubtype="0" fill="hold" nodeType="clickEffect">
+                                  <p:stCondLst>
+                                    <p:cond delay="0"/>
+                                  </p:stCondLst>
+                                  <p:childTnLst>
+                                    <p:set>
+                                      <p:cBhvr>
+                                        <p:cTn id="6" dur="1" fill="hold">
+                                          <p:stCondLst>
+                                            <p:cond delay="0"/>
+                                          </p:stCondLst>
+                                        </p:cTn>
+                                        <p:tgtEl>
+                                          <p:spTgt spid="68">
+                                            <p:txEl>
+                                              <p:pRg st="0" end="0"/>
+                                            </p:txEl>
+                                          </p:spTgt>
+                                        </p:tgtEl>
+                                        <p:attrNameLst>
+                                          <p:attrName>style.visibility</p:attrName>
+                                        </p:attrNameLst>
+                                      </p:cBhvr>
+                                      <p:to>
+                                        <p:strVal val="visible"/>
+                                      </p:to>
+                                    </p:set>
+                                    <p:animEffect transition="in" filter="fade">
+                                      <p:cBhvr>
+                                        <p:cTn id="7" dur="1000"/>
+                                        <p:tgtEl>
+                                          <p:spTgt spid="68">
+                                            <p:txEl>
+                                              <p:pRg st="0" end="0"/>
+                                            </p:txEl>
+                                          </p:spTgt>
+                                        </p:tgtEl>
+                                      </p:cBhvr>
+                                    </p:animEffect>
+                                  </p:childTnLst>
+                                </p:cTn>
+                              </p:par>
+                            </p:childTnLst>
+                          </p:cTn>
+                        </p:par>
+                      </p:childTnLst>
+                    </p:cTn>
+                  </p:par>
+                  <p:par>
+                    <p:cTn id="8" fill="hold">
+                      <p:stCondLst>
+                        <p:cond delay="indefinite"/>
+                      </p:stCondLst>
+                      <p:childTnLst>
+                        <p:par>
+                          <p:cTn id="9" fill="hold">
+                            <p:stCondLst>
+                              <p:cond delay="0"/>
+                            </p:stCondLst>
+                            <p:childTnLst>
+                              <p:par>
+                                <p:cTn id="10" presetID="10" presetClass="entr" presetSubtype="0" fill="hold" nodeType="clickEffect">
+                                  <p:stCondLst>
+                                    <p:cond delay="0"/>
+                                  </p:stCondLst>
+                                  <p:childTnLst>
+                                    <p:set>
+                                      <p:cBhvr>
+                                        <p:cTn id="11" dur="1" fill="hold">
+                                          <p:stCondLst>
+                                            <p:cond delay="0"/>
+                                          </p:stCondLst>
+                                        </p:cTn>
+                                        <p:tgtEl>
+                                          <p:spTgt spid="68">
+                                            <p:txEl>
+                                              <p:pRg st="1" end="1"/>
+                                            </p:txEl>
+                                          </p:spTgt>
+                                        </p:tgtEl>
+                                        <p:attrNameLst>
+                                          <p:attrName>style.visibility</p:attrName>
+                                        </p:attrNameLst>
+                                      </p:cBhvr>
+                                      <p:to>
+                                        <p:strVal val="visible"/>
+                                      </p:to>
+                                    </p:set>
+                                    <p:animEffect transition="in" filter="fade">
+                                      <p:cBhvr>
+                                        <p:cTn id="12" dur="1000"/>
+                                        <p:tgtEl>
+                                          <p:spTgt spid="68">
+                                            <p:txEl>
+                                              <p:pRg st="1" end="1"/>
+                                            </p:txEl>
+                                          </p:spTgt>
+                                        </p:tgtEl>
+                                      </p:cBhvr>
+                                    </p:animEffect>
+                                  </p:childTnLst>
+                                </p:cTn>
+                              </p:par>
+                            </p:childTnLst>
+                          </p:cTn>
+                        </p:par>
+                      </p:childTnLst>
+                    </p:cTn>
+                  </p:par>
+                  <p:par>
+                    <p:cTn id="13" fill="hold">
+                      <p:stCondLst>
+                        <p:cond delay="indefinite"/>
+                      </p:stCondLst>
+                      <p:childTnLst>
+                        <p:par>
+                          <p:cTn id="14" fill="hold">
+                            <p:stCondLst>
+                              <p:cond delay="0"/>
+                            </p:stCondLst>
+                            <p:childTnLst>
+                              <p:par>
+                                <p:cTn id="15" presetID="10" presetClass="entr" presetSubtype="0" fill="hold" nodeType="clickEffect">
+                                  <p:stCondLst>
+                                    <p:cond delay="0"/>
+                                  </p:stCondLst>
+                                  <p:childTnLst>
+                                    <p:set>
+                                      <p:cBhvr>
+                                        <p:cTn id="16" dur="1" fill="hold">
+                                          <p:stCondLst>
+                                            <p:cond delay="0"/>
+                                          </p:stCondLst>
+                                        </p:cTn>
+                                        <p:tgtEl>
+                                          <p:spTgt spid="68">
+                                            <p:txEl>
+                                              <p:pRg st="2" end="2"/>
+                                            </p:txEl>
+                                          </p:spTgt>
+                                        </p:tgtEl>
+                                        <p:attrNameLst>
+                                          <p:attrName>style.visibility</p:attrName>
+                                        </p:attrNameLst>
+                                      </p:cBhvr>
+                                      <p:to>
+                                        <p:strVal val="visible"/>
+                                      </p:to>
+                                    </p:set>
+                                    <p:animEffect transition="in" filter="fade">
+                                      <p:cBhvr>
+                                        <p:cTn id="17" dur="1000"/>
+                                        <p:tgtEl>
+                                          <p:spTgt spid="68">
+                                            <p:txEl>
+                                              <p:pRg st="2" end="2"/>
+                                            </p:txEl>
+                                          </p:spTgt>
+                                        </p:tgtEl>
+                                      </p:cBhvr>
+                                    </p:animEffect>
+                                  </p:childTnLst>
+                                </p:cTn>
+                              </p:par>
+                            </p:childTnLst>
+                          </p:cTn>
+                        </p:par>
+                      </p:childTnLst>
+                    </p:cTn>
+                  </p:par>
+                  <p:par>
+                    <p:cTn id="18" fill="hold">
+                      <p:stCondLst>
+                        <p:cond delay="indefinite"/>
+                      </p:stCondLst>
+                      <p:childTnLst>
+                        <p:par>
+                          <p:cTn id="19" fill="hold">
+                            <p:stCondLst>
+                              <p:cond delay="0"/>
+                            </p:stCondLst>
+                            <p:childTnLst>
+                              <p:par>
+                                <p:cTn id="20" presetID="10" presetClass="entr" presetSubtype="0" fill="hold" nodeType="clickEffect">
+                                  <p:stCondLst>
+                                    <p:cond delay="0"/>
+                                  </p:stCondLst>
+                                  <p:childTnLst>
+                                    <p:set>
+                                      <p:cBhvr>
+                                        <p:cTn id="21" dur="1" fill="hold">
+                                          <p:stCondLst>
+                                            <p:cond delay="0"/>
+                                          </p:stCondLst>
+                                        </p:cTn>
+                                        <p:tgtEl>
+                                          <p:spTgt spid="68">
+                                            <p:txEl>
+                                              <p:pRg st="3" end="3"/>
+                                            </p:txEl>
+                                          </p:spTgt>
+                                        </p:tgtEl>
+                                        <p:attrNameLst>
+                                          <p:attrName>style.visibility</p:attrName>
+                                        </p:attrNameLst>
+                                      </p:cBhvr>
+                                      <p:to>
+                                        <p:strVal val="visible"/>
+                                      </p:to>
+                                    </p:set>
+                                    <p:animEffect transition="in" filter="fade">
+                                      <p:cBhvr>
+                                        <p:cTn id="22" dur="1000"/>
+                                        <p:tgtEl>
+                                          <p:spTgt spid="68">
+                                            <p:txEl>
+                                              <p:pRg st="3" end="3"/>
+                                            </p:txEl>
+                                          </p:spTgt>
+                                        </p:tgtEl>
+                                      </p:cBhvr>
+                                    </p:animEffect>
+                                  </p:childTnLst>
+                                </p:cTn>
+                              </p:par>
+                            </p:childTnLst>
+                          </p:cTn>
+                        </p:par>
+                      </p:childTnLst>
+                    </p:cTn>
+                  </p:par>
+                  <p:par>
+                    <p:cTn id="23" fill="hold">
+                      <p:stCondLst>
+                        <p:cond delay="indefinite"/>
+                      </p:stCondLst>
+                      <p:childTnLst>
+                        <p:par>
+                          <p:cTn id="24" fill="hold">
+                            <p:stCondLst>
+                              <p:cond delay="0"/>
+                            </p:stCondLst>
+                            <p:childTnLst>
+                              <p:par>
+                                <p:cTn id="25" presetID="10" presetClass="entr" presetSubtype="0" fill="hold" nodeType="clickEffect">
+                                  <p:stCondLst>
+                                    <p:cond delay="0"/>
+                                  </p:stCondLst>
+                                  <p:childTnLst>
+                                    <p:set>
+                                      <p:cBhvr>
+                                        <p:cTn id="26" dur="1" fill="hold">
+                                          <p:stCondLst>
+                                            <p:cond delay="0"/>
+                                          </p:stCondLst>
+                                        </p:cTn>
+                                        <p:tgtEl>
+                                          <p:spTgt spid="68">
+                                            <p:txEl>
+                                              <p:pRg st="4" end="4"/>
+                                            </p:txEl>
+                                          </p:spTgt>
+                                        </p:tgtEl>
+                                        <p:attrNameLst>
+                                          <p:attrName>style.visibility</p:attrName>
+                                        </p:attrNameLst>
+                                      </p:cBhvr>
+                                      <p:to>
+                                        <p:strVal val="visible"/>
+                                      </p:to>
+                                    </p:set>
+                                    <p:animEffect transition="in" filter="fade">
+                                      <p:cBhvr>
+                                        <p:cTn id="27" dur="1000"/>
+                                        <p:tgtEl>
+                                          <p:spTgt spid="68">
+                                            <p:txEl>
+                                              <p:pRg st="4" end="4"/>
+                                            </p:txEl>
+                                          </p:spTgt>
+                                        </p:tgtEl>
+                                      </p:cBhvr>
+                                    </p:animEffect>
+                                  </p:childTnLst>
+                                </p:cTn>
+                              </p:par>
+                            </p:childTnLst>
+                          </p:cTn>
+                        </p:par>
+                      </p:childTnLst>
+                    </p:cTn>
+                  </p:par>
+                  <p:par>
+                    <p:cTn id="28" fill="hold">
+                      <p:stCondLst>
+                        <p:cond delay="indefinite"/>
+                      </p:stCondLst>
+                      <p:childTnLst>
+                        <p:par>
+                          <p:cTn id="29" fill="hold">
+                            <p:stCondLst>
+                              <p:cond delay="0"/>
+                            </p:stCondLst>
+                            <p:childTnLst>
+                              <p:par>
+                                <p:cTn id="30" presetID="10" presetClass="entr" presetSubtype="0" fill="hold" nodeType="clickEffect">
+                                  <p:stCondLst>
+                                    <p:cond delay="0"/>
+                                  </p:stCondLst>
+                                  <p:childTnLst>
+                                    <p:set>
+                                      <p:cBhvr>
+                                        <p:cTn id="31" dur="1" fill="hold">
+                                          <p:stCondLst>
+                                            <p:cond delay="0"/>
+                                          </p:stCondLst>
+                                        </p:cTn>
+                                        <p:tgtEl>
+                                          <p:spTgt spid="68">
+                                            <p:txEl>
+                                              <p:pRg st="5" end="5"/>
+                                            </p:txEl>
+                                          </p:spTgt>
+                                        </p:tgtEl>
+                                        <p:attrNameLst>
+                                          <p:attrName>style.visibility</p:attrName>
+                                        </p:attrNameLst>
+                                      </p:cBhvr>
+                                      <p:to>
+                                        <p:strVal val="visible"/>
+                                      </p:to>
+                                    </p:set>
+                                    <p:animEffect transition="in" filter="fade">
+                                      <p:cBhvr>
+                                        <p:cTn id="32" dur="1000"/>
+                                        <p:tgtEl>
+                                          <p:spTgt spid="68">
+                                            <p:txEl>
+                                              <p:pRg st="5" end="5"/>
+                                            </p:txEl>
+                                          </p:spTgt>
+                                        </p:tgtEl>
+                                      </p:cBhvr>
+                                    </p:animEffect>
+                                  </p:childTnLst>
+                                </p:cTn>
+                              </p:par>
+                            </p:childTnLst>
+                          </p:cTn>
+                        </p:par>
+                      </p:childTnLst>
+                    </p:cTn>
+                  </p:par>
+                  <p:par>
+                    <p:cTn id="33" fill="hold">
+                      <p:stCondLst>
+                        <p:cond delay="indefinite"/>
+                      </p:stCondLst>
+                      <p:childTnLst>
+                        <p:par>
+                          <p:cTn id="34" fill="hold">
+                            <p:stCondLst>
+                              <p:cond delay="0"/>
+                            </p:stCondLst>
+                            <p:childTnLst>
+                              <p:par>
+                                <p:cTn id="35" presetID="10" presetClass="entr" presetSubtype="0" fill="hold" nodeType="clickEffect">
+                                  <p:stCondLst>
+                                    <p:cond delay="0"/>
+                                  </p:stCondLst>
+                                  <p:childTnLst>
+                                    <p:set>
+                                      <p:cBhvr>
+                                        <p:cTn id="36" dur="1" fill="hold">
+                                          <p:stCondLst>
+                                            <p:cond delay="0"/>
+                                          </p:stCondLst>
+                                        </p:cTn>
+                                        <p:tgtEl>
+                                          <p:spTgt spid="68">
+                                            <p:txEl>
+                                              <p:pRg st="6" end="6"/>
+                                            </p:txEl>
+                                          </p:spTgt>
+                                        </p:tgtEl>
+                                        <p:attrNameLst>
+                                          <p:attrName>style.visibility</p:attrName>
+                                        </p:attrNameLst>
+                                      </p:cBhvr>
+                                      <p:to>
+                                        <p:strVal val="visible"/>
+                                      </p:to>
+                                    </p:set>
+                                    <p:animEffect transition="in" filter="fade">
+                                      <p:cBhvr>
+                                        <p:cTn id="37" dur="1000"/>
+                                        <p:tgtEl>
+                                          <p:spTgt spid="68">
+                                            <p:txEl>
+                                              <p:pRg st="6" end="6"/>
+                                            </p:txEl>
+                                          </p:spTgt>
+                                        </p:tgtEl>
+                                      </p:cBhvr>
+                                    </p:animEffect>
+                                  </p:childTnLst>
+                                </p:cTn>
+                              </p:par>
+                            </p:childTnLst>
+                          </p:cTn>
+                        </p:par>
+                      </p:childTnLst>
+                    </p:cTn>
+                  </p:par>
+                  <p:par>
+                    <p:cTn id="38" fill="hold">
+                      <p:stCondLst>
+                        <p:cond delay="indefinite"/>
+                      </p:stCondLst>
+                      <p:childTnLst>
+                        <p:par>
+                          <p:cTn id="39" fill="hold">
+                            <p:stCondLst>
+                              <p:cond delay="0"/>
+                            </p:stCondLst>
+                            <p:childTnLst>
+                              <p:par>
+                                <p:cTn id="40" presetID="10" presetClass="entr" presetSubtype="0" fill="hold" nodeType="clickEffect">
+                                  <p:stCondLst>
+                                    <p:cond delay="0"/>
+                                  </p:stCondLst>
+                                  <p:childTnLst>
+                                    <p:set>
+                                      <p:cBhvr>
+                                        <p:cTn id="41" dur="1" fill="hold">
+                                          <p:stCondLst>
+                                            <p:cond delay="0"/>
+                                          </p:stCondLst>
+                                        </p:cTn>
+                                        <p:tgtEl>
+                                          <p:spTgt spid="68">
+                                            <p:txEl>
+                                              <p:pRg st="7" end="7"/>
+                                            </p:txEl>
+                                          </p:spTgt>
+                                        </p:tgtEl>
+                                        <p:attrNameLst>
+                                          <p:attrName>style.visibility</p:attrName>
+                                        </p:attrNameLst>
+                                      </p:cBhvr>
+                                      <p:to>
+                                        <p:strVal val="visible"/>
+                                      </p:to>
+                                    </p:set>
+                                    <p:animEffect transition="in" filter="fade">
+                                      <p:cBhvr>
+                                        <p:cTn id="42" dur="1000"/>
+                                        <p:tgtEl>
+                                          <p:spTgt spid="68">
+                                            <p:txEl>
+                                              <p:pRg st="7" end="7"/>
+                                            </p:txEl>
+                                          </p:spTgt>
+                                        </p:tgtEl>
+                                      </p:cBhvr>
+                                    </p:animEffect>
+                                  </p:childTnLst>
+                                </p:cTn>
+                              </p:par>
+                            </p:childTnLst>
+                          </p:cTn>
+                        </p:par>
+                      </p:childTnLst>
+                    </p:cTn>
+                  </p:par>
+                  <p:par>
+                    <p:cTn id="43" fill="hold">
+                      <p:stCondLst>
+                        <p:cond delay="indefinite"/>
+                      </p:stCondLst>
+                      <p:childTnLst>
+                        <p:par>
+                          <p:cTn id="44" fill="hold">
+                            <p:stCondLst>
+                              <p:cond delay="0"/>
+                            </p:stCondLst>
+                            <p:childTnLst>
+                              <p:par>
+                                <p:cTn id="45" presetID="10" presetClass="entr" presetSubtype="0" fill="hold" nodeType="clickEffect">
+                                  <p:stCondLst>
+                                    <p:cond delay="0"/>
+                                  </p:stCondLst>
+                                  <p:childTnLst>
+                                    <p:set>
+                                      <p:cBhvr>
+                                        <p:cTn id="46" dur="1" fill="hold">
+                                          <p:stCondLst>
+                                            <p:cond delay="0"/>
+                                          </p:stCondLst>
+                                        </p:cTn>
+                                        <p:tgtEl>
+                                          <p:spTgt spid="68">
+                                            <p:txEl>
+                                              <p:pRg st="8" end="8"/>
+                                            </p:txEl>
+                                          </p:spTgt>
+                                        </p:tgtEl>
+                                        <p:attrNameLst>
+                                          <p:attrName>style.visibility</p:attrName>
+                                        </p:attrNameLst>
+                                      </p:cBhvr>
+                                      <p:to>
+                                        <p:strVal val="visible"/>
+                                      </p:to>
+                                    </p:set>
+                                    <p:animEffect transition="in" filter="fade">
+                                      <p:cBhvr>
+                                        <p:cTn id="47" dur="1000"/>
+                                        <p:tgtEl>
+                                          <p:spTgt spid="68">
+                                            <p:txEl>
+                                              <p:pRg st="8" end="8"/>
+                                            </p:txEl>
+                                          </p:spTgt>
+                                        </p:tgtEl>
+                                      </p:cBhvr>
+                                    </p:animEffect>
+                                  </p:childTnLst>
+                                </p:cTn>
+                              </p:par>
+                            </p:childTnLst>
+                          </p:cTn>
+                        </p:par>
+                      </p:childTnLst>
+                    </p:cTn>
+                  </p:par>
+                  <p:par>
+                    <p:cTn id="48" fill="hold">
+                      <p:stCondLst>
+                        <p:cond delay="indefinite"/>
+                      </p:stCondLst>
+                      <p:childTnLst>
+                        <p:par>
+                          <p:cTn id="49" fill="hold">
+                            <p:stCondLst>
+                              <p:cond delay="0"/>
+                            </p:stCondLst>
+                            <p:childTnLst>
+                              <p:par>
+                                <p:cTn id="50" presetID="10" presetClass="entr" presetSubtype="0" fill="hold" nodeType="clickEffect">
+                                  <p:stCondLst>
+                                    <p:cond delay="0"/>
+                                  </p:stCondLst>
+                                  <p:childTnLst>
+                                    <p:set>
+                                      <p:cBhvr>
+                                        <p:cTn id="51" dur="1" fill="hold">
+                                          <p:stCondLst>
+                                            <p:cond delay="0"/>
+                                          </p:stCondLst>
+                                        </p:cTn>
+                                        <p:tgtEl>
+                                          <p:spTgt spid="68">
+                                            <p:txEl>
+                                              <p:pRg st="9" end="9"/>
+                                            </p:txEl>
+                                          </p:spTgt>
+                                        </p:tgtEl>
+                                        <p:attrNameLst>
+                                          <p:attrName>style.visibility</p:attrName>
+                                        </p:attrNameLst>
+                                      </p:cBhvr>
+                                      <p:to>
+                                        <p:strVal val="visible"/>
+                                      </p:to>
+                                    </p:set>
+                                    <p:animEffect transition="in" filter="fade">
+                                      <p:cBhvr>
+                                        <p:cTn id="52" dur="1000"/>
+                                        <p:tgtEl>
+                                          <p:spTgt spid="68">
+                                            <p:txEl>
+                                              <p:pRg st="9" end="9"/>
+                                            </p:txEl>
+                                          </p:spTgt>
+                                        </p:tgtEl>
+                                      </p:cBhvr>
+                                    </p:animEffect>
+                                  </p:childTnLst>
+                                </p:cTn>
+                              </p:par>
+                            </p:childTnLst>
+                          </p:cTn>
+                        </p:par>
+                      </p:childTnLst>
+                    </p:cTn>
+                  </p:par>
+                  <p:par>
+                    <p:cTn id="53" fill="hold">
+                      <p:stCondLst>
+                        <p:cond delay="indefinite"/>
+                      </p:stCondLst>
+                      <p:childTnLst>
+                        <p:par>
+                          <p:cTn id="54" fill="hold">
+                            <p:stCondLst>
+                              <p:cond delay="0"/>
+                            </p:stCondLst>
+                            <p:childTnLst>
+                              <p:par>
+                                <p:cTn id="55" presetID="10" presetClass="entr" presetSubtype="0" fill="hold" nodeType="clickEffect">
+                                  <p:stCondLst>
+                                    <p:cond delay="0"/>
+                                  </p:stCondLst>
+                                  <p:childTnLst>
+                                    <p:set>
+                                      <p:cBhvr>
+                                        <p:cTn id="56" dur="1" fill="hold">
+                                          <p:stCondLst>
+                                            <p:cond delay="0"/>
+                                          </p:stCondLst>
+                                        </p:cTn>
+                                        <p:tgtEl>
+                                          <p:spTgt spid="68">
+                                            <p:txEl>
+                                              <p:pRg st="10" end="10"/>
+                                            </p:txEl>
+                                          </p:spTgt>
+                                        </p:tgtEl>
+                                        <p:attrNameLst>
+                                          <p:attrName>style.visibility</p:attrName>
+                                        </p:attrNameLst>
+                                      </p:cBhvr>
+                                      <p:to>
+                                        <p:strVal val="visible"/>
+                                      </p:to>
+                                    </p:set>
+                                    <p:animEffect transition="in" filter="fade">
+                                      <p:cBhvr>
+                                        <p:cTn id="57" dur="1000"/>
+                                        <p:tgtEl>
+                                          <p:spTgt spid="68">
+                                            <p:txEl>
+                                              <p:pRg st="10" end="10"/>
+                                            </p:txEl>
+                                          </p:spTgt>
+                                        </p:tgtEl>
+                                      </p:cBhvr>
+                                    </p:animEffect>
+                                  </p:childTnLst>
+                                </p:cTn>
+                              </p:par>
+                            </p:childTnLst>
+                          </p:cTn>
+                        </p:par>
+                      </p:childTnLst>
+                    </p:cTn>
+                  </p:par>
+                  <p:par>
+                    <p:cTn id="58" fill="hold">
+                      <p:stCondLst>
+                        <p:cond delay="indefinite"/>
+                      </p:stCondLst>
+                      <p:childTnLst>
+                        <p:par>
+                          <p:cTn id="59" fill="hold">
+                            <p:stCondLst>
+                              <p:cond delay="0"/>
+                            </p:stCondLst>
+                            <p:childTnLst>
+                              <p:par>
+                                <p:cTn id="60" presetID="10" presetClass="entr" presetSubtype="0" fill="hold" nodeType="clickEffect">
+                                  <p:stCondLst>
+                                    <p:cond delay="0"/>
+                                  </p:stCondLst>
+                                  <p:childTnLst>
+                                    <p:set>
+                                      <p:cBhvr>
+                                        <p:cTn id="61" dur="1" fill="hold">
+                                          <p:stCondLst>
+                                            <p:cond delay="0"/>
+                                          </p:stCondLst>
+                                        </p:cTn>
+                                        <p:tgtEl>
+                                          <p:spTgt spid="68">
+                                            <p:txEl>
+                                              <p:pRg st="11" end="11"/>
+                                            </p:txEl>
+                                          </p:spTgt>
+                                        </p:tgtEl>
+                                        <p:attrNameLst>
+                                          <p:attrName>style.visibility</p:attrName>
+                                        </p:attrNameLst>
+                                      </p:cBhvr>
+                                      <p:to>
+                                        <p:strVal val="visible"/>
+                                      </p:to>
+                                    </p:set>
+                                    <p:animEffect transition="in" filter="fade">
+                                      <p:cBhvr>
+                                        <p:cTn id="62" dur="1000"/>
+                                        <p:tgtEl>
+                                          <p:spTgt spid="68">
+                                            <p:txEl>
+                                              <p:pRg st="11" end="11"/>
+                                            </p:txEl>
+                                          </p:spTgt>
+                                        </p:tgtEl>
+                                      </p:cBhvr>
+                                    </p:animEffect>
+                                  </p:childTnLst>
+                                </p:cTn>
+                              </p:par>
+                            </p:childTnLst>
+                          </p:cTn>
+                        </p:par>
+                      </p:childTnLst>
+                    </p:cTn>
+                  </p:par>
+                </p:childTnLst>
+              </p:cTn>
+              <p:prevCondLst>
+                <p:cond evt="onPrev" delay="0">
+                  <p:tgtEl>
+                    <p:sldTgt/>
+                  </p:tgtEl>
+                </p:cond>
+              </p:prevCondLst>
+              <p:nextCondLst>
+                <p:cond evt="onNext" delay="0">
+                  <p:tgtEl>
+                    <p:sldTgt/>
+                  </p:tgtEl>
+                </p:cond>
+              </p:nextCondLst>
+            </p:seq>
+          </p:childTnLst>
+        </p:cTn>
+      </p:par>
+    </p:tnLst>
+  </p:timing>
+</p:sld>
+</file>
+
+<file path=ppt/slides/slide7.xml><?xml version="1.0" encoding="utf-8"?>
+<p:sld xmlns:a="http://schemas.openxmlformats.org/drawingml/2006/main" xmlns:r="http://schemas.openxmlformats.org/officeDocument/2006/relationships" xmlns:p="http://schemas.openxmlformats.org/presentationml/2006/main">
+  <p:cSld>
+    <p:spTree>
+      <p:nvGrpSpPr>
+        <p:cNvPr id="1" name="Shape 60"/>
         <p:cNvGrpSpPr/>
         <p:nvPr/>
       </p:nvGrpSpPr>
@@ -5814,7 +8277,9 @@
       <p:sp>
         <p:nvSpPr>
           <p:cNvPr id="61" name="Shape 61"/>
-          <p:cNvSpPr txBox="1"/>
+          <p:cNvSpPr txBox="1">
+            <a:spLocks noGrp="1"/>
+          </p:cNvSpPr>
           <p:nvPr>
             <p:ph type="title"/>
           </p:nvPr>
@@ -5829,12 +8294,12 @@
           </a:prstGeom>
         </p:spPr>
         <p:txBody>
-          <a:bodyPr anchorCtr="0" anchor="t" bIns="91425" lIns="91425" spcFirstLastPara="1" rIns="91425" wrap="square" tIns="91425">
+          <a:bodyPr spcFirstLastPara="1" wrap="square" lIns="91425" tIns="91425" rIns="91425" bIns="91425" anchor="t" anchorCtr="0">
             <a:noAutofit/>
           </a:bodyPr>
           <a:lstStyle/>
           <a:p>
-            <a:pPr indent="0" lvl="0" marL="0" rtl="0">
+            <a:pPr marL="0" lvl="0" indent="0" rtl="0">
               <a:spcBef>
                 <a:spcPts val="0"/>
               </a:spcBef>
@@ -5871,12 +8336,12 @@
           </a:ln>
         </p:spPr>
         <p:txBody>
-          <a:bodyPr anchorCtr="0" anchor="t" bIns="91425" lIns="91425" spcFirstLastPara="1" rIns="91425" wrap="square" tIns="91425">
+          <a:bodyPr spcFirstLastPara="1" wrap="square" lIns="91425" tIns="91425" rIns="91425" bIns="91425" anchor="t" anchorCtr="0">
             <a:noAutofit/>
           </a:bodyPr>
           <a:lstStyle/>
           <a:p>
-            <a:pPr indent="-381000" lvl="0" marL="457200" marR="0" rtl="0" algn="l">
+            <a:pPr marL="457200" marR="0" lvl="0" indent="-381000" algn="l" rtl="0">
               <a:lnSpc>
                 <a:spcPct val="115000"/>
               </a:lnSpc>
@@ -5894,21 +8359,21 @@
               <a:buChar char="●"/>
             </a:pPr>
             <a:r>
-              <a:rPr lang="en" sz="2400">
+              <a:rPr lang="en" sz="2400" dirty="0">
                 <a:solidFill>
                   <a:srgbClr val="FFFFFF"/>
                 </a:solidFill>
               </a:rPr>
               <a:t>Flask</a:t>
             </a:r>
-            <a:endParaRPr sz="2400">
+            <a:endParaRPr sz="2400" dirty="0">
               <a:solidFill>
                 <a:srgbClr val="FFFFFF"/>
               </a:solidFill>
             </a:endParaRPr>
           </a:p>
           <a:p>
-            <a:pPr indent="-381000" lvl="0" marL="457200" marR="0" rtl="0" algn="l">
+            <a:pPr marL="457200" marR="0" lvl="0" indent="-381000" algn="l" rtl="0">
               <a:lnSpc>
                 <a:spcPct val="115000"/>
               </a:lnSpc>
@@ -5925,21 +8390,81 @@
               <a:buChar char="●"/>
             </a:pPr>
             <a:r>
-              <a:rPr lang="en" sz="2400">
+              <a:rPr lang="en" sz="2400" dirty="0">
                 <a:solidFill>
                   <a:srgbClr val="FFFFFF"/>
                 </a:solidFill>
               </a:rPr>
               <a:t>Git</a:t>
             </a:r>
-            <a:endParaRPr sz="2400">
+          </a:p>
+          <a:p>
+            <a:pPr marL="457200" marR="0" lvl="0" indent="-381000" algn="l" rtl="0">
+              <a:lnSpc>
+                <a:spcPct val="115000"/>
+              </a:lnSpc>
+              <a:spcBef>
+                <a:spcPts val="0"/>
+              </a:spcBef>
+              <a:spcAft>
+                <a:spcPts val="0"/>
+              </a:spcAft>
+              <a:buClr>
+                <a:srgbClr val="FFFFFF"/>
+              </a:buClr>
+              <a:buSzPts val="2400"/>
+              <a:buChar char="●"/>
+            </a:pPr>
+            <a:r>
+              <a:rPr lang="en" sz="2400" dirty="0">
+                <a:solidFill>
+                  <a:srgbClr val="FFFFFF"/>
+                </a:solidFill>
+              </a:rPr>
+              <a:t>Forms</a:t>
+            </a:r>
+          </a:p>
+          <a:p>
+            <a:pPr marL="457200" marR="0" lvl="0" indent="-381000" algn="l" rtl="0">
+              <a:lnSpc>
+                <a:spcPct val="115000"/>
+              </a:lnSpc>
+              <a:spcBef>
+                <a:spcPts val="0"/>
+              </a:spcBef>
+              <a:spcAft>
+                <a:spcPts val="0"/>
+              </a:spcAft>
+              <a:buClr>
+                <a:srgbClr val="FFFFFF"/>
+              </a:buClr>
+              <a:buSzPts val="2400"/>
+              <a:buChar char="●"/>
+            </a:pPr>
+            <a:r>
+              <a:rPr lang="en-US" sz="2400" dirty="0">
+                <a:solidFill>
+                  <a:srgbClr val="FFFFFF"/>
+                </a:solidFill>
+              </a:rPr>
+              <a:t>s</a:t>
+            </a:r>
+            <a:r>
+              <a:rPr lang="en" sz="2400" dirty="0">
+                <a:solidFill>
+                  <a:srgbClr val="FFFFFF"/>
+                </a:solidFill>
+              </a:rPr>
+              <a:t>tr.format</a:t>
+            </a:r>
+            <a:endParaRPr sz="2400" dirty="0">
               <a:solidFill>
                 <a:srgbClr val="FFFFFF"/>
               </a:solidFill>
             </a:endParaRPr>
           </a:p>
           <a:p>
-            <a:pPr indent="0" lvl="0" marL="0" rtl="0">
+            <a:pPr marL="0" lvl="0" indent="0" rtl="0">
               <a:lnSpc>
                 <a:spcPct val="115000"/>
               </a:lnSpc>
@@ -5951,17 +8476,14 @@
               </a:spcAft>
               <a:buNone/>
             </a:pPr>
-            <a:r>
-              <a:t/>
-            </a:r>
-            <a:endParaRPr sz="2200">
+            <a:endParaRPr sz="2200" dirty="0">
               <a:solidFill>
                 <a:srgbClr val="FFFFFF"/>
               </a:solidFill>
             </a:endParaRPr>
           </a:p>
           <a:p>
-            <a:pPr indent="0" lvl="0" marL="0" rtl="0">
+            <a:pPr marL="0" lvl="0" indent="0" rtl="0">
               <a:lnSpc>
                 <a:spcPct val="115000"/>
               </a:lnSpc>
@@ -5973,17 +8495,14 @@
               </a:spcAft>
               <a:buNone/>
             </a:pPr>
-            <a:r>
-              <a:t/>
-            </a:r>
-            <a:endParaRPr sz="2200">
+            <a:endParaRPr sz="2200" dirty="0">
               <a:solidFill>
                 <a:srgbClr val="FFFFFF"/>
               </a:solidFill>
             </a:endParaRPr>
           </a:p>
           <a:p>
-            <a:pPr indent="0" lvl="0" marL="0" marR="0" rtl="0" algn="l">
+            <a:pPr marL="0" marR="0" lvl="0" indent="0" algn="l" rtl="0">
               <a:lnSpc>
                 <a:spcPct val="100000"/>
               </a:lnSpc>
@@ -5995,17 +8514,14 @@
               </a:spcAft>
               <a:buNone/>
             </a:pPr>
-            <a:r>
-              <a:t/>
-            </a:r>
-            <a:endParaRPr sz="2400">
+            <a:endParaRPr sz="2400" dirty="0">
               <a:solidFill>
                 <a:srgbClr val="FFFFFF"/>
               </a:solidFill>
             </a:endParaRPr>
           </a:p>
           <a:p>
-            <a:pPr indent="0" lvl="0" marL="0" rtl="0">
+            <a:pPr marL="0" lvl="0" indent="0" rtl="0">
               <a:spcBef>
                 <a:spcPts val="0"/>
               </a:spcBef>
@@ -6014,10 +8530,7 @@
               </a:spcAft>
               <a:buNone/>
             </a:pPr>
-            <a:r>
-              <a:t/>
-            </a:r>
-            <a:endParaRPr sz="2400">
+            <a:endParaRPr sz="2400" dirty="0">
               <a:solidFill>
                 <a:srgbClr val="FFFFFF"/>
               </a:solidFill>
@@ -6033,32 +8546,32 @@
   <p:timing>
     <p:tnLst>
       <p:par>
-        <p:cTn dur="indefinite" nodeType="tmRoot" restart="never">
+        <p:cTn id="1" dur="indefinite" restart="never" nodeType="tmRoot">
           <p:childTnLst>
             <p:seq concurrent="1" nextAc="seek">
-              <p:cTn dur="indefinite" id="2" nodeType="mainSeq">
+              <p:cTn id="2" dur="indefinite" nodeType="mainSeq">
                 <p:childTnLst>
                   <p:par>
-                    <p:cTn fill="hold">
+                    <p:cTn id="3" fill="hold">
                       <p:stCondLst>
                         <p:cond delay="indefinite"/>
                       </p:stCondLst>
                       <p:childTnLst>
                         <p:par>
-                          <p:cTn fill="hold">
+                          <p:cTn id="4" fill="hold">
                             <p:stCondLst>
                               <p:cond delay="0"/>
                             </p:stCondLst>
                             <p:childTnLst>
                               <p:par>
-                                <p:cTn fill="hold" nodeType="clickEffect" presetClass="entr" presetID="10" presetSubtype="0">
+                                <p:cTn id="5" presetID="10" presetClass="entr" presetSubtype="0" fill="hold" nodeType="clickEffect">
                                   <p:stCondLst>
                                     <p:cond delay="0"/>
                                   </p:stCondLst>
                                   <p:childTnLst>
                                     <p:set>
                                       <p:cBhvr>
-                                        <p:cTn dur="1" fill="hold">
+                                        <p:cTn id="6" dur="1" fill="hold">
                                           <p:stCondLst>
                                             <p:cond delay="0"/>
                                           </p:stCondLst>
@@ -6066,7 +8579,7 @@
                                         <p:tgtEl>
                                           <p:spTgt spid="62">
                                             <p:txEl>
-                                              <p:pRg end="0" st="0"/>
+                                              <p:pRg st="0" end="0"/>
                                             </p:txEl>
                                           </p:spTgt>
                                         </p:tgtEl>
@@ -6078,13 +8591,13 @@
                                         <p:strVal val="visible"/>
                                       </p:to>
                                     </p:set>
-                                    <p:animEffect filter="fade" transition="in">
+                                    <p:animEffect transition="in" filter="fade">
                                       <p:cBhvr>
-                                        <p:cTn dur="1000"/>
+                                        <p:cTn id="7" dur="1000"/>
                                         <p:tgtEl>
                                           <p:spTgt spid="62">
                                             <p:txEl>
-                                              <p:pRg end="0" st="0"/>
+                                              <p:pRg st="0" end="0"/>
                                             </p:txEl>
                                           </p:spTgt>
                                         </p:tgtEl>
@@ -6100,26 +8613,26 @@
                     </p:cTn>
                   </p:par>
                   <p:par>
-                    <p:cTn fill="hold">
+                    <p:cTn id="8" fill="hold">
                       <p:stCondLst>
                         <p:cond delay="indefinite"/>
                       </p:stCondLst>
                       <p:childTnLst>
                         <p:par>
-                          <p:cTn fill="hold">
+                          <p:cTn id="9" fill="hold">
                             <p:stCondLst>
                               <p:cond delay="0"/>
                             </p:stCondLst>
                             <p:childTnLst>
                               <p:par>
-                                <p:cTn fill="hold" nodeType="clickEffect" presetClass="entr" presetID="10" presetSubtype="0">
+                                <p:cTn id="10" presetID="10" presetClass="entr" presetSubtype="0" fill="hold" nodeType="clickEffect">
                                   <p:stCondLst>
                                     <p:cond delay="0"/>
                                   </p:stCondLst>
                                   <p:childTnLst>
                                     <p:set>
                                       <p:cBhvr>
-                                        <p:cTn dur="1" fill="hold">
+                                        <p:cTn id="11" dur="1" fill="hold">
                                           <p:stCondLst>
                                             <p:cond delay="0"/>
                                           </p:stCondLst>
@@ -6127,7 +8640,7 @@
                                         <p:tgtEl>
                                           <p:spTgt spid="62">
                                             <p:txEl>
-                                              <p:pRg end="1" st="1"/>
+                                              <p:pRg st="1" end="1"/>
                                             </p:txEl>
                                           </p:spTgt>
                                         </p:tgtEl>
@@ -6139,13 +8652,13 @@
                                         <p:strVal val="visible"/>
                                       </p:to>
                                     </p:set>
-                                    <p:animEffect filter="fade" transition="in">
+                                    <p:animEffect transition="in" filter="fade">
                                       <p:cBhvr>
-                                        <p:cTn dur="1000"/>
+                                        <p:cTn id="12" dur="1000"/>
                                         <p:tgtEl>
                                           <p:spTgt spid="62">
                                             <p:txEl>
-                                              <p:pRg end="1" st="1"/>
+                                              <p:pRg st="1" end="1"/>
                                             </p:txEl>
                                           </p:spTgt>
                                         </p:tgtEl>
@@ -6161,26 +8674,26 @@
                     </p:cTn>
                   </p:par>
                   <p:par>
-                    <p:cTn fill="hold">
+                    <p:cTn id="13" fill="hold">
                       <p:stCondLst>
                         <p:cond delay="indefinite"/>
                       </p:stCondLst>
                       <p:childTnLst>
                         <p:par>
-                          <p:cTn fill="hold">
+                          <p:cTn id="14" fill="hold">
                             <p:stCondLst>
                               <p:cond delay="0"/>
                             </p:stCondLst>
                             <p:childTnLst>
                               <p:par>
-                                <p:cTn fill="hold" nodeType="clickEffect" presetClass="entr" presetID="10" presetSubtype="0">
+                                <p:cTn id="15" presetID="10" presetClass="entr" presetSubtype="0" fill="hold" nodeType="clickEffect">
                                   <p:stCondLst>
                                     <p:cond delay="0"/>
                                   </p:stCondLst>
                                   <p:childTnLst>
                                     <p:set>
                                       <p:cBhvr>
-                                        <p:cTn dur="1" fill="hold">
+                                        <p:cTn id="16" dur="1" fill="hold">
                                           <p:stCondLst>
                                             <p:cond delay="0"/>
                                           </p:stCondLst>
@@ -6188,7 +8701,7 @@
                                         <p:tgtEl>
                                           <p:spTgt spid="62">
                                             <p:txEl>
-                                              <p:pRg end="2" st="2"/>
+                                              <p:pRg st="2" end="2"/>
                                             </p:txEl>
                                           </p:spTgt>
                                         </p:tgtEl>
@@ -6200,13 +8713,13 @@
                                         <p:strVal val="visible"/>
                                       </p:to>
                                     </p:set>
-                                    <p:animEffect filter="fade" transition="in">
+                                    <p:animEffect transition="in" filter="fade">
                                       <p:cBhvr>
-                                        <p:cTn dur="1000"/>
+                                        <p:cTn id="17" dur="1000"/>
                                         <p:tgtEl>
                                           <p:spTgt spid="62">
                                             <p:txEl>
-                                              <p:pRg end="2" st="2"/>
+                                              <p:pRg st="2" end="2"/>
                                             </p:txEl>
                                           </p:spTgt>
                                         </p:tgtEl>
@@ -6222,26 +8735,26 @@
                     </p:cTn>
                   </p:par>
                   <p:par>
-                    <p:cTn fill="hold">
+                    <p:cTn id="18" fill="hold">
                       <p:stCondLst>
                         <p:cond delay="indefinite"/>
                       </p:stCondLst>
                       <p:childTnLst>
                         <p:par>
-                          <p:cTn fill="hold">
+                          <p:cTn id="19" fill="hold">
                             <p:stCondLst>
                               <p:cond delay="0"/>
                             </p:stCondLst>
                             <p:childTnLst>
                               <p:par>
-                                <p:cTn fill="hold" nodeType="clickEffect" presetClass="entr" presetID="10" presetSubtype="0">
+                                <p:cTn id="20" presetID="10" presetClass="entr" presetSubtype="0" fill="hold" nodeType="clickEffect">
                                   <p:stCondLst>
                                     <p:cond delay="0"/>
                                   </p:stCondLst>
                                   <p:childTnLst>
                                     <p:set>
                                       <p:cBhvr>
-                                        <p:cTn dur="1" fill="hold">
+                                        <p:cTn id="21" dur="1" fill="hold">
                                           <p:stCondLst>
                                             <p:cond delay="0"/>
                                           </p:stCondLst>
@@ -6249,7 +8762,7 @@
                                         <p:tgtEl>
                                           <p:spTgt spid="62">
                                             <p:txEl>
-                                              <p:pRg end="3" st="3"/>
+                                              <p:pRg st="3" end="3"/>
                                             </p:txEl>
                                           </p:spTgt>
                                         </p:tgtEl>
@@ -6261,135 +8774,13 @@
                                         <p:strVal val="visible"/>
                                       </p:to>
                                     </p:set>
-                                    <p:animEffect filter="fade" transition="in">
+                                    <p:animEffect transition="in" filter="fade">
                                       <p:cBhvr>
-                                        <p:cTn dur="1000"/>
+                                        <p:cTn id="22" dur="1000"/>
                                         <p:tgtEl>
                                           <p:spTgt spid="62">
                                             <p:txEl>
-                                              <p:pRg end="3" st="3"/>
-                                            </p:txEl>
-                                          </p:spTgt>
-                                        </p:tgtEl>
-                                      </p:cBhvr>
-                                    </p:animEffect>
-                                  </p:childTnLst>
-                                </p:cTn>
-                              </p:par>
-                            </p:childTnLst>
-                          </p:cTn>
-                        </p:par>
-                      </p:childTnLst>
-                    </p:cTn>
-                  </p:par>
-                  <p:par>
-                    <p:cTn fill="hold">
-                      <p:stCondLst>
-                        <p:cond delay="indefinite"/>
-                      </p:stCondLst>
-                      <p:childTnLst>
-                        <p:par>
-                          <p:cTn fill="hold">
-                            <p:stCondLst>
-                              <p:cond delay="0"/>
-                            </p:stCondLst>
-                            <p:childTnLst>
-                              <p:par>
-                                <p:cTn fill="hold" nodeType="clickEffect" presetClass="entr" presetID="10" presetSubtype="0">
-                                  <p:stCondLst>
-                                    <p:cond delay="0"/>
-                                  </p:stCondLst>
-                                  <p:childTnLst>
-                                    <p:set>
-                                      <p:cBhvr>
-                                        <p:cTn dur="1" fill="hold">
-                                          <p:stCondLst>
-                                            <p:cond delay="0"/>
-                                          </p:stCondLst>
-                                        </p:cTn>
-                                        <p:tgtEl>
-                                          <p:spTgt spid="62">
-                                            <p:txEl>
-                                              <p:pRg end="4" st="4"/>
-                                            </p:txEl>
-                                          </p:spTgt>
-                                        </p:tgtEl>
-                                        <p:attrNameLst>
-                                          <p:attrName>style.visibility</p:attrName>
-                                        </p:attrNameLst>
-                                      </p:cBhvr>
-                                      <p:to>
-                                        <p:strVal val="visible"/>
-                                      </p:to>
-                                    </p:set>
-                                    <p:animEffect filter="fade" transition="in">
-                                      <p:cBhvr>
-                                        <p:cTn dur="1000"/>
-                                        <p:tgtEl>
-                                          <p:spTgt spid="62">
-                                            <p:txEl>
-                                              <p:pRg end="4" st="4"/>
-                                            </p:txEl>
-                                          </p:spTgt>
-                                        </p:tgtEl>
-                                      </p:cBhvr>
-                                    </p:animEffect>
-                                  </p:childTnLst>
-                                </p:cTn>
-                              </p:par>
-                            </p:childTnLst>
-                          </p:cTn>
-                        </p:par>
-                      </p:childTnLst>
-                    </p:cTn>
-                  </p:par>
-                  <p:par>
-                    <p:cTn fill="hold">
-                      <p:stCondLst>
-                        <p:cond delay="indefinite"/>
-                      </p:stCondLst>
-                      <p:childTnLst>
-                        <p:par>
-                          <p:cTn fill="hold">
-                            <p:stCondLst>
-                              <p:cond delay="0"/>
-                            </p:stCondLst>
-                            <p:childTnLst>
-                              <p:par>
-                                <p:cTn fill="hold" nodeType="clickEffect" presetClass="entr" presetID="10" presetSubtype="0">
-                                  <p:stCondLst>
-                                    <p:cond delay="0"/>
-                                  </p:stCondLst>
-                                  <p:childTnLst>
-                                    <p:set>
-                                      <p:cBhvr>
-                                        <p:cTn dur="1" fill="hold">
-                                          <p:stCondLst>
-                                            <p:cond delay="0"/>
-                                          </p:stCondLst>
-                                        </p:cTn>
-                                        <p:tgtEl>
-                                          <p:spTgt spid="62">
-                                            <p:txEl>
-                                              <p:pRg end="5" st="5"/>
-                                            </p:txEl>
-                                          </p:spTgt>
-                                        </p:tgtEl>
-                                        <p:attrNameLst>
-                                          <p:attrName>style.visibility</p:attrName>
-                                        </p:attrNameLst>
-                                      </p:cBhvr>
-                                      <p:to>
-                                        <p:strVal val="visible"/>
-                                      </p:to>
-                                    </p:set>
-                                    <p:animEffect filter="fade" transition="in">
-                                      <p:cBhvr>
-                                        <p:cTn dur="1000"/>
-                                        <p:tgtEl>
-                                          <p:spTgt spid="62">
-                                            <p:txEl>
-                                              <p:pRg end="5" st="5"/>
+                                              <p:pRg st="3" end="3"/>
                                             </p:txEl>
                                           </p:spTgt>
                                         </p:tgtEl>
@@ -6407,14 +8798,14 @@
                 </p:childTnLst>
               </p:cTn>
               <p:prevCondLst>
-                <p:cond evt="onPrev">
+                <p:cond evt="onPrev" delay="0">
                   <p:tgtEl>
                     <p:sldTgt/>
                   </p:tgtEl>
                 </p:cond>
               </p:prevCondLst>
               <p:nextCondLst>
-                <p:cond evt="onNext">
+                <p:cond evt="onNext" delay="0">
                   <p:tgtEl>
                     <p:sldTgt/>
                   </p:tgtEl>
@@ -6429,12 +8820,12 @@
 </p:sld>
 </file>
 
-<file path=ppt/slides/slide3.xml><?xml version="1.0" encoding="utf-8"?>
-<p:sld xmlns:a="http://schemas.openxmlformats.org/drawingml/2006/main" xmlns:r="http://schemas.openxmlformats.org/officeDocument/2006/relationships" xmlns:mc="http://schemas.openxmlformats.org/markup-compatibility/2006" xmlns:mv="urn:schemas-microsoft-com:mac:vml" xmlns:p="http://schemas.openxmlformats.org/presentationml/2006/main" xmlns:c="http://schemas.openxmlformats.org/drawingml/2006/chart" xmlns:dgm="http://schemas.openxmlformats.org/drawingml/2006/diagram" xmlns:o="urn:schemas-microsoft-com:office:office" xmlns:v="urn:schemas-microsoft-com:vml" xmlns:pvml="urn:schemas-microsoft-com:office:powerpoint" xmlns:com="http://schemas.openxmlformats.org/drawingml/2006/compatibility" xmlns:p14="http://schemas.microsoft.com/office/powerpoint/2010/main" xmlns:p15="http://schemas.microsoft.com/office/powerpoint/2012/main">
+<file path=ppt/slides/slide8.xml><?xml version="1.0" encoding="utf-8"?>
+<p:sld xmlns:a="http://schemas.openxmlformats.org/drawingml/2006/main" xmlns:r="http://schemas.openxmlformats.org/officeDocument/2006/relationships" xmlns:p="http://schemas.openxmlformats.org/presentationml/2006/main">
   <p:cSld>
     <p:spTree>
       <p:nvGrpSpPr>
-        <p:cNvPr id="66" name="Shape 66"/>
+        <p:cNvPr id="1" name=""/>
         <p:cNvGrpSpPr/>
         <p:nvPr/>
       </p:nvGrpSpPr>
@@ -6448,1175 +8839,328 @@
       </p:grpSpPr>
       <p:sp>
         <p:nvSpPr>
-          <p:cNvPr id="67" name="Shape 67"/>
-          <p:cNvSpPr txBox="1"/>
+          <p:cNvPr id="2" name="Title 1">
+            <a:extLst>
+              <a:ext uri="{FF2B5EF4-FFF2-40B4-BE49-F238E27FC236}">
+                <a16:creationId xmlns:a16="http://schemas.microsoft.com/office/drawing/2014/main" id="{C51B2B44-E135-446B-8B96-DA63B6936F88}"/>
+              </a:ext>
+            </a:extLst>
+          </p:cNvPr>
+          <p:cNvSpPr>
+            <a:spLocks noGrp="1"/>
+          </p:cNvSpPr>
           <p:nvPr>
             <p:ph type="title"/>
           </p:nvPr>
         </p:nvSpPr>
-        <p:spPr>
-          <a:xfrm>
-            <a:off x="62275" y="-124550"/>
-            <a:ext cx="8769900" cy="524700"/>
-          </a:xfrm>
-          <a:prstGeom prst="rect">
-            <a:avLst/>
-          </a:prstGeom>
-        </p:spPr>
+        <p:spPr/>
         <p:txBody>
-          <a:bodyPr anchorCtr="0" anchor="t" bIns="91425" lIns="91425" spcFirstLastPara="1" rIns="91425" wrap="square" tIns="91425">
-            <a:noAutofit/>
-          </a:bodyPr>
+          <a:bodyPr/>
           <a:lstStyle/>
           <a:p>
-            <a:pPr indent="0" lvl="0" marL="0" rtl="0">
-              <a:spcBef>
-                <a:spcPts val="0"/>
-              </a:spcBef>
-              <a:spcAft>
-                <a:spcPts val="0"/>
-              </a:spcAft>
-              <a:buNone/>
-            </a:pPr>
             <a:r>
-              <a:rPr lang="en" sz="4000"/>
-              <a:t>GET method vs POST method</a:t>
+              <a:rPr lang="en-US" dirty="0"/>
+              <a:t>Studio Walkthrough</a:t>
             </a:r>
-            <a:endParaRPr sz="4000"/>
-          </a:p>
-        </p:txBody>
-      </p:sp>
-      <p:sp>
-        <p:nvSpPr>
-          <p:cNvPr id="68" name="Shape 68"/>
-          <p:cNvSpPr txBox="1"/>
-          <p:nvPr/>
-        </p:nvSpPr>
-        <p:spPr>
-          <a:xfrm>
-            <a:off x="418050" y="658225"/>
-            <a:ext cx="8619300" cy="4349700"/>
-          </a:xfrm>
-          <a:prstGeom prst="rect">
-            <a:avLst/>
-          </a:prstGeom>
-          <a:noFill/>
-          <a:ln>
-            <a:noFill/>
-          </a:ln>
-        </p:spPr>
-        <p:txBody>
-          <a:bodyPr anchorCtr="0" anchor="t" bIns="91425" lIns="91425" spcFirstLastPara="1" rIns="91425" wrap="square" tIns="91425">
-            <a:noAutofit/>
-          </a:bodyPr>
-          <a:lstStyle/>
-          <a:p>
-            <a:pPr indent="-381000" lvl="0" marL="457200" rtl="0">
-              <a:lnSpc>
-                <a:spcPct val="115000"/>
-              </a:lnSpc>
-              <a:spcBef>
-                <a:spcPts val="0"/>
-              </a:spcBef>
-              <a:spcAft>
-                <a:spcPts val="0"/>
-              </a:spcAft>
-              <a:buClr>
-                <a:srgbClr val="FFFFFF"/>
-              </a:buClr>
-              <a:buSzPts val="2400"/>
-              <a:buChar char="●"/>
-            </a:pPr>
-            <a:r>
-              <a:rPr lang="en" sz="2400">
-                <a:solidFill>
-                  <a:srgbClr val="FFFFFF"/>
-                </a:solidFill>
-              </a:rPr>
-              <a:t>GET</a:t>
-            </a:r>
-            <a:endParaRPr sz="2400">
-              <a:solidFill>
-                <a:srgbClr val="FFFFFF"/>
-              </a:solidFill>
-            </a:endParaRPr>
-          </a:p>
-          <a:p>
-            <a:pPr indent="-381000" lvl="1" marL="914400" rtl="0">
-              <a:lnSpc>
-                <a:spcPct val="115000"/>
-              </a:lnSpc>
-              <a:spcBef>
-                <a:spcPts val="0"/>
-              </a:spcBef>
-              <a:spcAft>
-                <a:spcPts val="0"/>
-              </a:spcAft>
-              <a:buClr>
-                <a:srgbClr val="FFFFFF"/>
-              </a:buClr>
-              <a:buSzPts val="2400"/>
-              <a:buChar char="○"/>
-            </a:pPr>
-            <a:r>
-              <a:rPr lang="en" sz="2400">
-                <a:solidFill>
-                  <a:srgbClr val="FFFFFF"/>
-                </a:solidFill>
-              </a:rPr>
-              <a:t>Parameters are in the URL</a:t>
-            </a:r>
-            <a:endParaRPr sz="2400">
-              <a:solidFill>
-                <a:srgbClr val="FFFFFF"/>
-              </a:solidFill>
-            </a:endParaRPr>
-          </a:p>
-          <a:p>
-            <a:pPr indent="-381000" lvl="1" marL="914400" rtl="0">
-              <a:lnSpc>
-                <a:spcPct val="115000"/>
-              </a:lnSpc>
-              <a:spcBef>
-                <a:spcPts val="0"/>
-              </a:spcBef>
-              <a:spcAft>
-                <a:spcPts val="0"/>
-              </a:spcAft>
-              <a:buClr>
-                <a:srgbClr val="FFFFFF"/>
-              </a:buClr>
-              <a:buSzPts val="2400"/>
-              <a:buChar char="○"/>
-            </a:pPr>
-            <a:r>
-              <a:rPr lang="en" sz="2400">
-                <a:solidFill>
-                  <a:srgbClr val="FFFFFF"/>
-                </a:solidFill>
-              </a:rPr>
-              <a:t>Used for fetching documents</a:t>
-            </a:r>
-            <a:endParaRPr sz="2400">
-              <a:solidFill>
-                <a:srgbClr val="FFFFFF"/>
-              </a:solidFill>
-            </a:endParaRPr>
-          </a:p>
-          <a:p>
-            <a:pPr indent="-381000" lvl="1" marL="914400" rtl="0">
-              <a:lnSpc>
-                <a:spcPct val="115000"/>
-              </a:lnSpc>
-              <a:spcBef>
-                <a:spcPts val="0"/>
-              </a:spcBef>
-              <a:spcAft>
-                <a:spcPts val="0"/>
-              </a:spcAft>
-              <a:buClr>
-                <a:srgbClr val="FFFFFF"/>
-              </a:buClr>
-              <a:buSzPts val="2400"/>
-              <a:buChar char="○"/>
-            </a:pPr>
-            <a:r>
-              <a:rPr lang="en" sz="2400">
-                <a:solidFill>
-                  <a:srgbClr val="FFFFFF"/>
-                </a:solidFill>
-              </a:rPr>
-              <a:t>Shouldn’t change the state of data on the server</a:t>
-            </a:r>
-            <a:endParaRPr sz="2400">
-              <a:solidFill>
-                <a:srgbClr val="FFFFFF"/>
-              </a:solidFill>
-            </a:endParaRPr>
-          </a:p>
-          <a:p>
-            <a:pPr indent="-381000" lvl="0" marL="457200" rtl="0">
-              <a:lnSpc>
-                <a:spcPct val="115000"/>
-              </a:lnSpc>
-              <a:spcBef>
-                <a:spcPts val="0"/>
-              </a:spcBef>
-              <a:spcAft>
-                <a:spcPts val="0"/>
-              </a:spcAft>
-              <a:buClr>
-                <a:srgbClr val="FFFFFF"/>
-              </a:buClr>
-              <a:buSzPts val="2400"/>
-              <a:buChar char="●"/>
-            </a:pPr>
-            <a:r>
-              <a:rPr lang="en" sz="2400">
-                <a:solidFill>
-                  <a:srgbClr val="FFFFFF"/>
-                </a:solidFill>
-              </a:rPr>
-              <a:t>POST</a:t>
-            </a:r>
-            <a:endParaRPr sz="2400">
-              <a:solidFill>
-                <a:srgbClr val="FFFFFF"/>
-              </a:solidFill>
-            </a:endParaRPr>
-          </a:p>
-          <a:p>
-            <a:pPr indent="-381000" lvl="1" marL="914400" rtl="0">
-              <a:lnSpc>
-                <a:spcPct val="115000"/>
-              </a:lnSpc>
-              <a:spcBef>
-                <a:spcPts val="0"/>
-              </a:spcBef>
-              <a:spcAft>
-                <a:spcPts val="0"/>
-              </a:spcAft>
-              <a:buClr>
-                <a:srgbClr val="FFFFFF"/>
-              </a:buClr>
-              <a:buSzPts val="2400"/>
-              <a:buChar char="○"/>
-            </a:pPr>
-            <a:r>
-              <a:rPr lang="en" sz="2400">
-                <a:solidFill>
-                  <a:srgbClr val="FFFFFF"/>
-                </a:solidFill>
-              </a:rPr>
-              <a:t>Parameters are in the request body</a:t>
-            </a:r>
-            <a:endParaRPr sz="2400">
-              <a:solidFill>
-                <a:srgbClr val="FFFFFF"/>
-              </a:solidFill>
-            </a:endParaRPr>
-          </a:p>
-          <a:p>
-            <a:pPr indent="-381000" lvl="1" marL="914400" rtl="0">
-              <a:lnSpc>
-                <a:spcPct val="115000"/>
-              </a:lnSpc>
-              <a:spcBef>
-                <a:spcPts val="0"/>
-              </a:spcBef>
-              <a:spcAft>
-                <a:spcPts val="0"/>
-              </a:spcAft>
-              <a:buClr>
-                <a:srgbClr val="FFFFFF"/>
-              </a:buClr>
-              <a:buSzPts val="2400"/>
-              <a:buChar char="○"/>
-            </a:pPr>
-            <a:r>
-              <a:rPr lang="en" sz="2400">
-                <a:solidFill>
-                  <a:srgbClr val="FFFFFF"/>
-                </a:solidFill>
-              </a:rPr>
-              <a:t>Used for updating data on the server/db</a:t>
-            </a:r>
-            <a:endParaRPr sz="2400">
-              <a:solidFill>
-                <a:srgbClr val="FFFFFF"/>
-              </a:solidFill>
-            </a:endParaRPr>
-          </a:p>
-          <a:p>
-            <a:pPr indent="-381000" lvl="1" marL="914400" rtl="0">
-              <a:lnSpc>
-                <a:spcPct val="115000"/>
-              </a:lnSpc>
-              <a:spcBef>
-                <a:spcPts val="0"/>
-              </a:spcBef>
-              <a:spcAft>
-                <a:spcPts val="0"/>
-              </a:spcAft>
-              <a:buClr>
-                <a:srgbClr val="FFFFFF"/>
-              </a:buClr>
-              <a:buSzPts val="2400"/>
-              <a:buChar char="○"/>
-            </a:pPr>
-            <a:r>
-              <a:rPr lang="en" sz="2400">
-                <a:solidFill>
-                  <a:srgbClr val="FFFFFF"/>
-                </a:solidFill>
-              </a:rPr>
-              <a:t>Can change the state of data on the server</a:t>
-            </a:r>
-            <a:endParaRPr sz="2400">
-              <a:solidFill>
-                <a:srgbClr val="FFFFFF"/>
-              </a:solidFill>
-            </a:endParaRPr>
-          </a:p>
-          <a:p>
-            <a:pPr indent="0" lvl="0" marL="0" rtl="0">
-              <a:lnSpc>
-                <a:spcPct val="115000"/>
-              </a:lnSpc>
-              <a:spcBef>
-                <a:spcPts val="0"/>
-              </a:spcBef>
-              <a:spcAft>
-                <a:spcPts val="0"/>
-              </a:spcAft>
-              <a:buNone/>
-            </a:pPr>
-            <a:r>
-              <a:t/>
-            </a:r>
-            <a:endParaRPr sz="2200">
-              <a:solidFill>
-                <a:srgbClr val="FFFFFF"/>
-              </a:solidFill>
-            </a:endParaRPr>
-          </a:p>
-          <a:p>
-            <a:pPr indent="0" lvl="0" marL="0" rtl="0">
-              <a:lnSpc>
-                <a:spcPct val="115000"/>
-              </a:lnSpc>
-              <a:spcBef>
-                <a:spcPts val="0"/>
-              </a:spcBef>
-              <a:spcAft>
-                <a:spcPts val="0"/>
-              </a:spcAft>
-              <a:buNone/>
-            </a:pPr>
-            <a:r>
-              <a:t/>
-            </a:r>
-            <a:endParaRPr sz="2200">
-              <a:solidFill>
-                <a:srgbClr val="FFFFFF"/>
-              </a:solidFill>
-            </a:endParaRPr>
-          </a:p>
-          <a:p>
-            <a:pPr indent="0" lvl="0" marL="0" marR="0" rtl="0" algn="l">
-              <a:lnSpc>
-                <a:spcPct val="100000"/>
-              </a:lnSpc>
-              <a:spcBef>
-                <a:spcPts val="0"/>
-              </a:spcBef>
-              <a:spcAft>
-                <a:spcPts val="0"/>
-              </a:spcAft>
-              <a:buNone/>
-            </a:pPr>
-            <a:r>
-              <a:t/>
-            </a:r>
-            <a:endParaRPr sz="2400">
-              <a:solidFill>
-                <a:srgbClr val="FFFFFF"/>
-              </a:solidFill>
-            </a:endParaRPr>
-          </a:p>
-          <a:p>
-            <a:pPr indent="0" lvl="0" marL="0" rtl="0">
-              <a:spcBef>
-                <a:spcPts val="0"/>
-              </a:spcBef>
-              <a:spcAft>
-                <a:spcPts val="0"/>
-              </a:spcAft>
-              <a:buNone/>
-            </a:pPr>
-            <a:r>
-              <a:t/>
-            </a:r>
-            <a:endParaRPr sz="2400">
-              <a:solidFill>
-                <a:srgbClr val="FFFFFF"/>
-              </a:solidFill>
-            </a:endParaRPr>
           </a:p>
         </p:txBody>
       </p:sp>
     </p:spTree>
+    <p:extLst>
+      <p:ext uri="{BB962C8B-B14F-4D97-AF65-F5344CB8AC3E}">
+        <p14:creationId xmlns:p14="http://schemas.microsoft.com/office/powerpoint/2010/main" val="260465789"/>
+      </p:ext>
+    </p:extLst>
   </p:cSld>
   <p:clrMapOvr>
     <a:masterClrMapping/>
   </p:clrMapOvr>
-  <p:timing>
-    <p:tnLst>
-      <p:par>
-        <p:cTn dur="indefinite" nodeType="tmRoot" restart="never">
-          <p:childTnLst>
-            <p:seq concurrent="1" nextAc="seek">
-              <p:cTn dur="indefinite" id="2" nodeType="mainSeq">
-                <p:childTnLst>
-                  <p:par>
-                    <p:cTn fill="hold">
-                      <p:stCondLst>
-                        <p:cond delay="indefinite"/>
-                      </p:stCondLst>
-                      <p:childTnLst>
-                        <p:par>
-                          <p:cTn fill="hold">
-                            <p:stCondLst>
-                              <p:cond delay="0"/>
-                            </p:stCondLst>
-                            <p:childTnLst>
-                              <p:par>
-                                <p:cTn fill="hold" nodeType="clickEffect" presetClass="entr" presetID="10" presetSubtype="0">
-                                  <p:stCondLst>
-                                    <p:cond delay="0"/>
-                                  </p:stCondLst>
-                                  <p:childTnLst>
-                                    <p:set>
-                                      <p:cBhvr>
-                                        <p:cTn dur="1" fill="hold">
-                                          <p:stCondLst>
-                                            <p:cond delay="0"/>
-                                          </p:stCondLst>
-                                        </p:cTn>
-                                        <p:tgtEl>
-                                          <p:spTgt spid="68">
-                                            <p:txEl>
-                                              <p:pRg end="0" st="0"/>
-                                            </p:txEl>
-                                          </p:spTgt>
-                                        </p:tgtEl>
-                                        <p:attrNameLst>
-                                          <p:attrName>style.visibility</p:attrName>
-                                        </p:attrNameLst>
-                                      </p:cBhvr>
-                                      <p:to>
-                                        <p:strVal val="visible"/>
-                                      </p:to>
-                                    </p:set>
-                                    <p:animEffect filter="fade" transition="in">
-                                      <p:cBhvr>
-                                        <p:cTn dur="1000"/>
-                                        <p:tgtEl>
-                                          <p:spTgt spid="68">
-                                            <p:txEl>
-                                              <p:pRg end="0" st="0"/>
-                                            </p:txEl>
-                                          </p:spTgt>
-                                        </p:tgtEl>
-                                      </p:cBhvr>
-                                    </p:animEffect>
-                                  </p:childTnLst>
-                                </p:cTn>
-                              </p:par>
-                            </p:childTnLst>
-                          </p:cTn>
-                        </p:par>
-                      </p:childTnLst>
-                    </p:cTn>
-                  </p:par>
-                  <p:par>
-                    <p:cTn fill="hold">
-                      <p:stCondLst>
-                        <p:cond delay="indefinite"/>
-                      </p:stCondLst>
-                      <p:childTnLst>
-                        <p:par>
-                          <p:cTn fill="hold">
-                            <p:stCondLst>
-                              <p:cond delay="0"/>
-                            </p:stCondLst>
-                            <p:childTnLst>
-                              <p:par>
-                                <p:cTn fill="hold" nodeType="clickEffect" presetClass="entr" presetID="10" presetSubtype="0">
-                                  <p:stCondLst>
-                                    <p:cond delay="0"/>
-                                  </p:stCondLst>
-                                  <p:childTnLst>
-                                    <p:set>
-                                      <p:cBhvr>
-                                        <p:cTn dur="1" fill="hold">
-                                          <p:stCondLst>
-                                            <p:cond delay="0"/>
-                                          </p:stCondLst>
-                                        </p:cTn>
-                                        <p:tgtEl>
-                                          <p:spTgt spid="68">
-                                            <p:txEl>
-                                              <p:pRg end="1" st="1"/>
-                                            </p:txEl>
-                                          </p:spTgt>
-                                        </p:tgtEl>
-                                        <p:attrNameLst>
-                                          <p:attrName>style.visibility</p:attrName>
-                                        </p:attrNameLst>
-                                      </p:cBhvr>
-                                      <p:to>
-                                        <p:strVal val="visible"/>
-                                      </p:to>
-                                    </p:set>
-                                    <p:animEffect filter="fade" transition="in">
-                                      <p:cBhvr>
-                                        <p:cTn dur="1000"/>
-                                        <p:tgtEl>
-                                          <p:spTgt spid="68">
-                                            <p:txEl>
-                                              <p:pRg end="1" st="1"/>
-                                            </p:txEl>
-                                          </p:spTgt>
-                                        </p:tgtEl>
-                                      </p:cBhvr>
-                                    </p:animEffect>
-                                  </p:childTnLst>
-                                </p:cTn>
-                              </p:par>
-                            </p:childTnLst>
-                          </p:cTn>
-                        </p:par>
-                      </p:childTnLst>
-                    </p:cTn>
-                  </p:par>
-                  <p:par>
-                    <p:cTn fill="hold">
-                      <p:stCondLst>
-                        <p:cond delay="indefinite"/>
-                      </p:stCondLst>
-                      <p:childTnLst>
-                        <p:par>
-                          <p:cTn fill="hold">
-                            <p:stCondLst>
-                              <p:cond delay="0"/>
-                            </p:stCondLst>
-                            <p:childTnLst>
-                              <p:par>
-                                <p:cTn fill="hold" nodeType="clickEffect" presetClass="entr" presetID="10" presetSubtype="0">
-                                  <p:stCondLst>
-                                    <p:cond delay="0"/>
-                                  </p:stCondLst>
-                                  <p:childTnLst>
-                                    <p:set>
-                                      <p:cBhvr>
-                                        <p:cTn dur="1" fill="hold">
-                                          <p:stCondLst>
-                                            <p:cond delay="0"/>
-                                          </p:stCondLst>
-                                        </p:cTn>
-                                        <p:tgtEl>
-                                          <p:spTgt spid="68">
-                                            <p:txEl>
-                                              <p:pRg end="2" st="2"/>
-                                            </p:txEl>
-                                          </p:spTgt>
-                                        </p:tgtEl>
-                                        <p:attrNameLst>
-                                          <p:attrName>style.visibility</p:attrName>
-                                        </p:attrNameLst>
-                                      </p:cBhvr>
-                                      <p:to>
-                                        <p:strVal val="visible"/>
-                                      </p:to>
-                                    </p:set>
-                                    <p:animEffect filter="fade" transition="in">
-                                      <p:cBhvr>
-                                        <p:cTn dur="1000"/>
-                                        <p:tgtEl>
-                                          <p:spTgt spid="68">
-                                            <p:txEl>
-                                              <p:pRg end="2" st="2"/>
-                                            </p:txEl>
-                                          </p:spTgt>
-                                        </p:tgtEl>
-                                      </p:cBhvr>
-                                    </p:animEffect>
-                                  </p:childTnLst>
-                                </p:cTn>
-                              </p:par>
-                            </p:childTnLst>
-                          </p:cTn>
-                        </p:par>
-                      </p:childTnLst>
-                    </p:cTn>
-                  </p:par>
-                  <p:par>
-                    <p:cTn fill="hold">
-                      <p:stCondLst>
-                        <p:cond delay="indefinite"/>
-                      </p:stCondLst>
-                      <p:childTnLst>
-                        <p:par>
-                          <p:cTn fill="hold">
-                            <p:stCondLst>
-                              <p:cond delay="0"/>
-                            </p:stCondLst>
-                            <p:childTnLst>
-                              <p:par>
-                                <p:cTn fill="hold" nodeType="clickEffect" presetClass="entr" presetID="10" presetSubtype="0">
-                                  <p:stCondLst>
-                                    <p:cond delay="0"/>
-                                  </p:stCondLst>
-                                  <p:childTnLst>
-                                    <p:set>
-                                      <p:cBhvr>
-                                        <p:cTn dur="1" fill="hold">
-                                          <p:stCondLst>
-                                            <p:cond delay="0"/>
-                                          </p:stCondLst>
-                                        </p:cTn>
-                                        <p:tgtEl>
-                                          <p:spTgt spid="68">
-                                            <p:txEl>
-                                              <p:pRg end="3" st="3"/>
-                                            </p:txEl>
-                                          </p:spTgt>
-                                        </p:tgtEl>
-                                        <p:attrNameLst>
-                                          <p:attrName>style.visibility</p:attrName>
-                                        </p:attrNameLst>
-                                      </p:cBhvr>
-                                      <p:to>
-                                        <p:strVal val="visible"/>
-                                      </p:to>
-                                    </p:set>
-                                    <p:animEffect filter="fade" transition="in">
-                                      <p:cBhvr>
-                                        <p:cTn dur="1000"/>
-                                        <p:tgtEl>
-                                          <p:spTgt spid="68">
-                                            <p:txEl>
-                                              <p:pRg end="3" st="3"/>
-                                            </p:txEl>
-                                          </p:spTgt>
-                                        </p:tgtEl>
-                                      </p:cBhvr>
-                                    </p:animEffect>
-                                  </p:childTnLst>
-                                </p:cTn>
-                              </p:par>
-                            </p:childTnLst>
-                          </p:cTn>
-                        </p:par>
-                      </p:childTnLst>
-                    </p:cTn>
-                  </p:par>
-                  <p:par>
-                    <p:cTn fill="hold">
-                      <p:stCondLst>
-                        <p:cond delay="indefinite"/>
-                      </p:stCondLst>
-                      <p:childTnLst>
-                        <p:par>
-                          <p:cTn fill="hold">
-                            <p:stCondLst>
-                              <p:cond delay="0"/>
-                            </p:stCondLst>
-                            <p:childTnLst>
-                              <p:par>
-                                <p:cTn fill="hold" nodeType="clickEffect" presetClass="entr" presetID="10" presetSubtype="0">
-                                  <p:stCondLst>
-                                    <p:cond delay="0"/>
-                                  </p:stCondLst>
-                                  <p:childTnLst>
-                                    <p:set>
-                                      <p:cBhvr>
-                                        <p:cTn dur="1" fill="hold">
-                                          <p:stCondLst>
-                                            <p:cond delay="0"/>
-                                          </p:stCondLst>
-                                        </p:cTn>
-                                        <p:tgtEl>
-                                          <p:spTgt spid="68">
-                                            <p:txEl>
-                                              <p:pRg end="4" st="4"/>
-                                            </p:txEl>
-                                          </p:spTgt>
-                                        </p:tgtEl>
-                                        <p:attrNameLst>
-                                          <p:attrName>style.visibility</p:attrName>
-                                        </p:attrNameLst>
-                                      </p:cBhvr>
-                                      <p:to>
-                                        <p:strVal val="visible"/>
-                                      </p:to>
-                                    </p:set>
-                                    <p:animEffect filter="fade" transition="in">
-                                      <p:cBhvr>
-                                        <p:cTn dur="1000"/>
-                                        <p:tgtEl>
-                                          <p:spTgt spid="68">
-                                            <p:txEl>
-                                              <p:pRg end="4" st="4"/>
-                                            </p:txEl>
-                                          </p:spTgt>
-                                        </p:tgtEl>
-                                      </p:cBhvr>
-                                    </p:animEffect>
-                                  </p:childTnLst>
-                                </p:cTn>
-                              </p:par>
-                            </p:childTnLst>
-                          </p:cTn>
-                        </p:par>
-                      </p:childTnLst>
-                    </p:cTn>
-                  </p:par>
-                  <p:par>
-                    <p:cTn fill="hold">
-                      <p:stCondLst>
-                        <p:cond delay="indefinite"/>
-                      </p:stCondLst>
-                      <p:childTnLst>
-                        <p:par>
-                          <p:cTn fill="hold">
-                            <p:stCondLst>
-                              <p:cond delay="0"/>
-                            </p:stCondLst>
-                            <p:childTnLst>
-                              <p:par>
-                                <p:cTn fill="hold" nodeType="clickEffect" presetClass="entr" presetID="10" presetSubtype="0">
-                                  <p:stCondLst>
-                                    <p:cond delay="0"/>
-                                  </p:stCondLst>
-                                  <p:childTnLst>
-                                    <p:set>
-                                      <p:cBhvr>
-                                        <p:cTn dur="1" fill="hold">
-                                          <p:stCondLst>
-                                            <p:cond delay="0"/>
-                                          </p:stCondLst>
-                                        </p:cTn>
-                                        <p:tgtEl>
-                                          <p:spTgt spid="68">
-                                            <p:txEl>
-                                              <p:pRg end="5" st="5"/>
-                                            </p:txEl>
-                                          </p:spTgt>
-                                        </p:tgtEl>
-                                        <p:attrNameLst>
-                                          <p:attrName>style.visibility</p:attrName>
-                                        </p:attrNameLst>
-                                      </p:cBhvr>
-                                      <p:to>
-                                        <p:strVal val="visible"/>
-                                      </p:to>
-                                    </p:set>
-                                    <p:animEffect filter="fade" transition="in">
-                                      <p:cBhvr>
-                                        <p:cTn dur="1000"/>
-                                        <p:tgtEl>
-                                          <p:spTgt spid="68">
-                                            <p:txEl>
-                                              <p:pRg end="5" st="5"/>
-                                            </p:txEl>
-                                          </p:spTgt>
-                                        </p:tgtEl>
-                                      </p:cBhvr>
-                                    </p:animEffect>
-                                  </p:childTnLst>
-                                </p:cTn>
-                              </p:par>
-                            </p:childTnLst>
-                          </p:cTn>
-                        </p:par>
-                      </p:childTnLst>
-                    </p:cTn>
-                  </p:par>
-                  <p:par>
-                    <p:cTn fill="hold">
-                      <p:stCondLst>
-                        <p:cond delay="indefinite"/>
-                      </p:stCondLst>
-                      <p:childTnLst>
-                        <p:par>
-                          <p:cTn fill="hold">
-                            <p:stCondLst>
-                              <p:cond delay="0"/>
-                            </p:stCondLst>
-                            <p:childTnLst>
-                              <p:par>
-                                <p:cTn fill="hold" nodeType="clickEffect" presetClass="entr" presetID="10" presetSubtype="0">
-                                  <p:stCondLst>
-                                    <p:cond delay="0"/>
-                                  </p:stCondLst>
-                                  <p:childTnLst>
-                                    <p:set>
-                                      <p:cBhvr>
-                                        <p:cTn dur="1" fill="hold">
-                                          <p:stCondLst>
-                                            <p:cond delay="0"/>
-                                          </p:stCondLst>
-                                        </p:cTn>
-                                        <p:tgtEl>
-                                          <p:spTgt spid="68">
-                                            <p:txEl>
-                                              <p:pRg end="6" st="6"/>
-                                            </p:txEl>
-                                          </p:spTgt>
-                                        </p:tgtEl>
-                                        <p:attrNameLst>
-                                          <p:attrName>style.visibility</p:attrName>
-                                        </p:attrNameLst>
-                                      </p:cBhvr>
-                                      <p:to>
-                                        <p:strVal val="visible"/>
-                                      </p:to>
-                                    </p:set>
-                                    <p:animEffect filter="fade" transition="in">
-                                      <p:cBhvr>
-                                        <p:cTn dur="1000"/>
-                                        <p:tgtEl>
-                                          <p:spTgt spid="68">
-                                            <p:txEl>
-                                              <p:pRg end="6" st="6"/>
-                                            </p:txEl>
-                                          </p:spTgt>
-                                        </p:tgtEl>
-                                      </p:cBhvr>
-                                    </p:animEffect>
-                                  </p:childTnLst>
-                                </p:cTn>
-                              </p:par>
-                            </p:childTnLst>
-                          </p:cTn>
-                        </p:par>
-                      </p:childTnLst>
-                    </p:cTn>
-                  </p:par>
-                  <p:par>
-                    <p:cTn fill="hold">
-                      <p:stCondLst>
-                        <p:cond delay="indefinite"/>
-                      </p:stCondLst>
-                      <p:childTnLst>
-                        <p:par>
-                          <p:cTn fill="hold">
-                            <p:stCondLst>
-                              <p:cond delay="0"/>
-                            </p:stCondLst>
-                            <p:childTnLst>
-                              <p:par>
-                                <p:cTn fill="hold" nodeType="clickEffect" presetClass="entr" presetID="10" presetSubtype="0">
-                                  <p:stCondLst>
-                                    <p:cond delay="0"/>
-                                  </p:stCondLst>
-                                  <p:childTnLst>
-                                    <p:set>
-                                      <p:cBhvr>
-                                        <p:cTn dur="1" fill="hold">
-                                          <p:stCondLst>
-                                            <p:cond delay="0"/>
-                                          </p:stCondLst>
-                                        </p:cTn>
-                                        <p:tgtEl>
-                                          <p:spTgt spid="68">
-                                            <p:txEl>
-                                              <p:pRg end="7" st="7"/>
-                                            </p:txEl>
-                                          </p:spTgt>
-                                        </p:tgtEl>
-                                        <p:attrNameLst>
-                                          <p:attrName>style.visibility</p:attrName>
-                                        </p:attrNameLst>
-                                      </p:cBhvr>
-                                      <p:to>
-                                        <p:strVal val="visible"/>
-                                      </p:to>
-                                    </p:set>
-                                    <p:animEffect filter="fade" transition="in">
-                                      <p:cBhvr>
-                                        <p:cTn dur="1000"/>
-                                        <p:tgtEl>
-                                          <p:spTgt spid="68">
-                                            <p:txEl>
-                                              <p:pRg end="7" st="7"/>
-                                            </p:txEl>
-                                          </p:spTgt>
-                                        </p:tgtEl>
-                                      </p:cBhvr>
-                                    </p:animEffect>
-                                  </p:childTnLst>
-                                </p:cTn>
-                              </p:par>
-                            </p:childTnLst>
-                          </p:cTn>
-                        </p:par>
-                      </p:childTnLst>
-                    </p:cTn>
-                  </p:par>
-                  <p:par>
-                    <p:cTn fill="hold">
-                      <p:stCondLst>
-                        <p:cond delay="indefinite"/>
-                      </p:stCondLst>
-                      <p:childTnLst>
-                        <p:par>
-                          <p:cTn fill="hold">
-                            <p:stCondLst>
-                              <p:cond delay="0"/>
-                            </p:stCondLst>
-                            <p:childTnLst>
-                              <p:par>
-                                <p:cTn fill="hold" nodeType="clickEffect" presetClass="entr" presetID="10" presetSubtype="0">
-                                  <p:stCondLst>
-                                    <p:cond delay="0"/>
-                                  </p:stCondLst>
-                                  <p:childTnLst>
-                                    <p:set>
-                                      <p:cBhvr>
-                                        <p:cTn dur="1" fill="hold">
-                                          <p:stCondLst>
-                                            <p:cond delay="0"/>
-                                          </p:stCondLst>
-                                        </p:cTn>
-                                        <p:tgtEl>
-                                          <p:spTgt spid="68">
-                                            <p:txEl>
-                                              <p:pRg end="8" st="8"/>
-                                            </p:txEl>
-                                          </p:spTgt>
-                                        </p:tgtEl>
-                                        <p:attrNameLst>
-                                          <p:attrName>style.visibility</p:attrName>
-                                        </p:attrNameLst>
-                                      </p:cBhvr>
-                                      <p:to>
-                                        <p:strVal val="visible"/>
-                                      </p:to>
-                                    </p:set>
-                                    <p:animEffect filter="fade" transition="in">
-                                      <p:cBhvr>
-                                        <p:cTn dur="1000"/>
-                                        <p:tgtEl>
-                                          <p:spTgt spid="68">
-                                            <p:txEl>
-                                              <p:pRg end="8" st="8"/>
-                                            </p:txEl>
-                                          </p:spTgt>
-                                        </p:tgtEl>
-                                      </p:cBhvr>
-                                    </p:animEffect>
-                                  </p:childTnLst>
-                                </p:cTn>
-                              </p:par>
-                            </p:childTnLst>
-                          </p:cTn>
-                        </p:par>
-                      </p:childTnLst>
-                    </p:cTn>
-                  </p:par>
-                  <p:par>
-                    <p:cTn fill="hold">
-                      <p:stCondLst>
-                        <p:cond delay="indefinite"/>
-                      </p:stCondLst>
-                      <p:childTnLst>
-                        <p:par>
-                          <p:cTn fill="hold">
-                            <p:stCondLst>
-                              <p:cond delay="0"/>
-                            </p:stCondLst>
-                            <p:childTnLst>
-                              <p:par>
-                                <p:cTn fill="hold" nodeType="clickEffect" presetClass="entr" presetID="10" presetSubtype="0">
-                                  <p:stCondLst>
-                                    <p:cond delay="0"/>
-                                  </p:stCondLst>
-                                  <p:childTnLst>
-                                    <p:set>
-                                      <p:cBhvr>
-                                        <p:cTn dur="1" fill="hold">
-                                          <p:stCondLst>
-                                            <p:cond delay="0"/>
-                                          </p:stCondLst>
-                                        </p:cTn>
-                                        <p:tgtEl>
-                                          <p:spTgt spid="68">
-                                            <p:txEl>
-                                              <p:pRg end="9" st="9"/>
-                                            </p:txEl>
-                                          </p:spTgt>
-                                        </p:tgtEl>
-                                        <p:attrNameLst>
-                                          <p:attrName>style.visibility</p:attrName>
-                                        </p:attrNameLst>
-                                      </p:cBhvr>
-                                      <p:to>
-                                        <p:strVal val="visible"/>
-                                      </p:to>
-                                    </p:set>
-                                    <p:animEffect filter="fade" transition="in">
-                                      <p:cBhvr>
-                                        <p:cTn dur="1000"/>
-                                        <p:tgtEl>
-                                          <p:spTgt spid="68">
-                                            <p:txEl>
-                                              <p:pRg end="9" st="9"/>
-                                            </p:txEl>
-                                          </p:spTgt>
-                                        </p:tgtEl>
-                                      </p:cBhvr>
-                                    </p:animEffect>
-                                  </p:childTnLst>
-                                </p:cTn>
-                              </p:par>
-                            </p:childTnLst>
-                          </p:cTn>
-                        </p:par>
-                      </p:childTnLst>
-                    </p:cTn>
-                  </p:par>
-                  <p:par>
-                    <p:cTn fill="hold">
-                      <p:stCondLst>
-                        <p:cond delay="indefinite"/>
-                      </p:stCondLst>
-                      <p:childTnLst>
-                        <p:par>
-                          <p:cTn fill="hold">
-                            <p:stCondLst>
-                              <p:cond delay="0"/>
-                            </p:stCondLst>
-                            <p:childTnLst>
-                              <p:par>
-                                <p:cTn fill="hold" nodeType="clickEffect" presetClass="entr" presetID="10" presetSubtype="0">
-                                  <p:stCondLst>
-                                    <p:cond delay="0"/>
-                                  </p:stCondLst>
-                                  <p:childTnLst>
-                                    <p:set>
-                                      <p:cBhvr>
-                                        <p:cTn dur="1" fill="hold">
-                                          <p:stCondLst>
-                                            <p:cond delay="0"/>
-                                          </p:stCondLst>
-                                        </p:cTn>
-                                        <p:tgtEl>
-                                          <p:spTgt spid="68">
-                                            <p:txEl>
-                                              <p:pRg end="10" st="10"/>
-                                            </p:txEl>
-                                          </p:spTgt>
-                                        </p:tgtEl>
-                                        <p:attrNameLst>
-                                          <p:attrName>style.visibility</p:attrName>
-                                        </p:attrNameLst>
-                                      </p:cBhvr>
-                                      <p:to>
-                                        <p:strVal val="visible"/>
-                                      </p:to>
-                                    </p:set>
-                                    <p:animEffect filter="fade" transition="in">
-                                      <p:cBhvr>
-                                        <p:cTn dur="1000"/>
-                                        <p:tgtEl>
-                                          <p:spTgt spid="68">
-                                            <p:txEl>
-                                              <p:pRg end="10" st="10"/>
-                                            </p:txEl>
-                                          </p:spTgt>
-                                        </p:tgtEl>
-                                      </p:cBhvr>
-                                    </p:animEffect>
-                                  </p:childTnLst>
-                                </p:cTn>
-                              </p:par>
-                            </p:childTnLst>
-                          </p:cTn>
-                        </p:par>
-                      </p:childTnLst>
-                    </p:cTn>
-                  </p:par>
-                  <p:par>
-                    <p:cTn fill="hold">
-                      <p:stCondLst>
-                        <p:cond delay="indefinite"/>
-                      </p:stCondLst>
-                      <p:childTnLst>
-                        <p:par>
-                          <p:cTn fill="hold">
-                            <p:stCondLst>
-                              <p:cond delay="0"/>
-                            </p:stCondLst>
-                            <p:childTnLst>
-                              <p:par>
-                                <p:cTn fill="hold" nodeType="clickEffect" presetClass="entr" presetID="10" presetSubtype="0">
-                                  <p:stCondLst>
-                                    <p:cond delay="0"/>
-                                  </p:stCondLst>
-                                  <p:childTnLst>
-                                    <p:set>
-                                      <p:cBhvr>
-                                        <p:cTn dur="1" fill="hold">
-                                          <p:stCondLst>
-                                            <p:cond delay="0"/>
-                                          </p:stCondLst>
-                                        </p:cTn>
-                                        <p:tgtEl>
-                                          <p:spTgt spid="68">
-                                            <p:txEl>
-                                              <p:pRg end="11" st="11"/>
-                                            </p:txEl>
-                                          </p:spTgt>
-                                        </p:tgtEl>
-                                        <p:attrNameLst>
-                                          <p:attrName>style.visibility</p:attrName>
-                                        </p:attrNameLst>
-                                      </p:cBhvr>
-                                      <p:to>
-                                        <p:strVal val="visible"/>
-                                      </p:to>
-                                    </p:set>
-                                    <p:animEffect filter="fade" transition="in">
-                                      <p:cBhvr>
-                                        <p:cTn dur="1000"/>
-                                        <p:tgtEl>
-                                          <p:spTgt spid="68">
-                                            <p:txEl>
-                                              <p:pRg end="11" st="11"/>
-                                            </p:txEl>
-                                          </p:spTgt>
-                                        </p:tgtEl>
-                                      </p:cBhvr>
-                                    </p:animEffect>
-                                  </p:childTnLst>
-                                </p:cTn>
-                              </p:par>
-                            </p:childTnLst>
-                          </p:cTn>
-                        </p:par>
-                      </p:childTnLst>
-                    </p:cTn>
-                  </p:par>
-                </p:childTnLst>
-              </p:cTn>
-              <p:prevCondLst>
-                <p:cond evt="onPrev">
-                  <p:tgtEl>
-                    <p:sldTgt/>
-                  </p:tgtEl>
-                </p:cond>
-              </p:prevCondLst>
-              <p:nextCondLst>
-                <p:cond evt="onNext">
-                  <p:tgtEl>
-                    <p:sldTgt/>
-                  </p:tgtEl>
-                </p:cond>
-              </p:nextCondLst>
-            </p:seq>
-          </p:childTnLst>
-        </p:cTn>
-      </p:par>
-    </p:tnLst>
-  </p:timing>
 </p:sld>
 </file>
 
 <file path=ppt/theme/theme1.xml><?xml version="1.0" encoding="utf-8"?>
-<a:theme xmlns:a="http://schemas.openxmlformats.org/drawingml/2006/main" xmlns:r="http://schemas.openxmlformats.org/officeDocument/2006/relationships">
+<a:theme xmlns:a="http://schemas.openxmlformats.org/drawingml/2006/main" name="Simple Dark">
+  <a:themeElements>
+    <a:clrScheme name="Simple Dark">
+      <a:dk1>
+        <a:srgbClr val="FFFFFF"/>
+      </a:dk1>
+      <a:lt1>
+        <a:srgbClr val="212121"/>
+      </a:lt1>
+      <a:dk2>
+        <a:srgbClr val="303030"/>
+      </a:dk2>
+      <a:lt2>
+        <a:srgbClr val="ADADAD"/>
+      </a:lt2>
+      <a:accent1>
+        <a:srgbClr val="009688"/>
+      </a:accent1>
+      <a:accent2>
+        <a:srgbClr val="EEEEEE"/>
+      </a:accent2>
+      <a:accent3>
+        <a:srgbClr val="78909C"/>
+      </a:accent3>
+      <a:accent4>
+        <a:srgbClr val="FFAB40"/>
+      </a:accent4>
+      <a:accent5>
+        <a:srgbClr val="4DD0E1"/>
+      </a:accent5>
+      <a:accent6>
+        <a:srgbClr val="EEFF41"/>
+      </a:accent6>
+      <a:hlink>
+        <a:srgbClr val="4DD0E1"/>
+      </a:hlink>
+      <a:folHlink>
+        <a:srgbClr val="4DD0E1"/>
+      </a:folHlink>
+    </a:clrScheme>
+    <a:fontScheme name="Office">
+      <a:majorFont>
+        <a:latin typeface="Arial"/>
+        <a:ea typeface=""/>
+        <a:cs typeface=""/>
+        <a:font script="Jpan" typeface="ＭＳ Ｐゴシック"/>
+        <a:font script="Hang" typeface="맑은 고딕"/>
+        <a:font script="Hans" typeface="宋体"/>
+        <a:font script="Hant" typeface="新細明體"/>
+        <a:font script="Arab" typeface="Times New Roman"/>
+        <a:font script="Hebr" typeface="Times New Roman"/>
+        <a:font script="Thai" typeface="Angsana New"/>
+        <a:font script="Ethi" typeface="Nyala"/>
+        <a:font script="Beng" typeface="Vrinda"/>
+        <a:font script="Gujr" typeface="Shruti"/>
+        <a:font script="Khmr" typeface="MoolBoran"/>
+        <a:font script="Knda" typeface="Tunga"/>
+        <a:font script="Guru" typeface="Raavi"/>
+        <a:font script="Cans" typeface="Euphemia"/>
+        <a:font script="Cher" typeface="Plantagenet Cherokee"/>
+        <a:font script="Yiii" typeface="Microsoft Yi Baiti"/>
+        <a:font script="Tibt" typeface="Microsoft Himalaya"/>
+        <a:font script="Thaa" typeface="MV Boli"/>
+        <a:font script="Deva" typeface="Mangal"/>
+        <a:font script="Telu" typeface="Gautami"/>
+        <a:font script="Taml" typeface="Latha"/>
+        <a:font script="Syrc" typeface="Estrangelo Edessa"/>
+        <a:font script="Orya" typeface="Kalinga"/>
+        <a:font script="Mlym" typeface="Kartika"/>
+        <a:font script="Laoo" typeface="DokChampa"/>
+        <a:font script="Sinh" typeface="Iskoola Pota"/>
+        <a:font script="Mong" typeface="Mongolian Baiti"/>
+        <a:font script="Viet" typeface="Times New Roman"/>
+        <a:font script="Uigh" typeface="Microsoft Uighur"/>
+        <a:font script="Geor" typeface="Sylfaen"/>
+      </a:majorFont>
+      <a:minorFont>
+        <a:latin typeface="Arial"/>
+        <a:ea typeface=""/>
+        <a:cs typeface=""/>
+        <a:font script="Jpan" typeface="ＭＳ Ｐゴシック"/>
+        <a:font script="Hang" typeface="맑은 고딕"/>
+        <a:font script="Hans" typeface="宋体"/>
+        <a:font script="Hant" typeface="新細明體"/>
+        <a:font script="Arab" typeface="Arial"/>
+        <a:font script="Hebr" typeface="Arial"/>
+        <a:font script="Thai" typeface="Cordia New"/>
+        <a:font script="Ethi" typeface="Nyala"/>
+        <a:font script="Beng" typeface="Vrinda"/>
+        <a:font script="Gujr" typeface="Shruti"/>
+        <a:font script="Khmr" typeface="DaunPenh"/>
+        <a:font script="Knda" typeface="Tunga"/>
+        <a:font script="Guru" typeface="Raavi"/>
+        <a:font script="Cans" typeface="Euphemia"/>
+        <a:font script="Cher" typeface="Plantagenet Cherokee"/>
+        <a:font script="Yiii" typeface="Microsoft Yi Baiti"/>
+        <a:font script="Tibt" typeface="Microsoft Himalaya"/>
+        <a:font script="Thaa" typeface="MV Boli"/>
+        <a:font script="Deva" typeface="Mangal"/>
+        <a:font script="Telu" typeface="Gautami"/>
+        <a:font script="Taml" typeface="Latha"/>
+        <a:font script="Syrc" typeface="Estrangelo Edessa"/>
+        <a:font script="Orya" typeface="Kalinga"/>
+        <a:font script="Mlym" typeface="Kartika"/>
+        <a:font script="Laoo" typeface="DokChampa"/>
+        <a:font script="Sinh" typeface="Iskoola Pota"/>
+        <a:font script="Mong" typeface="Mongolian Baiti"/>
+        <a:font script="Viet" typeface="Arial"/>
+        <a:font script="Uigh" typeface="Microsoft Uighur"/>
+        <a:font script="Geor" typeface="Sylfaen"/>
+      </a:minorFont>
+    </a:fontScheme>
+    <a:fmtScheme name="Office">
+      <a:fillStyleLst>
+        <a:solidFill>
+          <a:schemeClr val="phClr"/>
+        </a:solidFill>
+        <a:gradFill rotWithShape="1">
+          <a:gsLst>
+            <a:gs pos="0">
+              <a:schemeClr val="phClr">
+                <a:tint val="50000"/>
+                <a:satMod val="300000"/>
+              </a:schemeClr>
+            </a:gs>
+            <a:gs pos="35000">
+              <a:schemeClr val="phClr">
+                <a:tint val="37000"/>
+                <a:satMod val="300000"/>
+              </a:schemeClr>
+            </a:gs>
+            <a:gs pos="100000">
+              <a:schemeClr val="phClr">
+                <a:tint val="15000"/>
+                <a:satMod val="350000"/>
+              </a:schemeClr>
+            </a:gs>
+          </a:gsLst>
+          <a:lin ang="16200000" scaled="1"/>
+        </a:gradFill>
+        <a:gradFill rotWithShape="1">
+          <a:gsLst>
+            <a:gs pos="0">
+              <a:schemeClr val="phClr">
+                <a:tint val="100000"/>
+                <a:shade val="100000"/>
+                <a:satMod val="130000"/>
+              </a:schemeClr>
+            </a:gs>
+            <a:gs pos="100000">
+              <a:schemeClr val="phClr">
+                <a:tint val="50000"/>
+                <a:shade val="100000"/>
+                <a:satMod val="350000"/>
+              </a:schemeClr>
+            </a:gs>
+          </a:gsLst>
+          <a:lin ang="16200000" scaled="0"/>
+        </a:gradFill>
+      </a:fillStyleLst>
+      <a:lnStyleLst>
+        <a:ln w="9525" cap="flat" cmpd="sng" algn="ctr">
+          <a:solidFill>
+            <a:schemeClr val="phClr">
+              <a:shade val="95000"/>
+              <a:satMod val="105000"/>
+            </a:schemeClr>
+          </a:solidFill>
+          <a:prstDash val="solid"/>
+        </a:ln>
+        <a:ln w="25400" cap="flat" cmpd="sng" algn="ctr">
+          <a:solidFill>
+            <a:schemeClr val="phClr"/>
+          </a:solidFill>
+          <a:prstDash val="solid"/>
+        </a:ln>
+        <a:ln w="38100" cap="flat" cmpd="sng" algn="ctr">
+          <a:solidFill>
+            <a:schemeClr val="phClr"/>
+          </a:solidFill>
+          <a:prstDash val="solid"/>
+        </a:ln>
+      </a:lnStyleLst>
+      <a:effectStyleLst>
+        <a:effectStyle>
+          <a:effectLst>
+            <a:outerShdw blurRad="40000" dist="20000" dir="5400000" rotWithShape="0">
+              <a:srgbClr val="000000">
+                <a:alpha val="38000"/>
+              </a:srgbClr>
+            </a:outerShdw>
+          </a:effectLst>
+        </a:effectStyle>
+        <a:effectStyle>
+          <a:effectLst>
+            <a:outerShdw blurRad="40000" dist="23000" dir="5400000" rotWithShape="0">
+              <a:srgbClr val="000000">
+                <a:alpha val="35000"/>
+              </a:srgbClr>
+            </a:outerShdw>
+          </a:effectLst>
+        </a:effectStyle>
+        <a:effectStyle>
+          <a:effectLst>
+            <a:outerShdw blurRad="40000" dist="23000" dir="5400000" rotWithShape="0">
+              <a:srgbClr val="000000">
+                <a:alpha val="35000"/>
+              </a:srgbClr>
+            </a:outerShdw>
+          </a:effectLst>
+          <a:scene3d>
+            <a:camera prst="orthographicFront">
+              <a:rot lat="0" lon="0" rev="0"/>
+            </a:camera>
+            <a:lightRig rig="threePt" dir="t">
+              <a:rot lat="0" lon="0" rev="1200000"/>
+            </a:lightRig>
+          </a:scene3d>
+          <a:sp3d>
+            <a:bevelT w="63500" h="25400"/>
+          </a:sp3d>
+        </a:effectStyle>
+      </a:effectStyleLst>
+      <a:bgFillStyleLst>
+        <a:solidFill>
+          <a:schemeClr val="phClr"/>
+        </a:solidFill>
+        <a:gradFill rotWithShape="1">
+          <a:gsLst>
+            <a:gs pos="0">
+              <a:schemeClr val="phClr">
+                <a:tint val="40000"/>
+                <a:satMod val="350000"/>
+              </a:schemeClr>
+            </a:gs>
+            <a:gs pos="40000">
+              <a:schemeClr val="phClr">
+                <a:tint val="45000"/>
+                <a:shade val="99000"/>
+                <a:satMod val="350000"/>
+              </a:schemeClr>
+            </a:gs>
+            <a:gs pos="100000">
+              <a:schemeClr val="phClr">
+                <a:shade val="20000"/>
+                <a:satMod val="255000"/>
+              </a:schemeClr>
+            </a:gs>
+          </a:gsLst>
+          <a:path path="circle">
+            <a:fillToRect l="50000" t="-80000" r="50000" b="180000"/>
+          </a:path>
+        </a:gradFill>
+        <a:gradFill rotWithShape="1">
+          <a:gsLst>
+            <a:gs pos="0">
+              <a:schemeClr val="phClr">
+                <a:tint val="80000"/>
+                <a:satMod val="300000"/>
+              </a:schemeClr>
+            </a:gs>
+            <a:gs pos="100000">
+              <a:schemeClr val="phClr">
+                <a:shade val="30000"/>
+                <a:satMod val="200000"/>
+              </a:schemeClr>
+            </a:gs>
+          </a:gsLst>
+          <a:path path="circle">
+            <a:fillToRect l="50000" t="50000" r="50000" b="50000"/>
+          </a:path>
+        </a:gradFill>
+      </a:bgFillStyleLst>
+    </a:fmtScheme>
+  </a:themeElements>
+  <a:objectDefaults/>
+  <a:extraClrSchemeLst/>
+</a:theme>
+</file>
+
+<file path=ppt/theme/theme2.xml><?xml version="1.0" encoding="utf-8"?>
+<a:theme xmlns:a="http://schemas.openxmlformats.org/drawingml/2006/main">
   <a:themeElements>
     <a:clrScheme name="Default">
       <a:dk1>
@@ -7891,284 +9435,7 @@
       </a:bgFillStyleLst>
     </a:fmtScheme>
   </a:themeElements>
-</a:theme>
-</file>
-
-<file path=ppt/theme/theme2.xml><?xml version="1.0" encoding="utf-8"?>
-<a:theme xmlns:a="http://schemas.openxmlformats.org/drawingml/2006/main" xmlns:r="http://schemas.openxmlformats.org/officeDocument/2006/relationships" name="Simple Dark">
-  <a:themeElements>
-    <a:clrScheme name="Simple Dark">
-      <a:dk1>
-        <a:srgbClr val="FFFFFF"/>
-      </a:dk1>
-      <a:lt1>
-        <a:srgbClr val="212121"/>
-      </a:lt1>
-      <a:dk2>
-        <a:srgbClr val="303030"/>
-      </a:dk2>
-      <a:lt2>
-        <a:srgbClr val="ADADAD"/>
-      </a:lt2>
-      <a:accent1>
-        <a:srgbClr val="009688"/>
-      </a:accent1>
-      <a:accent2>
-        <a:srgbClr val="EEEEEE"/>
-      </a:accent2>
-      <a:accent3>
-        <a:srgbClr val="78909C"/>
-      </a:accent3>
-      <a:accent4>
-        <a:srgbClr val="FFAB40"/>
-      </a:accent4>
-      <a:accent5>
-        <a:srgbClr val="4DD0E1"/>
-      </a:accent5>
-      <a:accent6>
-        <a:srgbClr val="EEFF41"/>
-      </a:accent6>
-      <a:hlink>
-        <a:srgbClr val="4DD0E1"/>
-      </a:hlink>
-      <a:folHlink>
-        <a:srgbClr val="4DD0E1"/>
-      </a:folHlink>
-    </a:clrScheme>
-    <a:fontScheme name="Office">
-      <a:majorFont>
-        <a:latin typeface="Arial"/>
-        <a:ea typeface=""/>
-        <a:cs typeface=""/>
-        <a:font script="Jpan" typeface="ＭＳ Ｐゴシック"/>
-        <a:font script="Hang" typeface="맑은 고딕"/>
-        <a:font script="Hans" typeface="宋体"/>
-        <a:font script="Hant" typeface="新細明體"/>
-        <a:font script="Arab" typeface="Times New Roman"/>
-        <a:font script="Hebr" typeface="Times New Roman"/>
-        <a:font script="Thai" typeface="Angsana New"/>
-        <a:font script="Ethi" typeface="Nyala"/>
-        <a:font script="Beng" typeface="Vrinda"/>
-        <a:font script="Gujr" typeface="Shruti"/>
-        <a:font script="Khmr" typeface="MoolBoran"/>
-        <a:font script="Knda" typeface="Tunga"/>
-        <a:font script="Guru" typeface="Raavi"/>
-        <a:font script="Cans" typeface="Euphemia"/>
-        <a:font script="Cher" typeface="Plantagenet Cherokee"/>
-        <a:font script="Yiii" typeface="Microsoft Yi Baiti"/>
-        <a:font script="Tibt" typeface="Microsoft Himalaya"/>
-        <a:font script="Thaa" typeface="MV Boli"/>
-        <a:font script="Deva" typeface="Mangal"/>
-        <a:font script="Telu" typeface="Gautami"/>
-        <a:font script="Taml" typeface="Latha"/>
-        <a:font script="Syrc" typeface="Estrangelo Edessa"/>
-        <a:font script="Orya" typeface="Kalinga"/>
-        <a:font script="Mlym" typeface="Kartika"/>
-        <a:font script="Laoo" typeface="DokChampa"/>
-        <a:font script="Sinh" typeface="Iskoola Pota"/>
-        <a:font script="Mong" typeface="Mongolian Baiti"/>
-        <a:font script="Viet" typeface="Times New Roman"/>
-        <a:font script="Uigh" typeface="Microsoft Uighur"/>
-        <a:font script="Geor" typeface="Sylfaen"/>
-      </a:majorFont>
-      <a:minorFont>
-        <a:latin typeface="Arial"/>
-        <a:ea typeface=""/>
-        <a:cs typeface=""/>
-        <a:font script="Jpan" typeface="ＭＳ Ｐゴシック"/>
-        <a:font script="Hang" typeface="맑은 고딕"/>
-        <a:font script="Hans" typeface="宋体"/>
-        <a:font script="Hant" typeface="新細明體"/>
-        <a:font script="Arab" typeface="Arial"/>
-        <a:font script="Hebr" typeface="Arial"/>
-        <a:font script="Thai" typeface="Cordia New"/>
-        <a:font script="Ethi" typeface="Nyala"/>
-        <a:font script="Beng" typeface="Vrinda"/>
-        <a:font script="Gujr" typeface="Shruti"/>
-        <a:font script="Khmr" typeface="DaunPenh"/>
-        <a:font script="Knda" typeface="Tunga"/>
-        <a:font script="Guru" typeface="Raavi"/>
-        <a:font script="Cans" typeface="Euphemia"/>
-        <a:font script="Cher" typeface="Plantagenet Cherokee"/>
-        <a:font script="Yiii" typeface="Microsoft Yi Baiti"/>
-        <a:font script="Tibt" typeface="Microsoft Himalaya"/>
-        <a:font script="Thaa" typeface="MV Boli"/>
-        <a:font script="Deva" typeface="Mangal"/>
-        <a:font script="Telu" typeface="Gautami"/>
-        <a:font script="Taml" typeface="Latha"/>
-        <a:font script="Syrc" typeface="Estrangelo Edessa"/>
-        <a:font script="Orya" typeface="Kalinga"/>
-        <a:font script="Mlym" typeface="Kartika"/>
-        <a:font script="Laoo" typeface="DokChampa"/>
-        <a:font script="Sinh" typeface="Iskoola Pota"/>
-        <a:font script="Mong" typeface="Mongolian Baiti"/>
-        <a:font script="Viet" typeface="Arial"/>
-        <a:font script="Uigh" typeface="Microsoft Uighur"/>
-        <a:font script="Geor" typeface="Sylfaen"/>
-      </a:minorFont>
-    </a:fontScheme>
-    <a:fmtScheme name="Office">
-      <a:fillStyleLst>
-        <a:solidFill>
-          <a:schemeClr val="phClr"/>
-        </a:solidFill>
-        <a:gradFill rotWithShape="1">
-          <a:gsLst>
-            <a:gs pos="0">
-              <a:schemeClr val="phClr">
-                <a:tint val="50000"/>
-                <a:satMod val="300000"/>
-              </a:schemeClr>
-            </a:gs>
-            <a:gs pos="35000">
-              <a:schemeClr val="phClr">
-                <a:tint val="37000"/>
-                <a:satMod val="300000"/>
-              </a:schemeClr>
-            </a:gs>
-            <a:gs pos="100000">
-              <a:schemeClr val="phClr">
-                <a:tint val="15000"/>
-                <a:satMod val="350000"/>
-              </a:schemeClr>
-            </a:gs>
-          </a:gsLst>
-          <a:lin ang="16200000" scaled="1"/>
-        </a:gradFill>
-        <a:gradFill rotWithShape="1">
-          <a:gsLst>
-            <a:gs pos="0">
-              <a:schemeClr val="phClr">
-                <a:tint val="100000"/>
-                <a:shade val="100000"/>
-                <a:satMod val="130000"/>
-              </a:schemeClr>
-            </a:gs>
-            <a:gs pos="100000">
-              <a:schemeClr val="phClr">
-                <a:tint val="50000"/>
-                <a:shade val="100000"/>
-                <a:satMod val="350000"/>
-              </a:schemeClr>
-            </a:gs>
-          </a:gsLst>
-          <a:lin ang="16200000" scaled="0"/>
-        </a:gradFill>
-      </a:fillStyleLst>
-      <a:lnStyleLst>
-        <a:ln w="9525" cap="flat" cmpd="sng" algn="ctr">
-          <a:solidFill>
-            <a:schemeClr val="phClr">
-              <a:shade val="95000"/>
-              <a:satMod val="105000"/>
-            </a:schemeClr>
-          </a:solidFill>
-          <a:prstDash val="solid"/>
-        </a:ln>
-        <a:ln w="25400" cap="flat" cmpd="sng" algn="ctr">
-          <a:solidFill>
-            <a:schemeClr val="phClr"/>
-          </a:solidFill>
-          <a:prstDash val="solid"/>
-        </a:ln>
-        <a:ln w="38100" cap="flat" cmpd="sng" algn="ctr">
-          <a:solidFill>
-            <a:schemeClr val="phClr"/>
-          </a:solidFill>
-          <a:prstDash val="solid"/>
-        </a:ln>
-      </a:lnStyleLst>
-      <a:effectStyleLst>
-        <a:effectStyle>
-          <a:effectLst>
-            <a:outerShdw blurRad="40000" dist="20000" dir="5400000" rotWithShape="0">
-              <a:srgbClr val="000000">
-                <a:alpha val="38000"/>
-              </a:srgbClr>
-            </a:outerShdw>
-          </a:effectLst>
-        </a:effectStyle>
-        <a:effectStyle>
-          <a:effectLst>
-            <a:outerShdw blurRad="40000" dist="23000" dir="5400000" rotWithShape="0">
-              <a:srgbClr val="000000">
-                <a:alpha val="35000"/>
-              </a:srgbClr>
-            </a:outerShdw>
-          </a:effectLst>
-        </a:effectStyle>
-        <a:effectStyle>
-          <a:effectLst>
-            <a:outerShdw blurRad="40000" dist="23000" dir="5400000" rotWithShape="0">
-              <a:srgbClr val="000000">
-                <a:alpha val="35000"/>
-              </a:srgbClr>
-            </a:outerShdw>
-          </a:effectLst>
-          <a:scene3d>
-            <a:camera prst="orthographicFront">
-              <a:rot lat="0" lon="0" rev="0"/>
-            </a:camera>
-            <a:lightRig rig="threePt" dir="t">
-              <a:rot lat="0" lon="0" rev="1200000"/>
-            </a:lightRig>
-          </a:scene3d>
-          <a:sp3d>
-            <a:bevelT w="63500" h="25400"/>
-          </a:sp3d>
-        </a:effectStyle>
-      </a:effectStyleLst>
-      <a:bgFillStyleLst>
-        <a:solidFill>
-          <a:schemeClr val="phClr"/>
-        </a:solidFill>
-        <a:gradFill rotWithShape="1">
-          <a:gsLst>
-            <a:gs pos="0">
-              <a:schemeClr val="phClr">
-                <a:tint val="40000"/>
-                <a:satMod val="350000"/>
-              </a:schemeClr>
-            </a:gs>
-            <a:gs pos="40000">
-              <a:schemeClr val="phClr">
-                <a:tint val="45000"/>
-                <a:shade val="99000"/>
-                <a:satMod val="350000"/>
-              </a:schemeClr>
-            </a:gs>
-            <a:gs pos="100000">
-              <a:schemeClr val="phClr">
-                <a:shade val="20000"/>
-                <a:satMod val="255000"/>
-              </a:schemeClr>
-            </a:gs>
-          </a:gsLst>
-          <a:path path="circle">
-            <a:fillToRect l="50000" t="-80000" r="50000" b="180000"/>
-          </a:path>
-        </a:gradFill>
-        <a:gradFill rotWithShape="1">
-          <a:gsLst>
-            <a:gs pos="0">
-              <a:schemeClr val="phClr">
-                <a:tint val="80000"/>
-                <a:satMod val="300000"/>
-              </a:schemeClr>
-            </a:gs>
-            <a:gs pos="100000">
-              <a:schemeClr val="phClr">
-                <a:shade val="30000"/>
-                <a:satMod val="200000"/>
-              </a:schemeClr>
-            </a:gs>
-          </a:gsLst>
-          <a:path path="circle">
-            <a:fillToRect l="50000" t="50000" r="50000" b="50000"/>
-          </a:path>
-        </a:gradFill>
-      </a:bgFillStyleLst>
-    </a:fmtScheme>
-  </a:themeElements>
+  <a:objectDefaults/>
+  <a:extraClrSchemeLst/>
 </a:theme>
 </file>
--- a/slides/Unit 2 - LC 101 - Class 4.pptx
+++ b/slides/Unit 2 - LC 101 - Class 4.pptx
@@ -5,7 +5,7 @@
     <p:sldMasterId id="2147483659" r:id="rId1"/>
   </p:sldMasterIdLst>
   <p:notesMasterIdLst>
-    <p:notesMasterId r:id="rId10"/>
+    <p:notesMasterId r:id="rId11"/>
   </p:notesMasterIdLst>
   <p:sldIdLst>
     <p:sldId id="263" r:id="rId2"/>
@@ -14,8 +14,9 @@
     <p:sldId id="260" r:id="rId5"/>
     <p:sldId id="256" r:id="rId6"/>
     <p:sldId id="258" r:id="rId7"/>
-    <p:sldId id="257" r:id="rId8"/>
-    <p:sldId id="264" r:id="rId9"/>
+    <p:sldId id="265" r:id="rId8"/>
+    <p:sldId id="257" r:id="rId9"/>
+    <p:sldId id="267" r:id="rId10"/>
   </p:sldIdLst>
   <p:sldSz cx="9144000" cy="5143500" type="screen16x9"/>
   <p:notesSz cx="6858000" cy="9144000"/>
@@ -248,6 +249,11 @@
       </a:defRPr>
     </a:lvl9pPr>
   </p:defaultTextStyle>
+  <p:extLst>
+    <p:ext uri="{EFAFB233-063F-42B5-8137-9DF3F51BA10A}">
+      <p15:sldGuideLst xmlns:p15="http://schemas.microsoft.com/office/powerpoint/2012/main"/>
+    </p:ext>
+  </p:extLst>
 </p:presentation>
 </file>
 
@@ -1176,7 +1182,7 @@
               </a:spcAft>
               <a:buNone/>
             </a:pPr>
-            <a:endParaRPr/>
+            <a:endParaRPr dirty="0"/>
           </a:p>
         </p:txBody>
       </p:sp>
@@ -1271,81 +1277,59 @@
           </a:bodyPr>
           <a:lstStyle/>
           <a:p>
-            <a:pPr marL="0" lvl="0" indent="0" rtl="0">
-              <a:spcBef>
-                <a:spcPts val="0"/>
-              </a:spcBef>
-              <a:spcAft>
-                <a:spcPts val="0"/>
-              </a:spcAft>
-              <a:buNone/>
+            <a:pPr marL="171450" lvl="0" indent="-171450" rtl="0">
+              <a:spcBef>
+                <a:spcPts val="0"/>
+              </a:spcBef>
+              <a:spcAft>
+                <a:spcPts val="0"/>
+              </a:spcAft>
             </a:pPr>
-            <a:endParaRPr/>
+            <a:r>
+              <a:rPr lang="en-US" dirty="0"/>
+              <a:t>Will use Flask in walkthrough.</a:t>
+            </a:r>
+          </a:p>
+          <a:p>
+            <a:pPr marL="171450" lvl="0" indent="-171450" rtl="0">
+              <a:spcBef>
+                <a:spcPts val="0"/>
+              </a:spcBef>
+              <a:spcAft>
+                <a:spcPts val="0"/>
+              </a:spcAft>
+            </a:pPr>
+            <a:r>
+              <a:rPr lang="en-US" dirty="0"/>
+              <a:t>Offer examples of using command line/git from Lecture 2</a:t>
+            </a:r>
+          </a:p>
+          <a:p>
+            <a:pPr marL="171450" lvl="0" indent="-171450" rtl="0">
+              <a:spcBef>
+                <a:spcPts val="0"/>
+              </a:spcBef>
+              <a:spcAft>
+                <a:spcPts val="0"/>
+              </a:spcAft>
+            </a:pPr>
+            <a:r>
+              <a:rPr lang="en-US" dirty="0"/>
+              <a:t>Will off example of </a:t>
+            </a:r>
+            <a:r>
+              <a:rPr lang="en-US" dirty="0" err="1"/>
+              <a:t>str.format</a:t>
+            </a:r>
+            <a:r>
+              <a:rPr lang="en-US" dirty="0"/>
+              <a:t> and Forms in Walkthrough</a:t>
+            </a:r>
+            <a:endParaRPr dirty="0"/>
           </a:p>
         </p:txBody>
       </p:sp>
     </p:spTree>
-  </p:cSld>
-  <p:clrMapOvr>
-    <a:masterClrMapping/>
-  </p:clrMapOvr>
-</p:notes>
-</file>
-
-<file path=ppt/notesSlides/notesSlide7.xml><?xml version="1.0" encoding="utf-8"?>
-<p:notes xmlns:a="http://schemas.openxmlformats.org/drawingml/2006/main" xmlns:r="http://schemas.openxmlformats.org/officeDocument/2006/relationships" xmlns:p="http://schemas.openxmlformats.org/presentationml/2006/main">
-  <p:cSld>
-    <p:spTree>
-      <p:nvGrpSpPr>
-        <p:cNvPr id="1" name=""/>
-        <p:cNvGrpSpPr/>
-        <p:nvPr/>
-      </p:nvGrpSpPr>
-      <p:grpSpPr>
-        <a:xfrm>
-          <a:off x="0" y="0"/>
-          <a:ext cx="0" cy="0"/>
-          <a:chOff x="0" y="0"/>
-          <a:chExt cx="0" cy="0"/>
-        </a:xfrm>
-      </p:grpSpPr>
-      <p:sp>
-        <p:nvSpPr>
-          <p:cNvPr id="2" name="Slide Image Placeholder 1"/>
-          <p:cNvSpPr>
-            <a:spLocks noGrp="1" noRot="1" noChangeAspect="1"/>
-          </p:cNvSpPr>
-          <p:nvPr>
-            <p:ph type="sldImg"/>
-          </p:nvPr>
-        </p:nvSpPr>
-        <p:spPr/>
-      </p:sp>
-      <p:sp>
-        <p:nvSpPr>
-          <p:cNvPr id="3" name="Notes Placeholder 2"/>
-          <p:cNvSpPr>
-            <a:spLocks noGrp="1"/>
-          </p:cNvSpPr>
-          <p:nvPr>
-            <p:ph type="body" idx="1"/>
-          </p:nvPr>
-        </p:nvSpPr>
-        <p:spPr/>
-        <p:txBody>
-          <a:bodyPr/>
-          <a:lstStyle/>
-          <a:p>
-            <a:endParaRPr lang="en-US"/>
-          </a:p>
-        </p:txBody>
-      </p:sp>
-    </p:spTree>
-    <p:extLst>
-      <p:ext uri="{BB962C8B-B14F-4D97-AF65-F5344CB8AC3E}">
-        <p14:creationId xmlns:p14="http://schemas.microsoft.com/office/powerpoint/2010/main" val="3752677964"/>
-      </p:ext>
-    </p:extLst>
   </p:cSld>
   <p:clrMapOvr>
     <a:masterClrMapping/>
@@ -5853,6 +5837,33 @@
                   <a:srgbClr val="FFFFFF"/>
                 </a:solidFill>
               </a:rPr>
+              <a:t>Small Summary</a:t>
+            </a:r>
+          </a:p>
+          <a:p>
+            <a:pPr marL="457200" marR="0" lvl="0" indent="-381000" algn="l" rtl="0">
+              <a:lnSpc>
+                <a:spcPct val="115000"/>
+              </a:lnSpc>
+              <a:spcBef>
+                <a:spcPts val="0"/>
+              </a:spcBef>
+              <a:spcAft>
+                <a:spcPts val="0"/>
+              </a:spcAft>
+              <a:buClr>
+                <a:srgbClr val="FFFFFF"/>
+              </a:buClr>
+              <a:buSzPts val="2400"/>
+              <a:buFont typeface="Arial"/>
+              <a:buChar char="●"/>
+            </a:pPr>
+            <a:r>
+              <a:rPr lang="en-US" sz="2400" dirty="0">
+                <a:solidFill>
+                  <a:srgbClr val="FFFFFF"/>
+                </a:solidFill>
+              </a:rPr>
               <a:t>Q&amp;A Session?</a:t>
             </a:r>
           </a:p>
@@ -6299,6 +6310,67 @@
                                           <p:spTgt spid="62">
                                             <p:txEl>
                                               <p:pRg st="4" end="4"/>
+                                            </p:txEl>
+                                          </p:spTgt>
+                                        </p:tgtEl>
+                                      </p:cBhvr>
+                                    </p:animEffect>
+                                  </p:childTnLst>
+                                </p:cTn>
+                              </p:par>
+                            </p:childTnLst>
+                          </p:cTn>
+                        </p:par>
+                      </p:childTnLst>
+                    </p:cTn>
+                  </p:par>
+                  <p:par>
+                    <p:cTn id="28" fill="hold">
+                      <p:stCondLst>
+                        <p:cond delay="indefinite"/>
+                      </p:stCondLst>
+                      <p:childTnLst>
+                        <p:par>
+                          <p:cTn id="29" fill="hold">
+                            <p:stCondLst>
+                              <p:cond delay="0"/>
+                            </p:stCondLst>
+                            <p:childTnLst>
+                              <p:par>
+                                <p:cTn id="30" presetID="10" presetClass="entr" presetSubtype="0" fill="hold" nodeType="clickEffect">
+                                  <p:stCondLst>
+                                    <p:cond delay="0"/>
+                                  </p:stCondLst>
+                                  <p:childTnLst>
+                                    <p:set>
+                                      <p:cBhvr>
+                                        <p:cTn id="31" dur="1" fill="hold">
+                                          <p:stCondLst>
+                                            <p:cond delay="0"/>
+                                          </p:stCondLst>
+                                        </p:cTn>
+                                        <p:tgtEl>
+                                          <p:spTgt spid="62">
+                                            <p:txEl>
+                                              <p:pRg st="5" end="5"/>
+                                            </p:txEl>
+                                          </p:spTgt>
+                                        </p:tgtEl>
+                                        <p:attrNameLst>
+                                          <p:attrName>style.visibility</p:attrName>
+                                        </p:attrNameLst>
+                                      </p:cBhvr>
+                                      <p:to>
+                                        <p:strVal val="visible"/>
+                                      </p:to>
+                                    </p:set>
+                                    <p:animEffect transition="in" filter="fade">
+                                      <p:cBhvr>
+                                        <p:cTn id="32" dur="1000"/>
+                                        <p:tgtEl>
+                                          <p:spTgt spid="62">
+                                            <p:txEl>
+                                              <p:pRg st="5" end="5"/>
                                             </p:txEl>
                                           </p:spTgt>
                                         </p:tgtEl>
@@ -8262,6 +8334,64 @@
   <p:cSld>
     <p:spTree>
       <p:nvGrpSpPr>
+        <p:cNvPr id="1" name=""/>
+        <p:cNvGrpSpPr/>
+        <p:nvPr/>
+      </p:nvGrpSpPr>
+      <p:grpSpPr>
+        <a:xfrm>
+          <a:off x="0" y="0"/>
+          <a:ext cx="0" cy="0"/>
+          <a:chOff x="0" y="0"/>
+          <a:chExt cx="0" cy="0"/>
+        </a:xfrm>
+      </p:grpSpPr>
+      <p:sp>
+        <p:nvSpPr>
+          <p:cNvPr id="2" name="Title 1">
+            <a:extLst>
+              <a:ext uri="{FF2B5EF4-FFF2-40B4-BE49-F238E27FC236}">
+                <a16:creationId xmlns:a16="http://schemas.microsoft.com/office/drawing/2014/main" id="{C51B2B44-E135-446B-8B96-DA63B6936F88}"/>
+              </a:ext>
+            </a:extLst>
+          </p:cNvPr>
+          <p:cNvSpPr>
+            <a:spLocks noGrp="1"/>
+          </p:cNvSpPr>
+          <p:nvPr>
+            <p:ph type="title"/>
+          </p:nvPr>
+        </p:nvSpPr>
+        <p:spPr/>
+        <p:txBody>
+          <a:bodyPr/>
+          <a:lstStyle/>
+          <a:p>
+            <a:r>
+              <a:rPr lang="en-US" dirty="0"/>
+              <a:t>GET Example using Google</a:t>
+            </a:r>
+          </a:p>
+        </p:txBody>
+      </p:sp>
+    </p:spTree>
+    <p:extLst>
+      <p:ext uri="{BB962C8B-B14F-4D97-AF65-F5344CB8AC3E}">
+        <p14:creationId xmlns:p14="http://schemas.microsoft.com/office/powerpoint/2010/main" val="2350996967"/>
+      </p:ext>
+    </p:extLst>
+  </p:cSld>
+  <p:clrMapOvr>
+    <a:masterClrMapping/>
+  </p:clrMapOvr>
+</p:sld>
+</file>
+
+<file path=ppt/slides/slide8.xml><?xml version="1.0" encoding="utf-8"?>
+<p:sld xmlns:a="http://schemas.openxmlformats.org/drawingml/2006/main" xmlns:r="http://schemas.openxmlformats.org/officeDocument/2006/relationships" xmlns:p="http://schemas.openxmlformats.org/presentationml/2006/main">
+  <p:cSld>
+    <p:spTree>
+      <p:nvGrpSpPr>
         <p:cNvPr id="1" name="Shape 60"/>
         <p:cNvGrpSpPr/>
         <p:nvPr/>
@@ -8820,7 +8950,7 @@
 </p:sld>
 </file>
 
-<file path=ppt/slides/slide8.xml><?xml version="1.0" encoding="utf-8"?>
+<file path=ppt/slides/slide9.xml><?xml version="1.0" encoding="utf-8"?>
 <p:sld xmlns:a="http://schemas.openxmlformats.org/drawingml/2006/main" xmlns:r="http://schemas.openxmlformats.org/officeDocument/2006/relationships" xmlns:p="http://schemas.openxmlformats.org/presentationml/2006/main">
   <p:cSld>
     <p:spTree>
@@ -8842,7 +8972,7 @@
           <p:cNvPr id="2" name="Title 1">
             <a:extLst>
               <a:ext uri="{FF2B5EF4-FFF2-40B4-BE49-F238E27FC236}">
-                <a16:creationId xmlns:a16="http://schemas.microsoft.com/office/drawing/2014/main" id="{C51B2B44-E135-446B-8B96-DA63B6936F88}"/>
+                <a16:creationId xmlns:a16="http://schemas.microsoft.com/office/drawing/2014/main" id="{D3D46DC7-C184-464B-B809-C8E976BB0589}"/>
               </a:ext>
             </a:extLst>
           </p:cNvPr>
@@ -8850,7 +8980,7 @@
             <a:spLocks noGrp="1"/>
           </p:cNvSpPr>
           <p:nvPr>
-            <p:ph type="title"/>
+            <p:ph type="ctrTitle"/>
           </p:nvPr>
         </p:nvSpPr>
         <p:spPr/>
@@ -8865,10 +8995,38 @@
           </a:p>
         </p:txBody>
       </p:sp>
+      <p:sp>
+        <p:nvSpPr>
+          <p:cNvPr id="3" name="Subtitle 2">
+            <a:extLst>
+              <a:ext uri="{FF2B5EF4-FFF2-40B4-BE49-F238E27FC236}">
+                <a16:creationId xmlns:a16="http://schemas.microsoft.com/office/drawing/2014/main" id="{C916B483-2E52-48C0-8F98-40CA656DB591}"/>
+              </a:ext>
+            </a:extLst>
+          </p:cNvPr>
+          <p:cNvSpPr>
+            <a:spLocks noGrp="1"/>
+          </p:cNvSpPr>
+          <p:nvPr>
+            <p:ph type="subTitle" idx="1"/>
+          </p:nvPr>
+        </p:nvSpPr>
+        <p:spPr/>
+        <p:txBody>
+          <a:bodyPr/>
+          <a:lstStyle/>
+          <a:p>
+            <a:r>
+              <a:rPr lang="en-US" dirty="0"/>
+              <a:t>Examples from Forms, Git, GET, and POST</a:t>
+            </a:r>
+          </a:p>
+        </p:txBody>
+      </p:sp>
     </p:spTree>
     <p:extLst>
       <p:ext uri="{BB962C8B-B14F-4D97-AF65-F5344CB8AC3E}">
-        <p14:creationId xmlns:p14="http://schemas.microsoft.com/office/powerpoint/2010/main" val="260465789"/>
+        <p14:creationId xmlns:p14="http://schemas.microsoft.com/office/powerpoint/2010/main" val="1469310686"/>
       </p:ext>
     </p:extLst>
   </p:cSld>

--- a/slides/Unit 2 - LC 101 - Class 4.pptx
+++ b/slides/Unit 2 - LC 101 - Class 4.pptx
@@ -5,7 +5,7 @@
     <p:sldMasterId id="2147483659" r:id="rId1"/>
   </p:sldMasterIdLst>
   <p:notesMasterIdLst>
-    <p:notesMasterId r:id="rId11"/>
+    <p:notesMasterId r:id="rId12"/>
   </p:notesMasterIdLst>
   <p:sldIdLst>
     <p:sldId id="263" r:id="rId2"/>
@@ -16,7 +16,8 @@
     <p:sldId id="258" r:id="rId7"/>
     <p:sldId id="265" r:id="rId8"/>
     <p:sldId id="257" r:id="rId9"/>
-    <p:sldId id="267" r:id="rId10"/>
+    <p:sldId id="268" r:id="rId10"/>
+    <p:sldId id="267" r:id="rId11"/>
   </p:sldIdLst>
   <p:sldSz cx="9144000" cy="5143500" type="screen16x9"/>
   <p:notesSz cx="6858000" cy="9144000"/>
@@ -1330,6 +1331,72 @@
         </p:txBody>
       </p:sp>
     </p:spTree>
+  </p:cSld>
+  <p:clrMapOvr>
+    <a:masterClrMapping/>
+  </p:clrMapOvr>
+</p:notes>
+</file>
+
+<file path=ppt/notesSlides/notesSlide7.xml><?xml version="1.0" encoding="utf-8"?>
+<p:notes xmlns:a="http://schemas.openxmlformats.org/drawingml/2006/main" xmlns:r="http://schemas.openxmlformats.org/officeDocument/2006/relationships" xmlns:p="http://schemas.openxmlformats.org/presentationml/2006/main">
+  <p:cSld>
+    <p:spTree>
+      <p:nvGrpSpPr>
+        <p:cNvPr id="1" name=""/>
+        <p:cNvGrpSpPr/>
+        <p:nvPr/>
+      </p:nvGrpSpPr>
+      <p:grpSpPr>
+        <a:xfrm>
+          <a:off x="0" y="0"/>
+          <a:ext cx="0" cy="0"/>
+          <a:chOff x="0" y="0"/>
+          <a:chExt cx="0" cy="0"/>
+        </a:xfrm>
+      </p:grpSpPr>
+      <p:sp>
+        <p:nvSpPr>
+          <p:cNvPr id="2" name="Slide Image Placeholder 1"/>
+          <p:cNvSpPr>
+            <a:spLocks noGrp="1" noRot="1" noChangeAspect="1"/>
+          </p:cNvSpPr>
+          <p:nvPr>
+            <p:ph type="sldImg"/>
+          </p:nvPr>
+        </p:nvSpPr>
+        <p:spPr>
+          <a:xfrm>
+            <a:off x="381000" y="685800"/>
+            <a:ext cx="6096000" cy="3429000"/>
+          </a:xfrm>
+        </p:spPr>
+      </p:sp>
+      <p:sp>
+        <p:nvSpPr>
+          <p:cNvPr id="3" name="Notes Placeholder 2"/>
+          <p:cNvSpPr>
+            <a:spLocks noGrp="1"/>
+          </p:cNvSpPr>
+          <p:nvPr>
+            <p:ph type="body" idx="1"/>
+          </p:nvPr>
+        </p:nvSpPr>
+        <p:spPr/>
+        <p:txBody>
+          <a:bodyPr/>
+          <a:lstStyle/>
+          <a:p>
+            <a:endParaRPr lang="en-US" dirty="0"/>
+          </a:p>
+        </p:txBody>
+      </p:sp>
+    </p:spTree>
+    <p:extLst>
+      <p:ext uri="{BB962C8B-B14F-4D97-AF65-F5344CB8AC3E}">
+        <p14:creationId xmlns:p14="http://schemas.microsoft.com/office/powerpoint/2010/main" val="2680917082"/>
+      </p:ext>
+    </p:extLst>
   </p:cSld>
   <p:clrMapOvr>
     <a:masterClrMapping/>
@@ -5667,6 +5734,92 @@
     <p:extLst>
       <p:ext uri="{BB962C8B-B14F-4D97-AF65-F5344CB8AC3E}">
         <p14:creationId xmlns:p14="http://schemas.microsoft.com/office/powerpoint/2010/main" val="3904958647"/>
+      </p:ext>
+    </p:extLst>
+  </p:cSld>
+  <p:clrMapOvr>
+    <a:masterClrMapping/>
+  </p:clrMapOvr>
+</p:sld>
+</file>
+
+<file path=ppt/slides/slide10.xml><?xml version="1.0" encoding="utf-8"?>
+<p:sld xmlns:a="http://schemas.openxmlformats.org/drawingml/2006/main" xmlns:r="http://schemas.openxmlformats.org/officeDocument/2006/relationships" xmlns:p="http://schemas.openxmlformats.org/presentationml/2006/main">
+  <p:cSld>
+    <p:spTree>
+      <p:nvGrpSpPr>
+        <p:cNvPr id="1" name=""/>
+        <p:cNvGrpSpPr/>
+        <p:nvPr/>
+      </p:nvGrpSpPr>
+      <p:grpSpPr>
+        <a:xfrm>
+          <a:off x="0" y="0"/>
+          <a:ext cx="0" cy="0"/>
+          <a:chOff x="0" y="0"/>
+          <a:chExt cx="0" cy="0"/>
+        </a:xfrm>
+      </p:grpSpPr>
+      <p:sp>
+        <p:nvSpPr>
+          <p:cNvPr id="2" name="Title 1">
+            <a:extLst>
+              <a:ext uri="{FF2B5EF4-FFF2-40B4-BE49-F238E27FC236}">
+                <a16:creationId xmlns:a16="http://schemas.microsoft.com/office/drawing/2014/main" id="{D3D46DC7-C184-464B-B809-C8E976BB0589}"/>
+              </a:ext>
+            </a:extLst>
+          </p:cNvPr>
+          <p:cNvSpPr>
+            <a:spLocks noGrp="1"/>
+          </p:cNvSpPr>
+          <p:nvPr>
+            <p:ph type="ctrTitle"/>
+          </p:nvPr>
+        </p:nvSpPr>
+        <p:spPr/>
+        <p:txBody>
+          <a:bodyPr/>
+          <a:lstStyle/>
+          <a:p>
+            <a:r>
+              <a:rPr lang="en-US" dirty="0"/>
+              <a:t>Studio Walkthrough</a:t>
+            </a:r>
+          </a:p>
+        </p:txBody>
+      </p:sp>
+      <p:sp>
+        <p:nvSpPr>
+          <p:cNvPr id="3" name="Subtitle 2">
+            <a:extLst>
+              <a:ext uri="{FF2B5EF4-FFF2-40B4-BE49-F238E27FC236}">
+                <a16:creationId xmlns:a16="http://schemas.microsoft.com/office/drawing/2014/main" id="{C916B483-2E52-48C0-8F98-40CA656DB591}"/>
+              </a:ext>
+            </a:extLst>
+          </p:cNvPr>
+          <p:cNvSpPr>
+            <a:spLocks noGrp="1"/>
+          </p:cNvSpPr>
+          <p:nvPr>
+            <p:ph type="subTitle" idx="1"/>
+          </p:nvPr>
+        </p:nvSpPr>
+        <p:spPr/>
+        <p:txBody>
+          <a:bodyPr/>
+          <a:lstStyle/>
+          <a:p>
+            <a:r>
+              <a:rPr lang="en-US" dirty="0"/>
+              <a:t>Examples from Forms, Git, GET, and POST</a:t>
+            </a:r>
+          </a:p>
+        </p:txBody>
+      </p:sp>
+    </p:spTree>
+    <p:extLst>
+      <p:ext uri="{BB962C8B-B14F-4D97-AF65-F5344CB8AC3E}">
+        <p14:creationId xmlns:p14="http://schemas.microsoft.com/office/powerpoint/2010/main" val="1469310686"/>
       </p:ext>
     </p:extLst>
   </p:cSld>
@@ -8972,7 +9125,7 @@
           <p:cNvPr id="2" name="Title 1">
             <a:extLst>
               <a:ext uri="{FF2B5EF4-FFF2-40B4-BE49-F238E27FC236}">
-                <a16:creationId xmlns:a16="http://schemas.microsoft.com/office/drawing/2014/main" id="{D3D46DC7-C184-464B-B809-C8E976BB0589}"/>
+                <a16:creationId xmlns:a16="http://schemas.microsoft.com/office/drawing/2014/main" id="{C51B2B44-E135-446B-8B96-DA63B6936F88}"/>
               </a:ext>
             </a:extLst>
           </p:cNvPr>
@@ -8980,7 +9133,7 @@
             <a:spLocks noGrp="1"/>
           </p:cNvSpPr>
           <p:nvPr>
-            <p:ph type="ctrTitle"/>
+            <p:ph type="title"/>
           </p:nvPr>
         </p:nvSpPr>
         <p:spPr/>
@@ -8989,44 +9142,17 @@
           <a:lstStyle/>
           <a:p>
             <a:r>
-              <a:rPr lang="en-US" dirty="0"/>
-              <a:t>Studio Walkthrough</a:t>
+              <a:rPr lang="en-US"/>
+              <a:t>Git Examples</a:t>
             </a:r>
-          </a:p>
-        </p:txBody>
-      </p:sp>
-      <p:sp>
-        <p:nvSpPr>
-          <p:cNvPr id="3" name="Subtitle 2">
-            <a:extLst>
-              <a:ext uri="{FF2B5EF4-FFF2-40B4-BE49-F238E27FC236}">
-                <a16:creationId xmlns:a16="http://schemas.microsoft.com/office/drawing/2014/main" id="{C916B483-2E52-48C0-8F98-40CA656DB591}"/>
-              </a:ext>
-            </a:extLst>
-          </p:cNvPr>
-          <p:cNvSpPr>
-            <a:spLocks noGrp="1"/>
-          </p:cNvSpPr>
-          <p:nvPr>
-            <p:ph type="subTitle" idx="1"/>
-          </p:nvPr>
-        </p:nvSpPr>
-        <p:spPr/>
-        <p:txBody>
-          <a:bodyPr/>
-          <a:lstStyle/>
-          <a:p>
-            <a:r>
-              <a:rPr lang="en-US" dirty="0"/>
-              <a:t>Examples from Forms, Git, GET, and POST</a:t>
-            </a:r>
+            <a:endParaRPr lang="en-US" dirty="0"/>
           </a:p>
         </p:txBody>
       </p:sp>
     </p:spTree>
     <p:extLst>
       <p:ext uri="{BB962C8B-B14F-4D97-AF65-F5344CB8AC3E}">
-        <p14:creationId xmlns:p14="http://schemas.microsoft.com/office/powerpoint/2010/main" val="1469310686"/>
+        <p14:creationId xmlns:p14="http://schemas.microsoft.com/office/powerpoint/2010/main" val="480554652"/>
       </p:ext>
     </p:extLst>
   </p:cSld>
